--- a/Advanced Test Driven Development.pptx
+++ b/Advanced Test Driven Development.pptx
@@ -15,13 +15,18 @@
     <p:sldId id="261" r:id="rId9"/>
     <p:sldId id="265" r:id="rId10"/>
     <p:sldId id="264" r:id="rId11"/>
-    <p:sldId id="266" r:id="rId12"/>
-    <p:sldId id="267" r:id="rId13"/>
-    <p:sldId id="268" r:id="rId14"/>
-    <p:sldId id="269" r:id="rId15"/>
-    <p:sldId id="270" r:id="rId16"/>
-    <p:sldId id="271" r:id="rId17"/>
-    <p:sldId id="272" r:id="rId18"/>
+    <p:sldId id="277" r:id="rId12"/>
+    <p:sldId id="273" r:id="rId13"/>
+    <p:sldId id="276" r:id="rId14"/>
+    <p:sldId id="274" r:id="rId15"/>
+    <p:sldId id="275" r:id="rId16"/>
+    <p:sldId id="266" r:id="rId17"/>
+    <p:sldId id="267" r:id="rId18"/>
+    <p:sldId id="268" r:id="rId19"/>
+    <p:sldId id="269" r:id="rId20"/>
+    <p:sldId id="270" r:id="rId21"/>
+    <p:sldId id="271" r:id="rId22"/>
+    <p:sldId id="272" r:id="rId23"/>
   </p:sldIdLst>
   <p:sldSz cx="9144000" cy="6858000" type="screen4x3"/>
   <p:notesSz cx="6858000" cy="9144000"/>
@@ -14053,10 +14058,679 @@
   <p:clrMapOvr>
     <a:masterClrMapping/>
   </p:clrMapOvr>
+  <mc:AlternateContent xmlns:mc="http://schemas.openxmlformats.org/markup-compatibility/2006">
+    <mc:Choice xmlns:p14="http://schemas.microsoft.com/office/powerpoint/2010/main" Requires="p14">
+      <p:transition spd="med" p14:dur="700">
+        <p:fade/>
+      </p:transition>
+    </mc:Choice>
+    <mc:Fallback>
+      <p:transition spd="med">
+        <p:fade/>
+      </p:transition>
+    </mc:Fallback>
+  </mc:AlternateContent>
+  <p:timing>
+    <p:tnLst>
+      <p:par>
+        <p:cTn id="1" dur="indefinite" restart="never" nodeType="tmRoot"/>
+      </p:par>
+    </p:tnLst>
+  </p:timing>
 </p:sld>
 </file>
 
 <file path=ppt/slides/slide11.xml><?xml version="1.0" encoding="utf-8"?>
+<p:sld xmlns:a="http://schemas.openxmlformats.org/drawingml/2006/main" xmlns:r="http://schemas.openxmlformats.org/officeDocument/2006/relationships" xmlns:p="http://schemas.openxmlformats.org/presentationml/2006/main">
+  <p:cSld>
+    <p:spTree>
+      <p:nvGrpSpPr>
+        <p:cNvPr id="1" name=""/>
+        <p:cNvGrpSpPr/>
+        <p:nvPr/>
+      </p:nvGrpSpPr>
+      <p:grpSpPr>
+        <a:xfrm>
+          <a:off x="0" y="0"/>
+          <a:ext cx="0" cy="0"/>
+          <a:chOff x="0" y="0"/>
+          <a:chExt cx="0" cy="0"/>
+        </a:xfrm>
+      </p:grpSpPr>
+      <p:sp>
+        <p:nvSpPr>
+          <p:cNvPr id="2" name="Title 1"/>
+          <p:cNvSpPr>
+            <a:spLocks noGrp="1"/>
+          </p:cNvSpPr>
+          <p:nvPr>
+            <p:ph type="title"/>
+          </p:nvPr>
+        </p:nvSpPr>
+        <p:spPr/>
+        <p:txBody>
+          <a:bodyPr>
+            <a:normAutofit fontScale="90000"/>
+          </a:bodyPr>
+          <a:lstStyle/>
+          <a:p>
+            <a:r>
+              <a:rPr lang="en-US" dirty="0" smtClean="0"/>
+              <a:t>Tim! Where did you get your coding super powers from?</a:t>
+            </a:r>
+            <a:endParaRPr lang="en-US" dirty="0"/>
+          </a:p>
+        </p:txBody>
+      </p:sp>
+    </p:spTree>
+    <p:extLst>
+      <p:ext uri="{BB962C8B-B14F-4D97-AF65-F5344CB8AC3E}">
+        <p14:creationId xmlns:p14="http://schemas.microsoft.com/office/powerpoint/2010/main" val="2554692259"/>
+      </p:ext>
+    </p:extLst>
+  </p:cSld>
+  <p:clrMapOvr>
+    <a:masterClrMapping/>
+  </p:clrMapOvr>
+  <mc:AlternateContent xmlns:mc="http://schemas.openxmlformats.org/markup-compatibility/2006">
+    <mc:Choice xmlns:p14="http://schemas.microsoft.com/office/powerpoint/2010/main" Requires="p14">
+      <p:transition spd="med" p14:dur="700">
+        <p:fade/>
+      </p:transition>
+    </mc:Choice>
+    <mc:Fallback>
+      <p:transition spd="med">
+        <p:fade/>
+      </p:transition>
+    </mc:Fallback>
+  </mc:AlternateContent>
+  <p:timing>
+    <p:tnLst>
+      <p:par>
+        <p:cTn id="1" dur="indefinite" restart="never" nodeType="tmRoot"/>
+      </p:par>
+    </p:tnLst>
+  </p:timing>
+</p:sld>
+</file>
+
+<file path=ppt/slides/slide12.xml><?xml version="1.0" encoding="utf-8"?>
+<p:sld xmlns:a="http://schemas.openxmlformats.org/drawingml/2006/main" xmlns:r="http://schemas.openxmlformats.org/officeDocument/2006/relationships" xmlns:p="http://schemas.openxmlformats.org/presentationml/2006/main">
+  <p:cSld>
+    <p:spTree>
+      <p:nvGrpSpPr>
+        <p:cNvPr id="1" name=""/>
+        <p:cNvGrpSpPr/>
+        <p:nvPr/>
+      </p:nvGrpSpPr>
+      <p:grpSpPr>
+        <a:xfrm>
+          <a:off x="0" y="0"/>
+          <a:ext cx="0" cy="0"/>
+          <a:chOff x="0" y="0"/>
+          <a:chExt cx="0" cy="0"/>
+        </a:xfrm>
+      </p:grpSpPr>
+      <p:sp>
+        <p:nvSpPr>
+          <p:cNvPr id="2" name="Title 1"/>
+          <p:cNvSpPr>
+            <a:spLocks noGrp="1"/>
+          </p:cNvSpPr>
+          <p:nvPr>
+            <p:ph type="title"/>
+          </p:nvPr>
+        </p:nvSpPr>
+        <p:spPr/>
+        <p:txBody>
+          <a:bodyPr>
+            <a:normAutofit fontScale="90000"/>
+          </a:bodyPr>
+          <a:lstStyle/>
+          <a:p>
+            <a:r>
+              <a:rPr lang="en-US" dirty="0" smtClean="0"/>
+              <a:t>Tim! Where did you get your coding super powers from?</a:t>
+            </a:r>
+            <a:endParaRPr lang="en-US" dirty="0"/>
+          </a:p>
+        </p:txBody>
+      </p:sp>
+      <p:pic>
+        <p:nvPicPr>
+          <p:cNvPr id="5" name="Picture 4"/>
+          <p:cNvPicPr>
+            <a:picLocks noChangeAspect="1"/>
+          </p:cNvPicPr>
+          <p:nvPr/>
+        </p:nvPicPr>
+        <p:blipFill>
+          <a:blip r:embed="rId2">
+            <a:extLst>
+              <a:ext uri="{28A0092B-C50C-407E-A947-70E740481C1C}">
+                <a14:useLocalDpi xmlns:a14="http://schemas.microsoft.com/office/drawing/2010/main" val="0"/>
+              </a:ext>
+            </a:extLst>
+          </a:blip>
+          <a:stretch>
+            <a:fillRect/>
+          </a:stretch>
+        </p:blipFill>
+        <p:spPr>
+          <a:xfrm>
+            <a:off x="3348498" y="2286000"/>
+            <a:ext cx="2447004" cy="2567101"/>
+          </a:xfrm>
+          <a:prstGeom prst="rect">
+            <a:avLst/>
+          </a:prstGeom>
+        </p:spPr>
+      </p:pic>
+    </p:spTree>
+    <p:extLst>
+      <p:ext uri="{BB962C8B-B14F-4D97-AF65-F5344CB8AC3E}">
+        <p14:creationId xmlns:p14="http://schemas.microsoft.com/office/powerpoint/2010/main" val="3262325135"/>
+      </p:ext>
+    </p:extLst>
+  </p:cSld>
+  <p:clrMapOvr>
+    <a:masterClrMapping/>
+  </p:clrMapOvr>
+  <mc:AlternateContent xmlns:mc="http://schemas.openxmlformats.org/markup-compatibility/2006">
+    <mc:Choice xmlns:p14="http://schemas.microsoft.com/office/powerpoint/2010/main" Requires="p14">
+      <p:transition spd="med" p14:dur="700">
+        <p:fade/>
+      </p:transition>
+    </mc:Choice>
+    <mc:Fallback>
+      <p:transition spd="med">
+        <p:fade/>
+      </p:transition>
+    </mc:Fallback>
+  </mc:AlternateContent>
+  <p:timing>
+    <p:tnLst>
+      <p:par>
+        <p:cTn id="1" dur="indefinite" restart="never" nodeType="tmRoot"/>
+      </p:par>
+    </p:tnLst>
+  </p:timing>
+</p:sld>
+</file>
+
+<file path=ppt/slides/slide13.xml><?xml version="1.0" encoding="utf-8"?>
+<p:sld xmlns:a="http://schemas.openxmlformats.org/drawingml/2006/main" xmlns:r="http://schemas.openxmlformats.org/officeDocument/2006/relationships" xmlns:p="http://schemas.openxmlformats.org/presentationml/2006/main">
+  <p:cSld>
+    <p:spTree>
+      <p:nvGrpSpPr>
+        <p:cNvPr id="1" name=""/>
+        <p:cNvGrpSpPr/>
+        <p:nvPr/>
+      </p:nvGrpSpPr>
+      <p:grpSpPr>
+        <a:xfrm>
+          <a:off x="0" y="0"/>
+          <a:ext cx="0" cy="0"/>
+          <a:chOff x="0" y="0"/>
+          <a:chExt cx="0" cy="0"/>
+        </a:xfrm>
+      </p:grpSpPr>
+      <p:sp>
+        <p:nvSpPr>
+          <p:cNvPr id="2" name="Title 1"/>
+          <p:cNvSpPr>
+            <a:spLocks noGrp="1"/>
+          </p:cNvSpPr>
+          <p:nvPr>
+            <p:ph type="title"/>
+          </p:nvPr>
+        </p:nvSpPr>
+        <p:spPr/>
+        <p:txBody>
+          <a:bodyPr>
+            <a:normAutofit fontScale="90000"/>
+          </a:bodyPr>
+          <a:lstStyle/>
+          <a:p>
+            <a:r>
+              <a:rPr lang="en-US" dirty="0" smtClean="0"/>
+              <a:t>Tim! Where did you get your coding super powers from?</a:t>
+            </a:r>
+            <a:endParaRPr lang="en-US" dirty="0"/>
+          </a:p>
+        </p:txBody>
+      </p:sp>
+      <p:pic>
+        <p:nvPicPr>
+          <p:cNvPr id="5" name="Picture 4"/>
+          <p:cNvPicPr>
+            <a:picLocks noChangeAspect="1"/>
+          </p:cNvPicPr>
+          <p:nvPr/>
+        </p:nvPicPr>
+        <p:blipFill>
+          <a:blip r:embed="rId2">
+            <a:extLst>
+              <a:ext uri="{28A0092B-C50C-407E-A947-70E740481C1C}">
+                <a14:useLocalDpi xmlns:a14="http://schemas.microsoft.com/office/drawing/2010/main" val="0"/>
+              </a:ext>
+            </a:extLst>
+          </a:blip>
+          <a:stretch>
+            <a:fillRect/>
+          </a:stretch>
+        </p:blipFill>
+        <p:spPr>
+          <a:xfrm>
+            <a:off x="3348498" y="2286000"/>
+            <a:ext cx="2447004" cy="2567101"/>
+          </a:xfrm>
+          <a:prstGeom prst="rect">
+            <a:avLst/>
+          </a:prstGeom>
+        </p:spPr>
+      </p:pic>
+      <p:sp>
+        <p:nvSpPr>
+          <p:cNvPr id="39" name="TextBox 38"/>
+          <p:cNvSpPr txBox="1"/>
+          <p:nvPr/>
+        </p:nvSpPr>
+        <p:spPr>
+          <a:xfrm>
+            <a:off x="582438" y="5334000"/>
+            <a:ext cx="2998962" cy="646331"/>
+          </a:xfrm>
+          <a:prstGeom prst="rect">
+            <a:avLst/>
+          </a:prstGeom>
+          <a:noFill/>
+        </p:spPr>
+        <p:txBody>
+          <a:bodyPr wrap="square" rtlCol="0">
+            <a:spAutoFit/>
+          </a:bodyPr>
+          <a:lstStyle/>
+          <a:p>
+            <a:r>
+              <a:rPr lang="en-US" b="1" dirty="0" smtClean="0">
+                <a:solidFill>
+                  <a:schemeClr val="accent3">
+                    <a:lumMod val="50000"/>
+                  </a:schemeClr>
+                </a:solidFill>
+                <a:latin typeface="MV Boli" pitchFamily="2" charset="0"/>
+                <a:cs typeface="MV Boli" pitchFamily="2" charset="0"/>
+              </a:rPr>
+              <a:t>You doubt he’s a Guru?</a:t>
+            </a:r>
+          </a:p>
+          <a:p>
+            <a:r>
+              <a:rPr lang="en-US" b="1" dirty="0" smtClean="0">
+                <a:solidFill>
+                  <a:schemeClr val="accent3">
+                    <a:lumMod val="50000"/>
+                  </a:schemeClr>
+                </a:solidFill>
+                <a:latin typeface="MV Boli" pitchFamily="2" charset="0"/>
+                <a:cs typeface="MV Boli" pitchFamily="2" charset="0"/>
+              </a:rPr>
+              <a:t>Guru’s are always bald!</a:t>
+            </a:r>
+          </a:p>
+        </p:txBody>
+      </p:sp>
+      <p:sp>
+        <p:nvSpPr>
+          <p:cNvPr id="40" name="Bent Arrow 39"/>
+          <p:cNvSpPr/>
+          <p:nvPr/>
+        </p:nvSpPr>
+        <p:spPr>
+          <a:xfrm>
+            <a:off x="1295400" y="2286000"/>
+            <a:ext cx="1981200" cy="3048000"/>
+          </a:xfrm>
+          <a:prstGeom prst="bentArrow">
+            <a:avLst>
+              <a:gd name="adj1" fmla="val 13846"/>
+              <a:gd name="adj2" fmla="val 14808"/>
+              <a:gd name="adj3" fmla="val 39231"/>
+              <a:gd name="adj4" fmla="val 37212"/>
+            </a:avLst>
+          </a:prstGeom>
+        </p:spPr>
+        <p:style>
+          <a:lnRef idx="2">
+            <a:schemeClr val="accent1">
+              <a:shade val="50000"/>
+            </a:schemeClr>
+          </a:lnRef>
+          <a:fillRef idx="1">
+            <a:schemeClr val="accent1"/>
+          </a:fillRef>
+          <a:effectRef idx="0">
+            <a:schemeClr val="accent1"/>
+          </a:effectRef>
+          <a:fontRef idx="minor">
+            <a:schemeClr val="lt1"/>
+          </a:fontRef>
+        </p:style>
+        <p:txBody>
+          <a:bodyPr rtlCol="0" anchor="ctr"/>
+          <a:lstStyle/>
+          <a:p>
+            <a:pPr algn="ctr"/>
+            <a:endParaRPr lang="en-US">
+              <a:solidFill>
+                <a:schemeClr val="tx1"/>
+              </a:solidFill>
+            </a:endParaRPr>
+          </a:p>
+        </p:txBody>
+      </p:sp>
+    </p:spTree>
+    <p:extLst>
+      <p:ext uri="{BB962C8B-B14F-4D97-AF65-F5344CB8AC3E}">
+        <p14:creationId xmlns:p14="http://schemas.microsoft.com/office/powerpoint/2010/main" val="856390092"/>
+      </p:ext>
+    </p:extLst>
+  </p:cSld>
+  <p:clrMapOvr>
+    <a:masterClrMapping/>
+  </p:clrMapOvr>
+  <mc:AlternateContent xmlns:mc="http://schemas.openxmlformats.org/markup-compatibility/2006">
+    <mc:Choice xmlns:p14="http://schemas.microsoft.com/office/powerpoint/2010/main" Requires="p14">
+      <p:transition spd="med" p14:dur="700">
+        <p:fade/>
+      </p:transition>
+    </mc:Choice>
+    <mc:Fallback>
+      <p:transition spd="med">
+        <p:fade/>
+      </p:transition>
+    </mc:Fallback>
+  </mc:AlternateContent>
+  <p:timing>
+    <p:tnLst>
+      <p:par>
+        <p:cTn id="1" dur="indefinite" restart="never" nodeType="tmRoot"/>
+      </p:par>
+    </p:tnLst>
+  </p:timing>
+</p:sld>
+</file>
+
+<file path=ppt/slides/slide14.xml><?xml version="1.0" encoding="utf-8"?>
+<p:sld xmlns:a="http://schemas.openxmlformats.org/drawingml/2006/main" xmlns:r="http://schemas.openxmlformats.org/officeDocument/2006/relationships" xmlns:p="http://schemas.openxmlformats.org/presentationml/2006/main">
+  <p:cSld>
+    <p:spTree>
+      <p:nvGrpSpPr>
+        <p:cNvPr id="1" name=""/>
+        <p:cNvGrpSpPr/>
+        <p:nvPr/>
+      </p:nvGrpSpPr>
+      <p:grpSpPr>
+        <a:xfrm>
+          <a:off x="0" y="0"/>
+          <a:ext cx="0" cy="0"/>
+          <a:chOff x="0" y="0"/>
+          <a:chExt cx="0" cy="0"/>
+        </a:xfrm>
+      </p:grpSpPr>
+      <p:sp>
+        <p:nvSpPr>
+          <p:cNvPr id="2" name="Title 1"/>
+          <p:cNvSpPr>
+            <a:spLocks noGrp="1"/>
+          </p:cNvSpPr>
+          <p:nvPr>
+            <p:ph type="title"/>
+          </p:nvPr>
+        </p:nvSpPr>
+        <p:spPr/>
+        <p:txBody>
+          <a:bodyPr>
+            <a:normAutofit fontScale="90000"/>
+          </a:bodyPr>
+          <a:lstStyle/>
+          <a:p>
+            <a:r>
+              <a:rPr lang="en-US" dirty="0" smtClean="0"/>
+              <a:t>Tim! Where did you get your coding super powers from?</a:t>
+            </a:r>
+            <a:endParaRPr lang="en-US" dirty="0"/>
+          </a:p>
+        </p:txBody>
+      </p:sp>
+      <p:pic>
+        <p:nvPicPr>
+          <p:cNvPr id="4" name="Picture 3"/>
+          <p:cNvPicPr>
+            <a:picLocks noChangeAspect="1"/>
+          </p:cNvPicPr>
+          <p:nvPr/>
+        </p:nvPicPr>
+        <p:blipFill>
+          <a:blip r:embed="rId2">
+            <a:extLst>
+              <a:ext uri="{28A0092B-C50C-407E-A947-70E740481C1C}">
+                <a14:useLocalDpi xmlns:a14="http://schemas.microsoft.com/office/drawing/2010/main" val="0"/>
+              </a:ext>
+            </a:extLst>
+          </a:blip>
+          <a:stretch>
+            <a:fillRect/>
+          </a:stretch>
+        </p:blipFill>
+        <p:spPr>
+          <a:xfrm>
+            <a:off x="3348498" y="2286000"/>
+            <a:ext cx="2447004" cy="2567101"/>
+          </a:xfrm>
+          <a:prstGeom prst="rect">
+            <a:avLst/>
+          </a:prstGeom>
+        </p:spPr>
+      </p:pic>
+      <p:pic>
+        <p:nvPicPr>
+          <p:cNvPr id="3" name="Picture 2"/>
+          <p:cNvPicPr>
+            <a:picLocks noChangeAspect="1"/>
+          </p:cNvPicPr>
+          <p:nvPr/>
+        </p:nvPicPr>
+        <p:blipFill>
+          <a:blip r:embed="rId3">
+            <a:extLst>
+              <a:ext uri="{28A0092B-C50C-407E-A947-70E740481C1C}">
+                <a14:useLocalDpi xmlns:a14="http://schemas.microsoft.com/office/drawing/2010/main" val="0"/>
+              </a:ext>
+            </a:extLst>
+          </a:blip>
+          <a:stretch>
+            <a:fillRect/>
+          </a:stretch>
+        </p:blipFill>
+        <p:spPr>
+          <a:xfrm>
+            <a:off x="2633186" y="4942799"/>
+            <a:ext cx="3877628" cy="1263115"/>
+          </a:xfrm>
+          <a:prstGeom prst="rect">
+            <a:avLst/>
+          </a:prstGeom>
+        </p:spPr>
+      </p:pic>
+    </p:spTree>
+    <p:extLst>
+      <p:ext uri="{BB962C8B-B14F-4D97-AF65-F5344CB8AC3E}">
+        <p14:creationId xmlns:p14="http://schemas.microsoft.com/office/powerpoint/2010/main" val="3467972846"/>
+      </p:ext>
+    </p:extLst>
+  </p:cSld>
+  <p:clrMapOvr>
+    <a:masterClrMapping/>
+  </p:clrMapOvr>
+  <mc:AlternateContent xmlns:mc="http://schemas.openxmlformats.org/markup-compatibility/2006">
+    <mc:Choice xmlns:p14="http://schemas.microsoft.com/office/powerpoint/2010/main" Requires="p14">
+      <p:transition spd="med" p14:dur="700">
+        <p:fade/>
+      </p:transition>
+    </mc:Choice>
+    <mc:Fallback>
+      <p:transition spd="med">
+        <p:fade/>
+      </p:transition>
+    </mc:Fallback>
+  </mc:AlternateContent>
+  <p:timing>
+    <p:tnLst>
+      <p:par>
+        <p:cTn id="1" dur="indefinite" restart="never" nodeType="tmRoot"/>
+      </p:par>
+    </p:tnLst>
+  </p:timing>
+</p:sld>
+</file>
+
+<file path=ppt/slides/slide15.xml><?xml version="1.0" encoding="utf-8"?>
+<p:sld xmlns:a="http://schemas.openxmlformats.org/drawingml/2006/main" xmlns:r="http://schemas.openxmlformats.org/officeDocument/2006/relationships" xmlns:p="http://schemas.openxmlformats.org/presentationml/2006/main">
+  <p:cSld>
+    <p:spTree>
+      <p:nvGrpSpPr>
+        <p:cNvPr id="1" name=""/>
+        <p:cNvGrpSpPr/>
+        <p:nvPr/>
+      </p:nvGrpSpPr>
+      <p:grpSpPr>
+        <a:xfrm>
+          <a:off x="0" y="0"/>
+          <a:ext cx="0" cy="0"/>
+          <a:chOff x="0" y="0"/>
+          <a:chExt cx="0" cy="0"/>
+        </a:xfrm>
+      </p:grpSpPr>
+      <p:sp>
+        <p:nvSpPr>
+          <p:cNvPr id="2" name="Title 1"/>
+          <p:cNvSpPr>
+            <a:spLocks noGrp="1"/>
+          </p:cNvSpPr>
+          <p:nvPr>
+            <p:ph type="title"/>
+          </p:nvPr>
+        </p:nvSpPr>
+        <p:spPr/>
+        <p:txBody>
+          <a:bodyPr>
+            <a:normAutofit fontScale="90000"/>
+          </a:bodyPr>
+          <a:lstStyle/>
+          <a:p>
+            <a:r>
+              <a:rPr lang="en-US" dirty="0" smtClean="0"/>
+              <a:t>Tim! Where did you get your coding super powers from?</a:t>
+            </a:r>
+            <a:endParaRPr lang="en-US" dirty="0"/>
+          </a:p>
+        </p:txBody>
+      </p:sp>
+      <p:pic>
+        <p:nvPicPr>
+          <p:cNvPr id="5" name="Picture 4"/>
+          <p:cNvPicPr>
+            <a:picLocks noChangeAspect="1"/>
+          </p:cNvPicPr>
+          <p:nvPr/>
+        </p:nvPicPr>
+        <p:blipFill>
+          <a:blip r:embed="rId2">
+            <a:extLst>
+              <a:ext uri="{28A0092B-C50C-407E-A947-70E740481C1C}">
+                <a14:useLocalDpi xmlns:a14="http://schemas.microsoft.com/office/drawing/2010/main" val="0"/>
+              </a:ext>
+            </a:extLst>
+          </a:blip>
+          <a:stretch>
+            <a:fillRect/>
+          </a:stretch>
+        </p:blipFill>
+        <p:spPr>
+          <a:xfrm>
+            <a:off x="2633186" y="4942799"/>
+            <a:ext cx="3877628" cy="1263115"/>
+          </a:xfrm>
+          <a:prstGeom prst="rect">
+            <a:avLst/>
+          </a:prstGeom>
+        </p:spPr>
+      </p:pic>
+      <p:pic>
+        <p:nvPicPr>
+          <p:cNvPr id="3" name="Picture 2"/>
+          <p:cNvPicPr>
+            <a:picLocks noChangeAspect="1"/>
+          </p:cNvPicPr>
+          <p:nvPr/>
+        </p:nvPicPr>
+        <p:blipFill>
+          <a:blip r:embed="rId3">
+            <a:extLst>
+              <a:ext uri="{28A0092B-C50C-407E-A947-70E740481C1C}">
+                <a14:useLocalDpi xmlns:a14="http://schemas.microsoft.com/office/drawing/2010/main" val="0"/>
+              </a:ext>
+            </a:extLst>
+          </a:blip>
+          <a:stretch>
+            <a:fillRect/>
+          </a:stretch>
+        </p:blipFill>
+        <p:spPr>
+          <a:xfrm>
+            <a:off x="3274449" y="2286000"/>
+            <a:ext cx="2595102" cy="2595102"/>
+          </a:xfrm>
+          <a:prstGeom prst="rect">
+            <a:avLst/>
+          </a:prstGeom>
+        </p:spPr>
+      </p:pic>
+    </p:spTree>
+    <p:extLst>
+      <p:ext uri="{BB962C8B-B14F-4D97-AF65-F5344CB8AC3E}">
+        <p14:creationId xmlns:p14="http://schemas.microsoft.com/office/powerpoint/2010/main" val="3467972846"/>
+      </p:ext>
+    </p:extLst>
+  </p:cSld>
+  <p:clrMapOvr>
+    <a:masterClrMapping/>
+  </p:clrMapOvr>
+  <mc:AlternateContent xmlns:mc="http://schemas.openxmlformats.org/markup-compatibility/2006">
+    <mc:Choice xmlns:p14="http://schemas.microsoft.com/office/powerpoint/2010/main" Requires="p14">
+      <p:transition spd="med" p14:dur="700">
+        <p:fade/>
+      </p:transition>
+    </mc:Choice>
+    <mc:Fallback>
+      <p:transition spd="med">
+        <p:fade/>
+      </p:transition>
+    </mc:Fallback>
+  </mc:AlternateContent>
+  <p:timing>
+    <p:tnLst>
+      <p:par>
+        <p:cTn id="1" dur="indefinite" restart="never" nodeType="tmRoot"/>
+      </p:par>
+    </p:tnLst>
+  </p:timing>
+</p:sld>
+</file>
+
+<file path=ppt/slides/slide16.xml><?xml version="1.0" encoding="utf-8"?>
 <p:sld xmlns:a="http://schemas.openxmlformats.org/drawingml/2006/main" xmlns:r="http://schemas.openxmlformats.org/officeDocument/2006/relationships" xmlns:p="http://schemas.openxmlformats.org/presentationml/2006/main">
   <p:cSld>
     <p:spTree>
@@ -14168,10 +14842,29 @@
   <p:clrMapOvr>
     <a:masterClrMapping/>
   </p:clrMapOvr>
+  <mc:AlternateContent xmlns:mc="http://schemas.openxmlformats.org/markup-compatibility/2006">
+    <mc:Choice xmlns:p14="http://schemas.microsoft.com/office/powerpoint/2010/main" Requires="p14">
+      <p:transition spd="med" p14:dur="700">
+        <p:fade/>
+      </p:transition>
+    </mc:Choice>
+    <mc:Fallback>
+      <p:transition spd="med">
+        <p:fade/>
+      </p:transition>
+    </mc:Fallback>
+  </mc:AlternateContent>
+  <p:timing>
+    <p:tnLst>
+      <p:par>
+        <p:cTn id="1" dur="indefinite" restart="never" nodeType="tmRoot"/>
+      </p:par>
+    </p:tnLst>
+  </p:timing>
 </p:sld>
 </file>
 
-<file path=ppt/slides/slide12.xml><?xml version="1.0" encoding="utf-8"?>
+<file path=ppt/slides/slide17.xml><?xml version="1.0" encoding="utf-8"?>
 <p:sld xmlns:a="http://schemas.openxmlformats.org/drawingml/2006/main" xmlns:r="http://schemas.openxmlformats.org/officeDocument/2006/relationships" xmlns:p="http://schemas.openxmlformats.org/presentationml/2006/main">
   <p:cSld>
     <p:spTree>
@@ -14240,10 +14933,29 @@
   <p:clrMapOvr>
     <a:masterClrMapping/>
   </p:clrMapOvr>
+  <mc:AlternateContent xmlns:mc="http://schemas.openxmlformats.org/markup-compatibility/2006">
+    <mc:Choice xmlns:p14="http://schemas.microsoft.com/office/powerpoint/2010/main" Requires="p14">
+      <p:transition spd="med" p14:dur="700">
+        <p:fade/>
+      </p:transition>
+    </mc:Choice>
+    <mc:Fallback>
+      <p:transition spd="med">
+        <p:fade/>
+      </p:transition>
+    </mc:Fallback>
+  </mc:AlternateContent>
+  <p:timing>
+    <p:tnLst>
+      <p:par>
+        <p:cTn id="1" dur="indefinite" restart="never" nodeType="tmRoot"/>
+      </p:par>
+    </p:tnLst>
+  </p:timing>
 </p:sld>
 </file>
 
-<file path=ppt/slides/slide13.xml><?xml version="1.0" encoding="utf-8"?>
+<file path=ppt/slides/slide18.xml><?xml version="1.0" encoding="utf-8"?>
 <p:sld xmlns:a="http://schemas.openxmlformats.org/drawingml/2006/main" xmlns:r="http://schemas.openxmlformats.org/officeDocument/2006/relationships" xmlns:p="http://schemas.openxmlformats.org/presentationml/2006/main">
   <p:cSld>
     <p:spTree>
@@ -14346,15 +15058,7 @@
           <a:effectLst>
             <a:reflection blurRad="12700" stA="38000" endPos="28000" dist="5000" dir="5400000" sy="-100000" algn="bl" rotWithShape="0"/>
           </a:effectLst>
-          <a:extLst>
-            <a:ext uri="{909E8E84-426E-40DD-AFC4-6F175D3DCCD1}">
-              <a14:hiddenFill xmlns:a14="http://schemas.microsoft.com/office/drawing/2010/main">
-                <a:solidFill>
-                  <a:srgbClr val="FFFFFF"/>
-                </a:solidFill>
-              </a14:hiddenFill>
-            </a:ext>
-          </a:extLst>
+          <a:extLst/>
         </p:spPr>
       </p:pic>
     </p:spTree>
@@ -14367,10 +15071,29 @@
   <p:clrMapOvr>
     <a:masterClrMapping/>
   </p:clrMapOvr>
+  <mc:AlternateContent xmlns:mc="http://schemas.openxmlformats.org/markup-compatibility/2006">
+    <mc:Choice xmlns:p14="http://schemas.microsoft.com/office/powerpoint/2010/main" Requires="p14">
+      <p:transition spd="med" p14:dur="700">
+        <p:fade/>
+      </p:transition>
+    </mc:Choice>
+    <mc:Fallback>
+      <p:transition spd="med">
+        <p:fade/>
+      </p:transition>
+    </mc:Fallback>
+  </mc:AlternateContent>
+  <p:timing>
+    <p:tnLst>
+      <p:par>
+        <p:cTn id="1" dur="indefinite" restart="never" nodeType="tmRoot"/>
+      </p:par>
+    </p:tnLst>
+  </p:timing>
 </p:sld>
 </file>
 
-<file path=ppt/slides/slide14.xml><?xml version="1.0" encoding="utf-8"?>
+<file path=ppt/slides/slide19.xml><?xml version="1.0" encoding="utf-8"?>
 <p:sld xmlns:a="http://schemas.openxmlformats.org/drawingml/2006/main" xmlns:r="http://schemas.openxmlformats.org/officeDocument/2006/relationships" xmlns:p="http://schemas.openxmlformats.org/presentationml/2006/main">
   <p:cSld>
     <p:spTree>
@@ -14439,10 +15162,177 @@
   <p:clrMapOvr>
     <a:masterClrMapping/>
   </p:clrMapOvr>
+  <mc:AlternateContent xmlns:mc="http://schemas.openxmlformats.org/markup-compatibility/2006">
+    <mc:Choice xmlns:p14="http://schemas.microsoft.com/office/powerpoint/2010/main" Requires="p14">
+      <p:transition spd="med" p14:dur="700">
+        <p:fade/>
+      </p:transition>
+    </mc:Choice>
+    <mc:Fallback>
+      <p:transition spd="med">
+        <p:fade/>
+      </p:transition>
+    </mc:Fallback>
+  </mc:AlternateContent>
 </p:sld>
 </file>
 
-<file path=ppt/slides/slide15.xml><?xml version="1.0" encoding="utf-8"?>
+<file path=ppt/slides/slide2.xml><?xml version="1.0" encoding="utf-8"?>
+<p:sld xmlns:a="http://schemas.openxmlformats.org/drawingml/2006/main" xmlns:r="http://schemas.openxmlformats.org/officeDocument/2006/relationships" xmlns:p="http://schemas.openxmlformats.org/presentationml/2006/main">
+  <p:cSld>
+    <p:spTree>
+      <p:nvGrpSpPr>
+        <p:cNvPr id="1" name=""/>
+        <p:cNvGrpSpPr/>
+        <p:nvPr/>
+      </p:nvGrpSpPr>
+      <p:grpSpPr>
+        <a:xfrm>
+          <a:off x="0" y="0"/>
+          <a:ext cx="0" cy="0"/>
+          <a:chOff x="0" y="0"/>
+          <a:chExt cx="0" cy="0"/>
+        </a:xfrm>
+      </p:grpSpPr>
+      <p:sp>
+        <p:nvSpPr>
+          <p:cNvPr id="2" name="Title 1"/>
+          <p:cNvSpPr>
+            <a:spLocks noGrp="1"/>
+          </p:cNvSpPr>
+          <p:nvPr>
+            <p:ph type="title"/>
+          </p:nvPr>
+        </p:nvSpPr>
+        <p:spPr/>
+        <p:txBody>
+          <a:bodyPr/>
+          <a:lstStyle/>
+          <a:p>
+            <a:r>
+              <a:rPr lang="en-US" dirty="0" smtClean="0"/>
+              <a:t>Who Am I?</a:t>
+            </a:r>
+            <a:endParaRPr lang="en-US" dirty="0"/>
+          </a:p>
+        </p:txBody>
+      </p:sp>
+      <p:sp>
+        <p:nvSpPr>
+          <p:cNvPr id="3" name="Content Placeholder 2"/>
+          <p:cNvSpPr>
+            <a:spLocks noGrp="1"/>
+          </p:cNvSpPr>
+          <p:nvPr>
+            <p:ph idx="1"/>
+          </p:nvPr>
+        </p:nvSpPr>
+        <p:spPr/>
+        <p:txBody>
+          <a:bodyPr/>
+          <a:lstStyle/>
+          <a:p>
+            <a:r>
+              <a:rPr lang="en-US" dirty="0" smtClean="0"/>
+              <a:t>Tim Rayburn – </a:t>
+            </a:r>
+            <a:r>
+              <a:rPr lang="en-US" dirty="0" smtClean="0">
+                <a:hlinkClick r:id="rId2"/>
+              </a:rPr>
+              <a:t>tim@timrayburn.net</a:t>
+            </a:r>
+            <a:endParaRPr lang="en-US" dirty="0" smtClean="0"/>
+          </a:p>
+          <a:p>
+            <a:r>
+              <a:rPr lang="en-US" dirty="0" smtClean="0"/>
+              <a:t>Principal Consultant with Improving Enterprises</a:t>
+            </a:r>
+          </a:p>
+          <a:p>
+            <a:r>
+              <a:rPr lang="en-US" dirty="0" smtClean="0"/>
+              <a:t>Dallas </a:t>
+            </a:r>
+            <a:r>
+              <a:rPr lang="en-US" dirty="0" err="1" smtClean="0"/>
+              <a:t>TechFest</a:t>
+            </a:r>
+            <a:r>
+              <a:rPr lang="en-US" dirty="0"/>
+              <a:t> </a:t>
+            </a:r>
+            <a:r>
+              <a:rPr lang="en-US" dirty="0" smtClean="0"/>
+              <a:t>Organizer</a:t>
+            </a:r>
+          </a:p>
+          <a:p>
+            <a:r>
+              <a:rPr lang="en-US" dirty="0" smtClean="0"/>
+              <a:t>Specialist in all things WCF &amp; BizTalk</a:t>
+            </a:r>
+          </a:p>
+          <a:p>
+            <a:endParaRPr lang="en-US" dirty="0"/>
+          </a:p>
+          <a:p>
+            <a:r>
+              <a:rPr lang="en-US" dirty="0">
+                <a:hlinkClick r:id="rId3"/>
+              </a:rPr>
+              <a:t>http://</a:t>
+            </a:r>
+            <a:r>
+              <a:rPr lang="en-US" dirty="0" smtClean="0">
+                <a:hlinkClick r:id="rId3"/>
+              </a:rPr>
+              <a:t>github.com/trayburn/Presentation-AdvancedTDD</a:t>
+            </a:r>
+            <a:r>
+              <a:rPr lang="en-US" dirty="0" smtClean="0"/>
+              <a:t> </a:t>
+            </a:r>
+          </a:p>
+          <a:p>
+            <a:endParaRPr lang="en-US" dirty="0"/>
+          </a:p>
+        </p:txBody>
+      </p:sp>
+    </p:spTree>
+    <p:extLst>
+      <p:ext uri="{BB962C8B-B14F-4D97-AF65-F5344CB8AC3E}">
+        <p14:creationId xmlns:p14="http://schemas.microsoft.com/office/powerpoint/2010/main" val="2114199264"/>
+      </p:ext>
+    </p:extLst>
+  </p:cSld>
+  <p:clrMapOvr>
+    <a:masterClrMapping/>
+  </p:clrMapOvr>
+  <mc:AlternateContent xmlns:mc="http://schemas.openxmlformats.org/markup-compatibility/2006">
+    <mc:Choice xmlns:p14="http://schemas.microsoft.com/office/powerpoint/2010/main" Requires="p14">
+      <p:transition spd="med" p14:dur="700">
+        <p:fade/>
+      </p:transition>
+    </mc:Choice>
+    <mc:Fallback>
+      <p:transition spd="med">
+        <p:fade/>
+      </p:transition>
+    </mc:Fallback>
+  </mc:AlternateContent>
+  <p:timing>
+    <p:tnLst>
+      <p:par>
+        <p:cTn id="1" dur="indefinite" restart="never" nodeType="tmRoot"/>
+      </p:par>
+    </p:tnLst>
+  </p:timing>
+</p:sld>
+</file>
+
+<file path=ppt/slides/slide20.xml><?xml version="1.0" encoding="utf-8"?>
 <p:sld xmlns:a="http://schemas.openxmlformats.org/drawingml/2006/main" xmlns:r="http://schemas.openxmlformats.org/officeDocument/2006/relationships" xmlns:p="http://schemas.openxmlformats.org/presentationml/2006/main">
   <p:cSld>
     <p:spTree>
@@ -14554,10 +15444,22 @@
   <p:clrMapOvr>
     <a:masterClrMapping/>
   </p:clrMapOvr>
+  <mc:AlternateContent xmlns:mc="http://schemas.openxmlformats.org/markup-compatibility/2006">
+    <mc:Choice xmlns:p14="http://schemas.microsoft.com/office/powerpoint/2010/main" Requires="p14">
+      <p:transition spd="med" p14:dur="700">
+        <p:fade/>
+      </p:transition>
+    </mc:Choice>
+    <mc:Fallback>
+      <p:transition spd="med">
+        <p:fade/>
+      </p:transition>
+    </mc:Fallback>
+  </mc:AlternateContent>
 </p:sld>
 </file>
 
-<file path=ppt/slides/slide16.xml><?xml version="1.0" encoding="utf-8"?>
+<file path=ppt/slides/slide21.xml><?xml version="1.0" encoding="utf-8"?>
 <p:sld xmlns:a="http://schemas.openxmlformats.org/drawingml/2006/main" xmlns:r="http://schemas.openxmlformats.org/officeDocument/2006/relationships" xmlns:p="http://schemas.openxmlformats.org/presentationml/2006/main">
   <p:cSld>
     <p:spTree>
@@ -14630,10 +15532,22 @@
   <p:clrMapOvr>
     <a:masterClrMapping/>
   </p:clrMapOvr>
+  <mc:AlternateContent xmlns:mc="http://schemas.openxmlformats.org/markup-compatibility/2006">
+    <mc:Choice xmlns:p14="http://schemas.microsoft.com/office/powerpoint/2010/main" Requires="p14">
+      <p:transition spd="med" p14:dur="700">
+        <p:fade/>
+      </p:transition>
+    </mc:Choice>
+    <mc:Fallback>
+      <p:transition spd="med">
+        <p:fade/>
+      </p:transition>
+    </mc:Fallback>
+  </mc:AlternateContent>
 </p:sld>
 </file>
 
-<file path=ppt/slides/slide17.xml><?xml version="1.0" encoding="utf-8"?>
+<file path=ppt/slides/slide22.xml><?xml version="1.0" encoding="utf-8"?>
 <p:sld xmlns:a="http://schemas.openxmlformats.org/drawingml/2006/main" xmlns:r="http://schemas.openxmlformats.org/officeDocument/2006/relationships" xmlns:p="http://schemas.openxmlformats.org/presentationml/2006/main">
   <p:cSld>
     <p:spTree>
@@ -14741,142 +15655,6 @@
   <p:clrMapOvr>
     <a:masterClrMapping/>
   </p:clrMapOvr>
-</p:sld>
-</file>
-
-<file path=ppt/slides/slide2.xml><?xml version="1.0" encoding="utf-8"?>
-<p:sld xmlns:a="http://schemas.openxmlformats.org/drawingml/2006/main" xmlns:r="http://schemas.openxmlformats.org/officeDocument/2006/relationships" xmlns:p="http://schemas.openxmlformats.org/presentationml/2006/main">
-  <p:cSld>
-    <p:spTree>
-      <p:nvGrpSpPr>
-        <p:cNvPr id="1" name=""/>
-        <p:cNvGrpSpPr/>
-        <p:nvPr/>
-      </p:nvGrpSpPr>
-      <p:grpSpPr>
-        <a:xfrm>
-          <a:off x="0" y="0"/>
-          <a:ext cx="0" cy="0"/>
-          <a:chOff x="0" y="0"/>
-          <a:chExt cx="0" cy="0"/>
-        </a:xfrm>
-      </p:grpSpPr>
-      <p:sp>
-        <p:nvSpPr>
-          <p:cNvPr id="2" name="Title 1"/>
-          <p:cNvSpPr>
-            <a:spLocks noGrp="1"/>
-          </p:cNvSpPr>
-          <p:nvPr>
-            <p:ph type="title"/>
-          </p:nvPr>
-        </p:nvSpPr>
-        <p:spPr/>
-        <p:txBody>
-          <a:bodyPr/>
-          <a:lstStyle/>
-          <a:p>
-            <a:r>
-              <a:rPr lang="en-US" dirty="0" smtClean="0"/>
-              <a:t>Who Am I?</a:t>
-            </a:r>
-            <a:endParaRPr lang="en-US" dirty="0"/>
-          </a:p>
-        </p:txBody>
-      </p:sp>
-      <p:sp>
-        <p:nvSpPr>
-          <p:cNvPr id="3" name="Content Placeholder 2"/>
-          <p:cNvSpPr>
-            <a:spLocks noGrp="1"/>
-          </p:cNvSpPr>
-          <p:nvPr>
-            <p:ph idx="1"/>
-          </p:nvPr>
-        </p:nvSpPr>
-        <p:spPr/>
-        <p:txBody>
-          <a:bodyPr/>
-          <a:lstStyle/>
-          <a:p>
-            <a:r>
-              <a:rPr lang="en-US" dirty="0" smtClean="0"/>
-              <a:t>Tim Rayburn – </a:t>
-            </a:r>
-            <a:r>
-              <a:rPr lang="en-US" dirty="0" smtClean="0">
-                <a:hlinkClick r:id="rId2"/>
-              </a:rPr>
-              <a:t>tim@timrayburn.net</a:t>
-            </a:r>
-            <a:endParaRPr lang="en-US" dirty="0" smtClean="0"/>
-          </a:p>
-          <a:p>
-            <a:r>
-              <a:rPr lang="en-US" dirty="0" smtClean="0"/>
-              <a:t>Principal Consultant with Improving Enterprises</a:t>
-            </a:r>
-          </a:p>
-          <a:p>
-            <a:r>
-              <a:rPr lang="en-US" dirty="0" smtClean="0"/>
-              <a:t>Dallas </a:t>
-            </a:r>
-            <a:r>
-              <a:rPr lang="en-US" dirty="0" err="1" smtClean="0"/>
-              <a:t>TechFest</a:t>
-            </a:r>
-            <a:r>
-              <a:rPr lang="en-US" dirty="0"/>
-              <a:t> </a:t>
-            </a:r>
-            <a:r>
-              <a:rPr lang="en-US" dirty="0" smtClean="0"/>
-              <a:t>Organizer</a:t>
-            </a:r>
-          </a:p>
-          <a:p>
-            <a:r>
-              <a:rPr lang="en-US" dirty="0" smtClean="0"/>
-              <a:t>Specialist in all things WCF &amp; BizTalk</a:t>
-            </a:r>
-          </a:p>
-          <a:p>
-            <a:endParaRPr lang="en-US" dirty="0"/>
-          </a:p>
-          <a:p>
-            <a:r>
-              <a:rPr lang="en-US" dirty="0">
-                <a:hlinkClick r:id="rId3"/>
-              </a:rPr>
-              <a:t>http://</a:t>
-            </a:r>
-            <a:r>
-              <a:rPr lang="en-US" dirty="0" smtClean="0">
-                <a:hlinkClick r:id="rId3"/>
-              </a:rPr>
-              <a:t>github.com/trayburn/Presentation-AdvancedTDD</a:t>
-            </a:r>
-            <a:r>
-              <a:rPr lang="en-US" dirty="0" smtClean="0"/>
-              <a:t> </a:t>
-            </a:r>
-          </a:p>
-          <a:p>
-            <a:endParaRPr lang="en-US" dirty="0"/>
-          </a:p>
-        </p:txBody>
-      </p:sp>
-    </p:spTree>
-    <p:extLst>
-      <p:ext uri="{BB962C8B-B14F-4D97-AF65-F5344CB8AC3E}">
-        <p14:creationId xmlns:p14="http://schemas.microsoft.com/office/powerpoint/2010/main" val="2114199264"/>
-      </p:ext>
-    </p:extLst>
-  </p:cSld>
-  <p:clrMapOvr>
-    <a:masterClrMapping/>
-  </p:clrMapOvr>
   <mc:AlternateContent xmlns:mc="http://schemas.openxmlformats.org/markup-compatibility/2006">
     <mc:Choice xmlns:p14="http://schemas.microsoft.com/office/powerpoint/2010/main" Requires="p14">
       <p:transition spd="med" p14:dur="700">
@@ -14889,13 +15667,6 @@
       </p:transition>
     </mc:Fallback>
   </mc:AlternateContent>
-  <p:timing>
-    <p:tnLst>
-      <p:par>
-        <p:cTn id="1" dur="indefinite" restart="never" nodeType="tmRoot"/>
-      </p:par>
-    </p:tnLst>
-  </p:timing>
 </p:sld>
 </file>
 
@@ -15835,15 +16606,7 @@
           <a:effectLst>
             <a:reflection blurRad="12700" stA="38000" endPos="28000" dist="5000" dir="5400000" sy="-100000" algn="bl" rotWithShape="0"/>
           </a:effectLst>
-          <a:extLst>
-            <a:ext uri="{909E8E84-426E-40DD-AFC4-6F175D3DCCD1}">
-              <a14:hiddenFill xmlns:a14="http://schemas.microsoft.com/office/drawing/2010/main">
-                <a:solidFill>
-                  <a:srgbClr val="FFFFFF"/>
-                </a:solidFill>
-              </a14:hiddenFill>
-            </a:ext>
-          </a:extLst>
+          <a:extLst/>
         </p:spPr>
       </p:pic>
     </p:spTree>
@@ -15979,6 +16742,18 @@
   <p:clrMapOvr>
     <a:masterClrMapping/>
   </p:clrMapOvr>
+  <mc:AlternateContent xmlns:mc="http://schemas.openxmlformats.org/markup-compatibility/2006">
+    <mc:Choice xmlns:p14="http://schemas.microsoft.com/office/powerpoint/2010/main" Requires="p14">
+      <p:transition spd="med" p14:dur="700">
+        <p:fade/>
+      </p:transition>
+    </mc:Choice>
+    <mc:Fallback>
+      <p:transition spd="med">
+        <p:fade/>
+      </p:transition>
+    </mc:Fallback>
+  </mc:AlternateContent>
 </p:sld>
 </file>
 

--- a/Advanced Test Driven Development.pptx
+++ b/Advanced Test Driven Development.pptx
@@ -3583,33 +3583,6 @@
       </p:sp>
       <p:sp>
         <p:nvSpPr>
-          <p:cNvPr id="5" name="Footer Placeholder 4"/>
-          <p:cNvSpPr>
-            <a:spLocks noGrp="1"/>
-          </p:cNvSpPr>
-          <p:nvPr>
-            <p:ph type="ftr" sz="quarter" idx="11"/>
-          </p:nvPr>
-        </p:nvSpPr>
-        <p:spPr>
-          <a:xfrm>
-            <a:off x="4641448" y="5852160"/>
-            <a:ext cx="3502152" cy="365125"/>
-          </a:xfrm>
-          <a:prstGeom prst="rect">
-            <a:avLst/>
-          </a:prstGeom>
-        </p:spPr>
-        <p:txBody>
-          <a:bodyPr/>
-          <a:lstStyle/>
-          <a:p>
-            <a:endParaRPr lang="en-US"/>
-          </a:p>
-        </p:txBody>
-      </p:sp>
-      <p:sp>
-        <p:nvSpPr>
           <p:cNvPr id="6" name="Slide Number Placeholder 5"/>
           <p:cNvSpPr>
             <a:spLocks noGrp="1"/>
@@ -3636,6 +3609,41 @@
               <a:t>‹#›</a:t>
             </a:fld>
             <a:endParaRPr lang="en-US"/>
+          </a:p>
+        </p:txBody>
+      </p:sp>
+      <p:sp>
+        <p:nvSpPr>
+          <p:cNvPr id="7" name="Footer Placeholder 4"/>
+          <p:cNvSpPr>
+            <a:spLocks noGrp="1"/>
+          </p:cNvSpPr>
+          <p:nvPr>
+            <p:ph type="ftr" sz="quarter" idx="11"/>
+          </p:nvPr>
+        </p:nvSpPr>
+        <p:spPr>
+          <a:xfrm>
+            <a:off x="0" y="6645275"/>
+            <a:ext cx="4572000" cy="212725"/>
+          </a:xfrm>
+          <a:prstGeom prst="rect">
+            <a:avLst/>
+          </a:prstGeom>
+        </p:spPr>
+        <p:txBody>
+          <a:bodyPr/>
+          <a:lstStyle>
+            <a:lvl1pPr>
+              <a:defRPr sz="1050"/>
+            </a:lvl1pPr>
+          </a:lstStyle>
+          <a:p>
+            <a:r>
+              <a:rPr lang="en-US" smtClean="0"/>
+              <a:t>http://github.com/trayburn/Presentation-AdvancedTDD</a:t>
+            </a:r>
+            <a:endParaRPr lang="en-US" dirty="0" smtClean="0"/>
           </a:p>
         </p:txBody>
       </p:sp>
@@ -4152,6 +4160,129 @@
               <a:t>Fifth level</a:t>
             </a:r>
             <a:endParaRPr lang="en-US"/>
+          </a:p>
+        </p:txBody>
+      </p:sp>
+      <p:sp>
+        <p:nvSpPr>
+          <p:cNvPr id="8" name="Footer Placeholder 4"/>
+          <p:cNvSpPr txBox="1">
+            <a:spLocks/>
+          </p:cNvSpPr>
+          <p:nvPr userDrawn="1"/>
+        </p:nvSpPr>
+        <p:spPr>
+          <a:xfrm>
+            <a:off x="0" y="6645275"/>
+            <a:ext cx="4572000" cy="212725"/>
+          </a:xfrm>
+          <a:prstGeom prst="rect">
+            <a:avLst/>
+          </a:prstGeom>
+        </p:spPr>
+        <p:txBody>
+          <a:bodyPr/>
+          <a:lstStyle>
+            <a:defPPr>
+              <a:defRPr lang="en-US"/>
+            </a:defPPr>
+            <a:lvl1pPr marL="0" algn="l" defTabSz="914400" rtl="0" eaLnBrk="1" latinLnBrk="0" hangingPunct="1">
+              <a:defRPr sz="1050" kern="1200">
+                <a:solidFill>
+                  <a:schemeClr val="tx1"/>
+                </a:solidFill>
+                <a:latin typeface="+mn-lt"/>
+                <a:ea typeface="+mn-ea"/>
+                <a:cs typeface="+mn-cs"/>
+              </a:defRPr>
+            </a:lvl1pPr>
+            <a:lvl2pPr marL="457200" algn="l" defTabSz="914400" rtl="0" eaLnBrk="1" latinLnBrk="0" hangingPunct="1">
+              <a:defRPr sz="1800" kern="1200">
+                <a:solidFill>
+                  <a:schemeClr val="tx1"/>
+                </a:solidFill>
+                <a:latin typeface="+mn-lt"/>
+                <a:ea typeface="+mn-ea"/>
+                <a:cs typeface="+mn-cs"/>
+              </a:defRPr>
+            </a:lvl2pPr>
+            <a:lvl3pPr marL="914400" algn="l" defTabSz="914400" rtl="0" eaLnBrk="1" latinLnBrk="0" hangingPunct="1">
+              <a:defRPr sz="1800" kern="1200">
+                <a:solidFill>
+                  <a:schemeClr val="tx1"/>
+                </a:solidFill>
+                <a:latin typeface="+mn-lt"/>
+                <a:ea typeface="+mn-ea"/>
+                <a:cs typeface="+mn-cs"/>
+              </a:defRPr>
+            </a:lvl3pPr>
+            <a:lvl4pPr marL="1371600" algn="l" defTabSz="914400" rtl="0" eaLnBrk="1" latinLnBrk="0" hangingPunct="1">
+              <a:defRPr sz="1800" kern="1200">
+                <a:solidFill>
+                  <a:schemeClr val="tx1"/>
+                </a:solidFill>
+                <a:latin typeface="+mn-lt"/>
+                <a:ea typeface="+mn-ea"/>
+                <a:cs typeface="+mn-cs"/>
+              </a:defRPr>
+            </a:lvl4pPr>
+            <a:lvl5pPr marL="1828800" algn="l" defTabSz="914400" rtl="0" eaLnBrk="1" latinLnBrk="0" hangingPunct="1">
+              <a:defRPr sz="1800" kern="1200">
+                <a:solidFill>
+                  <a:schemeClr val="tx1"/>
+                </a:solidFill>
+                <a:latin typeface="+mn-lt"/>
+                <a:ea typeface="+mn-ea"/>
+                <a:cs typeface="+mn-cs"/>
+              </a:defRPr>
+            </a:lvl5pPr>
+            <a:lvl6pPr marL="2286000" algn="l" defTabSz="914400" rtl="0" eaLnBrk="1" latinLnBrk="0" hangingPunct="1">
+              <a:defRPr sz="1800" kern="1200">
+                <a:solidFill>
+                  <a:schemeClr val="tx1"/>
+                </a:solidFill>
+                <a:latin typeface="+mn-lt"/>
+                <a:ea typeface="+mn-ea"/>
+                <a:cs typeface="+mn-cs"/>
+              </a:defRPr>
+            </a:lvl6pPr>
+            <a:lvl7pPr marL="2743200" algn="l" defTabSz="914400" rtl="0" eaLnBrk="1" latinLnBrk="0" hangingPunct="1">
+              <a:defRPr sz="1800" kern="1200">
+                <a:solidFill>
+                  <a:schemeClr val="tx1"/>
+                </a:solidFill>
+                <a:latin typeface="+mn-lt"/>
+                <a:ea typeface="+mn-ea"/>
+                <a:cs typeface="+mn-cs"/>
+              </a:defRPr>
+            </a:lvl7pPr>
+            <a:lvl8pPr marL="3200400" algn="l" defTabSz="914400" rtl="0" eaLnBrk="1" latinLnBrk="0" hangingPunct="1">
+              <a:defRPr sz="1800" kern="1200">
+                <a:solidFill>
+                  <a:schemeClr val="tx1"/>
+                </a:solidFill>
+                <a:latin typeface="+mn-lt"/>
+                <a:ea typeface="+mn-ea"/>
+                <a:cs typeface="+mn-cs"/>
+              </a:defRPr>
+            </a:lvl8pPr>
+            <a:lvl9pPr marL="3657600" algn="l" defTabSz="914400" rtl="0" eaLnBrk="1" latinLnBrk="0" hangingPunct="1">
+              <a:defRPr sz="1800" kern="1200">
+                <a:solidFill>
+                  <a:schemeClr val="tx1"/>
+                </a:solidFill>
+                <a:latin typeface="+mn-lt"/>
+                <a:ea typeface="+mn-ea"/>
+                <a:cs typeface="+mn-cs"/>
+              </a:defRPr>
+            </a:lvl9pPr>
+          </a:lstStyle>
+          <a:p>
+            <a:r>
+              <a:rPr lang="en-US" smtClean="0"/>
+              <a:t>http://github.com/trayburn/Presentation-AdvancedTDD</a:t>
+            </a:r>
+            <a:endParaRPr lang="en-US" dirty="0" smtClean="0"/>
           </a:p>
         </p:txBody>
       </p:sp>
@@ -13527,6 +13658,41 @@
           </a:prstGeom>
         </p:spPr>
       </p:pic>
+      <p:sp>
+        <p:nvSpPr>
+          <p:cNvPr id="48" name="Footer Placeholder 4"/>
+          <p:cNvSpPr>
+            <a:spLocks noGrp="1"/>
+          </p:cNvSpPr>
+          <p:nvPr>
+            <p:ph type="ftr" sz="quarter" idx="3"/>
+          </p:nvPr>
+        </p:nvSpPr>
+        <p:spPr>
+          <a:xfrm>
+            <a:off x="0" y="6645275"/>
+            <a:ext cx="4572000" cy="212725"/>
+          </a:xfrm>
+          <a:prstGeom prst="rect">
+            <a:avLst/>
+          </a:prstGeom>
+        </p:spPr>
+        <p:txBody>
+          <a:bodyPr/>
+          <a:lstStyle>
+            <a:lvl1pPr>
+              <a:defRPr sz="1050"/>
+            </a:lvl1pPr>
+          </a:lstStyle>
+          <a:p>
+            <a:r>
+              <a:rPr lang="en-US" smtClean="0"/>
+              <a:t>http://github.com/trayburn/Presentation-AdvancedTDD</a:t>
+            </a:r>
+            <a:endParaRPr lang="en-US" dirty="0" smtClean="0"/>
+          </a:p>
+        </p:txBody>
+      </p:sp>
     </p:spTree>
   </p:cSld>
   <p:clrMap bg1="lt1" tx1="dk1" bg2="lt2" tx2="dk2" accent1="accent1" accent2="accent2" accent3="accent3" accent4="accent4" accent5="accent5" accent6="accent6" hlink="hlink" folHlink="folHlink"/>
@@ -13963,13 +14129,13 @@
   <p:clrMapOvr>
     <a:masterClrMapping/>
   </p:clrMapOvr>
-  <mc:AlternateContent xmlns:mc="http://schemas.openxmlformats.org/markup-compatibility/2006">
-    <mc:Choice xmlns:p14="http://schemas.microsoft.com/office/powerpoint/2010/main" Requires="p14">
+  <mc:AlternateContent xmlns:mc="http://schemas.openxmlformats.org/markup-compatibility/2006" xmlns:p14="http://schemas.microsoft.com/office/powerpoint/2010/main">
+    <mc:Choice Requires="p14">
       <p:transition spd="med" p14:dur="700">
         <p:fade/>
       </p:transition>
     </mc:Choice>
-    <mc:Fallback>
+    <mc:Fallback xmlns="">
       <p:transition spd="med">
         <p:fade/>
       </p:transition>
@@ -14058,13 +14224,13 @@
   <p:clrMapOvr>
     <a:masterClrMapping/>
   </p:clrMapOvr>
-  <mc:AlternateContent xmlns:mc="http://schemas.openxmlformats.org/markup-compatibility/2006">
-    <mc:Choice xmlns:p14="http://schemas.microsoft.com/office/powerpoint/2010/main" Requires="p14">
+  <mc:AlternateContent xmlns:mc="http://schemas.openxmlformats.org/markup-compatibility/2006" xmlns:p14="http://schemas.microsoft.com/office/powerpoint/2010/main">
+    <mc:Choice Requires="p14">
       <p:transition spd="med" p14:dur="700">
         <p:fade/>
       </p:transition>
     </mc:Choice>
-    <mc:Fallback>
+    <mc:Fallback xmlns="">
       <p:transition spd="med">
         <p:fade/>
       </p:transition>
@@ -14132,13 +14298,13 @@
   <p:clrMapOvr>
     <a:masterClrMapping/>
   </p:clrMapOvr>
-  <mc:AlternateContent xmlns:mc="http://schemas.openxmlformats.org/markup-compatibility/2006">
-    <mc:Choice xmlns:p14="http://schemas.microsoft.com/office/powerpoint/2010/main" Requires="p14">
+  <mc:AlternateContent xmlns:mc="http://schemas.openxmlformats.org/markup-compatibility/2006" xmlns:p14="http://schemas.microsoft.com/office/powerpoint/2010/main">
+    <mc:Choice Requires="p14">
       <p:transition spd="med" p14:dur="700">
         <p:fade/>
       </p:transition>
     </mc:Choice>
-    <mc:Fallback>
+    <mc:Fallback xmlns="">
       <p:transition spd="med">
         <p:fade/>
       </p:transition>
@@ -14236,13 +14402,13 @@
   <p:clrMapOvr>
     <a:masterClrMapping/>
   </p:clrMapOvr>
-  <mc:AlternateContent xmlns:mc="http://schemas.openxmlformats.org/markup-compatibility/2006">
-    <mc:Choice xmlns:p14="http://schemas.microsoft.com/office/powerpoint/2010/main" Requires="p14">
+  <mc:AlternateContent xmlns:mc="http://schemas.openxmlformats.org/markup-compatibility/2006" xmlns:p14="http://schemas.microsoft.com/office/powerpoint/2010/main">
+    <mc:Choice Requires="p14">
       <p:transition spd="med" p14:dur="700">
         <p:fade/>
       </p:transition>
     </mc:Choice>
-    <mc:Fallback>
+    <mc:Fallback xmlns="">
       <p:transition spd="med">
         <p:fade/>
       </p:transition>
@@ -14440,13 +14606,13 @@
   <p:clrMapOvr>
     <a:masterClrMapping/>
   </p:clrMapOvr>
-  <mc:AlternateContent xmlns:mc="http://schemas.openxmlformats.org/markup-compatibility/2006">
-    <mc:Choice xmlns:p14="http://schemas.microsoft.com/office/powerpoint/2010/main" Requires="p14">
+  <mc:AlternateContent xmlns:mc="http://schemas.openxmlformats.org/markup-compatibility/2006" xmlns:p14="http://schemas.microsoft.com/office/powerpoint/2010/main">
+    <mc:Choice Requires="p14">
       <p:transition spd="med" p14:dur="700">
         <p:fade/>
       </p:transition>
     </mc:Choice>
-    <mc:Fallback>
+    <mc:Fallback xmlns="">
       <p:transition spd="med">
         <p:fade/>
       </p:transition>
@@ -14574,13 +14740,13 @@
   <p:clrMapOvr>
     <a:masterClrMapping/>
   </p:clrMapOvr>
-  <mc:AlternateContent xmlns:mc="http://schemas.openxmlformats.org/markup-compatibility/2006">
-    <mc:Choice xmlns:p14="http://schemas.microsoft.com/office/powerpoint/2010/main" Requires="p14">
+  <mc:AlternateContent xmlns:mc="http://schemas.openxmlformats.org/markup-compatibility/2006" xmlns:p14="http://schemas.microsoft.com/office/powerpoint/2010/main">
+    <mc:Choice Requires="p14">
       <p:transition spd="med" p14:dur="700">
         <p:fade/>
       </p:transition>
     </mc:Choice>
-    <mc:Fallback>
+    <mc:Fallback xmlns="">
       <p:transition spd="med">
         <p:fade/>
       </p:transition>
@@ -14708,13 +14874,13 @@
   <p:clrMapOvr>
     <a:masterClrMapping/>
   </p:clrMapOvr>
-  <mc:AlternateContent xmlns:mc="http://schemas.openxmlformats.org/markup-compatibility/2006">
-    <mc:Choice xmlns:p14="http://schemas.microsoft.com/office/powerpoint/2010/main" Requires="p14">
+  <mc:AlternateContent xmlns:mc="http://schemas.openxmlformats.org/markup-compatibility/2006" xmlns:p14="http://schemas.microsoft.com/office/powerpoint/2010/main">
+    <mc:Choice Requires="p14">
       <p:transition spd="med" p14:dur="700">
         <p:fade/>
       </p:transition>
     </mc:Choice>
-    <mc:Fallback>
+    <mc:Fallback xmlns="">
       <p:transition spd="med">
         <p:fade/>
       </p:transition>
@@ -14785,7 +14951,7 @@
           <a:bodyPr/>
           <a:lstStyle/>
           <a:p>
-            <a:endParaRPr lang="en-US"/>
+            <a:endParaRPr lang="en-US" dirty="0"/>
           </a:p>
         </p:txBody>
       </p:sp>
@@ -14842,13 +15008,13 @@
   <p:clrMapOvr>
     <a:masterClrMapping/>
   </p:clrMapOvr>
-  <mc:AlternateContent xmlns:mc="http://schemas.openxmlformats.org/markup-compatibility/2006">
-    <mc:Choice xmlns:p14="http://schemas.microsoft.com/office/powerpoint/2010/main" Requires="p14">
+  <mc:AlternateContent xmlns:mc="http://schemas.openxmlformats.org/markup-compatibility/2006" xmlns:p14="http://schemas.microsoft.com/office/powerpoint/2010/main">
+    <mc:Choice Requires="p14">
       <p:transition spd="med" p14:dur="700">
         <p:fade/>
       </p:transition>
     </mc:Choice>
-    <mc:Fallback>
+    <mc:Fallback xmlns="">
       <p:transition spd="med">
         <p:fade/>
       </p:transition>
@@ -14933,13 +15099,13 @@
   <p:clrMapOvr>
     <a:masterClrMapping/>
   </p:clrMapOvr>
-  <mc:AlternateContent xmlns:mc="http://schemas.openxmlformats.org/markup-compatibility/2006">
-    <mc:Choice xmlns:p14="http://schemas.microsoft.com/office/powerpoint/2010/main" Requires="p14">
+  <mc:AlternateContent xmlns:mc="http://schemas.openxmlformats.org/markup-compatibility/2006" xmlns:p14="http://schemas.microsoft.com/office/powerpoint/2010/main">
+    <mc:Choice Requires="p14">
       <p:transition spd="med" p14:dur="700">
         <p:fade/>
       </p:transition>
     </mc:Choice>
-    <mc:Fallback>
+    <mc:Fallback xmlns="">
       <p:transition spd="med">
         <p:fade/>
       </p:transition>
@@ -15071,13 +15237,13 @@
   <p:clrMapOvr>
     <a:masterClrMapping/>
   </p:clrMapOvr>
-  <mc:AlternateContent xmlns:mc="http://schemas.openxmlformats.org/markup-compatibility/2006">
-    <mc:Choice xmlns:p14="http://schemas.microsoft.com/office/powerpoint/2010/main" Requires="p14">
+  <mc:AlternateContent xmlns:mc="http://schemas.openxmlformats.org/markup-compatibility/2006" xmlns:p14="http://schemas.microsoft.com/office/powerpoint/2010/main">
+    <mc:Choice Requires="p14">
       <p:transition spd="med" p14:dur="700">
         <p:fade/>
       </p:transition>
     </mc:Choice>
-    <mc:Fallback>
+    <mc:Fallback xmlns="">
       <p:transition spd="med">
         <p:fade/>
       </p:transition>
@@ -15162,13 +15328,13 @@
   <p:clrMapOvr>
     <a:masterClrMapping/>
   </p:clrMapOvr>
-  <mc:AlternateContent xmlns:mc="http://schemas.openxmlformats.org/markup-compatibility/2006">
-    <mc:Choice xmlns:p14="http://schemas.microsoft.com/office/powerpoint/2010/main" Requires="p14">
+  <mc:AlternateContent xmlns:mc="http://schemas.openxmlformats.org/markup-compatibility/2006" xmlns:p14="http://schemas.microsoft.com/office/powerpoint/2010/main">
+    <mc:Choice Requires="p14">
       <p:transition spd="med" p14:dur="700">
         <p:fade/>
       </p:transition>
     </mc:Choice>
-    <mc:Fallback>
+    <mc:Fallback xmlns="">
       <p:transition spd="med">
         <p:fade/>
       </p:transition>
@@ -15253,20 +15419,13 @@
           <a:p>
             <a:r>
               <a:rPr lang="en-US" dirty="0" smtClean="0"/>
-              <a:t>Dallas </a:t>
+              <a:t>President of Dallas </a:t>
             </a:r>
             <a:r>
               <a:rPr lang="en-US" dirty="0" err="1" smtClean="0"/>
               <a:t>TechFest</a:t>
             </a:r>
-            <a:r>
-              <a:rPr lang="en-US" dirty="0"/>
-              <a:t> </a:t>
-            </a:r>
-            <a:r>
-              <a:rPr lang="en-US" dirty="0" smtClean="0"/>
-              <a:t>Organizer</a:t>
-            </a:r>
+            <a:endParaRPr lang="en-US" dirty="0" smtClean="0"/>
           </a:p>
           <a:p>
             <a:r>
@@ -15310,13 +15469,13 @@
   <p:clrMapOvr>
     <a:masterClrMapping/>
   </p:clrMapOvr>
-  <mc:AlternateContent xmlns:mc="http://schemas.openxmlformats.org/markup-compatibility/2006">
-    <mc:Choice xmlns:p14="http://schemas.microsoft.com/office/powerpoint/2010/main" Requires="p14">
+  <mc:AlternateContent xmlns:mc="http://schemas.openxmlformats.org/markup-compatibility/2006" xmlns:p14="http://schemas.microsoft.com/office/powerpoint/2010/main">
+    <mc:Choice Requires="p14">
       <p:transition spd="med" p14:dur="700">
         <p:fade/>
       </p:transition>
     </mc:Choice>
-    <mc:Fallback>
+    <mc:Fallback xmlns="">
       <p:transition spd="med">
         <p:fade/>
       </p:transition>
@@ -15444,13 +15603,13 @@
   <p:clrMapOvr>
     <a:masterClrMapping/>
   </p:clrMapOvr>
-  <mc:AlternateContent xmlns:mc="http://schemas.openxmlformats.org/markup-compatibility/2006">
-    <mc:Choice xmlns:p14="http://schemas.microsoft.com/office/powerpoint/2010/main" Requires="p14">
+  <mc:AlternateContent xmlns:mc="http://schemas.openxmlformats.org/markup-compatibility/2006" xmlns:p14="http://schemas.microsoft.com/office/powerpoint/2010/main">
+    <mc:Choice Requires="p14">
       <p:transition spd="med" p14:dur="700">
         <p:fade/>
       </p:transition>
     </mc:Choice>
-    <mc:Fallback>
+    <mc:Fallback xmlns="">
       <p:transition spd="med">
         <p:fade/>
       </p:transition>
@@ -15532,13 +15691,13 @@
   <p:clrMapOvr>
     <a:masterClrMapping/>
   </p:clrMapOvr>
-  <mc:AlternateContent xmlns:mc="http://schemas.openxmlformats.org/markup-compatibility/2006">
-    <mc:Choice xmlns:p14="http://schemas.microsoft.com/office/powerpoint/2010/main" Requires="p14">
+  <mc:AlternateContent xmlns:mc="http://schemas.openxmlformats.org/markup-compatibility/2006" xmlns:p14="http://schemas.microsoft.com/office/powerpoint/2010/main">
+    <mc:Choice Requires="p14">
       <p:transition spd="med" p14:dur="700">
         <p:fade/>
       </p:transition>
     </mc:Choice>
-    <mc:Fallback>
+    <mc:Fallback xmlns="">
       <p:transition spd="med">
         <p:fade/>
       </p:transition>
@@ -15655,13 +15814,13 @@
   <p:clrMapOvr>
     <a:masterClrMapping/>
   </p:clrMapOvr>
-  <mc:AlternateContent xmlns:mc="http://schemas.openxmlformats.org/markup-compatibility/2006">
-    <mc:Choice xmlns:p14="http://schemas.microsoft.com/office/powerpoint/2010/main" Requires="p14">
+  <mc:AlternateContent xmlns:mc="http://schemas.openxmlformats.org/markup-compatibility/2006" xmlns:p14="http://schemas.microsoft.com/office/powerpoint/2010/main">
+    <mc:Choice Requires="p14">
       <p:transition spd="med" p14:dur="700">
         <p:fade/>
       </p:transition>
     </mc:Choice>
-    <mc:Fallback>
+    <mc:Fallback xmlns="">
       <p:transition spd="med">
         <p:fade/>
       </p:transition>
@@ -15751,13 +15910,13 @@
   <p:clrMapOvr>
     <a:masterClrMapping/>
   </p:clrMapOvr>
-  <mc:AlternateContent xmlns:mc="http://schemas.openxmlformats.org/markup-compatibility/2006">
-    <mc:Choice xmlns:p14="http://schemas.microsoft.com/office/powerpoint/2010/main" Requires="p14">
+  <mc:AlternateContent xmlns:mc="http://schemas.openxmlformats.org/markup-compatibility/2006" xmlns:p14="http://schemas.microsoft.com/office/powerpoint/2010/main">
+    <mc:Choice Requires="p14">
       <p:transition spd="med" p14:dur="700">
         <p:fade/>
       </p:transition>
     </mc:Choice>
-    <mc:Fallback>
+    <mc:Fallback xmlns="">
       <p:transition spd="med">
         <p:fade/>
       </p:transition>
@@ -15878,13 +16037,13 @@
   <p:clrMapOvr>
     <a:masterClrMapping/>
   </p:clrMapOvr>
-  <mc:AlternateContent xmlns:mc="http://schemas.openxmlformats.org/markup-compatibility/2006">
-    <mc:Choice xmlns:p14="http://schemas.microsoft.com/office/powerpoint/2010/main" Requires="p14">
+  <mc:AlternateContent xmlns:mc="http://schemas.openxmlformats.org/markup-compatibility/2006" xmlns:p14="http://schemas.microsoft.com/office/powerpoint/2010/main">
+    <mc:Choice Requires="p14">
       <p:transition spd="med" p14:dur="700">
         <p:fade/>
       </p:transition>
     </mc:Choice>
-    <mc:Fallback>
+    <mc:Fallback xmlns="">
       <p:transition spd="med">
         <p:fade/>
       </p:transition>
@@ -15969,13 +16128,13 @@
   <p:clrMapOvr>
     <a:masterClrMapping/>
   </p:clrMapOvr>
-  <mc:AlternateContent xmlns:mc="http://schemas.openxmlformats.org/markup-compatibility/2006">
-    <mc:Choice xmlns:p14="http://schemas.microsoft.com/office/powerpoint/2010/main" Requires="p14">
+  <mc:AlternateContent xmlns:mc="http://schemas.openxmlformats.org/markup-compatibility/2006" xmlns:p14="http://schemas.microsoft.com/office/powerpoint/2010/main">
+    <mc:Choice Requires="p14">
       <p:transition spd="med" p14:dur="700">
         <p:fade/>
       </p:transition>
     </mc:Choice>
-    <mc:Fallback>
+    <mc:Fallback xmlns="">
       <p:transition spd="med">
         <p:fade/>
       </p:transition>
@@ -16219,13 +16378,13 @@
   <p:clrMapOvr>
     <a:masterClrMapping/>
   </p:clrMapOvr>
-  <mc:AlternateContent xmlns:mc="http://schemas.openxmlformats.org/markup-compatibility/2006">
-    <mc:Choice xmlns:p14="http://schemas.microsoft.com/office/powerpoint/2010/main" Requires="p14">
+  <mc:AlternateContent xmlns:mc="http://schemas.openxmlformats.org/markup-compatibility/2006" xmlns:p14="http://schemas.microsoft.com/office/powerpoint/2010/main">
+    <mc:Choice Requires="p14">
       <p:transition spd="med" p14:dur="700">
         <p:fade/>
       </p:transition>
     </mc:Choice>
-    <mc:Fallback>
+    <mc:Fallback xmlns="">
       <p:transition spd="med">
         <p:fade/>
       </p:transition>
@@ -16469,13 +16628,13 @@
   <p:clrMapOvr>
     <a:masterClrMapping/>
   </p:clrMapOvr>
-  <mc:AlternateContent xmlns:mc="http://schemas.openxmlformats.org/markup-compatibility/2006">
-    <mc:Choice xmlns:p14="http://schemas.microsoft.com/office/powerpoint/2010/main" Requires="p14">
+  <mc:AlternateContent xmlns:mc="http://schemas.openxmlformats.org/markup-compatibility/2006" xmlns:p14="http://schemas.microsoft.com/office/powerpoint/2010/main">
+    <mc:Choice Requires="p14">
       <p:transition spd="med" p14:dur="700">
         <p:fade/>
       </p:transition>
     </mc:Choice>
-    <mc:Fallback>
+    <mc:Fallback xmlns="">
       <p:transition spd="med">
         <p:fade/>
       </p:transition>
@@ -16619,13 +16778,13 @@
   <p:clrMapOvr>
     <a:masterClrMapping/>
   </p:clrMapOvr>
-  <mc:AlternateContent xmlns:mc="http://schemas.openxmlformats.org/markup-compatibility/2006">
-    <mc:Choice xmlns:p14="http://schemas.microsoft.com/office/powerpoint/2010/main" Requires="p14">
+  <mc:AlternateContent xmlns:mc="http://schemas.openxmlformats.org/markup-compatibility/2006" xmlns:p14="http://schemas.microsoft.com/office/powerpoint/2010/main">
+    <mc:Choice Requires="p14">
       <p:transition spd="med" p14:dur="700">
         <p:fade/>
       </p:transition>
     </mc:Choice>
-    <mc:Fallback>
+    <mc:Fallback xmlns="">
       <p:transition spd="med">
         <p:fade/>
       </p:transition>
@@ -16742,13 +16901,13 @@
   <p:clrMapOvr>
     <a:masterClrMapping/>
   </p:clrMapOvr>
-  <mc:AlternateContent xmlns:mc="http://schemas.openxmlformats.org/markup-compatibility/2006">
-    <mc:Choice xmlns:p14="http://schemas.microsoft.com/office/powerpoint/2010/main" Requires="p14">
+  <mc:AlternateContent xmlns:mc="http://schemas.openxmlformats.org/markup-compatibility/2006" xmlns:p14="http://schemas.microsoft.com/office/powerpoint/2010/main">
+    <mc:Choice Requires="p14">
       <p:transition spd="med" p14:dur="700">
         <p:fade/>
       </p:transition>
     </mc:Choice>
-    <mc:Fallback>
+    <mc:Fallback xmlns="">
       <p:transition spd="med">
         <p:fade/>
       </p:transition>

--- a/Advanced Test Driven Development.pptx
+++ b/Advanced Test Driven Development.pptx
@@ -7,26 +7,34 @@
   <p:sldIdLst>
     <p:sldId id="256" r:id="rId2"/>
     <p:sldId id="257" r:id="rId3"/>
-    <p:sldId id="258" r:id="rId4"/>
-    <p:sldId id="259" r:id="rId5"/>
-    <p:sldId id="260" r:id="rId6"/>
-    <p:sldId id="262" r:id="rId7"/>
-    <p:sldId id="263" r:id="rId8"/>
-    <p:sldId id="261" r:id="rId9"/>
-    <p:sldId id="265" r:id="rId10"/>
-    <p:sldId id="264" r:id="rId11"/>
-    <p:sldId id="277" r:id="rId12"/>
-    <p:sldId id="273" r:id="rId13"/>
-    <p:sldId id="276" r:id="rId14"/>
-    <p:sldId id="274" r:id="rId15"/>
-    <p:sldId id="275" r:id="rId16"/>
-    <p:sldId id="266" r:id="rId17"/>
-    <p:sldId id="267" r:id="rId18"/>
-    <p:sldId id="268" r:id="rId19"/>
-    <p:sldId id="269" r:id="rId20"/>
-    <p:sldId id="270" r:id="rId21"/>
-    <p:sldId id="271" r:id="rId22"/>
-    <p:sldId id="272" r:id="rId23"/>
+    <p:sldId id="281" r:id="rId4"/>
+    <p:sldId id="282" r:id="rId5"/>
+    <p:sldId id="258" r:id="rId6"/>
+    <p:sldId id="259" r:id="rId7"/>
+    <p:sldId id="260" r:id="rId8"/>
+    <p:sldId id="262" r:id="rId9"/>
+    <p:sldId id="263" r:id="rId10"/>
+    <p:sldId id="279" r:id="rId11"/>
+    <p:sldId id="280" r:id="rId12"/>
+    <p:sldId id="283" r:id="rId13"/>
+    <p:sldId id="284" r:id="rId14"/>
+    <p:sldId id="286" r:id="rId15"/>
+    <p:sldId id="261" r:id="rId16"/>
+    <p:sldId id="285" r:id="rId17"/>
+    <p:sldId id="278" r:id="rId18"/>
+    <p:sldId id="264" r:id="rId19"/>
+    <p:sldId id="277" r:id="rId20"/>
+    <p:sldId id="273" r:id="rId21"/>
+    <p:sldId id="276" r:id="rId22"/>
+    <p:sldId id="274" r:id="rId23"/>
+    <p:sldId id="275" r:id="rId24"/>
+    <p:sldId id="266" r:id="rId25"/>
+    <p:sldId id="267" r:id="rId26"/>
+    <p:sldId id="268" r:id="rId27"/>
+    <p:sldId id="269" r:id="rId28"/>
+    <p:sldId id="270" r:id="rId29"/>
+    <p:sldId id="271" r:id="rId30"/>
+    <p:sldId id="272" r:id="rId31"/>
   </p:sldIdLst>
   <p:sldSz cx="9144000" cy="6858000" type="screen4x3"/>
   <p:notesSz cx="6858000" cy="9144000"/>
@@ -14170,7 +14178,7 @@
       </p:grpSpPr>
       <p:sp>
         <p:nvSpPr>
-          <p:cNvPr id="5" name="Title 4"/>
+          <p:cNvPr id="2" name="Title 1"/>
           <p:cNvSpPr>
             <a:spLocks noGrp="1"/>
           </p:cNvSpPr>
@@ -14185,11 +14193,7 @@
           <a:p>
             <a:r>
               <a:rPr lang="en-US" dirty="0" smtClean="0"/>
-              <a:t>Demo - </a:t>
-            </a:r>
-            <a:r>
-              <a:rPr lang="en-US" dirty="0" err="1" smtClean="0"/>
-              <a:t>IoC</a:t>
+              <a:t>Testing Approach</a:t>
             </a:r>
             <a:endParaRPr lang="en-US" dirty="0"/>
           </a:p>
@@ -14197,19 +14201,514 @@
       </p:sp>
       <p:sp>
         <p:nvSpPr>
-          <p:cNvPr id="6" name="Text Placeholder 5"/>
-          <p:cNvSpPr>
-            <a:spLocks noGrp="1"/>
-          </p:cNvSpPr>
-          <p:nvPr>
-            <p:ph type="body" idx="1"/>
-          </p:nvPr>
+          <p:cNvPr id="3" name="Rounded Rectangle 2"/>
+          <p:cNvSpPr/>
+          <p:nvPr/>
         </p:nvSpPr>
-        <p:spPr/>
+        <p:spPr>
+          <a:xfrm>
+            <a:off x="1066800" y="3352800"/>
+            <a:ext cx="7010400" cy="1905000"/>
+          </a:xfrm>
+          <a:prstGeom prst="roundRect">
+            <a:avLst/>
+          </a:prstGeom>
+        </p:spPr>
+        <p:style>
+          <a:lnRef idx="2">
+            <a:schemeClr val="accent3">
+              <a:shade val="50000"/>
+            </a:schemeClr>
+          </a:lnRef>
+          <a:fillRef idx="1">
+            <a:schemeClr val="accent3"/>
+          </a:fillRef>
+          <a:effectRef idx="0">
+            <a:schemeClr val="accent3"/>
+          </a:effectRef>
+          <a:fontRef idx="minor">
+            <a:schemeClr val="lt1"/>
+          </a:fontRef>
+        </p:style>
         <p:txBody>
-          <a:bodyPr/>
+          <a:bodyPr rtlCol="0" anchor="ctr"/>
           <a:lstStyle/>
           <a:p>
+            <a:pPr algn="ctr"/>
+            <a:endParaRPr lang="en-US" dirty="0"/>
+          </a:p>
+        </p:txBody>
+      </p:sp>
+      <p:sp>
+        <p:nvSpPr>
+          <p:cNvPr id="4" name="Rectangle 3"/>
+          <p:cNvSpPr/>
+          <p:nvPr/>
+        </p:nvSpPr>
+        <p:spPr>
+          <a:xfrm>
+            <a:off x="2209800" y="3352800"/>
+            <a:ext cx="4953000" cy="1905000"/>
+          </a:xfrm>
+          <a:prstGeom prst="rect">
+            <a:avLst/>
+          </a:prstGeom>
+        </p:spPr>
+        <p:style>
+          <a:lnRef idx="2">
+            <a:schemeClr val="accent1">
+              <a:shade val="50000"/>
+            </a:schemeClr>
+          </a:lnRef>
+          <a:fillRef idx="1">
+            <a:schemeClr val="accent1"/>
+          </a:fillRef>
+          <a:effectRef idx="0">
+            <a:schemeClr val="accent1"/>
+          </a:effectRef>
+          <a:fontRef idx="minor">
+            <a:schemeClr val="lt1"/>
+          </a:fontRef>
+        </p:style>
+        <p:txBody>
+          <a:bodyPr rtlCol="0" anchor="ctr"/>
+          <a:lstStyle/>
+          <a:p>
+            <a:pPr algn="ctr"/>
+            <a:endParaRPr lang="en-US"/>
+          </a:p>
+        </p:txBody>
+      </p:sp>
+      <p:sp>
+        <p:nvSpPr>
+          <p:cNvPr id="5" name="TextBox 4"/>
+          <p:cNvSpPr txBox="1"/>
+          <p:nvPr/>
+        </p:nvSpPr>
+        <p:spPr>
+          <a:xfrm>
+            <a:off x="1066800" y="3982132"/>
+            <a:ext cx="1308100" cy="646331"/>
+          </a:xfrm>
+          <a:prstGeom prst="rect">
+            <a:avLst/>
+          </a:prstGeom>
+          <a:noFill/>
+        </p:spPr>
+        <p:txBody>
+          <a:bodyPr wrap="square" rtlCol="0">
+            <a:spAutoFit/>
+          </a:bodyPr>
+          <a:lstStyle/>
+          <a:p>
+            <a:r>
+              <a:rPr lang="en-US" dirty="0" smtClean="0"/>
+              <a:t>User</a:t>
+            </a:r>
+          </a:p>
+          <a:p>
+            <a:r>
+              <a:rPr lang="en-US" dirty="0" smtClean="0"/>
+              <a:t>Interface</a:t>
+            </a:r>
+            <a:endParaRPr lang="en-US" dirty="0"/>
+          </a:p>
+        </p:txBody>
+      </p:sp>
+      <p:sp>
+        <p:nvSpPr>
+          <p:cNvPr id="6" name="TextBox 5"/>
+          <p:cNvSpPr txBox="1"/>
+          <p:nvPr/>
+        </p:nvSpPr>
+        <p:spPr>
+          <a:xfrm>
+            <a:off x="6769100" y="3982134"/>
+            <a:ext cx="1308100" cy="646331"/>
+          </a:xfrm>
+          <a:prstGeom prst="rect">
+            <a:avLst/>
+          </a:prstGeom>
+          <a:noFill/>
+        </p:spPr>
+        <p:txBody>
+          <a:bodyPr wrap="square" rtlCol="0">
+            <a:spAutoFit/>
+          </a:bodyPr>
+          <a:lstStyle/>
+          <a:p>
+            <a:pPr algn="r"/>
+            <a:r>
+              <a:rPr lang="en-US" dirty="0" smtClean="0"/>
+              <a:t>Data Access</a:t>
+            </a:r>
+            <a:endParaRPr lang="en-US" dirty="0"/>
+          </a:p>
+        </p:txBody>
+      </p:sp>
+      <p:sp>
+        <p:nvSpPr>
+          <p:cNvPr id="7" name="TextBox 6"/>
+          <p:cNvSpPr txBox="1"/>
+          <p:nvPr/>
+        </p:nvSpPr>
+        <p:spPr>
+          <a:xfrm>
+            <a:off x="3917950" y="3982133"/>
+            <a:ext cx="1308100" cy="646331"/>
+          </a:xfrm>
+          <a:prstGeom prst="rect">
+            <a:avLst/>
+          </a:prstGeom>
+          <a:noFill/>
+        </p:spPr>
+        <p:txBody>
+          <a:bodyPr wrap="square" rtlCol="0">
+            <a:spAutoFit/>
+          </a:bodyPr>
+          <a:lstStyle/>
+          <a:p>
+            <a:pPr algn="ctr"/>
+            <a:r>
+              <a:rPr lang="en-US" dirty="0" smtClean="0"/>
+              <a:t>Business Logic</a:t>
+            </a:r>
+            <a:endParaRPr lang="en-US" dirty="0"/>
+          </a:p>
+        </p:txBody>
+      </p:sp>
+      <p:sp>
+        <p:nvSpPr>
+          <p:cNvPr id="8" name="Rectangle 7"/>
+          <p:cNvSpPr/>
+          <p:nvPr/>
+        </p:nvSpPr>
+        <p:spPr>
+          <a:xfrm>
+            <a:off x="2374900" y="3429000"/>
+            <a:ext cx="368300" cy="1752600"/>
+          </a:xfrm>
+          <a:prstGeom prst="rect">
+            <a:avLst/>
+          </a:prstGeom>
+        </p:spPr>
+        <p:style>
+          <a:lnRef idx="1">
+            <a:schemeClr val="accent2"/>
+          </a:lnRef>
+          <a:fillRef idx="2">
+            <a:schemeClr val="accent2"/>
+          </a:fillRef>
+          <a:effectRef idx="1">
+            <a:schemeClr val="accent2"/>
+          </a:effectRef>
+          <a:fontRef idx="minor">
+            <a:schemeClr val="dk1"/>
+          </a:fontRef>
+        </p:style>
+        <p:txBody>
+          <a:bodyPr rtlCol="0" anchor="ctr"/>
+          <a:lstStyle/>
+          <a:p>
+            <a:pPr algn="ctr"/>
+            <a:r>
+              <a:rPr lang="en-US" dirty="0" smtClean="0"/>
+              <a:t>A</a:t>
+            </a:r>
+            <a:endParaRPr lang="en-US" dirty="0"/>
+          </a:p>
+        </p:txBody>
+      </p:sp>
+      <p:sp>
+        <p:nvSpPr>
+          <p:cNvPr id="9" name="Rectangle 8"/>
+          <p:cNvSpPr/>
+          <p:nvPr/>
+        </p:nvSpPr>
+        <p:spPr>
+          <a:xfrm>
+            <a:off x="2819400" y="3429000"/>
+            <a:ext cx="368300" cy="838200"/>
+          </a:xfrm>
+          <a:prstGeom prst="rect">
+            <a:avLst/>
+          </a:prstGeom>
+        </p:spPr>
+        <p:style>
+          <a:lnRef idx="1">
+            <a:schemeClr val="accent2"/>
+          </a:lnRef>
+          <a:fillRef idx="2">
+            <a:schemeClr val="accent2"/>
+          </a:fillRef>
+          <a:effectRef idx="1">
+            <a:schemeClr val="accent2"/>
+          </a:effectRef>
+          <a:fontRef idx="minor">
+            <a:schemeClr val="dk1"/>
+          </a:fontRef>
+        </p:style>
+        <p:txBody>
+          <a:bodyPr rtlCol="0" anchor="ctr"/>
+          <a:lstStyle/>
+          <a:p>
+            <a:pPr algn="ctr"/>
+            <a:r>
+              <a:rPr lang="en-US" dirty="0" smtClean="0"/>
+              <a:t>B</a:t>
+            </a:r>
+            <a:endParaRPr lang="en-US" dirty="0"/>
+          </a:p>
+        </p:txBody>
+      </p:sp>
+      <p:sp>
+        <p:nvSpPr>
+          <p:cNvPr id="10" name="Rectangle 9"/>
+          <p:cNvSpPr/>
+          <p:nvPr/>
+        </p:nvSpPr>
+        <p:spPr>
+          <a:xfrm>
+            <a:off x="2819400" y="4343400"/>
+            <a:ext cx="368300" cy="838200"/>
+          </a:xfrm>
+          <a:prstGeom prst="rect">
+            <a:avLst/>
+          </a:prstGeom>
+        </p:spPr>
+        <p:style>
+          <a:lnRef idx="1">
+            <a:schemeClr val="accent2"/>
+          </a:lnRef>
+          <a:fillRef idx="2">
+            <a:schemeClr val="accent2"/>
+          </a:fillRef>
+          <a:effectRef idx="1">
+            <a:schemeClr val="accent2"/>
+          </a:effectRef>
+          <a:fontRef idx="minor">
+            <a:schemeClr val="dk1"/>
+          </a:fontRef>
+        </p:style>
+        <p:txBody>
+          <a:bodyPr rtlCol="0" anchor="ctr"/>
+          <a:lstStyle/>
+          <a:p>
+            <a:pPr algn="ctr"/>
+            <a:r>
+              <a:rPr lang="en-US" dirty="0" smtClean="0"/>
+              <a:t>C</a:t>
+            </a:r>
+            <a:endParaRPr lang="en-US" dirty="0"/>
+          </a:p>
+        </p:txBody>
+      </p:sp>
+      <p:sp>
+        <p:nvSpPr>
+          <p:cNvPr id="11" name="Rectangle 10"/>
+          <p:cNvSpPr/>
+          <p:nvPr/>
+        </p:nvSpPr>
+        <p:spPr>
+          <a:xfrm>
+            <a:off x="3276600" y="3429000"/>
+            <a:ext cx="368300" cy="1752600"/>
+          </a:xfrm>
+          <a:prstGeom prst="rect">
+            <a:avLst/>
+          </a:prstGeom>
+        </p:spPr>
+        <p:style>
+          <a:lnRef idx="1">
+            <a:schemeClr val="accent2"/>
+          </a:lnRef>
+          <a:fillRef idx="2">
+            <a:schemeClr val="accent2"/>
+          </a:fillRef>
+          <a:effectRef idx="1">
+            <a:schemeClr val="accent2"/>
+          </a:effectRef>
+          <a:fontRef idx="minor">
+            <a:schemeClr val="dk1"/>
+          </a:fontRef>
+        </p:style>
+        <p:txBody>
+          <a:bodyPr rtlCol="0" anchor="ctr"/>
+          <a:lstStyle/>
+          <a:p>
+            <a:pPr algn="ctr"/>
+            <a:r>
+              <a:rPr lang="en-US" dirty="0" smtClean="0"/>
+              <a:t>D</a:t>
+            </a:r>
+            <a:endParaRPr lang="en-US" dirty="0"/>
+          </a:p>
+        </p:txBody>
+      </p:sp>
+      <p:sp>
+        <p:nvSpPr>
+          <p:cNvPr id="12" name="Rectangle 11"/>
+          <p:cNvSpPr/>
+          <p:nvPr/>
+        </p:nvSpPr>
+        <p:spPr>
+          <a:xfrm>
+            <a:off x="5803900" y="3429000"/>
+            <a:ext cx="368300" cy="1752600"/>
+          </a:xfrm>
+          <a:prstGeom prst="rect">
+            <a:avLst/>
+          </a:prstGeom>
+        </p:spPr>
+        <p:style>
+          <a:lnRef idx="1">
+            <a:schemeClr val="accent2"/>
+          </a:lnRef>
+          <a:fillRef idx="2">
+            <a:schemeClr val="accent2"/>
+          </a:fillRef>
+          <a:effectRef idx="1">
+            <a:schemeClr val="accent2"/>
+          </a:effectRef>
+          <a:fontRef idx="minor">
+            <a:schemeClr val="dk1"/>
+          </a:fontRef>
+        </p:style>
+        <p:txBody>
+          <a:bodyPr rtlCol="0" anchor="ctr"/>
+          <a:lstStyle/>
+          <a:p>
+            <a:pPr algn="ctr"/>
+            <a:r>
+              <a:rPr lang="en-US" dirty="0" smtClean="0"/>
+              <a:t>W</a:t>
+            </a:r>
+            <a:endParaRPr lang="en-US" dirty="0"/>
+          </a:p>
+        </p:txBody>
+      </p:sp>
+      <p:sp>
+        <p:nvSpPr>
+          <p:cNvPr id="13" name="Rectangle 12"/>
+          <p:cNvSpPr/>
+          <p:nvPr/>
+        </p:nvSpPr>
+        <p:spPr>
+          <a:xfrm>
+            <a:off x="6248400" y="3429000"/>
+            <a:ext cx="368300" cy="838200"/>
+          </a:xfrm>
+          <a:prstGeom prst="rect">
+            <a:avLst/>
+          </a:prstGeom>
+        </p:spPr>
+        <p:style>
+          <a:lnRef idx="1">
+            <a:schemeClr val="accent2"/>
+          </a:lnRef>
+          <a:fillRef idx="2">
+            <a:schemeClr val="accent2"/>
+          </a:fillRef>
+          <a:effectRef idx="1">
+            <a:schemeClr val="accent2"/>
+          </a:effectRef>
+          <a:fontRef idx="minor">
+            <a:schemeClr val="dk1"/>
+          </a:fontRef>
+        </p:style>
+        <p:txBody>
+          <a:bodyPr rtlCol="0" anchor="ctr"/>
+          <a:lstStyle/>
+          <a:p>
+            <a:pPr algn="ctr"/>
+            <a:r>
+              <a:rPr lang="en-US" dirty="0" smtClean="0"/>
+              <a:t>X</a:t>
+            </a:r>
+            <a:endParaRPr lang="en-US" dirty="0"/>
+          </a:p>
+        </p:txBody>
+      </p:sp>
+      <p:sp>
+        <p:nvSpPr>
+          <p:cNvPr id="14" name="Rectangle 13"/>
+          <p:cNvSpPr/>
+          <p:nvPr/>
+        </p:nvSpPr>
+        <p:spPr>
+          <a:xfrm>
+            <a:off x="6248400" y="4343400"/>
+            <a:ext cx="368300" cy="838200"/>
+          </a:xfrm>
+          <a:prstGeom prst="rect">
+            <a:avLst/>
+          </a:prstGeom>
+        </p:spPr>
+        <p:style>
+          <a:lnRef idx="1">
+            <a:schemeClr val="accent2"/>
+          </a:lnRef>
+          <a:fillRef idx="2">
+            <a:schemeClr val="accent2"/>
+          </a:fillRef>
+          <a:effectRef idx="1">
+            <a:schemeClr val="accent2"/>
+          </a:effectRef>
+          <a:fontRef idx="minor">
+            <a:schemeClr val="dk1"/>
+          </a:fontRef>
+        </p:style>
+        <p:txBody>
+          <a:bodyPr rtlCol="0" anchor="ctr"/>
+          <a:lstStyle/>
+          <a:p>
+            <a:pPr algn="ctr"/>
+            <a:r>
+              <a:rPr lang="en-US" dirty="0" smtClean="0"/>
+              <a:t>Y</a:t>
+            </a:r>
+            <a:endParaRPr lang="en-US" dirty="0"/>
+          </a:p>
+        </p:txBody>
+      </p:sp>
+      <p:sp>
+        <p:nvSpPr>
+          <p:cNvPr id="15" name="Rectangle 14"/>
+          <p:cNvSpPr/>
+          <p:nvPr/>
+        </p:nvSpPr>
+        <p:spPr>
+          <a:xfrm>
+            <a:off x="6705600" y="3429000"/>
+            <a:ext cx="368300" cy="1752600"/>
+          </a:xfrm>
+          <a:prstGeom prst="rect">
+            <a:avLst/>
+          </a:prstGeom>
+        </p:spPr>
+        <p:style>
+          <a:lnRef idx="1">
+            <a:schemeClr val="accent2"/>
+          </a:lnRef>
+          <a:fillRef idx="2">
+            <a:schemeClr val="accent2"/>
+          </a:fillRef>
+          <a:effectRef idx="1">
+            <a:schemeClr val="accent2"/>
+          </a:effectRef>
+          <a:fontRef idx="minor">
+            <a:schemeClr val="dk1"/>
+          </a:fontRef>
+        </p:style>
+        <p:txBody>
+          <a:bodyPr rtlCol="0" anchor="ctr"/>
+          <a:lstStyle/>
+          <a:p>
+            <a:pPr algn="ctr"/>
+            <a:r>
+              <a:rPr lang="en-US" dirty="0" smtClean="0"/>
+              <a:t>Z</a:t>
+            </a:r>
             <a:endParaRPr lang="en-US" dirty="0"/>
           </a:p>
         </p:txBody>
@@ -14217,7 +14716,7 @@
     </p:spTree>
     <p:extLst>
       <p:ext uri="{BB962C8B-B14F-4D97-AF65-F5344CB8AC3E}">
-        <p14:creationId xmlns:p14="http://schemas.microsoft.com/office/powerpoint/2010/main" val="1638189661"/>
+        <p14:creationId xmlns:p14="http://schemas.microsoft.com/office/powerpoint/2010/main" val="3431407346"/>
       </p:ext>
     </p:extLst>
   </p:cSld>
@@ -14275,6 +14774,3042 @@
         </p:nvSpPr>
         <p:spPr/>
         <p:txBody>
+          <a:bodyPr/>
+          <a:lstStyle/>
+          <a:p>
+            <a:r>
+              <a:rPr lang="en-US" dirty="0" smtClean="0"/>
+              <a:t>Testing Approach</a:t>
+            </a:r>
+            <a:endParaRPr lang="en-US" dirty="0"/>
+          </a:p>
+        </p:txBody>
+      </p:sp>
+      <p:sp>
+        <p:nvSpPr>
+          <p:cNvPr id="3" name="Rounded Rectangle 2"/>
+          <p:cNvSpPr/>
+          <p:nvPr/>
+        </p:nvSpPr>
+        <p:spPr>
+          <a:xfrm>
+            <a:off x="1066800" y="3352800"/>
+            <a:ext cx="7010400" cy="1905000"/>
+          </a:xfrm>
+          <a:prstGeom prst="roundRect">
+            <a:avLst/>
+          </a:prstGeom>
+        </p:spPr>
+        <p:style>
+          <a:lnRef idx="2">
+            <a:schemeClr val="accent3">
+              <a:shade val="50000"/>
+            </a:schemeClr>
+          </a:lnRef>
+          <a:fillRef idx="1">
+            <a:schemeClr val="accent3"/>
+          </a:fillRef>
+          <a:effectRef idx="0">
+            <a:schemeClr val="accent3"/>
+          </a:effectRef>
+          <a:fontRef idx="minor">
+            <a:schemeClr val="lt1"/>
+          </a:fontRef>
+        </p:style>
+        <p:txBody>
+          <a:bodyPr rtlCol="0" anchor="ctr"/>
+          <a:lstStyle/>
+          <a:p>
+            <a:pPr algn="ctr"/>
+            <a:endParaRPr lang="en-US" dirty="0"/>
+          </a:p>
+        </p:txBody>
+      </p:sp>
+      <p:sp>
+        <p:nvSpPr>
+          <p:cNvPr id="4" name="Rectangle 3"/>
+          <p:cNvSpPr/>
+          <p:nvPr/>
+        </p:nvSpPr>
+        <p:spPr>
+          <a:xfrm>
+            <a:off x="2209800" y="3352800"/>
+            <a:ext cx="4953000" cy="1905000"/>
+          </a:xfrm>
+          <a:prstGeom prst="rect">
+            <a:avLst/>
+          </a:prstGeom>
+        </p:spPr>
+        <p:style>
+          <a:lnRef idx="2">
+            <a:schemeClr val="accent1">
+              <a:shade val="50000"/>
+            </a:schemeClr>
+          </a:lnRef>
+          <a:fillRef idx="1">
+            <a:schemeClr val="accent1"/>
+          </a:fillRef>
+          <a:effectRef idx="0">
+            <a:schemeClr val="accent1"/>
+          </a:effectRef>
+          <a:fontRef idx="minor">
+            <a:schemeClr val="lt1"/>
+          </a:fontRef>
+        </p:style>
+        <p:txBody>
+          <a:bodyPr rtlCol="0" anchor="ctr"/>
+          <a:lstStyle/>
+          <a:p>
+            <a:pPr algn="ctr"/>
+            <a:endParaRPr lang="en-US"/>
+          </a:p>
+        </p:txBody>
+      </p:sp>
+      <p:sp>
+        <p:nvSpPr>
+          <p:cNvPr id="5" name="TextBox 4"/>
+          <p:cNvSpPr txBox="1"/>
+          <p:nvPr/>
+        </p:nvSpPr>
+        <p:spPr>
+          <a:xfrm>
+            <a:off x="1066800" y="3982132"/>
+            <a:ext cx="1308100" cy="646331"/>
+          </a:xfrm>
+          <a:prstGeom prst="rect">
+            <a:avLst/>
+          </a:prstGeom>
+          <a:noFill/>
+        </p:spPr>
+        <p:txBody>
+          <a:bodyPr wrap="square" rtlCol="0">
+            <a:spAutoFit/>
+          </a:bodyPr>
+          <a:lstStyle/>
+          <a:p>
+            <a:r>
+              <a:rPr lang="en-US" dirty="0" smtClean="0"/>
+              <a:t>User</a:t>
+            </a:r>
+          </a:p>
+          <a:p>
+            <a:r>
+              <a:rPr lang="en-US" dirty="0" smtClean="0"/>
+              <a:t>Interface</a:t>
+            </a:r>
+            <a:endParaRPr lang="en-US" dirty="0"/>
+          </a:p>
+        </p:txBody>
+      </p:sp>
+      <p:sp>
+        <p:nvSpPr>
+          <p:cNvPr id="6" name="TextBox 5"/>
+          <p:cNvSpPr txBox="1"/>
+          <p:nvPr/>
+        </p:nvSpPr>
+        <p:spPr>
+          <a:xfrm>
+            <a:off x="6769100" y="3982134"/>
+            <a:ext cx="1308100" cy="646331"/>
+          </a:xfrm>
+          <a:prstGeom prst="rect">
+            <a:avLst/>
+          </a:prstGeom>
+          <a:noFill/>
+        </p:spPr>
+        <p:txBody>
+          <a:bodyPr wrap="square" rtlCol="0">
+            <a:spAutoFit/>
+          </a:bodyPr>
+          <a:lstStyle/>
+          <a:p>
+            <a:pPr algn="r"/>
+            <a:r>
+              <a:rPr lang="en-US" dirty="0" smtClean="0"/>
+              <a:t>Data Access</a:t>
+            </a:r>
+            <a:endParaRPr lang="en-US" dirty="0"/>
+          </a:p>
+        </p:txBody>
+      </p:sp>
+      <p:sp>
+        <p:nvSpPr>
+          <p:cNvPr id="7" name="TextBox 6"/>
+          <p:cNvSpPr txBox="1"/>
+          <p:nvPr/>
+        </p:nvSpPr>
+        <p:spPr>
+          <a:xfrm>
+            <a:off x="3917950" y="3982133"/>
+            <a:ext cx="1308100" cy="646331"/>
+          </a:xfrm>
+          <a:prstGeom prst="rect">
+            <a:avLst/>
+          </a:prstGeom>
+          <a:noFill/>
+        </p:spPr>
+        <p:txBody>
+          <a:bodyPr wrap="square" rtlCol="0">
+            <a:spAutoFit/>
+          </a:bodyPr>
+          <a:lstStyle/>
+          <a:p>
+            <a:pPr algn="ctr"/>
+            <a:r>
+              <a:rPr lang="en-US" dirty="0" smtClean="0"/>
+              <a:t>Business Logic</a:t>
+            </a:r>
+            <a:endParaRPr lang="en-US" dirty="0"/>
+          </a:p>
+        </p:txBody>
+      </p:sp>
+      <p:sp>
+        <p:nvSpPr>
+          <p:cNvPr id="8" name="Rectangle 7"/>
+          <p:cNvSpPr/>
+          <p:nvPr/>
+        </p:nvSpPr>
+        <p:spPr>
+          <a:xfrm>
+            <a:off x="2374900" y="3429000"/>
+            <a:ext cx="368300" cy="1752600"/>
+          </a:xfrm>
+          <a:prstGeom prst="rect">
+            <a:avLst/>
+          </a:prstGeom>
+        </p:spPr>
+        <p:style>
+          <a:lnRef idx="1">
+            <a:schemeClr val="accent2"/>
+          </a:lnRef>
+          <a:fillRef idx="2">
+            <a:schemeClr val="accent2"/>
+          </a:fillRef>
+          <a:effectRef idx="1">
+            <a:schemeClr val="accent2"/>
+          </a:effectRef>
+          <a:fontRef idx="minor">
+            <a:schemeClr val="dk1"/>
+          </a:fontRef>
+        </p:style>
+        <p:txBody>
+          <a:bodyPr rtlCol="0" anchor="ctr"/>
+          <a:lstStyle/>
+          <a:p>
+            <a:pPr algn="ctr"/>
+            <a:r>
+              <a:rPr lang="en-US" dirty="0" smtClean="0"/>
+              <a:t>A</a:t>
+            </a:r>
+            <a:endParaRPr lang="en-US" dirty="0"/>
+          </a:p>
+        </p:txBody>
+      </p:sp>
+      <p:sp>
+        <p:nvSpPr>
+          <p:cNvPr id="9" name="Rectangle 8"/>
+          <p:cNvSpPr/>
+          <p:nvPr/>
+        </p:nvSpPr>
+        <p:spPr>
+          <a:xfrm>
+            <a:off x="2819400" y="3429000"/>
+            <a:ext cx="368300" cy="838200"/>
+          </a:xfrm>
+          <a:prstGeom prst="rect">
+            <a:avLst/>
+          </a:prstGeom>
+        </p:spPr>
+        <p:style>
+          <a:lnRef idx="1">
+            <a:schemeClr val="accent2"/>
+          </a:lnRef>
+          <a:fillRef idx="2">
+            <a:schemeClr val="accent2"/>
+          </a:fillRef>
+          <a:effectRef idx="1">
+            <a:schemeClr val="accent2"/>
+          </a:effectRef>
+          <a:fontRef idx="minor">
+            <a:schemeClr val="dk1"/>
+          </a:fontRef>
+        </p:style>
+        <p:txBody>
+          <a:bodyPr rtlCol="0" anchor="ctr"/>
+          <a:lstStyle/>
+          <a:p>
+            <a:pPr algn="ctr"/>
+            <a:r>
+              <a:rPr lang="en-US" dirty="0" smtClean="0"/>
+              <a:t>B</a:t>
+            </a:r>
+            <a:endParaRPr lang="en-US" dirty="0"/>
+          </a:p>
+        </p:txBody>
+      </p:sp>
+      <p:sp>
+        <p:nvSpPr>
+          <p:cNvPr id="10" name="Rectangle 9"/>
+          <p:cNvSpPr/>
+          <p:nvPr/>
+        </p:nvSpPr>
+        <p:spPr>
+          <a:xfrm>
+            <a:off x="2819400" y="4343400"/>
+            <a:ext cx="368300" cy="838200"/>
+          </a:xfrm>
+          <a:prstGeom prst="rect">
+            <a:avLst/>
+          </a:prstGeom>
+        </p:spPr>
+        <p:style>
+          <a:lnRef idx="1">
+            <a:schemeClr val="accent2"/>
+          </a:lnRef>
+          <a:fillRef idx="2">
+            <a:schemeClr val="accent2"/>
+          </a:fillRef>
+          <a:effectRef idx="1">
+            <a:schemeClr val="accent2"/>
+          </a:effectRef>
+          <a:fontRef idx="minor">
+            <a:schemeClr val="dk1"/>
+          </a:fontRef>
+        </p:style>
+        <p:txBody>
+          <a:bodyPr rtlCol="0" anchor="ctr"/>
+          <a:lstStyle/>
+          <a:p>
+            <a:pPr algn="ctr"/>
+            <a:r>
+              <a:rPr lang="en-US" dirty="0" smtClean="0"/>
+              <a:t>C</a:t>
+            </a:r>
+            <a:endParaRPr lang="en-US" dirty="0"/>
+          </a:p>
+        </p:txBody>
+      </p:sp>
+      <p:sp>
+        <p:nvSpPr>
+          <p:cNvPr id="11" name="Rectangle 10"/>
+          <p:cNvSpPr/>
+          <p:nvPr/>
+        </p:nvSpPr>
+        <p:spPr>
+          <a:xfrm>
+            <a:off x="3276600" y="3429000"/>
+            <a:ext cx="368300" cy="1752600"/>
+          </a:xfrm>
+          <a:prstGeom prst="rect">
+            <a:avLst/>
+          </a:prstGeom>
+        </p:spPr>
+        <p:style>
+          <a:lnRef idx="1">
+            <a:schemeClr val="accent2"/>
+          </a:lnRef>
+          <a:fillRef idx="2">
+            <a:schemeClr val="accent2"/>
+          </a:fillRef>
+          <a:effectRef idx="1">
+            <a:schemeClr val="accent2"/>
+          </a:effectRef>
+          <a:fontRef idx="minor">
+            <a:schemeClr val="dk1"/>
+          </a:fontRef>
+        </p:style>
+        <p:txBody>
+          <a:bodyPr rtlCol="0" anchor="ctr"/>
+          <a:lstStyle/>
+          <a:p>
+            <a:pPr algn="ctr"/>
+            <a:r>
+              <a:rPr lang="en-US" dirty="0" smtClean="0"/>
+              <a:t>D</a:t>
+            </a:r>
+            <a:endParaRPr lang="en-US" dirty="0"/>
+          </a:p>
+        </p:txBody>
+      </p:sp>
+      <p:sp>
+        <p:nvSpPr>
+          <p:cNvPr id="12" name="Rectangle 11"/>
+          <p:cNvSpPr/>
+          <p:nvPr/>
+        </p:nvSpPr>
+        <p:spPr>
+          <a:xfrm>
+            <a:off x="5803900" y="3429000"/>
+            <a:ext cx="368300" cy="1752600"/>
+          </a:xfrm>
+          <a:prstGeom prst="rect">
+            <a:avLst/>
+          </a:prstGeom>
+        </p:spPr>
+        <p:style>
+          <a:lnRef idx="1">
+            <a:schemeClr val="accent2"/>
+          </a:lnRef>
+          <a:fillRef idx="2">
+            <a:schemeClr val="accent2"/>
+          </a:fillRef>
+          <a:effectRef idx="1">
+            <a:schemeClr val="accent2"/>
+          </a:effectRef>
+          <a:fontRef idx="minor">
+            <a:schemeClr val="dk1"/>
+          </a:fontRef>
+        </p:style>
+        <p:txBody>
+          <a:bodyPr rtlCol="0" anchor="ctr"/>
+          <a:lstStyle/>
+          <a:p>
+            <a:pPr algn="ctr"/>
+            <a:r>
+              <a:rPr lang="en-US" dirty="0" smtClean="0"/>
+              <a:t>W</a:t>
+            </a:r>
+            <a:endParaRPr lang="en-US" dirty="0"/>
+          </a:p>
+        </p:txBody>
+      </p:sp>
+      <p:sp>
+        <p:nvSpPr>
+          <p:cNvPr id="13" name="Rectangle 12"/>
+          <p:cNvSpPr/>
+          <p:nvPr/>
+        </p:nvSpPr>
+        <p:spPr>
+          <a:xfrm>
+            <a:off x="6248400" y="3429000"/>
+            <a:ext cx="368300" cy="838200"/>
+          </a:xfrm>
+          <a:prstGeom prst="rect">
+            <a:avLst/>
+          </a:prstGeom>
+        </p:spPr>
+        <p:style>
+          <a:lnRef idx="1">
+            <a:schemeClr val="accent2"/>
+          </a:lnRef>
+          <a:fillRef idx="2">
+            <a:schemeClr val="accent2"/>
+          </a:fillRef>
+          <a:effectRef idx="1">
+            <a:schemeClr val="accent2"/>
+          </a:effectRef>
+          <a:fontRef idx="minor">
+            <a:schemeClr val="dk1"/>
+          </a:fontRef>
+        </p:style>
+        <p:txBody>
+          <a:bodyPr rtlCol="0" anchor="ctr"/>
+          <a:lstStyle/>
+          <a:p>
+            <a:pPr algn="ctr"/>
+            <a:r>
+              <a:rPr lang="en-US" dirty="0" smtClean="0"/>
+              <a:t>X</a:t>
+            </a:r>
+            <a:endParaRPr lang="en-US" dirty="0"/>
+          </a:p>
+        </p:txBody>
+      </p:sp>
+      <p:sp>
+        <p:nvSpPr>
+          <p:cNvPr id="14" name="Rectangle 13"/>
+          <p:cNvSpPr/>
+          <p:nvPr/>
+        </p:nvSpPr>
+        <p:spPr>
+          <a:xfrm>
+            <a:off x="6248400" y="4343400"/>
+            <a:ext cx="368300" cy="838200"/>
+          </a:xfrm>
+          <a:prstGeom prst="rect">
+            <a:avLst/>
+          </a:prstGeom>
+        </p:spPr>
+        <p:style>
+          <a:lnRef idx="1">
+            <a:schemeClr val="accent2"/>
+          </a:lnRef>
+          <a:fillRef idx="2">
+            <a:schemeClr val="accent2"/>
+          </a:fillRef>
+          <a:effectRef idx="1">
+            <a:schemeClr val="accent2"/>
+          </a:effectRef>
+          <a:fontRef idx="minor">
+            <a:schemeClr val="dk1"/>
+          </a:fontRef>
+        </p:style>
+        <p:txBody>
+          <a:bodyPr rtlCol="0" anchor="ctr"/>
+          <a:lstStyle/>
+          <a:p>
+            <a:pPr algn="ctr"/>
+            <a:r>
+              <a:rPr lang="en-US" dirty="0" smtClean="0"/>
+              <a:t>Y</a:t>
+            </a:r>
+            <a:endParaRPr lang="en-US" dirty="0"/>
+          </a:p>
+        </p:txBody>
+      </p:sp>
+      <p:sp>
+        <p:nvSpPr>
+          <p:cNvPr id="15" name="Rectangle 14"/>
+          <p:cNvSpPr/>
+          <p:nvPr/>
+        </p:nvSpPr>
+        <p:spPr>
+          <a:xfrm>
+            <a:off x="6705600" y="3429000"/>
+            <a:ext cx="368300" cy="1752600"/>
+          </a:xfrm>
+          <a:prstGeom prst="rect">
+            <a:avLst/>
+          </a:prstGeom>
+        </p:spPr>
+        <p:style>
+          <a:lnRef idx="1">
+            <a:schemeClr val="accent2"/>
+          </a:lnRef>
+          <a:fillRef idx="2">
+            <a:schemeClr val="accent2"/>
+          </a:fillRef>
+          <a:effectRef idx="1">
+            <a:schemeClr val="accent2"/>
+          </a:effectRef>
+          <a:fontRef idx="minor">
+            <a:schemeClr val="dk1"/>
+          </a:fontRef>
+        </p:style>
+        <p:txBody>
+          <a:bodyPr rtlCol="0" anchor="ctr"/>
+          <a:lstStyle/>
+          <a:p>
+            <a:pPr algn="ctr"/>
+            <a:r>
+              <a:rPr lang="en-US" dirty="0" smtClean="0"/>
+              <a:t>Z</a:t>
+            </a:r>
+            <a:endParaRPr lang="en-US" dirty="0"/>
+          </a:p>
+        </p:txBody>
+      </p:sp>
+      <p:sp>
+        <p:nvSpPr>
+          <p:cNvPr id="18" name="Bent Arrow 17"/>
+          <p:cNvSpPr/>
+          <p:nvPr/>
+        </p:nvSpPr>
+        <p:spPr>
+          <a:xfrm rot="16200000" flipH="1">
+            <a:off x="3263900" y="2705100"/>
+            <a:ext cx="762000" cy="685800"/>
+          </a:xfrm>
+          <a:prstGeom prst="bentArrow">
+            <a:avLst/>
+          </a:prstGeom>
+        </p:spPr>
+        <p:style>
+          <a:lnRef idx="0">
+            <a:schemeClr val="accent5"/>
+          </a:lnRef>
+          <a:fillRef idx="3">
+            <a:schemeClr val="accent5"/>
+          </a:fillRef>
+          <a:effectRef idx="3">
+            <a:schemeClr val="accent5"/>
+          </a:effectRef>
+          <a:fontRef idx="minor">
+            <a:schemeClr val="lt1"/>
+          </a:fontRef>
+        </p:style>
+        <p:txBody>
+          <a:bodyPr rtlCol="0" anchor="ctr"/>
+          <a:lstStyle/>
+          <a:p>
+            <a:pPr algn="ctr"/>
+            <a:endParaRPr lang="en-US">
+              <a:solidFill>
+                <a:schemeClr val="tx1"/>
+              </a:solidFill>
+            </a:endParaRPr>
+          </a:p>
+        </p:txBody>
+      </p:sp>
+      <p:sp>
+        <p:nvSpPr>
+          <p:cNvPr id="19" name="TextBox 18"/>
+          <p:cNvSpPr txBox="1"/>
+          <p:nvPr/>
+        </p:nvSpPr>
+        <p:spPr>
+          <a:xfrm>
+            <a:off x="3987800" y="2590800"/>
+            <a:ext cx="675185" cy="369332"/>
+          </a:xfrm>
+          <a:prstGeom prst="rect">
+            <a:avLst/>
+          </a:prstGeom>
+          <a:noFill/>
+        </p:spPr>
+        <p:txBody>
+          <a:bodyPr wrap="none" rtlCol="0">
+            <a:spAutoFit/>
+          </a:bodyPr>
+          <a:lstStyle/>
+          <a:p>
+            <a:r>
+              <a:rPr lang="en-US" dirty="0" smtClean="0"/>
+              <a:t>Fred</a:t>
+            </a:r>
+            <a:endParaRPr lang="en-US" dirty="0"/>
+          </a:p>
+        </p:txBody>
+      </p:sp>
+      <p:sp>
+        <p:nvSpPr>
+          <p:cNvPr id="20" name="Bent Arrow 19"/>
+          <p:cNvSpPr/>
+          <p:nvPr/>
+        </p:nvSpPr>
+        <p:spPr>
+          <a:xfrm rot="5400000" flipH="1">
+            <a:off x="2463800" y="5219700"/>
+            <a:ext cx="762000" cy="685800"/>
+          </a:xfrm>
+          <a:prstGeom prst="bentArrow">
+            <a:avLst/>
+          </a:prstGeom>
+        </p:spPr>
+        <p:style>
+          <a:lnRef idx="0">
+            <a:schemeClr val="accent5"/>
+          </a:lnRef>
+          <a:fillRef idx="3">
+            <a:schemeClr val="accent5"/>
+          </a:fillRef>
+          <a:effectRef idx="3">
+            <a:schemeClr val="accent5"/>
+          </a:effectRef>
+          <a:fontRef idx="minor">
+            <a:schemeClr val="lt1"/>
+          </a:fontRef>
+        </p:style>
+        <p:txBody>
+          <a:bodyPr rtlCol="0" anchor="ctr"/>
+          <a:lstStyle/>
+          <a:p>
+            <a:pPr algn="ctr"/>
+            <a:endParaRPr lang="en-US">
+              <a:solidFill>
+                <a:schemeClr val="tx1"/>
+              </a:solidFill>
+            </a:endParaRPr>
+          </a:p>
+        </p:txBody>
+      </p:sp>
+      <p:sp>
+        <p:nvSpPr>
+          <p:cNvPr id="21" name="TextBox 20"/>
+          <p:cNvSpPr txBox="1"/>
+          <p:nvPr/>
+        </p:nvSpPr>
+        <p:spPr>
+          <a:xfrm>
+            <a:off x="1756183" y="5638800"/>
+            <a:ext cx="745717" cy="369332"/>
+          </a:xfrm>
+          <a:prstGeom prst="rect">
+            <a:avLst/>
+          </a:prstGeom>
+          <a:noFill/>
+        </p:spPr>
+        <p:txBody>
+          <a:bodyPr wrap="none" rtlCol="0">
+            <a:spAutoFit/>
+          </a:bodyPr>
+          <a:lstStyle/>
+          <a:p>
+            <a:r>
+              <a:rPr lang="en-US" dirty="0" smtClean="0"/>
+              <a:t>Mary</a:t>
+            </a:r>
+            <a:endParaRPr lang="en-US" dirty="0"/>
+          </a:p>
+        </p:txBody>
+      </p:sp>
+    </p:spTree>
+    <p:extLst>
+      <p:ext uri="{BB962C8B-B14F-4D97-AF65-F5344CB8AC3E}">
+        <p14:creationId xmlns:p14="http://schemas.microsoft.com/office/powerpoint/2010/main" val="506995039"/>
+      </p:ext>
+    </p:extLst>
+  </p:cSld>
+  <p:clrMapOvr>
+    <a:masterClrMapping/>
+  </p:clrMapOvr>
+  <mc:AlternateContent xmlns:mc="http://schemas.openxmlformats.org/markup-compatibility/2006" xmlns:p14="http://schemas.microsoft.com/office/powerpoint/2010/main">
+    <mc:Choice Requires="p14">
+      <p:transition spd="med" p14:dur="700">
+        <p:fade/>
+      </p:transition>
+    </mc:Choice>
+    <mc:Fallback xmlns="">
+      <p:transition spd="med">
+        <p:fade/>
+      </p:transition>
+    </mc:Fallback>
+  </mc:AlternateContent>
+  <p:timing>
+    <p:tnLst>
+      <p:par>
+        <p:cTn id="1" dur="indefinite" restart="never" nodeType="tmRoot"/>
+      </p:par>
+    </p:tnLst>
+  </p:timing>
+</p:sld>
+</file>
+
+<file path=ppt/slides/slide12.xml><?xml version="1.0" encoding="utf-8"?>
+<p:sld xmlns:a="http://schemas.openxmlformats.org/drawingml/2006/main" xmlns:r="http://schemas.openxmlformats.org/officeDocument/2006/relationships" xmlns:p="http://schemas.openxmlformats.org/presentationml/2006/main">
+  <p:cSld>
+    <p:spTree>
+      <p:nvGrpSpPr>
+        <p:cNvPr id="1" name=""/>
+        <p:cNvGrpSpPr/>
+        <p:nvPr/>
+      </p:nvGrpSpPr>
+      <p:grpSpPr>
+        <a:xfrm>
+          <a:off x="0" y="0"/>
+          <a:ext cx="0" cy="0"/>
+          <a:chOff x="0" y="0"/>
+          <a:chExt cx="0" cy="0"/>
+        </a:xfrm>
+      </p:grpSpPr>
+      <p:sp>
+        <p:nvSpPr>
+          <p:cNvPr id="2" name="Title 1"/>
+          <p:cNvSpPr>
+            <a:spLocks noGrp="1"/>
+          </p:cNvSpPr>
+          <p:nvPr>
+            <p:ph type="title"/>
+          </p:nvPr>
+        </p:nvSpPr>
+        <p:spPr/>
+        <p:txBody>
+          <a:bodyPr/>
+          <a:lstStyle/>
+          <a:p>
+            <a:r>
+              <a:rPr lang="en-US" dirty="0" smtClean="0"/>
+              <a:t>Testing Approach</a:t>
+            </a:r>
+            <a:endParaRPr lang="en-US" dirty="0"/>
+          </a:p>
+        </p:txBody>
+      </p:sp>
+      <p:sp>
+        <p:nvSpPr>
+          <p:cNvPr id="3" name="Rounded Rectangle 2"/>
+          <p:cNvSpPr/>
+          <p:nvPr/>
+        </p:nvSpPr>
+        <p:spPr>
+          <a:xfrm>
+            <a:off x="1066800" y="3352800"/>
+            <a:ext cx="7010400" cy="1905000"/>
+          </a:xfrm>
+          <a:prstGeom prst="roundRect">
+            <a:avLst/>
+          </a:prstGeom>
+        </p:spPr>
+        <p:style>
+          <a:lnRef idx="2">
+            <a:schemeClr val="accent3">
+              <a:shade val="50000"/>
+            </a:schemeClr>
+          </a:lnRef>
+          <a:fillRef idx="1">
+            <a:schemeClr val="accent3"/>
+          </a:fillRef>
+          <a:effectRef idx="0">
+            <a:schemeClr val="accent3"/>
+          </a:effectRef>
+          <a:fontRef idx="minor">
+            <a:schemeClr val="lt1"/>
+          </a:fontRef>
+        </p:style>
+        <p:txBody>
+          <a:bodyPr rtlCol="0" anchor="ctr"/>
+          <a:lstStyle/>
+          <a:p>
+            <a:pPr algn="ctr"/>
+            <a:endParaRPr lang="en-US" dirty="0"/>
+          </a:p>
+        </p:txBody>
+      </p:sp>
+      <p:sp>
+        <p:nvSpPr>
+          <p:cNvPr id="4" name="Rectangle 3"/>
+          <p:cNvSpPr/>
+          <p:nvPr/>
+        </p:nvSpPr>
+        <p:spPr>
+          <a:xfrm>
+            <a:off x="2209800" y="3352800"/>
+            <a:ext cx="4953000" cy="1905000"/>
+          </a:xfrm>
+          <a:prstGeom prst="rect">
+            <a:avLst/>
+          </a:prstGeom>
+        </p:spPr>
+        <p:style>
+          <a:lnRef idx="2">
+            <a:schemeClr val="accent1">
+              <a:shade val="50000"/>
+            </a:schemeClr>
+          </a:lnRef>
+          <a:fillRef idx="1">
+            <a:schemeClr val="accent1"/>
+          </a:fillRef>
+          <a:effectRef idx="0">
+            <a:schemeClr val="accent1"/>
+          </a:effectRef>
+          <a:fontRef idx="minor">
+            <a:schemeClr val="lt1"/>
+          </a:fontRef>
+        </p:style>
+        <p:txBody>
+          <a:bodyPr rtlCol="0" anchor="ctr"/>
+          <a:lstStyle/>
+          <a:p>
+            <a:pPr algn="ctr"/>
+            <a:endParaRPr lang="en-US"/>
+          </a:p>
+        </p:txBody>
+      </p:sp>
+      <p:sp>
+        <p:nvSpPr>
+          <p:cNvPr id="5" name="TextBox 4"/>
+          <p:cNvSpPr txBox="1"/>
+          <p:nvPr/>
+        </p:nvSpPr>
+        <p:spPr>
+          <a:xfrm>
+            <a:off x="1066800" y="3982132"/>
+            <a:ext cx="1308100" cy="646331"/>
+          </a:xfrm>
+          <a:prstGeom prst="rect">
+            <a:avLst/>
+          </a:prstGeom>
+          <a:noFill/>
+        </p:spPr>
+        <p:txBody>
+          <a:bodyPr wrap="square" rtlCol="0">
+            <a:spAutoFit/>
+          </a:bodyPr>
+          <a:lstStyle/>
+          <a:p>
+            <a:r>
+              <a:rPr lang="en-US" dirty="0" smtClean="0"/>
+              <a:t>User</a:t>
+            </a:r>
+          </a:p>
+          <a:p>
+            <a:r>
+              <a:rPr lang="en-US" dirty="0" smtClean="0"/>
+              <a:t>Interface</a:t>
+            </a:r>
+            <a:endParaRPr lang="en-US" dirty="0"/>
+          </a:p>
+        </p:txBody>
+      </p:sp>
+      <p:sp>
+        <p:nvSpPr>
+          <p:cNvPr id="6" name="TextBox 5"/>
+          <p:cNvSpPr txBox="1"/>
+          <p:nvPr/>
+        </p:nvSpPr>
+        <p:spPr>
+          <a:xfrm>
+            <a:off x="6769100" y="3982134"/>
+            <a:ext cx="1308100" cy="646331"/>
+          </a:xfrm>
+          <a:prstGeom prst="rect">
+            <a:avLst/>
+          </a:prstGeom>
+          <a:noFill/>
+        </p:spPr>
+        <p:txBody>
+          <a:bodyPr wrap="square" rtlCol="0">
+            <a:spAutoFit/>
+          </a:bodyPr>
+          <a:lstStyle/>
+          <a:p>
+            <a:pPr algn="r"/>
+            <a:r>
+              <a:rPr lang="en-US" dirty="0" smtClean="0"/>
+              <a:t>Data Access</a:t>
+            </a:r>
+            <a:endParaRPr lang="en-US" dirty="0"/>
+          </a:p>
+        </p:txBody>
+      </p:sp>
+      <p:sp>
+        <p:nvSpPr>
+          <p:cNvPr id="7" name="TextBox 6"/>
+          <p:cNvSpPr txBox="1"/>
+          <p:nvPr/>
+        </p:nvSpPr>
+        <p:spPr>
+          <a:xfrm>
+            <a:off x="3917950" y="3982133"/>
+            <a:ext cx="1308100" cy="646331"/>
+          </a:xfrm>
+          <a:prstGeom prst="rect">
+            <a:avLst/>
+          </a:prstGeom>
+          <a:noFill/>
+        </p:spPr>
+        <p:txBody>
+          <a:bodyPr wrap="square" rtlCol="0">
+            <a:spAutoFit/>
+          </a:bodyPr>
+          <a:lstStyle/>
+          <a:p>
+            <a:pPr algn="ctr"/>
+            <a:r>
+              <a:rPr lang="en-US" dirty="0" smtClean="0"/>
+              <a:t>Business Logic</a:t>
+            </a:r>
+            <a:endParaRPr lang="en-US" dirty="0"/>
+          </a:p>
+        </p:txBody>
+      </p:sp>
+      <p:sp>
+        <p:nvSpPr>
+          <p:cNvPr id="8" name="Rectangle 7"/>
+          <p:cNvSpPr/>
+          <p:nvPr/>
+        </p:nvSpPr>
+        <p:spPr>
+          <a:xfrm>
+            <a:off x="2374900" y="3429000"/>
+            <a:ext cx="368300" cy="1752600"/>
+          </a:xfrm>
+          <a:prstGeom prst="rect">
+            <a:avLst/>
+          </a:prstGeom>
+        </p:spPr>
+        <p:style>
+          <a:lnRef idx="1">
+            <a:schemeClr val="accent2"/>
+          </a:lnRef>
+          <a:fillRef idx="2">
+            <a:schemeClr val="accent2"/>
+          </a:fillRef>
+          <a:effectRef idx="1">
+            <a:schemeClr val="accent2"/>
+          </a:effectRef>
+          <a:fontRef idx="minor">
+            <a:schemeClr val="dk1"/>
+          </a:fontRef>
+        </p:style>
+        <p:txBody>
+          <a:bodyPr rtlCol="0" anchor="ctr"/>
+          <a:lstStyle/>
+          <a:p>
+            <a:pPr algn="ctr"/>
+            <a:r>
+              <a:rPr lang="en-US" dirty="0" smtClean="0"/>
+              <a:t>A</a:t>
+            </a:r>
+            <a:endParaRPr lang="en-US" dirty="0"/>
+          </a:p>
+        </p:txBody>
+      </p:sp>
+      <p:sp>
+        <p:nvSpPr>
+          <p:cNvPr id="9" name="Rectangle 8"/>
+          <p:cNvSpPr/>
+          <p:nvPr/>
+        </p:nvSpPr>
+        <p:spPr>
+          <a:xfrm>
+            <a:off x="2819400" y="3429000"/>
+            <a:ext cx="368300" cy="838200"/>
+          </a:xfrm>
+          <a:prstGeom prst="rect">
+            <a:avLst/>
+          </a:prstGeom>
+        </p:spPr>
+        <p:style>
+          <a:lnRef idx="1">
+            <a:schemeClr val="accent2"/>
+          </a:lnRef>
+          <a:fillRef idx="2">
+            <a:schemeClr val="accent2"/>
+          </a:fillRef>
+          <a:effectRef idx="1">
+            <a:schemeClr val="accent2"/>
+          </a:effectRef>
+          <a:fontRef idx="minor">
+            <a:schemeClr val="dk1"/>
+          </a:fontRef>
+        </p:style>
+        <p:txBody>
+          <a:bodyPr rtlCol="0" anchor="ctr"/>
+          <a:lstStyle/>
+          <a:p>
+            <a:pPr algn="ctr"/>
+            <a:r>
+              <a:rPr lang="en-US" dirty="0" smtClean="0"/>
+              <a:t>B</a:t>
+            </a:r>
+            <a:endParaRPr lang="en-US" dirty="0"/>
+          </a:p>
+        </p:txBody>
+      </p:sp>
+      <p:sp>
+        <p:nvSpPr>
+          <p:cNvPr id="10" name="Rectangle 9"/>
+          <p:cNvSpPr/>
+          <p:nvPr/>
+        </p:nvSpPr>
+        <p:spPr>
+          <a:xfrm>
+            <a:off x="2819400" y="4343400"/>
+            <a:ext cx="368300" cy="838200"/>
+          </a:xfrm>
+          <a:prstGeom prst="rect">
+            <a:avLst/>
+          </a:prstGeom>
+        </p:spPr>
+        <p:style>
+          <a:lnRef idx="1">
+            <a:schemeClr val="accent2"/>
+          </a:lnRef>
+          <a:fillRef idx="2">
+            <a:schemeClr val="accent2"/>
+          </a:fillRef>
+          <a:effectRef idx="1">
+            <a:schemeClr val="accent2"/>
+          </a:effectRef>
+          <a:fontRef idx="minor">
+            <a:schemeClr val="dk1"/>
+          </a:fontRef>
+        </p:style>
+        <p:txBody>
+          <a:bodyPr rtlCol="0" anchor="ctr"/>
+          <a:lstStyle/>
+          <a:p>
+            <a:pPr algn="ctr"/>
+            <a:r>
+              <a:rPr lang="en-US" dirty="0" smtClean="0"/>
+              <a:t>C</a:t>
+            </a:r>
+            <a:endParaRPr lang="en-US" dirty="0"/>
+          </a:p>
+        </p:txBody>
+      </p:sp>
+      <p:sp>
+        <p:nvSpPr>
+          <p:cNvPr id="11" name="Rectangle 10"/>
+          <p:cNvSpPr/>
+          <p:nvPr/>
+        </p:nvSpPr>
+        <p:spPr>
+          <a:xfrm>
+            <a:off x="3276600" y="3429000"/>
+            <a:ext cx="368300" cy="1752600"/>
+          </a:xfrm>
+          <a:prstGeom prst="rect">
+            <a:avLst/>
+          </a:prstGeom>
+        </p:spPr>
+        <p:style>
+          <a:lnRef idx="1">
+            <a:schemeClr val="accent2"/>
+          </a:lnRef>
+          <a:fillRef idx="2">
+            <a:schemeClr val="accent2"/>
+          </a:fillRef>
+          <a:effectRef idx="1">
+            <a:schemeClr val="accent2"/>
+          </a:effectRef>
+          <a:fontRef idx="minor">
+            <a:schemeClr val="dk1"/>
+          </a:fontRef>
+        </p:style>
+        <p:txBody>
+          <a:bodyPr rtlCol="0" anchor="ctr"/>
+          <a:lstStyle/>
+          <a:p>
+            <a:pPr algn="ctr"/>
+            <a:r>
+              <a:rPr lang="en-US" dirty="0" smtClean="0"/>
+              <a:t>D</a:t>
+            </a:r>
+            <a:endParaRPr lang="en-US" dirty="0"/>
+          </a:p>
+        </p:txBody>
+      </p:sp>
+      <p:sp>
+        <p:nvSpPr>
+          <p:cNvPr id="12" name="Rectangle 11"/>
+          <p:cNvSpPr/>
+          <p:nvPr/>
+        </p:nvSpPr>
+        <p:spPr>
+          <a:xfrm>
+            <a:off x="5803900" y="3429000"/>
+            <a:ext cx="368300" cy="1752600"/>
+          </a:xfrm>
+          <a:prstGeom prst="rect">
+            <a:avLst/>
+          </a:prstGeom>
+        </p:spPr>
+        <p:style>
+          <a:lnRef idx="1">
+            <a:schemeClr val="accent2"/>
+          </a:lnRef>
+          <a:fillRef idx="2">
+            <a:schemeClr val="accent2"/>
+          </a:fillRef>
+          <a:effectRef idx="1">
+            <a:schemeClr val="accent2"/>
+          </a:effectRef>
+          <a:fontRef idx="minor">
+            <a:schemeClr val="dk1"/>
+          </a:fontRef>
+        </p:style>
+        <p:txBody>
+          <a:bodyPr rtlCol="0" anchor="ctr"/>
+          <a:lstStyle/>
+          <a:p>
+            <a:pPr algn="ctr"/>
+            <a:r>
+              <a:rPr lang="en-US" dirty="0" smtClean="0"/>
+              <a:t>W</a:t>
+            </a:r>
+            <a:endParaRPr lang="en-US" dirty="0"/>
+          </a:p>
+        </p:txBody>
+      </p:sp>
+      <p:sp>
+        <p:nvSpPr>
+          <p:cNvPr id="13" name="Rectangle 12"/>
+          <p:cNvSpPr/>
+          <p:nvPr/>
+        </p:nvSpPr>
+        <p:spPr>
+          <a:xfrm>
+            <a:off x="6248400" y="3429000"/>
+            <a:ext cx="368300" cy="838200"/>
+          </a:xfrm>
+          <a:prstGeom prst="rect">
+            <a:avLst/>
+          </a:prstGeom>
+        </p:spPr>
+        <p:style>
+          <a:lnRef idx="1">
+            <a:schemeClr val="accent2"/>
+          </a:lnRef>
+          <a:fillRef idx="2">
+            <a:schemeClr val="accent2"/>
+          </a:fillRef>
+          <a:effectRef idx="1">
+            <a:schemeClr val="accent2"/>
+          </a:effectRef>
+          <a:fontRef idx="minor">
+            <a:schemeClr val="dk1"/>
+          </a:fontRef>
+        </p:style>
+        <p:txBody>
+          <a:bodyPr rtlCol="0" anchor="ctr"/>
+          <a:lstStyle/>
+          <a:p>
+            <a:pPr algn="ctr"/>
+            <a:r>
+              <a:rPr lang="en-US" dirty="0" smtClean="0"/>
+              <a:t>X</a:t>
+            </a:r>
+            <a:endParaRPr lang="en-US" dirty="0"/>
+          </a:p>
+        </p:txBody>
+      </p:sp>
+      <p:sp>
+        <p:nvSpPr>
+          <p:cNvPr id="14" name="Rectangle 13"/>
+          <p:cNvSpPr/>
+          <p:nvPr/>
+        </p:nvSpPr>
+        <p:spPr>
+          <a:xfrm>
+            <a:off x="6248400" y="4343400"/>
+            <a:ext cx="368300" cy="838200"/>
+          </a:xfrm>
+          <a:prstGeom prst="rect">
+            <a:avLst/>
+          </a:prstGeom>
+        </p:spPr>
+        <p:style>
+          <a:lnRef idx="1">
+            <a:schemeClr val="accent2"/>
+          </a:lnRef>
+          <a:fillRef idx="2">
+            <a:schemeClr val="accent2"/>
+          </a:fillRef>
+          <a:effectRef idx="1">
+            <a:schemeClr val="accent2"/>
+          </a:effectRef>
+          <a:fontRef idx="minor">
+            <a:schemeClr val="dk1"/>
+          </a:fontRef>
+        </p:style>
+        <p:txBody>
+          <a:bodyPr rtlCol="0" anchor="ctr"/>
+          <a:lstStyle/>
+          <a:p>
+            <a:pPr algn="ctr"/>
+            <a:r>
+              <a:rPr lang="en-US" dirty="0" smtClean="0"/>
+              <a:t>Y</a:t>
+            </a:r>
+            <a:endParaRPr lang="en-US" dirty="0"/>
+          </a:p>
+        </p:txBody>
+      </p:sp>
+      <p:sp>
+        <p:nvSpPr>
+          <p:cNvPr id="15" name="Rectangle 14"/>
+          <p:cNvSpPr/>
+          <p:nvPr/>
+        </p:nvSpPr>
+        <p:spPr>
+          <a:xfrm>
+            <a:off x="6705600" y="3429000"/>
+            <a:ext cx="368300" cy="1752600"/>
+          </a:xfrm>
+          <a:prstGeom prst="rect">
+            <a:avLst/>
+          </a:prstGeom>
+        </p:spPr>
+        <p:style>
+          <a:lnRef idx="1">
+            <a:schemeClr val="accent2"/>
+          </a:lnRef>
+          <a:fillRef idx="2">
+            <a:schemeClr val="accent2"/>
+          </a:fillRef>
+          <a:effectRef idx="1">
+            <a:schemeClr val="accent2"/>
+          </a:effectRef>
+          <a:fontRef idx="minor">
+            <a:schemeClr val="dk1"/>
+          </a:fontRef>
+        </p:style>
+        <p:txBody>
+          <a:bodyPr rtlCol="0" anchor="ctr"/>
+          <a:lstStyle/>
+          <a:p>
+            <a:pPr algn="ctr"/>
+            <a:r>
+              <a:rPr lang="en-US" dirty="0" smtClean="0"/>
+              <a:t>Z</a:t>
+            </a:r>
+            <a:endParaRPr lang="en-US" dirty="0"/>
+          </a:p>
+        </p:txBody>
+      </p:sp>
+      <p:sp>
+        <p:nvSpPr>
+          <p:cNvPr id="16" name="TextBox 15"/>
+          <p:cNvSpPr txBox="1"/>
+          <p:nvPr/>
+        </p:nvSpPr>
+        <p:spPr>
+          <a:xfrm>
+            <a:off x="2831659" y="2758440"/>
+            <a:ext cx="3480681" cy="369332"/>
+          </a:xfrm>
+          <a:prstGeom prst="rect">
+            <a:avLst/>
+          </a:prstGeom>
+          <a:noFill/>
+        </p:spPr>
+        <p:txBody>
+          <a:bodyPr wrap="square" rtlCol="0">
+            <a:spAutoFit/>
+          </a:bodyPr>
+          <a:lstStyle/>
+          <a:p>
+            <a:pPr algn="ctr"/>
+            <a:r>
+              <a:rPr lang="en-US" b="1" dirty="0" smtClean="0">
+                <a:solidFill>
+                  <a:schemeClr val="accent3">
+                    <a:lumMod val="50000"/>
+                  </a:schemeClr>
+                </a:solidFill>
+                <a:latin typeface="MV Boli" pitchFamily="2" charset="0"/>
+                <a:cs typeface="MV Boli" pitchFamily="2" charset="0"/>
+              </a:rPr>
+              <a:t>So how else can we do this?</a:t>
+            </a:r>
+            <a:endParaRPr lang="en-US" b="1" dirty="0" smtClean="0">
+              <a:solidFill>
+                <a:schemeClr val="accent3">
+                  <a:lumMod val="50000"/>
+                </a:schemeClr>
+              </a:solidFill>
+              <a:latin typeface="MV Boli" pitchFamily="2" charset="0"/>
+              <a:cs typeface="MV Boli" pitchFamily="2" charset="0"/>
+            </a:endParaRPr>
+          </a:p>
+        </p:txBody>
+      </p:sp>
+    </p:spTree>
+    <p:extLst>
+      <p:ext uri="{BB962C8B-B14F-4D97-AF65-F5344CB8AC3E}">
+        <p14:creationId xmlns:p14="http://schemas.microsoft.com/office/powerpoint/2010/main" val="1574915869"/>
+      </p:ext>
+    </p:extLst>
+  </p:cSld>
+  <p:clrMapOvr>
+    <a:masterClrMapping/>
+  </p:clrMapOvr>
+  <mc:AlternateContent xmlns:mc="http://schemas.openxmlformats.org/markup-compatibility/2006" xmlns:p14="http://schemas.microsoft.com/office/powerpoint/2010/main">
+    <mc:Choice Requires="p14">
+      <p:transition spd="med" p14:dur="700">
+        <p:fade/>
+      </p:transition>
+    </mc:Choice>
+    <mc:Fallback xmlns="">
+      <p:transition spd="med">
+        <p:fade/>
+      </p:transition>
+    </mc:Fallback>
+  </mc:AlternateContent>
+  <p:timing>
+    <p:tnLst>
+      <p:par>
+        <p:cTn id="1" dur="indefinite" restart="never" nodeType="tmRoot"/>
+      </p:par>
+    </p:tnLst>
+  </p:timing>
+</p:sld>
+</file>
+
+<file path=ppt/slides/slide13.xml><?xml version="1.0" encoding="utf-8"?>
+<p:sld xmlns:a="http://schemas.openxmlformats.org/drawingml/2006/main" xmlns:r="http://schemas.openxmlformats.org/officeDocument/2006/relationships" xmlns:p="http://schemas.openxmlformats.org/presentationml/2006/main">
+  <p:cSld>
+    <p:spTree>
+      <p:nvGrpSpPr>
+        <p:cNvPr id="1" name=""/>
+        <p:cNvGrpSpPr/>
+        <p:nvPr/>
+      </p:nvGrpSpPr>
+      <p:grpSpPr>
+        <a:xfrm>
+          <a:off x="0" y="0"/>
+          <a:ext cx="0" cy="0"/>
+          <a:chOff x="0" y="0"/>
+          <a:chExt cx="0" cy="0"/>
+        </a:xfrm>
+      </p:grpSpPr>
+      <p:sp>
+        <p:nvSpPr>
+          <p:cNvPr id="2" name="Title 1"/>
+          <p:cNvSpPr>
+            <a:spLocks noGrp="1"/>
+          </p:cNvSpPr>
+          <p:nvPr>
+            <p:ph type="title"/>
+          </p:nvPr>
+        </p:nvSpPr>
+        <p:spPr/>
+        <p:txBody>
+          <a:bodyPr/>
+          <a:lstStyle/>
+          <a:p>
+            <a:r>
+              <a:rPr lang="en-US" dirty="0" smtClean="0"/>
+              <a:t>Testing Approach</a:t>
+            </a:r>
+            <a:endParaRPr lang="en-US" dirty="0"/>
+          </a:p>
+        </p:txBody>
+      </p:sp>
+      <p:sp>
+        <p:nvSpPr>
+          <p:cNvPr id="3" name="Rounded Rectangle 2"/>
+          <p:cNvSpPr/>
+          <p:nvPr/>
+        </p:nvSpPr>
+        <p:spPr>
+          <a:xfrm>
+            <a:off x="1066800" y="3352800"/>
+            <a:ext cx="7010400" cy="1905000"/>
+          </a:xfrm>
+          <a:prstGeom prst="roundRect">
+            <a:avLst/>
+          </a:prstGeom>
+        </p:spPr>
+        <p:style>
+          <a:lnRef idx="2">
+            <a:schemeClr val="accent3">
+              <a:shade val="50000"/>
+            </a:schemeClr>
+          </a:lnRef>
+          <a:fillRef idx="1">
+            <a:schemeClr val="accent3"/>
+          </a:fillRef>
+          <a:effectRef idx="0">
+            <a:schemeClr val="accent3"/>
+          </a:effectRef>
+          <a:fontRef idx="minor">
+            <a:schemeClr val="lt1"/>
+          </a:fontRef>
+        </p:style>
+        <p:txBody>
+          <a:bodyPr rtlCol="0" anchor="ctr"/>
+          <a:lstStyle/>
+          <a:p>
+            <a:pPr algn="ctr"/>
+            <a:endParaRPr lang="en-US" dirty="0"/>
+          </a:p>
+        </p:txBody>
+      </p:sp>
+      <p:sp>
+        <p:nvSpPr>
+          <p:cNvPr id="4" name="Rectangle 3"/>
+          <p:cNvSpPr/>
+          <p:nvPr/>
+        </p:nvSpPr>
+        <p:spPr>
+          <a:xfrm>
+            <a:off x="2209800" y="3352800"/>
+            <a:ext cx="4953000" cy="1905000"/>
+          </a:xfrm>
+          <a:prstGeom prst="rect">
+            <a:avLst/>
+          </a:prstGeom>
+        </p:spPr>
+        <p:style>
+          <a:lnRef idx="2">
+            <a:schemeClr val="accent1">
+              <a:shade val="50000"/>
+            </a:schemeClr>
+          </a:lnRef>
+          <a:fillRef idx="1">
+            <a:schemeClr val="accent1"/>
+          </a:fillRef>
+          <a:effectRef idx="0">
+            <a:schemeClr val="accent1"/>
+          </a:effectRef>
+          <a:fontRef idx="minor">
+            <a:schemeClr val="lt1"/>
+          </a:fontRef>
+        </p:style>
+        <p:txBody>
+          <a:bodyPr rtlCol="0" anchor="ctr"/>
+          <a:lstStyle/>
+          <a:p>
+            <a:pPr algn="ctr"/>
+            <a:endParaRPr lang="en-US"/>
+          </a:p>
+        </p:txBody>
+      </p:sp>
+      <p:sp>
+        <p:nvSpPr>
+          <p:cNvPr id="5" name="TextBox 4"/>
+          <p:cNvSpPr txBox="1"/>
+          <p:nvPr/>
+        </p:nvSpPr>
+        <p:spPr>
+          <a:xfrm>
+            <a:off x="1066800" y="3982132"/>
+            <a:ext cx="1308100" cy="646331"/>
+          </a:xfrm>
+          <a:prstGeom prst="rect">
+            <a:avLst/>
+          </a:prstGeom>
+          <a:noFill/>
+        </p:spPr>
+        <p:txBody>
+          <a:bodyPr wrap="square" rtlCol="0">
+            <a:spAutoFit/>
+          </a:bodyPr>
+          <a:lstStyle/>
+          <a:p>
+            <a:r>
+              <a:rPr lang="en-US" dirty="0" smtClean="0"/>
+              <a:t>User</a:t>
+            </a:r>
+          </a:p>
+          <a:p>
+            <a:r>
+              <a:rPr lang="en-US" dirty="0" smtClean="0"/>
+              <a:t>Interface</a:t>
+            </a:r>
+            <a:endParaRPr lang="en-US" dirty="0"/>
+          </a:p>
+        </p:txBody>
+      </p:sp>
+      <p:sp>
+        <p:nvSpPr>
+          <p:cNvPr id="6" name="TextBox 5"/>
+          <p:cNvSpPr txBox="1"/>
+          <p:nvPr/>
+        </p:nvSpPr>
+        <p:spPr>
+          <a:xfrm>
+            <a:off x="6769100" y="3982134"/>
+            <a:ext cx="1308100" cy="646331"/>
+          </a:xfrm>
+          <a:prstGeom prst="rect">
+            <a:avLst/>
+          </a:prstGeom>
+          <a:noFill/>
+        </p:spPr>
+        <p:txBody>
+          <a:bodyPr wrap="square" rtlCol="0">
+            <a:spAutoFit/>
+          </a:bodyPr>
+          <a:lstStyle/>
+          <a:p>
+            <a:pPr algn="r"/>
+            <a:r>
+              <a:rPr lang="en-US" dirty="0" smtClean="0"/>
+              <a:t>Data Access</a:t>
+            </a:r>
+            <a:endParaRPr lang="en-US" dirty="0"/>
+          </a:p>
+        </p:txBody>
+      </p:sp>
+      <p:sp>
+        <p:nvSpPr>
+          <p:cNvPr id="7" name="TextBox 6"/>
+          <p:cNvSpPr txBox="1"/>
+          <p:nvPr/>
+        </p:nvSpPr>
+        <p:spPr>
+          <a:xfrm>
+            <a:off x="3917950" y="3982133"/>
+            <a:ext cx="1308100" cy="646331"/>
+          </a:xfrm>
+          <a:prstGeom prst="rect">
+            <a:avLst/>
+          </a:prstGeom>
+          <a:noFill/>
+        </p:spPr>
+        <p:txBody>
+          <a:bodyPr wrap="square" rtlCol="0">
+            <a:spAutoFit/>
+          </a:bodyPr>
+          <a:lstStyle/>
+          <a:p>
+            <a:pPr algn="ctr"/>
+            <a:r>
+              <a:rPr lang="en-US" dirty="0" smtClean="0"/>
+              <a:t>Business Logic</a:t>
+            </a:r>
+            <a:endParaRPr lang="en-US" dirty="0"/>
+          </a:p>
+        </p:txBody>
+      </p:sp>
+      <p:sp>
+        <p:nvSpPr>
+          <p:cNvPr id="8" name="Rectangle 7"/>
+          <p:cNvSpPr/>
+          <p:nvPr/>
+        </p:nvSpPr>
+        <p:spPr>
+          <a:xfrm>
+            <a:off x="2374900" y="3429000"/>
+            <a:ext cx="368300" cy="1752600"/>
+          </a:xfrm>
+          <a:prstGeom prst="rect">
+            <a:avLst/>
+          </a:prstGeom>
+        </p:spPr>
+        <p:style>
+          <a:lnRef idx="1">
+            <a:schemeClr val="accent2"/>
+          </a:lnRef>
+          <a:fillRef idx="2">
+            <a:schemeClr val="accent2"/>
+          </a:fillRef>
+          <a:effectRef idx="1">
+            <a:schemeClr val="accent2"/>
+          </a:effectRef>
+          <a:fontRef idx="minor">
+            <a:schemeClr val="dk1"/>
+          </a:fontRef>
+        </p:style>
+        <p:txBody>
+          <a:bodyPr rtlCol="0" anchor="ctr"/>
+          <a:lstStyle/>
+          <a:p>
+            <a:pPr algn="ctr"/>
+            <a:r>
+              <a:rPr lang="en-US" dirty="0" smtClean="0"/>
+              <a:t>A</a:t>
+            </a:r>
+            <a:endParaRPr lang="en-US" dirty="0"/>
+          </a:p>
+        </p:txBody>
+      </p:sp>
+      <p:sp>
+        <p:nvSpPr>
+          <p:cNvPr id="9" name="Rectangle 8"/>
+          <p:cNvSpPr/>
+          <p:nvPr/>
+        </p:nvSpPr>
+        <p:spPr>
+          <a:xfrm>
+            <a:off x="2819400" y="3429000"/>
+            <a:ext cx="368300" cy="838200"/>
+          </a:xfrm>
+          <a:prstGeom prst="rect">
+            <a:avLst/>
+          </a:prstGeom>
+        </p:spPr>
+        <p:style>
+          <a:lnRef idx="1">
+            <a:schemeClr val="accent2"/>
+          </a:lnRef>
+          <a:fillRef idx="2">
+            <a:schemeClr val="accent2"/>
+          </a:fillRef>
+          <a:effectRef idx="1">
+            <a:schemeClr val="accent2"/>
+          </a:effectRef>
+          <a:fontRef idx="minor">
+            <a:schemeClr val="dk1"/>
+          </a:fontRef>
+        </p:style>
+        <p:txBody>
+          <a:bodyPr rtlCol="0" anchor="ctr"/>
+          <a:lstStyle/>
+          <a:p>
+            <a:pPr algn="ctr"/>
+            <a:r>
+              <a:rPr lang="en-US" dirty="0" smtClean="0"/>
+              <a:t>B</a:t>
+            </a:r>
+            <a:endParaRPr lang="en-US" dirty="0"/>
+          </a:p>
+        </p:txBody>
+      </p:sp>
+      <p:sp>
+        <p:nvSpPr>
+          <p:cNvPr id="10" name="Rectangle 9"/>
+          <p:cNvSpPr/>
+          <p:nvPr/>
+        </p:nvSpPr>
+        <p:spPr>
+          <a:xfrm>
+            <a:off x="2819400" y="4343400"/>
+            <a:ext cx="368300" cy="838200"/>
+          </a:xfrm>
+          <a:prstGeom prst="rect">
+            <a:avLst/>
+          </a:prstGeom>
+        </p:spPr>
+        <p:style>
+          <a:lnRef idx="1">
+            <a:schemeClr val="accent2"/>
+          </a:lnRef>
+          <a:fillRef idx="2">
+            <a:schemeClr val="accent2"/>
+          </a:fillRef>
+          <a:effectRef idx="1">
+            <a:schemeClr val="accent2"/>
+          </a:effectRef>
+          <a:fontRef idx="minor">
+            <a:schemeClr val="dk1"/>
+          </a:fontRef>
+        </p:style>
+        <p:txBody>
+          <a:bodyPr rtlCol="0" anchor="ctr"/>
+          <a:lstStyle/>
+          <a:p>
+            <a:pPr algn="ctr"/>
+            <a:r>
+              <a:rPr lang="en-US" dirty="0" smtClean="0"/>
+              <a:t>C</a:t>
+            </a:r>
+            <a:endParaRPr lang="en-US" dirty="0"/>
+          </a:p>
+        </p:txBody>
+      </p:sp>
+      <p:sp>
+        <p:nvSpPr>
+          <p:cNvPr id="11" name="Rectangle 10"/>
+          <p:cNvSpPr/>
+          <p:nvPr/>
+        </p:nvSpPr>
+        <p:spPr>
+          <a:xfrm>
+            <a:off x="3276600" y="3429000"/>
+            <a:ext cx="368300" cy="1752600"/>
+          </a:xfrm>
+          <a:prstGeom prst="rect">
+            <a:avLst/>
+          </a:prstGeom>
+        </p:spPr>
+        <p:style>
+          <a:lnRef idx="1">
+            <a:schemeClr val="accent2"/>
+          </a:lnRef>
+          <a:fillRef idx="2">
+            <a:schemeClr val="accent2"/>
+          </a:fillRef>
+          <a:effectRef idx="1">
+            <a:schemeClr val="accent2"/>
+          </a:effectRef>
+          <a:fontRef idx="minor">
+            <a:schemeClr val="dk1"/>
+          </a:fontRef>
+        </p:style>
+        <p:txBody>
+          <a:bodyPr rtlCol="0" anchor="ctr"/>
+          <a:lstStyle/>
+          <a:p>
+            <a:pPr algn="ctr"/>
+            <a:r>
+              <a:rPr lang="en-US" dirty="0" smtClean="0"/>
+              <a:t>D</a:t>
+            </a:r>
+            <a:endParaRPr lang="en-US" dirty="0"/>
+          </a:p>
+        </p:txBody>
+      </p:sp>
+      <p:sp>
+        <p:nvSpPr>
+          <p:cNvPr id="12" name="Rectangle 11"/>
+          <p:cNvSpPr/>
+          <p:nvPr/>
+        </p:nvSpPr>
+        <p:spPr>
+          <a:xfrm>
+            <a:off x="5803900" y="3429000"/>
+            <a:ext cx="368300" cy="1752600"/>
+          </a:xfrm>
+          <a:prstGeom prst="rect">
+            <a:avLst/>
+          </a:prstGeom>
+        </p:spPr>
+        <p:style>
+          <a:lnRef idx="1">
+            <a:schemeClr val="accent2"/>
+          </a:lnRef>
+          <a:fillRef idx="2">
+            <a:schemeClr val="accent2"/>
+          </a:fillRef>
+          <a:effectRef idx="1">
+            <a:schemeClr val="accent2"/>
+          </a:effectRef>
+          <a:fontRef idx="minor">
+            <a:schemeClr val="dk1"/>
+          </a:fontRef>
+        </p:style>
+        <p:txBody>
+          <a:bodyPr rtlCol="0" anchor="ctr"/>
+          <a:lstStyle/>
+          <a:p>
+            <a:pPr algn="ctr"/>
+            <a:r>
+              <a:rPr lang="en-US" dirty="0" smtClean="0"/>
+              <a:t>W</a:t>
+            </a:r>
+            <a:endParaRPr lang="en-US" dirty="0"/>
+          </a:p>
+        </p:txBody>
+      </p:sp>
+      <p:sp>
+        <p:nvSpPr>
+          <p:cNvPr id="13" name="Rectangle 12"/>
+          <p:cNvSpPr/>
+          <p:nvPr/>
+        </p:nvSpPr>
+        <p:spPr>
+          <a:xfrm>
+            <a:off x="6248400" y="3429000"/>
+            <a:ext cx="368300" cy="838200"/>
+          </a:xfrm>
+          <a:prstGeom prst="rect">
+            <a:avLst/>
+          </a:prstGeom>
+        </p:spPr>
+        <p:style>
+          <a:lnRef idx="1">
+            <a:schemeClr val="accent2"/>
+          </a:lnRef>
+          <a:fillRef idx="2">
+            <a:schemeClr val="accent2"/>
+          </a:fillRef>
+          <a:effectRef idx="1">
+            <a:schemeClr val="accent2"/>
+          </a:effectRef>
+          <a:fontRef idx="minor">
+            <a:schemeClr val="dk1"/>
+          </a:fontRef>
+        </p:style>
+        <p:txBody>
+          <a:bodyPr rtlCol="0" anchor="ctr"/>
+          <a:lstStyle/>
+          <a:p>
+            <a:pPr algn="ctr"/>
+            <a:r>
+              <a:rPr lang="en-US" dirty="0" smtClean="0"/>
+              <a:t>X</a:t>
+            </a:r>
+            <a:endParaRPr lang="en-US" dirty="0"/>
+          </a:p>
+        </p:txBody>
+      </p:sp>
+      <p:sp>
+        <p:nvSpPr>
+          <p:cNvPr id="14" name="Rectangle 13"/>
+          <p:cNvSpPr/>
+          <p:nvPr/>
+        </p:nvSpPr>
+        <p:spPr>
+          <a:xfrm>
+            <a:off x="6248400" y="4343400"/>
+            <a:ext cx="368300" cy="838200"/>
+          </a:xfrm>
+          <a:prstGeom prst="rect">
+            <a:avLst/>
+          </a:prstGeom>
+        </p:spPr>
+        <p:style>
+          <a:lnRef idx="1">
+            <a:schemeClr val="accent2"/>
+          </a:lnRef>
+          <a:fillRef idx="2">
+            <a:schemeClr val="accent2"/>
+          </a:fillRef>
+          <a:effectRef idx="1">
+            <a:schemeClr val="accent2"/>
+          </a:effectRef>
+          <a:fontRef idx="minor">
+            <a:schemeClr val="dk1"/>
+          </a:fontRef>
+        </p:style>
+        <p:txBody>
+          <a:bodyPr rtlCol="0" anchor="ctr"/>
+          <a:lstStyle/>
+          <a:p>
+            <a:pPr algn="ctr"/>
+            <a:r>
+              <a:rPr lang="en-US" dirty="0" smtClean="0"/>
+              <a:t>Y</a:t>
+            </a:r>
+            <a:endParaRPr lang="en-US" dirty="0"/>
+          </a:p>
+        </p:txBody>
+      </p:sp>
+      <p:sp>
+        <p:nvSpPr>
+          <p:cNvPr id="15" name="Rectangle 14"/>
+          <p:cNvSpPr/>
+          <p:nvPr/>
+        </p:nvSpPr>
+        <p:spPr>
+          <a:xfrm>
+            <a:off x="6705600" y="3429000"/>
+            <a:ext cx="368300" cy="1752600"/>
+          </a:xfrm>
+          <a:prstGeom prst="rect">
+            <a:avLst/>
+          </a:prstGeom>
+        </p:spPr>
+        <p:style>
+          <a:lnRef idx="1">
+            <a:schemeClr val="accent2"/>
+          </a:lnRef>
+          <a:fillRef idx="2">
+            <a:schemeClr val="accent2"/>
+          </a:fillRef>
+          <a:effectRef idx="1">
+            <a:schemeClr val="accent2"/>
+          </a:effectRef>
+          <a:fontRef idx="minor">
+            <a:schemeClr val="dk1"/>
+          </a:fontRef>
+        </p:style>
+        <p:txBody>
+          <a:bodyPr rtlCol="0" anchor="ctr"/>
+          <a:lstStyle/>
+          <a:p>
+            <a:pPr algn="ctr"/>
+            <a:r>
+              <a:rPr lang="en-US" dirty="0" smtClean="0"/>
+              <a:t>Z</a:t>
+            </a:r>
+            <a:endParaRPr lang="en-US" dirty="0"/>
+          </a:p>
+        </p:txBody>
+      </p:sp>
+      <p:sp>
+        <p:nvSpPr>
+          <p:cNvPr id="16" name="Rectangle 15"/>
+          <p:cNvSpPr/>
+          <p:nvPr/>
+        </p:nvSpPr>
+        <p:spPr>
+          <a:xfrm>
+            <a:off x="2374900" y="3733800"/>
+            <a:ext cx="368300" cy="114300"/>
+          </a:xfrm>
+          <a:prstGeom prst="rect">
+            <a:avLst/>
+          </a:prstGeom>
+        </p:spPr>
+        <p:style>
+          <a:lnRef idx="0">
+            <a:schemeClr val="accent5"/>
+          </a:lnRef>
+          <a:fillRef idx="3">
+            <a:schemeClr val="accent5"/>
+          </a:fillRef>
+          <a:effectRef idx="3">
+            <a:schemeClr val="accent5"/>
+          </a:effectRef>
+          <a:fontRef idx="minor">
+            <a:schemeClr val="lt1"/>
+          </a:fontRef>
+        </p:style>
+        <p:txBody>
+          <a:bodyPr rtlCol="0" anchor="ctr"/>
+          <a:lstStyle/>
+          <a:p>
+            <a:pPr algn="ctr"/>
+            <a:endParaRPr lang="en-US"/>
+          </a:p>
+        </p:txBody>
+      </p:sp>
+      <p:sp>
+        <p:nvSpPr>
+          <p:cNvPr id="17" name="Rectangle 16"/>
+          <p:cNvSpPr/>
+          <p:nvPr/>
+        </p:nvSpPr>
+        <p:spPr>
+          <a:xfrm>
+            <a:off x="2819400" y="4953000"/>
+            <a:ext cx="368300" cy="114300"/>
+          </a:xfrm>
+          <a:prstGeom prst="rect">
+            <a:avLst/>
+          </a:prstGeom>
+        </p:spPr>
+        <p:style>
+          <a:lnRef idx="0">
+            <a:schemeClr val="accent5"/>
+          </a:lnRef>
+          <a:fillRef idx="3">
+            <a:schemeClr val="accent5"/>
+          </a:fillRef>
+          <a:effectRef idx="3">
+            <a:schemeClr val="accent5"/>
+          </a:effectRef>
+          <a:fontRef idx="minor">
+            <a:schemeClr val="lt1"/>
+          </a:fontRef>
+        </p:style>
+        <p:txBody>
+          <a:bodyPr rtlCol="0" anchor="ctr"/>
+          <a:lstStyle/>
+          <a:p>
+            <a:pPr algn="ctr"/>
+            <a:endParaRPr lang="en-US"/>
+          </a:p>
+        </p:txBody>
+      </p:sp>
+      <p:sp>
+        <p:nvSpPr>
+          <p:cNvPr id="18" name="Rectangle 17"/>
+          <p:cNvSpPr/>
+          <p:nvPr/>
+        </p:nvSpPr>
+        <p:spPr>
+          <a:xfrm>
+            <a:off x="3276600" y="4705350"/>
+            <a:ext cx="368300" cy="114300"/>
+          </a:xfrm>
+          <a:prstGeom prst="rect">
+            <a:avLst/>
+          </a:prstGeom>
+        </p:spPr>
+        <p:style>
+          <a:lnRef idx="0">
+            <a:schemeClr val="accent5"/>
+          </a:lnRef>
+          <a:fillRef idx="3">
+            <a:schemeClr val="accent5"/>
+          </a:fillRef>
+          <a:effectRef idx="3">
+            <a:schemeClr val="accent5"/>
+          </a:effectRef>
+          <a:fontRef idx="minor">
+            <a:schemeClr val="lt1"/>
+          </a:fontRef>
+        </p:style>
+        <p:txBody>
+          <a:bodyPr rtlCol="0" anchor="ctr"/>
+          <a:lstStyle/>
+          <a:p>
+            <a:pPr algn="ctr"/>
+            <a:endParaRPr lang="en-US"/>
+          </a:p>
+        </p:txBody>
+      </p:sp>
+      <p:sp>
+        <p:nvSpPr>
+          <p:cNvPr id="19" name="Rectangle 18"/>
+          <p:cNvSpPr/>
+          <p:nvPr/>
+        </p:nvSpPr>
+        <p:spPr>
+          <a:xfrm>
+            <a:off x="5803900" y="4514165"/>
+            <a:ext cx="368300" cy="114300"/>
+          </a:xfrm>
+          <a:prstGeom prst="rect">
+            <a:avLst/>
+          </a:prstGeom>
+        </p:spPr>
+        <p:style>
+          <a:lnRef idx="0">
+            <a:schemeClr val="accent5"/>
+          </a:lnRef>
+          <a:fillRef idx="3">
+            <a:schemeClr val="accent5"/>
+          </a:fillRef>
+          <a:effectRef idx="3">
+            <a:schemeClr val="accent5"/>
+          </a:effectRef>
+          <a:fontRef idx="minor">
+            <a:schemeClr val="lt1"/>
+          </a:fontRef>
+        </p:style>
+        <p:txBody>
+          <a:bodyPr rtlCol="0" anchor="ctr"/>
+          <a:lstStyle/>
+          <a:p>
+            <a:pPr algn="ctr"/>
+            <a:endParaRPr lang="en-US"/>
+          </a:p>
+        </p:txBody>
+      </p:sp>
+      <p:sp>
+        <p:nvSpPr>
+          <p:cNvPr id="20" name="Rectangle 19"/>
+          <p:cNvSpPr/>
+          <p:nvPr/>
+        </p:nvSpPr>
+        <p:spPr>
+          <a:xfrm>
+            <a:off x="6248400" y="4019550"/>
+            <a:ext cx="368300" cy="114300"/>
+          </a:xfrm>
+          <a:prstGeom prst="rect">
+            <a:avLst/>
+          </a:prstGeom>
+        </p:spPr>
+        <p:style>
+          <a:lnRef idx="0">
+            <a:schemeClr val="accent5"/>
+          </a:lnRef>
+          <a:fillRef idx="3">
+            <a:schemeClr val="accent5"/>
+          </a:fillRef>
+          <a:effectRef idx="3">
+            <a:schemeClr val="accent5"/>
+          </a:effectRef>
+          <a:fontRef idx="minor">
+            <a:schemeClr val="lt1"/>
+          </a:fontRef>
+        </p:style>
+        <p:txBody>
+          <a:bodyPr rtlCol="0" anchor="ctr"/>
+          <a:lstStyle/>
+          <a:p>
+            <a:pPr algn="ctr"/>
+            <a:endParaRPr lang="en-US"/>
+          </a:p>
+        </p:txBody>
+      </p:sp>
+      <p:sp>
+        <p:nvSpPr>
+          <p:cNvPr id="21" name="Rectangle 20"/>
+          <p:cNvSpPr/>
+          <p:nvPr/>
+        </p:nvSpPr>
+        <p:spPr>
+          <a:xfrm>
+            <a:off x="6705600" y="4819650"/>
+            <a:ext cx="368300" cy="114300"/>
+          </a:xfrm>
+          <a:prstGeom prst="rect">
+            <a:avLst/>
+          </a:prstGeom>
+        </p:spPr>
+        <p:style>
+          <a:lnRef idx="0">
+            <a:schemeClr val="accent5"/>
+          </a:lnRef>
+          <a:fillRef idx="3">
+            <a:schemeClr val="accent5"/>
+          </a:fillRef>
+          <a:effectRef idx="3">
+            <a:schemeClr val="accent5"/>
+          </a:effectRef>
+          <a:fontRef idx="minor">
+            <a:schemeClr val="lt1"/>
+          </a:fontRef>
+        </p:style>
+        <p:txBody>
+          <a:bodyPr rtlCol="0" anchor="ctr"/>
+          <a:lstStyle/>
+          <a:p>
+            <a:pPr algn="ctr"/>
+            <a:endParaRPr lang="en-US"/>
+          </a:p>
+        </p:txBody>
+      </p:sp>
+      <p:cxnSp>
+        <p:nvCxnSpPr>
+          <p:cNvPr id="27" name="Straight Connector 26"/>
+          <p:cNvCxnSpPr>
+            <a:stCxn id="16" idx="3"/>
+            <a:endCxn id="17" idx="1"/>
+          </p:cNvCxnSpPr>
+          <p:nvPr/>
+        </p:nvCxnSpPr>
+        <p:spPr>
+          <a:xfrm>
+            <a:off x="2743200" y="3790950"/>
+            <a:ext cx="76200" cy="1219200"/>
+          </a:xfrm>
+          <a:prstGeom prst="line">
+            <a:avLst/>
+          </a:prstGeom>
+          <a:ln w="38100">
+            <a:solidFill>
+              <a:schemeClr val="tx2">
+                <a:lumMod val="50000"/>
+              </a:schemeClr>
+            </a:solidFill>
+            <a:headEnd type="none" w="med" len="med"/>
+            <a:tailEnd type="triangle" w="med" len="med"/>
+          </a:ln>
+        </p:spPr>
+        <p:style>
+          <a:lnRef idx="1">
+            <a:schemeClr val="accent1"/>
+          </a:lnRef>
+          <a:fillRef idx="0">
+            <a:schemeClr val="accent1"/>
+          </a:fillRef>
+          <a:effectRef idx="0">
+            <a:schemeClr val="accent1"/>
+          </a:effectRef>
+          <a:fontRef idx="minor">
+            <a:schemeClr val="tx1"/>
+          </a:fontRef>
+        </p:style>
+      </p:cxnSp>
+      <p:cxnSp>
+        <p:nvCxnSpPr>
+          <p:cNvPr id="28" name="Straight Connector 27"/>
+          <p:cNvCxnSpPr>
+            <a:stCxn id="17" idx="3"/>
+            <a:endCxn id="18" idx="1"/>
+          </p:cNvCxnSpPr>
+          <p:nvPr/>
+        </p:nvCxnSpPr>
+        <p:spPr>
+          <a:xfrm flipV="1">
+            <a:off x="3187700" y="4762500"/>
+            <a:ext cx="88900" cy="247650"/>
+          </a:xfrm>
+          <a:prstGeom prst="line">
+            <a:avLst/>
+          </a:prstGeom>
+          <a:ln w="38100">
+            <a:solidFill>
+              <a:schemeClr val="tx2">
+                <a:lumMod val="50000"/>
+              </a:schemeClr>
+            </a:solidFill>
+            <a:headEnd type="none" w="med" len="med"/>
+            <a:tailEnd type="triangle" w="med" len="med"/>
+          </a:ln>
+        </p:spPr>
+        <p:style>
+          <a:lnRef idx="1">
+            <a:schemeClr val="accent1"/>
+          </a:lnRef>
+          <a:fillRef idx="0">
+            <a:schemeClr val="accent1"/>
+          </a:fillRef>
+          <a:effectRef idx="0">
+            <a:schemeClr val="accent1"/>
+          </a:effectRef>
+          <a:fontRef idx="minor">
+            <a:schemeClr val="tx1"/>
+          </a:fontRef>
+        </p:style>
+      </p:cxnSp>
+      <p:cxnSp>
+        <p:nvCxnSpPr>
+          <p:cNvPr id="32" name="Straight Connector 31"/>
+          <p:cNvCxnSpPr>
+            <a:stCxn id="18" idx="3"/>
+            <a:endCxn id="19" idx="1"/>
+          </p:cNvCxnSpPr>
+          <p:nvPr/>
+        </p:nvCxnSpPr>
+        <p:spPr>
+          <a:xfrm flipV="1">
+            <a:off x="3644900" y="4571315"/>
+            <a:ext cx="2159000" cy="191185"/>
+          </a:xfrm>
+          <a:prstGeom prst="line">
+            <a:avLst/>
+          </a:prstGeom>
+          <a:ln w="38100">
+            <a:solidFill>
+              <a:schemeClr val="tx2">
+                <a:lumMod val="50000"/>
+              </a:schemeClr>
+            </a:solidFill>
+            <a:headEnd type="none" w="med" len="med"/>
+            <a:tailEnd type="triangle" w="med" len="med"/>
+          </a:ln>
+        </p:spPr>
+        <p:style>
+          <a:lnRef idx="1">
+            <a:schemeClr val="accent1"/>
+          </a:lnRef>
+          <a:fillRef idx="0">
+            <a:schemeClr val="accent1"/>
+          </a:fillRef>
+          <a:effectRef idx="0">
+            <a:schemeClr val="accent1"/>
+          </a:effectRef>
+          <a:fontRef idx="minor">
+            <a:schemeClr val="tx1"/>
+          </a:fontRef>
+        </p:style>
+      </p:cxnSp>
+      <p:cxnSp>
+        <p:nvCxnSpPr>
+          <p:cNvPr id="35" name="Straight Connector 34"/>
+          <p:cNvCxnSpPr>
+            <a:stCxn id="19" idx="3"/>
+            <a:endCxn id="20" idx="1"/>
+          </p:cNvCxnSpPr>
+          <p:nvPr/>
+        </p:nvCxnSpPr>
+        <p:spPr>
+          <a:xfrm flipV="1">
+            <a:off x="6172200" y="4076700"/>
+            <a:ext cx="76200" cy="494615"/>
+          </a:xfrm>
+          <a:prstGeom prst="line">
+            <a:avLst/>
+          </a:prstGeom>
+          <a:ln w="38100">
+            <a:solidFill>
+              <a:schemeClr val="tx2">
+                <a:lumMod val="50000"/>
+              </a:schemeClr>
+            </a:solidFill>
+            <a:headEnd type="none" w="med" len="med"/>
+            <a:tailEnd type="triangle" w="med" len="med"/>
+          </a:ln>
+        </p:spPr>
+        <p:style>
+          <a:lnRef idx="1">
+            <a:schemeClr val="accent1"/>
+          </a:lnRef>
+          <a:fillRef idx="0">
+            <a:schemeClr val="accent1"/>
+          </a:fillRef>
+          <a:effectRef idx="0">
+            <a:schemeClr val="accent1"/>
+          </a:effectRef>
+          <a:fontRef idx="minor">
+            <a:schemeClr val="tx1"/>
+          </a:fontRef>
+        </p:style>
+      </p:cxnSp>
+      <p:cxnSp>
+        <p:nvCxnSpPr>
+          <p:cNvPr id="38" name="Straight Connector 37"/>
+          <p:cNvCxnSpPr>
+            <a:stCxn id="20" idx="3"/>
+            <a:endCxn id="21" idx="1"/>
+          </p:cNvCxnSpPr>
+          <p:nvPr/>
+        </p:nvCxnSpPr>
+        <p:spPr>
+          <a:xfrm>
+            <a:off x="6616700" y="4076700"/>
+            <a:ext cx="88900" cy="800100"/>
+          </a:xfrm>
+          <a:prstGeom prst="line">
+            <a:avLst/>
+          </a:prstGeom>
+          <a:ln w="38100">
+            <a:solidFill>
+              <a:schemeClr val="tx2">
+                <a:lumMod val="50000"/>
+              </a:schemeClr>
+            </a:solidFill>
+            <a:headEnd type="none" w="med" len="med"/>
+            <a:tailEnd type="triangle" w="med" len="med"/>
+          </a:ln>
+        </p:spPr>
+        <p:style>
+          <a:lnRef idx="1">
+            <a:schemeClr val="accent1"/>
+          </a:lnRef>
+          <a:fillRef idx="0">
+            <a:schemeClr val="accent1"/>
+          </a:fillRef>
+          <a:effectRef idx="0">
+            <a:schemeClr val="accent1"/>
+          </a:effectRef>
+          <a:fontRef idx="minor">
+            <a:schemeClr val="tx1"/>
+          </a:fontRef>
+        </p:style>
+      </p:cxnSp>
+    </p:spTree>
+    <p:extLst>
+      <p:ext uri="{BB962C8B-B14F-4D97-AF65-F5344CB8AC3E}">
+        <p14:creationId xmlns:p14="http://schemas.microsoft.com/office/powerpoint/2010/main" val="1574915869"/>
+      </p:ext>
+    </p:extLst>
+  </p:cSld>
+  <p:clrMapOvr>
+    <a:masterClrMapping/>
+  </p:clrMapOvr>
+  <mc:AlternateContent xmlns:mc="http://schemas.openxmlformats.org/markup-compatibility/2006" xmlns:p14="http://schemas.microsoft.com/office/powerpoint/2010/main">
+    <mc:Choice Requires="p14">
+      <p:transition spd="med" p14:dur="700">
+        <p:fade/>
+      </p:transition>
+    </mc:Choice>
+    <mc:Fallback xmlns="">
+      <p:transition spd="med">
+        <p:fade/>
+      </p:transition>
+    </mc:Fallback>
+  </mc:AlternateContent>
+  <p:timing>
+    <p:tnLst>
+      <p:par>
+        <p:cTn id="1" dur="indefinite" restart="never" nodeType="tmRoot"/>
+      </p:par>
+    </p:tnLst>
+  </p:timing>
+</p:sld>
+</file>
+
+<file path=ppt/slides/slide14.xml><?xml version="1.0" encoding="utf-8"?>
+<p:sld xmlns:a="http://schemas.openxmlformats.org/drawingml/2006/main" xmlns:r="http://schemas.openxmlformats.org/officeDocument/2006/relationships" xmlns:p="http://schemas.openxmlformats.org/presentationml/2006/main">
+  <p:cSld>
+    <p:spTree>
+      <p:nvGrpSpPr>
+        <p:cNvPr id="1" name=""/>
+        <p:cNvGrpSpPr/>
+        <p:nvPr/>
+      </p:nvGrpSpPr>
+      <p:grpSpPr>
+        <a:xfrm>
+          <a:off x="0" y="0"/>
+          <a:ext cx="0" cy="0"/>
+          <a:chOff x="0" y="0"/>
+          <a:chExt cx="0" cy="0"/>
+        </a:xfrm>
+      </p:grpSpPr>
+      <p:sp>
+        <p:nvSpPr>
+          <p:cNvPr id="4" name="Title 3"/>
+          <p:cNvSpPr>
+            <a:spLocks noGrp="1"/>
+          </p:cNvSpPr>
+          <p:nvPr>
+            <p:ph type="title"/>
+          </p:nvPr>
+        </p:nvSpPr>
+        <p:spPr/>
+        <p:txBody>
+          <a:bodyPr/>
+          <a:lstStyle/>
+          <a:p>
+            <a:r>
+              <a:rPr lang="en-US" dirty="0" smtClean="0"/>
+              <a:t>Dependency Injection</a:t>
+            </a:r>
+            <a:endParaRPr lang="en-US" dirty="0"/>
+          </a:p>
+        </p:txBody>
+      </p:sp>
+      <p:sp>
+        <p:nvSpPr>
+          <p:cNvPr id="5" name="Content Placeholder 4"/>
+          <p:cNvSpPr>
+            <a:spLocks noGrp="1"/>
+          </p:cNvSpPr>
+          <p:nvPr>
+            <p:ph sz="quarter" idx="13"/>
+          </p:nvPr>
+        </p:nvSpPr>
+        <p:spPr/>
+        <p:txBody>
+          <a:bodyPr/>
+          <a:lstStyle/>
+          <a:p>
+            <a:r>
+              <a:rPr lang="en-US" dirty="0" smtClean="0"/>
+              <a:t>The concept to having all objects you are dependent on taken either by a constructor or property so they can be changed.</a:t>
+            </a:r>
+            <a:endParaRPr lang="en-US" dirty="0"/>
+          </a:p>
+        </p:txBody>
+      </p:sp>
+      <p:pic>
+        <p:nvPicPr>
+          <p:cNvPr id="1030" name="Picture 6" descr="C:\Users\Tim\AppData\Local\Microsoft\Windows\Temporary Internet Files\Content.IE5\MUTA1HS2\MP900396052[1].jpg"/>
+          <p:cNvPicPr>
+            <a:picLocks noGrp="1" noChangeAspect="1" noChangeArrowheads="1"/>
+          </p:cNvPicPr>
+          <p:nvPr>
+            <p:ph sz="quarter" idx="14"/>
+          </p:nvPr>
+        </p:nvPicPr>
+        <p:blipFill>
+          <a:blip r:embed="rId2" cstate="print">
+            <a:extLst>
+              <a:ext uri="{28A0092B-C50C-407E-A947-70E740481C1C}">
+                <a14:useLocalDpi xmlns:a14="http://schemas.microsoft.com/office/drawing/2010/main" val="0"/>
+              </a:ext>
+            </a:extLst>
+          </a:blip>
+          <a:srcRect/>
+          <a:stretch>
+            <a:fillRect/>
+          </a:stretch>
+        </p:blipFill>
+        <p:spPr bwMode="auto">
+          <a:xfrm>
+            <a:off x="5184330" y="3282791"/>
+            <a:ext cx="2340864" cy="1554480"/>
+          </a:xfrm>
+          <a:prstGeom prst="roundRect">
+            <a:avLst>
+              <a:gd name="adj" fmla="val 8594"/>
+            </a:avLst>
+          </a:prstGeom>
+          <a:solidFill>
+            <a:srgbClr val="FFFFFF">
+              <a:shade val="85000"/>
+            </a:srgbClr>
+          </a:solidFill>
+          <a:ln>
+            <a:noFill/>
+          </a:ln>
+          <a:effectLst>
+            <a:reflection blurRad="12700" stA="38000" endPos="28000" dist="5000" dir="5400000" sy="-100000" algn="bl" rotWithShape="0"/>
+          </a:effectLst>
+          <a:extLst/>
+        </p:spPr>
+      </p:pic>
+    </p:spTree>
+    <p:extLst>
+      <p:ext uri="{BB962C8B-B14F-4D97-AF65-F5344CB8AC3E}">
+        <p14:creationId xmlns:p14="http://schemas.microsoft.com/office/powerpoint/2010/main" val="2216662483"/>
+      </p:ext>
+    </p:extLst>
+  </p:cSld>
+  <p:clrMapOvr>
+    <a:masterClrMapping/>
+  </p:clrMapOvr>
+  <mc:AlternateContent xmlns:mc="http://schemas.openxmlformats.org/markup-compatibility/2006" xmlns:p14="http://schemas.microsoft.com/office/powerpoint/2010/main">
+    <mc:Choice Requires="p14">
+      <p:transition spd="med" p14:dur="700">
+        <p:fade/>
+      </p:transition>
+    </mc:Choice>
+    <mc:Fallback xmlns="">
+      <p:transition spd="med">
+        <p:fade/>
+      </p:transition>
+    </mc:Fallback>
+  </mc:AlternateContent>
+  <p:timing>
+    <p:tnLst>
+      <p:par>
+        <p:cTn id="1" dur="indefinite" restart="never" nodeType="tmRoot"/>
+      </p:par>
+    </p:tnLst>
+  </p:timing>
+</p:sld>
+</file>
+
+<file path=ppt/slides/slide15.xml><?xml version="1.0" encoding="utf-8"?>
+<p:sld xmlns:a="http://schemas.openxmlformats.org/drawingml/2006/main" xmlns:r="http://schemas.openxmlformats.org/officeDocument/2006/relationships" xmlns:p="http://schemas.openxmlformats.org/presentationml/2006/main">
+  <p:cSld>
+    <p:spTree>
+      <p:nvGrpSpPr>
+        <p:cNvPr id="1" name=""/>
+        <p:cNvGrpSpPr/>
+        <p:nvPr/>
+      </p:nvGrpSpPr>
+      <p:grpSpPr>
+        <a:xfrm>
+          <a:off x="0" y="0"/>
+          <a:ext cx="0" cy="0"/>
+          <a:chOff x="0" y="0"/>
+          <a:chExt cx="0" cy="0"/>
+        </a:xfrm>
+      </p:grpSpPr>
+      <p:sp>
+        <p:nvSpPr>
+          <p:cNvPr id="4" name="Title 3"/>
+          <p:cNvSpPr>
+            <a:spLocks noGrp="1"/>
+          </p:cNvSpPr>
+          <p:nvPr>
+            <p:ph type="title"/>
+          </p:nvPr>
+        </p:nvSpPr>
+        <p:spPr/>
+        <p:txBody>
+          <a:bodyPr/>
+          <a:lstStyle/>
+          <a:p>
+            <a:r>
+              <a:rPr lang="en-US" dirty="0" smtClean="0"/>
+              <a:t>Inversion of Control</a:t>
+            </a:r>
+            <a:endParaRPr lang="en-US" dirty="0"/>
+          </a:p>
+        </p:txBody>
+      </p:sp>
+      <p:sp>
+        <p:nvSpPr>
+          <p:cNvPr id="5" name="Content Placeholder 4"/>
+          <p:cNvSpPr>
+            <a:spLocks noGrp="1"/>
+          </p:cNvSpPr>
+          <p:nvPr>
+            <p:ph sz="quarter" idx="13"/>
+          </p:nvPr>
+        </p:nvSpPr>
+        <p:spPr/>
+        <p:txBody>
+          <a:bodyPr/>
+          <a:lstStyle/>
+          <a:p>
+            <a:r>
+              <a:rPr lang="en-US" dirty="0" smtClean="0"/>
+              <a:t>We use Inversion of Control (</a:t>
+            </a:r>
+            <a:r>
+              <a:rPr lang="en-US" dirty="0" err="1" smtClean="0"/>
+              <a:t>IoC</a:t>
+            </a:r>
+            <a:r>
+              <a:rPr lang="en-US" dirty="0" smtClean="0"/>
+              <a:t>) to allow the uppermost aspects of an application to control how each piece below it fits together.</a:t>
+            </a:r>
+            <a:endParaRPr lang="en-US" dirty="0"/>
+          </a:p>
+        </p:txBody>
+      </p:sp>
+      <p:pic>
+        <p:nvPicPr>
+          <p:cNvPr id="1030" name="Picture 6" descr="C:\Users\Tim\AppData\Local\Microsoft\Windows\Temporary Internet Files\Content.IE5\MUTA1HS2\MP900396052[1].jpg"/>
+          <p:cNvPicPr>
+            <a:picLocks noGrp="1" noChangeAspect="1" noChangeArrowheads="1"/>
+          </p:cNvPicPr>
+          <p:nvPr>
+            <p:ph sz="quarter" idx="14"/>
+          </p:nvPr>
+        </p:nvPicPr>
+        <p:blipFill>
+          <a:blip r:embed="rId2" cstate="print">
+            <a:extLst>
+              <a:ext uri="{28A0092B-C50C-407E-A947-70E740481C1C}">
+                <a14:useLocalDpi xmlns:a14="http://schemas.microsoft.com/office/drawing/2010/main" val="0"/>
+              </a:ext>
+            </a:extLst>
+          </a:blip>
+          <a:srcRect/>
+          <a:stretch>
+            <a:fillRect/>
+          </a:stretch>
+        </p:blipFill>
+        <p:spPr bwMode="auto">
+          <a:xfrm>
+            <a:off x="5184330" y="3282791"/>
+            <a:ext cx="2340864" cy="1554480"/>
+          </a:xfrm>
+          <a:prstGeom prst="roundRect">
+            <a:avLst>
+              <a:gd name="adj" fmla="val 8594"/>
+            </a:avLst>
+          </a:prstGeom>
+          <a:solidFill>
+            <a:srgbClr val="FFFFFF">
+              <a:shade val="85000"/>
+            </a:srgbClr>
+          </a:solidFill>
+          <a:ln>
+            <a:noFill/>
+          </a:ln>
+          <a:effectLst>
+            <a:reflection blurRad="12700" stA="38000" endPos="28000" dist="5000" dir="5400000" sy="-100000" algn="bl" rotWithShape="0"/>
+          </a:effectLst>
+          <a:extLst/>
+        </p:spPr>
+      </p:pic>
+    </p:spTree>
+    <p:extLst>
+      <p:ext uri="{BB962C8B-B14F-4D97-AF65-F5344CB8AC3E}">
+        <p14:creationId xmlns:p14="http://schemas.microsoft.com/office/powerpoint/2010/main" val="3800992036"/>
+      </p:ext>
+    </p:extLst>
+  </p:cSld>
+  <p:clrMapOvr>
+    <a:masterClrMapping/>
+  </p:clrMapOvr>
+  <mc:AlternateContent xmlns:mc="http://schemas.openxmlformats.org/markup-compatibility/2006" xmlns:p14="http://schemas.microsoft.com/office/powerpoint/2010/main">
+    <mc:Choice Requires="p14">
+      <p:transition spd="med" p14:dur="700">
+        <p:fade/>
+      </p:transition>
+    </mc:Choice>
+    <mc:Fallback xmlns="">
+      <p:transition spd="med">
+        <p:fade/>
+      </p:transition>
+    </mc:Fallback>
+  </mc:AlternateContent>
+  <p:timing>
+    <p:tnLst>
+      <p:par>
+        <p:cTn id="1" dur="indefinite" restart="never" nodeType="tmRoot"/>
+      </p:par>
+    </p:tnLst>
+  </p:timing>
+</p:sld>
+</file>
+
+<file path=ppt/slides/slide16.xml><?xml version="1.0" encoding="utf-8"?>
+<p:sld xmlns:a="http://schemas.openxmlformats.org/drawingml/2006/main" xmlns:r="http://schemas.openxmlformats.org/officeDocument/2006/relationships" xmlns:p="http://schemas.openxmlformats.org/presentationml/2006/main">
+  <p:cSld>
+    <p:spTree>
+      <p:nvGrpSpPr>
+        <p:cNvPr id="1" name=""/>
+        <p:cNvGrpSpPr/>
+        <p:nvPr/>
+      </p:nvGrpSpPr>
+      <p:grpSpPr>
+        <a:xfrm>
+          <a:off x="0" y="0"/>
+          <a:ext cx="0" cy="0"/>
+          <a:chOff x="0" y="0"/>
+          <a:chExt cx="0" cy="0"/>
+        </a:xfrm>
+      </p:grpSpPr>
+      <p:sp>
+        <p:nvSpPr>
+          <p:cNvPr id="4" name="Title 3"/>
+          <p:cNvSpPr>
+            <a:spLocks noGrp="1"/>
+          </p:cNvSpPr>
+          <p:nvPr>
+            <p:ph type="title"/>
+          </p:nvPr>
+        </p:nvSpPr>
+        <p:spPr/>
+        <p:txBody>
+          <a:bodyPr/>
+          <a:lstStyle/>
+          <a:p>
+            <a:r>
+              <a:rPr lang="en-US" dirty="0" smtClean="0"/>
+              <a:t>What we are building …</a:t>
+            </a:r>
+            <a:endParaRPr lang="en-US" dirty="0"/>
+          </a:p>
+        </p:txBody>
+      </p:sp>
+      <p:sp>
+        <p:nvSpPr>
+          <p:cNvPr id="5" name="Content Placeholder 4"/>
+          <p:cNvSpPr>
+            <a:spLocks noGrp="1"/>
+          </p:cNvSpPr>
+          <p:nvPr>
+            <p:ph idx="1"/>
+          </p:nvPr>
+        </p:nvSpPr>
+        <p:spPr/>
+        <p:txBody>
+          <a:bodyPr>
+            <a:normAutofit/>
+          </a:bodyPr>
+          <a:lstStyle/>
+          <a:p>
+            <a:r>
+              <a:rPr lang="en-US" dirty="0" smtClean="0"/>
+              <a:t>Our client is a local medical clinic which needs new software to assist their marketing efforts.  For our piece we must:</a:t>
+            </a:r>
+          </a:p>
+          <a:p>
+            <a:pPr lvl="1"/>
+            <a:r>
+              <a:rPr lang="en-US" dirty="0" smtClean="0"/>
+              <a:t>Accept as input a Patient record</a:t>
+            </a:r>
+          </a:p>
+          <a:p>
+            <a:pPr lvl="1"/>
+            <a:r>
+              <a:rPr lang="en-US" dirty="0" smtClean="0"/>
+              <a:t>Calculate the distance from the address to the clinic.</a:t>
+            </a:r>
+          </a:p>
+          <a:p>
+            <a:pPr lvl="1"/>
+            <a:r>
+              <a:rPr lang="en-US" dirty="0" smtClean="0"/>
+              <a:t>Analyze the distance to determine inclusion in the marketing segment</a:t>
+            </a:r>
+            <a:r>
+              <a:rPr lang="en-US" dirty="0" smtClean="0"/>
+              <a:t>.</a:t>
+            </a:r>
+            <a:endParaRPr lang="en-US" dirty="0" smtClean="0"/>
+          </a:p>
+          <a:p>
+            <a:pPr lvl="1"/>
+            <a:r>
+              <a:rPr lang="en-US" dirty="0" smtClean="0"/>
+              <a:t>Output to the database those records.</a:t>
+            </a:r>
+            <a:endParaRPr lang="en-US" dirty="0"/>
+          </a:p>
+        </p:txBody>
+      </p:sp>
+    </p:spTree>
+    <p:extLst>
+      <p:ext uri="{BB962C8B-B14F-4D97-AF65-F5344CB8AC3E}">
+        <p14:creationId xmlns:p14="http://schemas.microsoft.com/office/powerpoint/2010/main" val="3923196386"/>
+      </p:ext>
+    </p:extLst>
+  </p:cSld>
+  <p:clrMapOvr>
+    <a:masterClrMapping/>
+  </p:clrMapOvr>
+  <mc:AlternateContent xmlns:mc="http://schemas.openxmlformats.org/markup-compatibility/2006" xmlns:p14="http://schemas.microsoft.com/office/powerpoint/2010/main">
+    <mc:Choice Requires="p14">
+      <p:transition spd="med" p14:dur="700">
+        <p:fade/>
+      </p:transition>
+    </mc:Choice>
+    <mc:Fallback xmlns="">
+      <p:transition spd="med">
+        <p:fade/>
+      </p:transition>
+    </mc:Fallback>
+  </mc:AlternateContent>
+</p:sld>
+</file>
+
+<file path=ppt/slides/slide17.xml><?xml version="1.0" encoding="utf-8"?>
+<p:sld xmlns:a="http://schemas.openxmlformats.org/drawingml/2006/main" xmlns:r="http://schemas.openxmlformats.org/officeDocument/2006/relationships" xmlns:p="http://schemas.openxmlformats.org/presentationml/2006/main">
+  <p:cSld>
+    <p:spTree>
+      <p:nvGrpSpPr>
+        <p:cNvPr id="1" name=""/>
+        <p:cNvGrpSpPr/>
+        <p:nvPr/>
+      </p:nvGrpSpPr>
+      <p:grpSpPr>
+        <a:xfrm>
+          <a:off x="0" y="0"/>
+          <a:ext cx="0" cy="0"/>
+          <a:chOff x="0" y="0"/>
+          <a:chExt cx="0" cy="0"/>
+        </a:xfrm>
+      </p:grpSpPr>
+      <p:sp>
+        <p:nvSpPr>
+          <p:cNvPr id="4" name="Title 3"/>
+          <p:cNvSpPr>
+            <a:spLocks noGrp="1"/>
+          </p:cNvSpPr>
+          <p:nvPr>
+            <p:ph type="title"/>
+          </p:nvPr>
+        </p:nvSpPr>
+        <p:spPr/>
+        <p:txBody>
+          <a:bodyPr/>
+          <a:lstStyle/>
+          <a:p>
+            <a:r>
+              <a:rPr lang="en-US" dirty="0" smtClean="0"/>
+              <a:t>What we are building …</a:t>
+            </a:r>
+            <a:endParaRPr lang="en-US" dirty="0"/>
+          </a:p>
+        </p:txBody>
+      </p:sp>
+      <p:sp>
+        <p:nvSpPr>
+          <p:cNvPr id="5" name="Content Placeholder 4"/>
+          <p:cNvSpPr>
+            <a:spLocks noGrp="1"/>
+          </p:cNvSpPr>
+          <p:nvPr>
+            <p:ph idx="1"/>
+          </p:nvPr>
+        </p:nvSpPr>
+        <p:spPr/>
+        <p:txBody>
+          <a:bodyPr>
+            <a:normAutofit lnSpcReduction="10000"/>
+          </a:bodyPr>
+          <a:lstStyle/>
+          <a:p>
+            <a:r>
+              <a:rPr lang="en-US" dirty="0" smtClean="0"/>
+              <a:t>Our client is a local medical clinic which needs new software to assist their marketing efforts.  For our piece we must:</a:t>
+            </a:r>
+          </a:p>
+          <a:p>
+            <a:pPr lvl="1"/>
+            <a:r>
+              <a:rPr lang="en-US" dirty="0" smtClean="0"/>
+              <a:t>Accept as input a Patient record</a:t>
+            </a:r>
+          </a:p>
+          <a:p>
+            <a:pPr lvl="1"/>
+            <a:r>
+              <a:rPr lang="en-US" dirty="0" smtClean="0"/>
+              <a:t>Calculate the distance from the address to the clinic.</a:t>
+            </a:r>
+          </a:p>
+          <a:p>
+            <a:pPr lvl="1"/>
+            <a:r>
+              <a:rPr lang="en-US" dirty="0" smtClean="0">
+                <a:solidFill>
+                  <a:srgbClr val="C00000"/>
+                </a:solidFill>
+              </a:rPr>
+              <a:t>Analyze the distance to determine inclusion in the marketing segment</a:t>
+            </a:r>
+            <a:r>
+              <a:rPr lang="en-US" dirty="0" smtClean="0">
+                <a:solidFill>
+                  <a:srgbClr val="C00000"/>
+                </a:solidFill>
+              </a:rPr>
+              <a:t>. (Implemented by Dave)</a:t>
+            </a:r>
+            <a:endParaRPr lang="en-US" dirty="0" smtClean="0">
+              <a:solidFill>
+                <a:srgbClr val="C00000"/>
+              </a:solidFill>
+            </a:endParaRPr>
+          </a:p>
+          <a:p>
+            <a:pPr lvl="1"/>
+            <a:r>
+              <a:rPr lang="en-US" dirty="0" smtClean="0"/>
+              <a:t>Output to the database those records.</a:t>
+            </a:r>
+            <a:endParaRPr lang="en-US" dirty="0"/>
+          </a:p>
+        </p:txBody>
+      </p:sp>
+    </p:spTree>
+    <p:extLst>
+      <p:ext uri="{BB962C8B-B14F-4D97-AF65-F5344CB8AC3E}">
+        <p14:creationId xmlns:p14="http://schemas.microsoft.com/office/powerpoint/2010/main" val="3173236034"/>
+      </p:ext>
+    </p:extLst>
+  </p:cSld>
+  <p:clrMapOvr>
+    <a:masterClrMapping/>
+  </p:clrMapOvr>
+  <mc:AlternateContent xmlns:mc="http://schemas.openxmlformats.org/markup-compatibility/2006" xmlns:p14="http://schemas.microsoft.com/office/powerpoint/2010/main">
+    <mc:Choice Requires="p14">
+      <p:transition spd="med" p14:dur="700">
+        <p:fade/>
+      </p:transition>
+    </mc:Choice>
+    <mc:Fallback xmlns="">
+      <p:transition spd="med">
+        <p:fade/>
+      </p:transition>
+    </mc:Fallback>
+  </mc:AlternateContent>
+</p:sld>
+</file>
+
+<file path=ppt/slides/slide18.xml><?xml version="1.0" encoding="utf-8"?>
+<p:sld xmlns:a="http://schemas.openxmlformats.org/drawingml/2006/main" xmlns:r="http://schemas.openxmlformats.org/officeDocument/2006/relationships" xmlns:p="http://schemas.openxmlformats.org/presentationml/2006/main">
+  <p:cSld>
+    <p:spTree>
+      <p:nvGrpSpPr>
+        <p:cNvPr id="1" name=""/>
+        <p:cNvGrpSpPr/>
+        <p:nvPr/>
+      </p:nvGrpSpPr>
+      <p:grpSpPr>
+        <a:xfrm>
+          <a:off x="0" y="0"/>
+          <a:ext cx="0" cy="0"/>
+          <a:chOff x="0" y="0"/>
+          <a:chExt cx="0" cy="0"/>
+        </a:xfrm>
+      </p:grpSpPr>
+      <p:sp>
+        <p:nvSpPr>
+          <p:cNvPr id="5" name="Title 4"/>
+          <p:cNvSpPr>
+            <a:spLocks noGrp="1"/>
+          </p:cNvSpPr>
+          <p:nvPr>
+            <p:ph type="title"/>
+          </p:nvPr>
+        </p:nvSpPr>
+        <p:spPr/>
+        <p:txBody>
+          <a:bodyPr/>
+          <a:lstStyle/>
+          <a:p>
+            <a:r>
+              <a:rPr lang="en-US" dirty="0" smtClean="0"/>
+              <a:t>Demo - </a:t>
+            </a:r>
+            <a:r>
+              <a:rPr lang="en-US" dirty="0" err="1" smtClean="0"/>
+              <a:t>IoC</a:t>
+            </a:r>
+            <a:endParaRPr lang="en-US" dirty="0"/>
+          </a:p>
+        </p:txBody>
+      </p:sp>
+      <p:sp>
+        <p:nvSpPr>
+          <p:cNvPr id="6" name="Text Placeholder 5"/>
+          <p:cNvSpPr>
+            <a:spLocks noGrp="1"/>
+          </p:cNvSpPr>
+          <p:nvPr>
+            <p:ph type="body" idx="1"/>
+          </p:nvPr>
+        </p:nvSpPr>
+        <p:spPr/>
+        <p:txBody>
+          <a:bodyPr/>
+          <a:lstStyle/>
+          <a:p>
+            <a:r>
+              <a:rPr lang="en-US" dirty="0" smtClean="0"/>
+              <a:t>Create a class, add a dependency, etc.</a:t>
+            </a:r>
+            <a:endParaRPr lang="en-US" dirty="0"/>
+          </a:p>
+        </p:txBody>
+      </p:sp>
+    </p:spTree>
+    <p:extLst>
+      <p:ext uri="{BB962C8B-B14F-4D97-AF65-F5344CB8AC3E}">
+        <p14:creationId xmlns:p14="http://schemas.microsoft.com/office/powerpoint/2010/main" val="1638189661"/>
+      </p:ext>
+    </p:extLst>
+  </p:cSld>
+  <p:clrMapOvr>
+    <a:masterClrMapping/>
+  </p:clrMapOvr>
+  <mc:AlternateContent xmlns:mc="http://schemas.openxmlformats.org/markup-compatibility/2006" xmlns:p14="http://schemas.microsoft.com/office/powerpoint/2010/main">
+    <mc:Choice Requires="p14">
+      <p:transition spd="med" p14:dur="700">
+        <p:fade/>
+      </p:transition>
+    </mc:Choice>
+    <mc:Fallback xmlns="">
+      <p:transition spd="med">
+        <p:fade/>
+      </p:transition>
+    </mc:Fallback>
+  </mc:AlternateContent>
+  <p:timing>
+    <p:tnLst>
+      <p:par>
+        <p:cTn id="1" dur="indefinite" restart="never" nodeType="tmRoot"/>
+      </p:par>
+    </p:tnLst>
+  </p:timing>
+</p:sld>
+</file>
+
+<file path=ppt/slides/slide19.xml><?xml version="1.0" encoding="utf-8"?>
+<p:sld xmlns:a="http://schemas.openxmlformats.org/drawingml/2006/main" xmlns:r="http://schemas.openxmlformats.org/officeDocument/2006/relationships" xmlns:p="http://schemas.openxmlformats.org/presentationml/2006/main">
+  <p:cSld>
+    <p:spTree>
+      <p:nvGrpSpPr>
+        <p:cNvPr id="1" name=""/>
+        <p:cNvGrpSpPr/>
+        <p:nvPr/>
+      </p:nvGrpSpPr>
+      <p:grpSpPr>
+        <a:xfrm>
+          <a:off x="0" y="0"/>
+          <a:ext cx="0" cy="0"/>
+          <a:chOff x="0" y="0"/>
+          <a:chExt cx="0" cy="0"/>
+        </a:xfrm>
+      </p:grpSpPr>
+      <p:sp>
+        <p:nvSpPr>
+          <p:cNvPr id="2" name="Title 1"/>
+          <p:cNvSpPr>
+            <a:spLocks noGrp="1"/>
+          </p:cNvSpPr>
+          <p:nvPr>
+            <p:ph type="title"/>
+          </p:nvPr>
+        </p:nvSpPr>
+        <p:spPr/>
+        <p:txBody>
           <a:bodyPr>
             <a:normAutofit fontScale="90000"/>
           </a:bodyPr>
@@ -14320,7 +17855,155 @@
 </p:sld>
 </file>
 
-<file path=ppt/slides/slide12.xml><?xml version="1.0" encoding="utf-8"?>
+<file path=ppt/slides/slide2.xml><?xml version="1.0" encoding="utf-8"?>
+<p:sld xmlns:a="http://schemas.openxmlformats.org/drawingml/2006/main" xmlns:r="http://schemas.openxmlformats.org/officeDocument/2006/relationships" xmlns:p="http://schemas.openxmlformats.org/presentationml/2006/main">
+  <p:cSld>
+    <p:spTree>
+      <p:nvGrpSpPr>
+        <p:cNvPr id="1" name=""/>
+        <p:cNvGrpSpPr/>
+        <p:nvPr/>
+      </p:nvGrpSpPr>
+      <p:grpSpPr>
+        <a:xfrm>
+          <a:off x="0" y="0"/>
+          <a:ext cx="0" cy="0"/>
+          <a:chOff x="0" y="0"/>
+          <a:chExt cx="0" cy="0"/>
+        </a:xfrm>
+      </p:grpSpPr>
+      <p:sp>
+        <p:nvSpPr>
+          <p:cNvPr id="2" name="Title 1"/>
+          <p:cNvSpPr>
+            <a:spLocks noGrp="1"/>
+          </p:cNvSpPr>
+          <p:nvPr>
+            <p:ph type="title"/>
+          </p:nvPr>
+        </p:nvSpPr>
+        <p:spPr/>
+        <p:txBody>
+          <a:bodyPr/>
+          <a:lstStyle/>
+          <a:p>
+            <a:r>
+              <a:rPr lang="en-US" dirty="0" smtClean="0"/>
+              <a:t>Who Am I?</a:t>
+            </a:r>
+            <a:endParaRPr lang="en-US" dirty="0"/>
+          </a:p>
+        </p:txBody>
+      </p:sp>
+      <p:sp>
+        <p:nvSpPr>
+          <p:cNvPr id="3" name="Content Placeholder 2"/>
+          <p:cNvSpPr>
+            <a:spLocks noGrp="1"/>
+          </p:cNvSpPr>
+          <p:nvPr>
+            <p:ph idx="1"/>
+          </p:nvPr>
+        </p:nvSpPr>
+        <p:spPr/>
+        <p:txBody>
+          <a:bodyPr/>
+          <a:lstStyle/>
+          <a:p>
+            <a:r>
+              <a:rPr lang="en-US" dirty="0" smtClean="0"/>
+              <a:t>Tim Rayburn – </a:t>
+            </a:r>
+            <a:r>
+              <a:rPr lang="en-US" dirty="0" smtClean="0">
+                <a:hlinkClick r:id="rId2"/>
+              </a:rPr>
+              <a:t>tim@timrayburn.net</a:t>
+            </a:r>
+            <a:endParaRPr lang="en-US" dirty="0" smtClean="0"/>
+          </a:p>
+          <a:p>
+            <a:r>
+              <a:rPr lang="en-US" dirty="0" smtClean="0"/>
+              <a:t>Principal Consultant with Improving Enterprises</a:t>
+            </a:r>
+          </a:p>
+          <a:p>
+            <a:r>
+              <a:rPr lang="en-US" dirty="0" smtClean="0"/>
+              <a:t>President of Dallas </a:t>
+            </a:r>
+            <a:r>
+              <a:rPr lang="en-US" dirty="0" err="1" smtClean="0"/>
+              <a:t>TechFest</a:t>
+            </a:r>
+            <a:endParaRPr lang="en-US" dirty="0" smtClean="0"/>
+          </a:p>
+          <a:p>
+            <a:r>
+              <a:rPr lang="en-US" dirty="0" smtClean="0"/>
+              <a:t>Specialist in all things WCF &amp; BizTalk</a:t>
+            </a:r>
+          </a:p>
+          <a:p>
+            <a:endParaRPr lang="en-US" dirty="0"/>
+          </a:p>
+          <a:p>
+            <a:r>
+              <a:rPr lang="en-US" dirty="0">
+                <a:hlinkClick r:id="rId3"/>
+              </a:rPr>
+              <a:t>http://</a:t>
+            </a:r>
+            <a:r>
+              <a:rPr lang="en-US" dirty="0" smtClean="0">
+                <a:hlinkClick r:id="rId3"/>
+              </a:rPr>
+              <a:t>github.com/trayburn/Presentation-AdvancedTDD</a:t>
+            </a:r>
+            <a:r>
+              <a:rPr lang="en-US" dirty="0" smtClean="0"/>
+              <a:t> </a:t>
+            </a:r>
+          </a:p>
+          <a:p>
+            <a:endParaRPr lang="en-US" dirty="0"/>
+          </a:p>
+        </p:txBody>
+      </p:sp>
+    </p:spTree>
+    <p:extLst>
+      <p:ext uri="{BB962C8B-B14F-4D97-AF65-F5344CB8AC3E}">
+        <p14:creationId xmlns:p14="http://schemas.microsoft.com/office/powerpoint/2010/main" val="2114199264"/>
+      </p:ext>
+    </p:extLst>
+  </p:cSld>
+  <p:clrMapOvr>
+    <a:masterClrMapping/>
+  </p:clrMapOvr>
+  <mc:AlternateContent xmlns:mc="http://schemas.openxmlformats.org/markup-compatibility/2006" xmlns:p14="http://schemas.microsoft.com/office/powerpoint/2010/main">
+    <mc:Choice Requires="p14">
+      <p:transition spd="med" p14:dur="700">
+        <p:fade/>
+      </p:transition>
+    </mc:Choice>
+    <mc:Fallback xmlns="">
+      <p:transition spd="med">
+        <p:fade/>
+      </p:transition>
+    </mc:Fallback>
+  </mc:AlternateContent>
+  <p:timing>
+    <p:tnLst>
+      <p:par>
+        <p:cTn id="1" dur="indefinite" restart="never" nodeType="tmRoot"/>
+      </p:par>
+    </p:tnLst>
+  </p:timing>
+</p:sld>
+</file>
+
+<file path=ppt/slides/slide20.xml><?xml version="1.0" encoding="utf-8"?>
 <p:sld xmlns:a="http://schemas.openxmlformats.org/drawingml/2006/main" xmlns:r="http://schemas.openxmlformats.org/officeDocument/2006/relationships" xmlns:p="http://schemas.openxmlformats.org/presentationml/2006/main">
   <p:cSld>
     <p:spTree>
@@ -14424,7 +18107,7 @@
 </p:sld>
 </file>
 
-<file path=ppt/slides/slide13.xml><?xml version="1.0" encoding="utf-8"?>
+<file path=ppt/slides/slide21.xml><?xml version="1.0" encoding="utf-8"?>
 <p:sld xmlns:a="http://schemas.openxmlformats.org/drawingml/2006/main" xmlns:r="http://schemas.openxmlformats.org/officeDocument/2006/relationships" xmlns:p="http://schemas.openxmlformats.org/presentationml/2006/main">
   <p:cSld>
     <p:spTree>
@@ -14628,7 +18311,7 @@
 </p:sld>
 </file>
 
-<file path=ppt/slides/slide14.xml><?xml version="1.0" encoding="utf-8"?>
+<file path=ppt/slides/slide22.xml><?xml version="1.0" encoding="utf-8"?>
 <p:sld xmlns:a="http://schemas.openxmlformats.org/drawingml/2006/main" xmlns:r="http://schemas.openxmlformats.org/officeDocument/2006/relationships" xmlns:p="http://schemas.openxmlformats.org/presentationml/2006/main">
   <p:cSld>
     <p:spTree>
@@ -14762,7 +18445,7 @@
 </p:sld>
 </file>
 
-<file path=ppt/slides/slide15.xml><?xml version="1.0" encoding="utf-8"?>
+<file path=ppt/slides/slide23.xml><?xml version="1.0" encoding="utf-8"?>
 <p:sld xmlns:a="http://schemas.openxmlformats.org/drawingml/2006/main" xmlns:r="http://schemas.openxmlformats.org/officeDocument/2006/relationships" xmlns:p="http://schemas.openxmlformats.org/presentationml/2006/main">
   <p:cSld>
     <p:spTree>
@@ -14896,7 +18579,7 @@
 </p:sld>
 </file>
 
-<file path=ppt/slides/slide16.xml><?xml version="1.0" encoding="utf-8"?>
+<file path=ppt/slides/slide24.xml><?xml version="1.0" encoding="utf-8"?>
 <p:sld xmlns:a="http://schemas.openxmlformats.org/drawingml/2006/main" xmlns:r="http://schemas.openxmlformats.org/officeDocument/2006/relationships" xmlns:p="http://schemas.openxmlformats.org/presentationml/2006/main">
   <p:cSld>
     <p:spTree>
@@ -14951,6 +18634,20 @@
           <a:bodyPr/>
           <a:lstStyle/>
           <a:p>
+            <a:r>
+              <a:rPr lang="en-US" dirty="0" smtClean="0"/>
+              <a:t>Interfaces allow us to be dependent on how we call something without being dependent on it either:</a:t>
+            </a:r>
+          </a:p>
+          <a:p>
+            <a:pPr lvl="1"/>
+            <a:r>
+              <a:rPr lang="en-US" dirty="0" smtClean="0"/>
+              <a:t>Being done</a:t>
+            </a:r>
+          </a:p>
+          <a:p>
+            <a:pPr lvl="1"/>
             <a:endParaRPr lang="en-US" dirty="0"/>
           </a:p>
         </p:txBody>
@@ -15030,7 +18727,7 @@
 </p:sld>
 </file>
 
-<file path=ppt/slides/slide17.xml><?xml version="1.0" encoding="utf-8"?>
+<file path=ppt/slides/slide25.xml><?xml version="1.0" encoding="utf-8"?>
 <p:sld xmlns:a="http://schemas.openxmlformats.org/drawingml/2006/main" xmlns:r="http://schemas.openxmlformats.org/officeDocument/2006/relationships" xmlns:p="http://schemas.openxmlformats.org/presentationml/2006/main">
   <p:cSld>
     <p:spTree>
@@ -15121,7 +18818,7 @@
 </p:sld>
 </file>
 
-<file path=ppt/slides/slide18.xml><?xml version="1.0" encoding="utf-8"?>
+<file path=ppt/slides/slide26.xml><?xml version="1.0" encoding="utf-8"?>
 <p:sld xmlns:a="http://schemas.openxmlformats.org/drawingml/2006/main" xmlns:r="http://schemas.openxmlformats.org/officeDocument/2006/relationships" xmlns:p="http://schemas.openxmlformats.org/presentationml/2006/main">
   <p:cSld>
     <p:spTree>
@@ -15176,7 +18873,11 @@
           <a:bodyPr/>
           <a:lstStyle/>
           <a:p>
-            <a:endParaRPr lang="en-US"/>
+            <a:r>
+              <a:rPr lang="en-US" dirty="0" smtClean="0"/>
+              <a:t>Now that we have a dependency only on what we expect something to respond to, we can just fake the internals.</a:t>
+            </a:r>
+            <a:endParaRPr lang="en-US" dirty="0"/>
           </a:p>
         </p:txBody>
       </p:sp>
@@ -15259,7 +18960,7 @@
 </p:sld>
 </file>
 
-<file path=ppt/slides/slide19.xml><?xml version="1.0" encoding="utf-8"?>
+<file path=ppt/slides/slide27.xml><?xml version="1.0" encoding="utf-8"?>
 <p:sld xmlns:a="http://schemas.openxmlformats.org/drawingml/2006/main" xmlns:r="http://schemas.openxmlformats.org/officeDocument/2006/relationships" xmlns:p="http://schemas.openxmlformats.org/presentationml/2006/main">
   <p:cSld>
     <p:spTree>
@@ -15343,155 +19044,7 @@
 </p:sld>
 </file>
 
-<file path=ppt/slides/slide2.xml><?xml version="1.0" encoding="utf-8"?>
-<p:sld xmlns:a="http://schemas.openxmlformats.org/drawingml/2006/main" xmlns:r="http://schemas.openxmlformats.org/officeDocument/2006/relationships" xmlns:p="http://schemas.openxmlformats.org/presentationml/2006/main">
-  <p:cSld>
-    <p:spTree>
-      <p:nvGrpSpPr>
-        <p:cNvPr id="1" name=""/>
-        <p:cNvGrpSpPr/>
-        <p:nvPr/>
-      </p:nvGrpSpPr>
-      <p:grpSpPr>
-        <a:xfrm>
-          <a:off x="0" y="0"/>
-          <a:ext cx="0" cy="0"/>
-          <a:chOff x="0" y="0"/>
-          <a:chExt cx="0" cy="0"/>
-        </a:xfrm>
-      </p:grpSpPr>
-      <p:sp>
-        <p:nvSpPr>
-          <p:cNvPr id="2" name="Title 1"/>
-          <p:cNvSpPr>
-            <a:spLocks noGrp="1"/>
-          </p:cNvSpPr>
-          <p:nvPr>
-            <p:ph type="title"/>
-          </p:nvPr>
-        </p:nvSpPr>
-        <p:spPr/>
-        <p:txBody>
-          <a:bodyPr/>
-          <a:lstStyle/>
-          <a:p>
-            <a:r>
-              <a:rPr lang="en-US" dirty="0" smtClean="0"/>
-              <a:t>Who Am I?</a:t>
-            </a:r>
-            <a:endParaRPr lang="en-US" dirty="0"/>
-          </a:p>
-        </p:txBody>
-      </p:sp>
-      <p:sp>
-        <p:nvSpPr>
-          <p:cNvPr id="3" name="Content Placeholder 2"/>
-          <p:cNvSpPr>
-            <a:spLocks noGrp="1"/>
-          </p:cNvSpPr>
-          <p:nvPr>
-            <p:ph idx="1"/>
-          </p:nvPr>
-        </p:nvSpPr>
-        <p:spPr/>
-        <p:txBody>
-          <a:bodyPr/>
-          <a:lstStyle/>
-          <a:p>
-            <a:r>
-              <a:rPr lang="en-US" dirty="0" smtClean="0"/>
-              <a:t>Tim Rayburn – </a:t>
-            </a:r>
-            <a:r>
-              <a:rPr lang="en-US" dirty="0" smtClean="0">
-                <a:hlinkClick r:id="rId2"/>
-              </a:rPr>
-              <a:t>tim@timrayburn.net</a:t>
-            </a:r>
-            <a:endParaRPr lang="en-US" dirty="0" smtClean="0"/>
-          </a:p>
-          <a:p>
-            <a:r>
-              <a:rPr lang="en-US" dirty="0" smtClean="0"/>
-              <a:t>Principal Consultant with Improving Enterprises</a:t>
-            </a:r>
-          </a:p>
-          <a:p>
-            <a:r>
-              <a:rPr lang="en-US" dirty="0" smtClean="0"/>
-              <a:t>President of Dallas </a:t>
-            </a:r>
-            <a:r>
-              <a:rPr lang="en-US" dirty="0" err="1" smtClean="0"/>
-              <a:t>TechFest</a:t>
-            </a:r>
-            <a:endParaRPr lang="en-US" dirty="0" smtClean="0"/>
-          </a:p>
-          <a:p>
-            <a:r>
-              <a:rPr lang="en-US" dirty="0" smtClean="0"/>
-              <a:t>Specialist in all things WCF &amp; BizTalk</a:t>
-            </a:r>
-          </a:p>
-          <a:p>
-            <a:endParaRPr lang="en-US" dirty="0"/>
-          </a:p>
-          <a:p>
-            <a:r>
-              <a:rPr lang="en-US" dirty="0">
-                <a:hlinkClick r:id="rId3"/>
-              </a:rPr>
-              <a:t>http://</a:t>
-            </a:r>
-            <a:r>
-              <a:rPr lang="en-US" dirty="0" smtClean="0">
-                <a:hlinkClick r:id="rId3"/>
-              </a:rPr>
-              <a:t>github.com/trayburn/Presentation-AdvancedTDD</a:t>
-            </a:r>
-            <a:r>
-              <a:rPr lang="en-US" dirty="0" smtClean="0"/>
-              <a:t> </a:t>
-            </a:r>
-          </a:p>
-          <a:p>
-            <a:endParaRPr lang="en-US" dirty="0"/>
-          </a:p>
-        </p:txBody>
-      </p:sp>
-    </p:spTree>
-    <p:extLst>
-      <p:ext uri="{BB962C8B-B14F-4D97-AF65-F5344CB8AC3E}">
-        <p14:creationId xmlns:p14="http://schemas.microsoft.com/office/powerpoint/2010/main" val="2114199264"/>
-      </p:ext>
-    </p:extLst>
-  </p:cSld>
-  <p:clrMapOvr>
-    <a:masterClrMapping/>
-  </p:clrMapOvr>
-  <mc:AlternateContent xmlns:mc="http://schemas.openxmlformats.org/markup-compatibility/2006" xmlns:p14="http://schemas.microsoft.com/office/powerpoint/2010/main">
-    <mc:Choice Requires="p14">
-      <p:transition spd="med" p14:dur="700">
-        <p:fade/>
-      </p:transition>
-    </mc:Choice>
-    <mc:Fallback xmlns="">
-      <p:transition spd="med">
-        <p:fade/>
-      </p:transition>
-    </mc:Fallback>
-  </mc:AlternateContent>
-  <p:timing>
-    <p:tnLst>
-      <p:par>
-        <p:cTn id="1" dur="indefinite" restart="never" nodeType="tmRoot"/>
-      </p:par>
-    </p:tnLst>
-  </p:timing>
-</p:sld>
-</file>
-
-<file path=ppt/slides/slide20.xml><?xml version="1.0" encoding="utf-8"?>
+<file path=ppt/slides/slide28.xml><?xml version="1.0" encoding="utf-8"?>
 <p:sld xmlns:a="http://schemas.openxmlformats.org/drawingml/2006/main" xmlns:r="http://schemas.openxmlformats.org/officeDocument/2006/relationships" xmlns:p="http://schemas.openxmlformats.org/presentationml/2006/main">
   <p:cSld>
     <p:spTree>
@@ -15546,7 +19099,11 @@
           <a:bodyPr/>
           <a:lstStyle/>
           <a:p>
-            <a:endParaRPr lang="en-US"/>
+            <a:r>
+              <a:rPr lang="en-US" dirty="0" smtClean="0"/>
+              <a:t>That was a lot of work, someone should make a smarter way to do that!</a:t>
+            </a:r>
+            <a:endParaRPr lang="en-US" dirty="0"/>
           </a:p>
         </p:txBody>
       </p:sp>
@@ -15618,7 +19175,7 @@
 </p:sld>
 </file>
 
-<file path=ppt/slides/slide21.xml><?xml version="1.0" encoding="utf-8"?>
+<file path=ppt/slides/slide29.xml><?xml version="1.0" encoding="utf-8"?>
 <p:sld xmlns:a="http://schemas.openxmlformats.org/drawingml/2006/main" xmlns:r="http://schemas.openxmlformats.org/officeDocument/2006/relationships" xmlns:p="http://schemas.openxmlformats.org/presentationml/2006/main">
   <p:cSld>
     <p:spTree>
@@ -15685,129 +19242,6 @@
     <p:extLst>
       <p:ext uri="{BB962C8B-B14F-4D97-AF65-F5344CB8AC3E}">
         <p14:creationId xmlns:p14="http://schemas.microsoft.com/office/powerpoint/2010/main" val="1394347622"/>
-      </p:ext>
-    </p:extLst>
-  </p:cSld>
-  <p:clrMapOvr>
-    <a:masterClrMapping/>
-  </p:clrMapOvr>
-  <mc:AlternateContent xmlns:mc="http://schemas.openxmlformats.org/markup-compatibility/2006" xmlns:p14="http://schemas.microsoft.com/office/powerpoint/2010/main">
-    <mc:Choice Requires="p14">
-      <p:transition spd="med" p14:dur="700">
-        <p:fade/>
-      </p:transition>
-    </mc:Choice>
-    <mc:Fallback xmlns="">
-      <p:transition spd="med">
-        <p:fade/>
-      </p:transition>
-    </mc:Fallback>
-  </mc:AlternateContent>
-</p:sld>
-</file>
-
-<file path=ppt/slides/slide22.xml><?xml version="1.0" encoding="utf-8"?>
-<p:sld xmlns:a="http://schemas.openxmlformats.org/drawingml/2006/main" xmlns:r="http://schemas.openxmlformats.org/officeDocument/2006/relationships" xmlns:p="http://schemas.openxmlformats.org/presentationml/2006/main">
-  <p:cSld>
-    <p:spTree>
-      <p:nvGrpSpPr>
-        <p:cNvPr id="1" name=""/>
-        <p:cNvGrpSpPr/>
-        <p:nvPr/>
-      </p:nvGrpSpPr>
-      <p:grpSpPr>
-        <a:xfrm>
-          <a:off x="0" y="0"/>
-          <a:ext cx="0" cy="0"/>
-          <a:chOff x="0" y="0"/>
-          <a:chExt cx="0" cy="0"/>
-        </a:xfrm>
-      </p:grpSpPr>
-      <p:sp>
-        <p:nvSpPr>
-          <p:cNvPr id="4" name="Title 3"/>
-          <p:cNvSpPr>
-            <a:spLocks noGrp="1"/>
-          </p:cNvSpPr>
-          <p:nvPr>
-            <p:ph type="title"/>
-          </p:nvPr>
-        </p:nvSpPr>
-        <p:spPr/>
-        <p:txBody>
-          <a:bodyPr/>
-          <a:lstStyle/>
-          <a:p>
-            <a:r>
-              <a:rPr lang="en-US" dirty="0" smtClean="0"/>
-              <a:t>Summary</a:t>
-            </a:r>
-            <a:endParaRPr lang="en-US" dirty="0"/>
-          </a:p>
-        </p:txBody>
-      </p:sp>
-      <p:sp>
-        <p:nvSpPr>
-          <p:cNvPr id="5" name="Content Placeholder 4"/>
-          <p:cNvSpPr>
-            <a:spLocks noGrp="1"/>
-          </p:cNvSpPr>
-          <p:nvPr>
-            <p:ph idx="1"/>
-          </p:nvPr>
-        </p:nvSpPr>
-        <p:spPr/>
-        <p:txBody>
-          <a:bodyPr/>
-          <a:lstStyle/>
-          <a:p>
-            <a:r>
-              <a:rPr lang="en-US" dirty="0" smtClean="0"/>
-              <a:t>Presentation Available At:</a:t>
-            </a:r>
-          </a:p>
-          <a:p>
-            <a:pPr lvl="1"/>
-            <a:r>
-              <a:rPr lang="en-US" dirty="0">
-                <a:hlinkClick r:id="rId2"/>
-              </a:rPr>
-              <a:t>http://github.com/trayburn/Presentation-AdvancedTDD</a:t>
-            </a:r>
-            <a:r>
-              <a:rPr lang="en-US" dirty="0"/>
-              <a:t> </a:t>
-            </a:r>
-          </a:p>
-          <a:p>
-            <a:r>
-              <a:rPr lang="en-US" dirty="0" smtClean="0"/>
-              <a:t>Contact Information:</a:t>
-            </a:r>
-          </a:p>
-          <a:p>
-            <a:pPr lvl="1"/>
-            <a:r>
-              <a:rPr lang="en-US" dirty="0" smtClean="0"/>
-              <a:t>Tim Rayburn - </a:t>
-            </a:r>
-            <a:r>
-              <a:rPr lang="en-US" dirty="0" smtClean="0">
-                <a:hlinkClick r:id="rId3"/>
-              </a:rPr>
-              <a:t>tim@timrayburn.net</a:t>
-            </a:r>
-            <a:r>
-              <a:rPr lang="en-US" dirty="0" smtClean="0"/>
-              <a:t> </a:t>
-            </a:r>
-          </a:p>
-        </p:txBody>
-      </p:sp>
-    </p:spTree>
-    <p:extLst>
-      <p:ext uri="{BB962C8B-B14F-4D97-AF65-F5344CB8AC3E}">
-        <p14:creationId xmlns:p14="http://schemas.microsoft.com/office/powerpoint/2010/main" val="1703280656"/>
       </p:ext>
     </p:extLst>
   </p:cSld>
@@ -15846,220 +19280,50 @@
           <a:chExt cx="0" cy="0"/>
         </a:xfrm>
       </p:grpSpPr>
-      <p:sp>
-        <p:nvSpPr>
-          <p:cNvPr id="2" name="Title 1"/>
-          <p:cNvSpPr>
-            <a:spLocks noGrp="1"/>
-          </p:cNvSpPr>
-          <p:nvPr>
-            <p:ph type="title"/>
-          </p:nvPr>
-        </p:nvSpPr>
-        <p:spPr/>
-        <p:txBody>
-          <a:bodyPr/>
-          <a:lstStyle/>
-          <a:p>
-            <a:r>
-              <a:rPr lang="en-US" dirty="0" smtClean="0"/>
-              <a:t>Assumptions</a:t>
-            </a:r>
-            <a:endParaRPr lang="en-US" dirty="0"/>
-          </a:p>
-        </p:txBody>
-      </p:sp>
-      <p:sp>
-        <p:nvSpPr>
-          <p:cNvPr id="3" name="Content Placeholder 2"/>
-          <p:cNvSpPr>
-            <a:spLocks noGrp="1"/>
-          </p:cNvSpPr>
-          <p:nvPr>
-            <p:ph idx="1"/>
-          </p:nvPr>
-        </p:nvSpPr>
-        <p:spPr/>
-        <p:txBody>
-          <a:bodyPr/>
-          <a:lstStyle/>
-          <a:p>
-            <a:r>
-              <a:rPr lang="en-US" dirty="0" smtClean="0"/>
-              <a:t>You know what a test runner is.</a:t>
-            </a:r>
-          </a:p>
-          <a:p>
-            <a:r>
-              <a:rPr lang="en-US" dirty="0" smtClean="0"/>
-              <a:t>You understand the goal of Red / Green / Refactor.</a:t>
-            </a:r>
-          </a:p>
-          <a:p>
-            <a:endParaRPr lang="en-US" dirty="0"/>
-          </a:p>
-        </p:txBody>
-      </p:sp>
+      <p:pic>
+        <p:nvPicPr>
+          <p:cNvPr id="4" name="Picture 3"/>
+          <p:cNvPicPr>
+            <a:picLocks noChangeAspect="1"/>
+          </p:cNvPicPr>
+          <p:nvPr/>
+        </p:nvPicPr>
+        <p:blipFill>
+          <a:blip r:embed="rId2" cstate="print">
+            <a:extLst>
+              <a:ext uri="{28A0092B-C50C-407E-A947-70E740481C1C}">
+                <a14:useLocalDpi xmlns:a14="http://schemas.microsoft.com/office/drawing/2010/main" val="0"/>
+              </a:ext>
+            </a:extLst>
+          </a:blip>
+          <a:stretch>
+            <a:fillRect/>
+          </a:stretch>
+        </p:blipFill>
+        <p:spPr>
+          <a:xfrm>
+            <a:off x="838200" y="2258396"/>
+            <a:ext cx="7467600" cy="2341209"/>
+          </a:xfrm>
+          <a:prstGeom prst="rect">
+            <a:avLst/>
+          </a:prstGeom>
+        </p:spPr>
+      </p:pic>
     </p:spTree>
     <p:extLst>
       <p:ext uri="{BB962C8B-B14F-4D97-AF65-F5344CB8AC3E}">
-        <p14:creationId xmlns:p14="http://schemas.microsoft.com/office/powerpoint/2010/main" val="2644169484"/>
+        <p14:creationId xmlns:p14="http://schemas.microsoft.com/office/powerpoint/2010/main" val="2494235528"/>
       </p:ext>
     </p:extLst>
   </p:cSld>
   <p:clrMapOvr>
     <a:masterClrMapping/>
   </p:clrMapOvr>
-  <mc:AlternateContent xmlns:mc="http://schemas.openxmlformats.org/markup-compatibility/2006" xmlns:p14="http://schemas.microsoft.com/office/powerpoint/2010/main">
-    <mc:Choice Requires="p14">
-      <p:transition spd="med" p14:dur="700">
-        <p:fade/>
-      </p:transition>
-    </mc:Choice>
-    <mc:Fallback xmlns="">
-      <p:transition spd="med">
-        <p:fade/>
-      </p:transition>
-    </mc:Fallback>
-  </mc:AlternateContent>
-  <p:timing>
-    <p:tnLst>
-      <p:par>
-        <p:cTn id="1" dur="indefinite" restart="never" nodeType="tmRoot"/>
-      </p:par>
-    </p:tnLst>
-  </p:timing>
 </p:sld>
 </file>
 
-<file path=ppt/slides/slide4.xml><?xml version="1.0" encoding="utf-8"?>
-<p:sld xmlns:a="http://schemas.openxmlformats.org/drawingml/2006/main" xmlns:r="http://schemas.openxmlformats.org/officeDocument/2006/relationships" xmlns:p="http://schemas.openxmlformats.org/presentationml/2006/main">
-  <p:cSld>
-    <p:spTree>
-      <p:nvGrpSpPr>
-        <p:cNvPr id="1" name=""/>
-        <p:cNvGrpSpPr/>
-        <p:nvPr/>
-      </p:nvGrpSpPr>
-      <p:grpSpPr>
-        <a:xfrm>
-          <a:off x="0" y="0"/>
-          <a:ext cx="0" cy="0"/>
-          <a:chOff x="0" y="0"/>
-          <a:chExt cx="0" cy="0"/>
-        </a:xfrm>
-      </p:grpSpPr>
-      <p:sp>
-        <p:nvSpPr>
-          <p:cNvPr id="2" name="Title 1"/>
-          <p:cNvSpPr>
-            <a:spLocks noGrp="1"/>
-          </p:cNvSpPr>
-          <p:nvPr>
-            <p:ph type="title"/>
-          </p:nvPr>
-        </p:nvSpPr>
-        <p:spPr/>
-        <p:txBody>
-          <a:bodyPr>
-            <a:normAutofit/>
-          </a:bodyPr>
-          <a:lstStyle/>
-          <a:p>
-            <a:r>
-              <a:rPr lang="en-US" dirty="0" smtClean="0"/>
-              <a:t>Goals</a:t>
-            </a:r>
-            <a:endParaRPr lang="en-US" dirty="0"/>
-          </a:p>
-        </p:txBody>
-      </p:sp>
-      <p:sp>
-        <p:nvSpPr>
-          <p:cNvPr id="3" name="Content Placeholder 2"/>
-          <p:cNvSpPr>
-            <a:spLocks noGrp="1"/>
-          </p:cNvSpPr>
-          <p:nvPr>
-            <p:ph idx="1"/>
-          </p:nvPr>
-        </p:nvSpPr>
-        <p:spPr/>
-        <p:txBody>
-          <a:bodyPr/>
-          <a:lstStyle/>
-          <a:p>
-            <a:r>
-              <a:rPr lang="en-US" dirty="0" smtClean="0"/>
-              <a:t>You want to understand how TDD should affect your class design.</a:t>
-            </a:r>
-          </a:p>
-          <a:p>
-            <a:pPr lvl="1"/>
-            <a:r>
-              <a:rPr lang="en-US" dirty="0" smtClean="0"/>
-              <a:t>Inversion of Control</a:t>
-            </a:r>
-          </a:p>
-          <a:p>
-            <a:pPr lvl="1"/>
-            <a:r>
-              <a:rPr lang="en-US" dirty="0" smtClean="0"/>
-              <a:t>The Importance of Interfaces</a:t>
-            </a:r>
-          </a:p>
-          <a:p>
-            <a:pPr lvl="1"/>
-            <a:r>
-              <a:rPr lang="en-US" dirty="0" smtClean="0"/>
-              <a:t>Mocking</a:t>
-            </a:r>
-          </a:p>
-          <a:p>
-            <a:pPr lvl="1"/>
-            <a:r>
-              <a:rPr lang="en-US" dirty="0" smtClean="0"/>
-              <a:t>Mocking Frameworks</a:t>
-            </a:r>
-          </a:p>
-          <a:p>
-            <a:endParaRPr lang="en-US" dirty="0"/>
-          </a:p>
-        </p:txBody>
-      </p:sp>
-    </p:spTree>
-    <p:extLst>
-      <p:ext uri="{BB962C8B-B14F-4D97-AF65-F5344CB8AC3E}">
-        <p14:creationId xmlns:p14="http://schemas.microsoft.com/office/powerpoint/2010/main" val="612374175"/>
-      </p:ext>
-    </p:extLst>
-  </p:cSld>
-  <p:clrMapOvr>
-    <a:masterClrMapping/>
-  </p:clrMapOvr>
-  <mc:AlternateContent xmlns:mc="http://schemas.openxmlformats.org/markup-compatibility/2006" xmlns:p14="http://schemas.microsoft.com/office/powerpoint/2010/main">
-    <mc:Choice Requires="p14">
-      <p:transition spd="med" p14:dur="700">
-        <p:fade/>
-      </p:transition>
-    </mc:Choice>
-    <mc:Fallback xmlns="">
-      <p:transition spd="med">
-        <p:fade/>
-      </p:transition>
-    </mc:Fallback>
-  </mc:AlternateContent>
-  <p:timing>
-    <p:tnLst>
-      <p:par>
-        <p:cTn id="1" dur="indefinite" restart="never" nodeType="tmRoot"/>
-      </p:par>
-    </p:tnLst>
-  </p:timing>
-</p:sld>
-</file>
-
-<file path=ppt/slides/slide5.xml><?xml version="1.0" encoding="utf-8"?>
+<file path=ppt/slides/slide30.xml><?xml version="1.0" encoding="utf-8"?>
 <p:sld xmlns:a="http://schemas.openxmlformats.org/drawingml/2006/main" xmlns:r="http://schemas.openxmlformats.org/officeDocument/2006/relationships" xmlns:p="http://schemas.openxmlformats.org/presentationml/2006/main">
   <p:cSld>
     <p:spTree>
@@ -16093,7 +19357,7 @@
           <a:p>
             <a:r>
               <a:rPr lang="en-US" dirty="0" smtClean="0"/>
-              <a:t>How Do I Test That?</a:t>
+              <a:t>Summary</a:t>
             </a:r>
             <a:endParaRPr lang="en-US" dirty="0"/>
           </a:p>
@@ -16101,12 +19365,12 @@
       </p:sp>
       <p:sp>
         <p:nvSpPr>
-          <p:cNvPr id="5" name="Text Placeholder 4"/>
+          <p:cNvPr id="5" name="Content Placeholder 4"/>
           <p:cNvSpPr>
             <a:spLocks noGrp="1"/>
           </p:cNvSpPr>
           <p:nvPr>
-            <p:ph type="body" idx="1"/>
+            <p:ph idx="1"/>
           </p:nvPr>
         </p:nvSpPr>
         <p:spPr/>
@@ -16114,14 +19378,304 @@
           <a:bodyPr/>
           <a:lstStyle/>
           <a:p>
-            <a:endParaRPr lang="en-US"/>
+            <a:r>
+              <a:rPr lang="en-US" dirty="0" smtClean="0"/>
+              <a:t>Presentation Available At:</a:t>
+            </a:r>
+          </a:p>
+          <a:p>
+            <a:pPr lvl="1"/>
+            <a:r>
+              <a:rPr lang="en-US" dirty="0">
+                <a:hlinkClick r:id="rId2"/>
+              </a:rPr>
+              <a:t>http://github.com/trayburn/Presentation-AdvancedTDD</a:t>
+            </a:r>
+            <a:r>
+              <a:rPr lang="en-US" dirty="0"/>
+              <a:t> </a:t>
+            </a:r>
+          </a:p>
+          <a:p>
+            <a:r>
+              <a:rPr lang="en-US" dirty="0" smtClean="0"/>
+              <a:t>Contact Information:</a:t>
+            </a:r>
+          </a:p>
+          <a:p>
+            <a:pPr lvl="1"/>
+            <a:r>
+              <a:rPr lang="en-US" dirty="0" smtClean="0"/>
+              <a:t>Tim Rayburn - </a:t>
+            </a:r>
+            <a:r>
+              <a:rPr lang="en-US" dirty="0" smtClean="0">
+                <a:hlinkClick r:id="rId3"/>
+              </a:rPr>
+              <a:t>tim@timrayburn.net</a:t>
+            </a:r>
+            <a:r>
+              <a:rPr lang="en-US" dirty="0" smtClean="0"/>
+              <a:t> </a:t>
+            </a:r>
           </a:p>
         </p:txBody>
       </p:sp>
     </p:spTree>
     <p:extLst>
       <p:ext uri="{BB962C8B-B14F-4D97-AF65-F5344CB8AC3E}">
-        <p14:creationId xmlns:p14="http://schemas.microsoft.com/office/powerpoint/2010/main" val="3134544402"/>
+        <p14:creationId xmlns:p14="http://schemas.microsoft.com/office/powerpoint/2010/main" val="1703280656"/>
+      </p:ext>
+    </p:extLst>
+  </p:cSld>
+  <p:clrMapOvr>
+    <a:masterClrMapping/>
+  </p:clrMapOvr>
+  <mc:AlternateContent xmlns:mc="http://schemas.openxmlformats.org/markup-compatibility/2006" xmlns:p14="http://schemas.microsoft.com/office/powerpoint/2010/main">
+    <mc:Choice Requires="p14">
+      <p:transition spd="med" p14:dur="700">
+        <p:fade/>
+      </p:transition>
+    </mc:Choice>
+    <mc:Fallback xmlns="">
+      <p:transition spd="med">
+        <p:fade/>
+      </p:transition>
+    </mc:Fallback>
+  </mc:AlternateContent>
+</p:sld>
+</file>
+
+<file path=ppt/slides/slide4.xml><?xml version="1.0" encoding="utf-8"?>
+<p:sld xmlns:a="http://schemas.openxmlformats.org/drawingml/2006/main" xmlns:r="http://schemas.openxmlformats.org/officeDocument/2006/relationships" xmlns:p="http://schemas.openxmlformats.org/presentationml/2006/main">
+  <p:cSld>
+    <p:spTree>
+      <p:nvGrpSpPr>
+        <p:cNvPr id="1" name=""/>
+        <p:cNvGrpSpPr/>
+        <p:nvPr/>
+      </p:nvGrpSpPr>
+      <p:grpSpPr>
+        <a:xfrm>
+          <a:off x="0" y="0"/>
+          <a:ext cx="0" cy="0"/>
+          <a:chOff x="0" y="0"/>
+          <a:chExt cx="0" cy="0"/>
+        </a:xfrm>
+      </p:grpSpPr>
+      <p:pic>
+        <p:nvPicPr>
+          <p:cNvPr id="4" name="Picture 3"/>
+          <p:cNvPicPr>
+            <a:picLocks noChangeAspect="1"/>
+          </p:cNvPicPr>
+          <p:nvPr/>
+        </p:nvPicPr>
+        <p:blipFill>
+          <a:blip r:embed="rId2" cstate="print">
+            <a:extLst>
+              <a:ext uri="{28A0092B-C50C-407E-A947-70E740481C1C}">
+                <a14:useLocalDpi xmlns:a14="http://schemas.microsoft.com/office/drawing/2010/main" val="0"/>
+              </a:ext>
+            </a:extLst>
+          </a:blip>
+          <a:stretch>
+            <a:fillRect/>
+          </a:stretch>
+        </p:blipFill>
+        <p:spPr>
+          <a:xfrm>
+            <a:off x="838200" y="2258396"/>
+            <a:ext cx="7467600" cy="2341209"/>
+          </a:xfrm>
+          <a:prstGeom prst="rect">
+            <a:avLst/>
+          </a:prstGeom>
+        </p:spPr>
+      </p:pic>
+      <p:sp>
+        <p:nvSpPr>
+          <p:cNvPr id="2" name="Bent Arrow 1"/>
+          <p:cNvSpPr/>
+          <p:nvPr/>
+        </p:nvSpPr>
+        <p:spPr>
+          <a:xfrm rot="10800000" flipH="1">
+            <a:off x="838200" y="4267200"/>
+            <a:ext cx="6400800" cy="2209800"/>
+          </a:xfrm>
+          <a:prstGeom prst="bentArrow">
+            <a:avLst>
+              <a:gd name="adj1" fmla="val 7931"/>
+              <a:gd name="adj2" fmla="val 8793"/>
+              <a:gd name="adj3" fmla="val 18448"/>
+              <a:gd name="adj4" fmla="val 27888"/>
+            </a:avLst>
+          </a:prstGeom>
+        </p:spPr>
+        <p:style>
+          <a:lnRef idx="2">
+            <a:schemeClr val="accent1">
+              <a:shade val="50000"/>
+            </a:schemeClr>
+          </a:lnRef>
+          <a:fillRef idx="1">
+            <a:schemeClr val="accent1"/>
+          </a:fillRef>
+          <a:effectRef idx="0">
+            <a:schemeClr val="accent1"/>
+          </a:effectRef>
+          <a:fontRef idx="minor">
+            <a:schemeClr val="lt1"/>
+          </a:fontRef>
+        </p:style>
+        <p:txBody>
+          <a:bodyPr rtlCol="0" anchor="ctr"/>
+          <a:lstStyle/>
+          <a:p>
+            <a:pPr algn="ctr"/>
+            <a:endParaRPr lang="en-US">
+              <a:solidFill>
+                <a:schemeClr val="tx1"/>
+              </a:solidFill>
+            </a:endParaRPr>
+          </a:p>
+        </p:txBody>
+      </p:sp>
+      <p:sp>
+        <p:nvSpPr>
+          <p:cNvPr id="5" name="TextBox 4"/>
+          <p:cNvSpPr txBox="1"/>
+          <p:nvPr/>
+        </p:nvSpPr>
+        <p:spPr>
+          <a:xfrm>
+            <a:off x="3810000" y="5791200"/>
+            <a:ext cx="2998962" cy="369332"/>
+          </a:xfrm>
+          <a:prstGeom prst="rect">
+            <a:avLst/>
+          </a:prstGeom>
+          <a:noFill/>
+        </p:spPr>
+        <p:txBody>
+          <a:bodyPr wrap="square" rtlCol="0">
+            <a:spAutoFit/>
+          </a:bodyPr>
+          <a:lstStyle/>
+          <a:p>
+            <a:r>
+              <a:rPr lang="en-US" b="1" dirty="0" smtClean="0">
+                <a:solidFill>
+                  <a:schemeClr val="accent3">
+                    <a:lumMod val="50000"/>
+                  </a:schemeClr>
+                </a:solidFill>
+                <a:latin typeface="MV Boli" pitchFamily="2" charset="0"/>
+                <a:cs typeface="MV Boli" pitchFamily="2" charset="0"/>
+              </a:rPr>
+              <a:t>In case you forget later…</a:t>
+            </a:r>
+            <a:endParaRPr lang="en-US" b="1" dirty="0" smtClean="0">
+              <a:solidFill>
+                <a:schemeClr val="accent3">
+                  <a:lumMod val="50000"/>
+                </a:schemeClr>
+              </a:solidFill>
+              <a:latin typeface="MV Boli" pitchFamily="2" charset="0"/>
+              <a:cs typeface="MV Boli" pitchFamily="2" charset="0"/>
+            </a:endParaRPr>
+          </a:p>
+        </p:txBody>
+      </p:sp>
+    </p:spTree>
+    <p:extLst>
+      <p:ext uri="{BB962C8B-B14F-4D97-AF65-F5344CB8AC3E}">
+        <p14:creationId xmlns:p14="http://schemas.microsoft.com/office/powerpoint/2010/main" val="1694347967"/>
+      </p:ext>
+    </p:extLst>
+  </p:cSld>
+  <p:clrMapOvr>
+    <a:masterClrMapping/>
+  </p:clrMapOvr>
+</p:sld>
+</file>
+
+<file path=ppt/slides/slide5.xml><?xml version="1.0" encoding="utf-8"?>
+<p:sld xmlns:a="http://schemas.openxmlformats.org/drawingml/2006/main" xmlns:r="http://schemas.openxmlformats.org/officeDocument/2006/relationships" xmlns:p="http://schemas.openxmlformats.org/presentationml/2006/main">
+  <p:cSld>
+    <p:spTree>
+      <p:nvGrpSpPr>
+        <p:cNvPr id="1" name=""/>
+        <p:cNvGrpSpPr/>
+        <p:nvPr/>
+      </p:nvGrpSpPr>
+      <p:grpSpPr>
+        <a:xfrm>
+          <a:off x="0" y="0"/>
+          <a:ext cx="0" cy="0"/>
+          <a:chOff x="0" y="0"/>
+          <a:chExt cx="0" cy="0"/>
+        </a:xfrm>
+      </p:grpSpPr>
+      <p:sp>
+        <p:nvSpPr>
+          <p:cNvPr id="2" name="Title 1"/>
+          <p:cNvSpPr>
+            <a:spLocks noGrp="1"/>
+          </p:cNvSpPr>
+          <p:nvPr>
+            <p:ph type="title"/>
+          </p:nvPr>
+        </p:nvSpPr>
+        <p:spPr/>
+        <p:txBody>
+          <a:bodyPr/>
+          <a:lstStyle/>
+          <a:p>
+            <a:r>
+              <a:rPr lang="en-US" dirty="0" smtClean="0"/>
+              <a:t>Assumptions</a:t>
+            </a:r>
+            <a:endParaRPr lang="en-US" dirty="0"/>
+          </a:p>
+        </p:txBody>
+      </p:sp>
+      <p:sp>
+        <p:nvSpPr>
+          <p:cNvPr id="3" name="Content Placeholder 2"/>
+          <p:cNvSpPr>
+            <a:spLocks noGrp="1"/>
+          </p:cNvSpPr>
+          <p:nvPr>
+            <p:ph idx="1"/>
+          </p:nvPr>
+        </p:nvSpPr>
+        <p:spPr/>
+        <p:txBody>
+          <a:bodyPr/>
+          <a:lstStyle/>
+          <a:p>
+            <a:r>
+              <a:rPr lang="en-US" dirty="0" smtClean="0"/>
+              <a:t>You know what a test runner is.</a:t>
+            </a:r>
+          </a:p>
+          <a:p>
+            <a:r>
+              <a:rPr lang="en-US" dirty="0" smtClean="0"/>
+              <a:t>You understand the goal of Red / Green / Refactor.</a:t>
+            </a:r>
+          </a:p>
+          <a:p>
+            <a:endParaRPr lang="en-US" dirty="0"/>
+          </a:p>
+        </p:txBody>
+      </p:sp>
+    </p:spTree>
+    <p:extLst>
+      <p:ext uri="{BB962C8B-B14F-4D97-AF65-F5344CB8AC3E}">
+        <p14:creationId xmlns:p14="http://schemas.microsoft.com/office/powerpoint/2010/main" val="2644169484"/>
       </p:ext>
     </p:extLst>
   </p:cSld>
@@ -16169,7 +19723,7 @@
       </p:grpSpPr>
       <p:sp>
         <p:nvSpPr>
-          <p:cNvPr id="6" name="Title 5"/>
+          <p:cNvPr id="2" name="Title 1"/>
           <p:cNvSpPr>
             <a:spLocks noGrp="1"/>
           </p:cNvSpPr>
@@ -16179,12 +19733,14 @@
         </p:nvSpPr>
         <p:spPr/>
         <p:txBody>
-          <a:bodyPr/>
+          <a:bodyPr>
+            <a:normAutofit/>
+          </a:bodyPr>
           <a:lstStyle/>
           <a:p>
             <a:r>
               <a:rPr lang="en-US" dirty="0" smtClean="0"/>
-              <a:t>Testing Approach</a:t>
+              <a:t>Goals</a:t>
             </a:r>
             <a:endParaRPr lang="en-US" dirty="0"/>
           </a:p>
@@ -16192,178 +19748,53 @@
       </p:sp>
       <p:sp>
         <p:nvSpPr>
-          <p:cNvPr id="7" name="Rounded Rectangle 6"/>
-          <p:cNvSpPr/>
-          <p:nvPr/>
+          <p:cNvPr id="3" name="Content Placeholder 2"/>
+          <p:cNvSpPr>
+            <a:spLocks noGrp="1"/>
+          </p:cNvSpPr>
+          <p:nvPr>
+            <p:ph idx="1"/>
+          </p:nvPr>
         </p:nvSpPr>
-        <p:spPr>
-          <a:xfrm>
-            <a:off x="1066800" y="3352800"/>
-            <a:ext cx="7010400" cy="1905000"/>
-          </a:xfrm>
-          <a:prstGeom prst="roundRect">
-            <a:avLst/>
-          </a:prstGeom>
-        </p:spPr>
-        <p:style>
-          <a:lnRef idx="2">
-            <a:schemeClr val="accent3">
-              <a:shade val="50000"/>
-            </a:schemeClr>
-          </a:lnRef>
-          <a:fillRef idx="1">
-            <a:schemeClr val="accent3"/>
-          </a:fillRef>
-          <a:effectRef idx="0">
-            <a:schemeClr val="accent3"/>
-          </a:effectRef>
-          <a:fontRef idx="minor">
-            <a:schemeClr val="lt1"/>
-          </a:fontRef>
-        </p:style>
+        <p:spPr/>
         <p:txBody>
-          <a:bodyPr rtlCol="0" anchor="ctr"/>
-          <a:lstStyle/>
-          <a:p>
-            <a:pPr algn="ctr"/>
-            <a:endParaRPr lang="en-US" dirty="0"/>
-          </a:p>
-        </p:txBody>
-      </p:sp>
-      <p:sp>
-        <p:nvSpPr>
-          <p:cNvPr id="8" name="Rectangle 7"/>
-          <p:cNvSpPr/>
-          <p:nvPr/>
-        </p:nvSpPr>
-        <p:spPr>
-          <a:xfrm>
-            <a:off x="3200400" y="3352800"/>
-            <a:ext cx="2667000" cy="1905000"/>
-          </a:xfrm>
-          <a:prstGeom prst="rect">
-            <a:avLst/>
-          </a:prstGeom>
-        </p:spPr>
-        <p:style>
-          <a:lnRef idx="2">
-            <a:schemeClr val="accent1">
-              <a:shade val="50000"/>
-            </a:schemeClr>
-          </a:lnRef>
-          <a:fillRef idx="1">
-            <a:schemeClr val="accent1"/>
-          </a:fillRef>
-          <a:effectRef idx="0">
-            <a:schemeClr val="accent1"/>
-          </a:effectRef>
-          <a:fontRef idx="minor">
-            <a:schemeClr val="lt1"/>
-          </a:fontRef>
-        </p:style>
-        <p:txBody>
-          <a:bodyPr rtlCol="0" anchor="ctr"/>
-          <a:lstStyle/>
-          <a:p>
-            <a:pPr algn="ctr"/>
-            <a:endParaRPr lang="en-US"/>
-          </a:p>
-        </p:txBody>
-      </p:sp>
-      <p:sp>
-        <p:nvSpPr>
-          <p:cNvPr id="9" name="TextBox 8"/>
-          <p:cNvSpPr txBox="1"/>
-          <p:nvPr/>
-        </p:nvSpPr>
-        <p:spPr>
-          <a:xfrm>
-            <a:off x="1066800" y="3982132"/>
-            <a:ext cx="1308100" cy="646331"/>
-          </a:xfrm>
-          <a:prstGeom prst="rect">
-            <a:avLst/>
-          </a:prstGeom>
-          <a:noFill/>
-        </p:spPr>
-        <p:txBody>
-          <a:bodyPr wrap="square" rtlCol="0">
-            <a:spAutoFit/>
-          </a:bodyPr>
+          <a:bodyPr/>
           <a:lstStyle/>
           <a:p>
             <a:r>
               <a:rPr lang="en-US" dirty="0" smtClean="0"/>
-              <a:t>User</a:t>
+              <a:t>You want to understand how TDD should affect your class design.</a:t>
             </a:r>
           </a:p>
           <a:p>
+            <a:pPr lvl="1"/>
             <a:r>
               <a:rPr lang="en-US" dirty="0" smtClean="0"/>
-              <a:t>Interface</a:t>
+              <a:t>Inversion of Control</a:t>
             </a:r>
-            <a:endParaRPr lang="en-US" dirty="0"/>
-          </a:p>
-        </p:txBody>
-      </p:sp>
-      <p:sp>
-        <p:nvSpPr>
-          <p:cNvPr id="10" name="TextBox 9"/>
-          <p:cNvSpPr txBox="1"/>
-          <p:nvPr/>
-        </p:nvSpPr>
-        <p:spPr>
-          <a:xfrm>
-            <a:off x="6769100" y="3982134"/>
-            <a:ext cx="1308100" cy="646331"/>
-          </a:xfrm>
-          <a:prstGeom prst="rect">
-            <a:avLst/>
-          </a:prstGeom>
-          <a:noFill/>
-        </p:spPr>
-        <p:txBody>
-          <a:bodyPr wrap="square" rtlCol="0">
-            <a:spAutoFit/>
-          </a:bodyPr>
-          <a:lstStyle/>
-          <a:p>
-            <a:pPr algn="r"/>
+          </a:p>
+          <a:p>
+            <a:pPr lvl="1"/>
             <a:r>
               <a:rPr lang="en-US" dirty="0" smtClean="0"/>
-              <a:t>Data Access</a:t>
+              <a:t>The Importance of Interfaces</a:t>
             </a:r>
-            <a:endParaRPr lang="en-US" dirty="0"/>
-          </a:p>
-        </p:txBody>
-      </p:sp>
-      <p:sp>
-        <p:nvSpPr>
-          <p:cNvPr id="11" name="TextBox 10"/>
-          <p:cNvSpPr txBox="1"/>
-          <p:nvPr/>
-        </p:nvSpPr>
-        <p:spPr>
-          <a:xfrm>
-            <a:off x="3917950" y="3982133"/>
-            <a:ext cx="1308100" cy="646331"/>
-          </a:xfrm>
-          <a:prstGeom prst="rect">
-            <a:avLst/>
-          </a:prstGeom>
-          <a:noFill/>
-        </p:spPr>
-        <p:txBody>
-          <a:bodyPr wrap="square" rtlCol="0">
-            <a:spAutoFit/>
-          </a:bodyPr>
-          <a:lstStyle/>
-          <a:p>
-            <a:pPr algn="ctr"/>
+          </a:p>
+          <a:p>
+            <a:pPr lvl="1"/>
             <a:r>
               <a:rPr lang="en-US" dirty="0" smtClean="0"/>
-              <a:t>Business Logic</a:t>
+              <a:t>Mocking</a:t>
             </a:r>
+          </a:p>
+          <a:p>
+            <a:pPr lvl="1"/>
+            <a:r>
+              <a:rPr lang="en-US" dirty="0" smtClean="0"/>
+              <a:t>Mocking Frameworks</a:t>
+            </a:r>
+          </a:p>
+          <a:p>
             <a:endParaRPr lang="en-US" dirty="0"/>
           </a:p>
         </p:txBody>
@@ -16371,7 +19802,7 @@
     </p:spTree>
     <p:extLst>
       <p:ext uri="{BB962C8B-B14F-4D97-AF65-F5344CB8AC3E}">
-        <p14:creationId xmlns:p14="http://schemas.microsoft.com/office/powerpoint/2010/main" val="4199382336"/>
+        <p14:creationId xmlns:p14="http://schemas.microsoft.com/office/powerpoint/2010/main" val="612374175"/>
       </p:ext>
     </p:extLst>
   </p:cSld>
@@ -16419,7 +19850,7 @@
       </p:grpSpPr>
       <p:sp>
         <p:nvSpPr>
-          <p:cNvPr id="2" name="Title 1"/>
+          <p:cNvPr id="4" name="Title 3"/>
           <p:cNvSpPr>
             <a:spLocks noGrp="1"/>
           </p:cNvSpPr>
@@ -16434,7 +19865,7 @@
           <a:p>
             <a:r>
               <a:rPr lang="en-US" dirty="0" smtClean="0"/>
-              <a:t>Testing Approach</a:t>
+              <a:t>How Do I Test That?</a:t>
             </a:r>
             <a:endParaRPr lang="en-US" dirty="0"/>
           </a:p>
@@ -16442,186 +19873,27 @@
       </p:sp>
       <p:sp>
         <p:nvSpPr>
-          <p:cNvPr id="3" name="Rounded Rectangle 2"/>
-          <p:cNvSpPr/>
-          <p:nvPr/>
+          <p:cNvPr id="5" name="Text Placeholder 4"/>
+          <p:cNvSpPr>
+            <a:spLocks noGrp="1"/>
+          </p:cNvSpPr>
+          <p:nvPr>
+            <p:ph type="body" idx="1"/>
+          </p:nvPr>
         </p:nvSpPr>
-        <p:spPr>
-          <a:xfrm>
-            <a:off x="1066800" y="3352800"/>
-            <a:ext cx="7010400" cy="1905000"/>
-          </a:xfrm>
-          <a:prstGeom prst="roundRect">
-            <a:avLst/>
-          </a:prstGeom>
-        </p:spPr>
-        <p:style>
-          <a:lnRef idx="2">
-            <a:schemeClr val="accent3">
-              <a:shade val="50000"/>
-            </a:schemeClr>
-          </a:lnRef>
-          <a:fillRef idx="1">
-            <a:schemeClr val="accent3"/>
-          </a:fillRef>
-          <a:effectRef idx="0">
-            <a:schemeClr val="accent3"/>
-          </a:effectRef>
-          <a:fontRef idx="minor">
-            <a:schemeClr val="lt1"/>
-          </a:fontRef>
-        </p:style>
+        <p:spPr/>
         <p:txBody>
-          <a:bodyPr rtlCol="0" anchor="ctr"/>
+          <a:bodyPr/>
           <a:lstStyle/>
           <a:p>
-            <a:pPr algn="ctr"/>
-            <a:endParaRPr lang="en-US" dirty="0"/>
-          </a:p>
-        </p:txBody>
-      </p:sp>
-      <p:sp>
-        <p:nvSpPr>
-          <p:cNvPr id="4" name="Rectangle 3"/>
-          <p:cNvSpPr/>
-          <p:nvPr/>
-        </p:nvSpPr>
-        <p:spPr>
-          <a:xfrm>
-            <a:off x="2209800" y="3352800"/>
-            <a:ext cx="4953000" cy="1905000"/>
-          </a:xfrm>
-          <a:prstGeom prst="rect">
-            <a:avLst/>
-          </a:prstGeom>
-        </p:spPr>
-        <p:style>
-          <a:lnRef idx="2">
-            <a:schemeClr val="accent1">
-              <a:shade val="50000"/>
-            </a:schemeClr>
-          </a:lnRef>
-          <a:fillRef idx="1">
-            <a:schemeClr val="accent1"/>
-          </a:fillRef>
-          <a:effectRef idx="0">
-            <a:schemeClr val="accent1"/>
-          </a:effectRef>
-          <a:fontRef idx="minor">
-            <a:schemeClr val="lt1"/>
-          </a:fontRef>
-        </p:style>
-        <p:txBody>
-          <a:bodyPr rtlCol="0" anchor="ctr"/>
-          <a:lstStyle/>
-          <a:p>
-            <a:pPr algn="ctr"/>
             <a:endParaRPr lang="en-US"/>
-          </a:p>
-        </p:txBody>
-      </p:sp>
-      <p:sp>
-        <p:nvSpPr>
-          <p:cNvPr id="5" name="TextBox 4"/>
-          <p:cNvSpPr txBox="1"/>
-          <p:nvPr/>
-        </p:nvSpPr>
-        <p:spPr>
-          <a:xfrm>
-            <a:off x="1066800" y="3982132"/>
-            <a:ext cx="1308100" cy="646331"/>
-          </a:xfrm>
-          <a:prstGeom prst="rect">
-            <a:avLst/>
-          </a:prstGeom>
-          <a:noFill/>
-        </p:spPr>
-        <p:txBody>
-          <a:bodyPr wrap="square" rtlCol="0">
-            <a:spAutoFit/>
-          </a:bodyPr>
-          <a:lstStyle/>
-          <a:p>
-            <a:r>
-              <a:rPr lang="en-US" dirty="0" smtClean="0"/>
-              <a:t>User</a:t>
-            </a:r>
-          </a:p>
-          <a:p>
-            <a:r>
-              <a:rPr lang="en-US" dirty="0" smtClean="0"/>
-              <a:t>Interface</a:t>
-            </a:r>
-            <a:endParaRPr lang="en-US" dirty="0"/>
-          </a:p>
-        </p:txBody>
-      </p:sp>
-      <p:sp>
-        <p:nvSpPr>
-          <p:cNvPr id="6" name="TextBox 5"/>
-          <p:cNvSpPr txBox="1"/>
-          <p:nvPr/>
-        </p:nvSpPr>
-        <p:spPr>
-          <a:xfrm>
-            <a:off x="6769100" y="3982134"/>
-            <a:ext cx="1308100" cy="646331"/>
-          </a:xfrm>
-          <a:prstGeom prst="rect">
-            <a:avLst/>
-          </a:prstGeom>
-          <a:noFill/>
-        </p:spPr>
-        <p:txBody>
-          <a:bodyPr wrap="square" rtlCol="0">
-            <a:spAutoFit/>
-          </a:bodyPr>
-          <a:lstStyle/>
-          <a:p>
-            <a:pPr algn="r"/>
-            <a:r>
-              <a:rPr lang="en-US" dirty="0" smtClean="0"/>
-              <a:t>Data Access</a:t>
-            </a:r>
-            <a:endParaRPr lang="en-US" dirty="0"/>
-          </a:p>
-        </p:txBody>
-      </p:sp>
-      <p:sp>
-        <p:nvSpPr>
-          <p:cNvPr id="7" name="TextBox 6"/>
-          <p:cNvSpPr txBox="1"/>
-          <p:nvPr/>
-        </p:nvSpPr>
-        <p:spPr>
-          <a:xfrm>
-            <a:off x="3917950" y="3982133"/>
-            <a:ext cx="1308100" cy="646331"/>
-          </a:xfrm>
-          <a:prstGeom prst="rect">
-            <a:avLst/>
-          </a:prstGeom>
-          <a:noFill/>
-        </p:spPr>
-        <p:txBody>
-          <a:bodyPr wrap="square" rtlCol="0">
-            <a:spAutoFit/>
-          </a:bodyPr>
-          <a:lstStyle/>
-          <a:p>
-            <a:pPr algn="ctr"/>
-            <a:r>
-              <a:rPr lang="en-US" dirty="0" smtClean="0"/>
-              <a:t>Business Logic</a:t>
-            </a:r>
-            <a:endParaRPr lang="en-US" dirty="0"/>
           </a:p>
         </p:txBody>
       </p:sp>
     </p:spTree>
     <p:extLst>
       <p:ext uri="{BB962C8B-B14F-4D97-AF65-F5344CB8AC3E}">
-        <p14:creationId xmlns:p14="http://schemas.microsoft.com/office/powerpoint/2010/main" val="520799647"/>
+        <p14:creationId xmlns:p14="http://schemas.microsoft.com/office/powerpoint/2010/main" val="3134544402"/>
       </p:ext>
     </p:extLst>
   </p:cSld>
@@ -16669,7 +19941,7 @@
       </p:grpSpPr>
       <p:sp>
         <p:nvSpPr>
-          <p:cNvPr id="4" name="Title 3"/>
+          <p:cNvPr id="6" name="Title 5"/>
           <p:cNvSpPr>
             <a:spLocks noGrp="1"/>
           </p:cNvSpPr>
@@ -16684,7 +19956,7 @@
           <a:p>
             <a:r>
               <a:rPr lang="en-US" dirty="0" smtClean="0"/>
-              <a:t>Inversion of Control</a:t>
+              <a:t>Testing Approach</a:t>
             </a:r>
             <a:endParaRPr lang="en-US" dirty="0"/>
           </a:p>
@@ -16692,86 +19964,186 @@
       </p:sp>
       <p:sp>
         <p:nvSpPr>
-          <p:cNvPr id="5" name="Content Placeholder 4"/>
-          <p:cNvSpPr>
-            <a:spLocks noGrp="1"/>
-          </p:cNvSpPr>
-          <p:nvPr>
-            <p:ph sz="quarter" idx="13"/>
-          </p:nvPr>
+          <p:cNvPr id="7" name="Rounded Rectangle 6"/>
+          <p:cNvSpPr/>
+          <p:nvPr/>
         </p:nvSpPr>
-        <p:spPr/>
+        <p:spPr>
+          <a:xfrm>
+            <a:off x="1066800" y="3352800"/>
+            <a:ext cx="7010400" cy="1905000"/>
+          </a:xfrm>
+          <a:prstGeom prst="roundRect">
+            <a:avLst/>
+          </a:prstGeom>
+        </p:spPr>
+        <p:style>
+          <a:lnRef idx="2">
+            <a:schemeClr val="accent3">
+              <a:shade val="50000"/>
+            </a:schemeClr>
+          </a:lnRef>
+          <a:fillRef idx="1">
+            <a:schemeClr val="accent3"/>
+          </a:fillRef>
+          <a:effectRef idx="0">
+            <a:schemeClr val="accent3"/>
+          </a:effectRef>
+          <a:fontRef idx="minor">
+            <a:schemeClr val="lt1"/>
+          </a:fontRef>
+        </p:style>
         <p:txBody>
-          <a:bodyPr/>
+          <a:bodyPr rtlCol="0" anchor="ctr"/>
+          <a:lstStyle/>
+          <a:p>
+            <a:pPr algn="ctr"/>
+            <a:endParaRPr lang="en-US" dirty="0"/>
+          </a:p>
+        </p:txBody>
+      </p:sp>
+      <p:sp>
+        <p:nvSpPr>
+          <p:cNvPr id="8" name="Rectangle 7"/>
+          <p:cNvSpPr/>
+          <p:nvPr/>
+        </p:nvSpPr>
+        <p:spPr>
+          <a:xfrm>
+            <a:off x="3200400" y="3352800"/>
+            <a:ext cx="2667000" cy="1905000"/>
+          </a:xfrm>
+          <a:prstGeom prst="rect">
+            <a:avLst/>
+          </a:prstGeom>
+        </p:spPr>
+        <p:style>
+          <a:lnRef idx="2">
+            <a:schemeClr val="accent1">
+              <a:shade val="50000"/>
+            </a:schemeClr>
+          </a:lnRef>
+          <a:fillRef idx="1">
+            <a:schemeClr val="accent1"/>
+          </a:fillRef>
+          <a:effectRef idx="0">
+            <a:schemeClr val="accent1"/>
+          </a:effectRef>
+          <a:fontRef idx="minor">
+            <a:schemeClr val="lt1"/>
+          </a:fontRef>
+        </p:style>
+        <p:txBody>
+          <a:bodyPr rtlCol="0" anchor="ctr"/>
+          <a:lstStyle/>
+          <a:p>
+            <a:pPr algn="ctr"/>
+            <a:endParaRPr lang="en-US"/>
+          </a:p>
+        </p:txBody>
+      </p:sp>
+      <p:sp>
+        <p:nvSpPr>
+          <p:cNvPr id="9" name="TextBox 8"/>
+          <p:cNvSpPr txBox="1"/>
+          <p:nvPr/>
+        </p:nvSpPr>
+        <p:spPr>
+          <a:xfrm>
+            <a:off x="1066800" y="3982132"/>
+            <a:ext cx="1308100" cy="646331"/>
+          </a:xfrm>
+          <a:prstGeom prst="rect">
+            <a:avLst/>
+          </a:prstGeom>
+          <a:noFill/>
+        </p:spPr>
+        <p:txBody>
+          <a:bodyPr wrap="square" rtlCol="0">
+            <a:spAutoFit/>
+          </a:bodyPr>
           <a:lstStyle/>
           <a:p>
             <a:r>
               <a:rPr lang="en-US" dirty="0" smtClean="0"/>
-              <a:t>We use Inversion of Control (</a:t>
+              <a:t>User</a:t>
             </a:r>
-            <a:r>
-              <a:rPr lang="en-US" dirty="0" err="1" smtClean="0"/>
-              <a:t>IoC</a:t>
-            </a:r>
+          </a:p>
+          <a:p>
             <a:r>
               <a:rPr lang="en-US" dirty="0" smtClean="0"/>
-              <a:t>) to allow the uppermost aspects of an application to control how each piece below it fits together.</a:t>
+              <a:t>Interface</a:t>
             </a:r>
             <a:endParaRPr lang="en-US" dirty="0"/>
           </a:p>
         </p:txBody>
       </p:sp>
-      <p:pic>
-        <p:nvPicPr>
-          <p:cNvPr id="1030" name="Picture 6" descr="C:\Users\Tim\AppData\Local\Microsoft\Windows\Temporary Internet Files\Content.IE5\MUTA1HS2\MP900396052[1].jpg"/>
-          <p:cNvPicPr>
-            <a:picLocks noGrp="1" noChangeAspect="1" noChangeArrowheads="1"/>
-          </p:cNvPicPr>
-          <p:nvPr>
-            <p:ph sz="quarter" idx="14"/>
-          </p:nvPr>
-        </p:nvPicPr>
-        <p:blipFill>
-          <a:blip r:embed="rId2" cstate="print">
-            <a:extLst>
-              <a:ext uri="{28A0092B-C50C-407E-A947-70E740481C1C}">
-                <a14:useLocalDpi xmlns:a14="http://schemas.microsoft.com/office/drawing/2010/main" val="0"/>
-              </a:ext>
-            </a:extLst>
-          </a:blip>
-          <a:srcRect/>
-          <a:stretch>
-            <a:fillRect/>
-          </a:stretch>
-        </p:blipFill>
-        <p:spPr bwMode="auto">
+      <p:sp>
+        <p:nvSpPr>
+          <p:cNvPr id="10" name="TextBox 9"/>
+          <p:cNvSpPr txBox="1"/>
+          <p:nvPr/>
+        </p:nvSpPr>
+        <p:spPr>
           <a:xfrm>
-            <a:off x="5184330" y="3282791"/>
-            <a:ext cx="2340864" cy="1554480"/>
+            <a:off x="6769100" y="3982134"/>
+            <a:ext cx="1308100" cy="646331"/>
           </a:xfrm>
-          <a:prstGeom prst="roundRect">
-            <a:avLst>
-              <a:gd name="adj" fmla="val 8594"/>
-            </a:avLst>
+          <a:prstGeom prst="rect">
+            <a:avLst/>
           </a:prstGeom>
-          <a:solidFill>
-            <a:srgbClr val="FFFFFF">
-              <a:shade val="85000"/>
-            </a:srgbClr>
-          </a:solidFill>
-          <a:ln>
-            <a:noFill/>
-          </a:ln>
-          <a:effectLst>
-            <a:reflection blurRad="12700" stA="38000" endPos="28000" dist="5000" dir="5400000" sy="-100000" algn="bl" rotWithShape="0"/>
-          </a:effectLst>
-          <a:extLst/>
+          <a:noFill/>
         </p:spPr>
-      </p:pic>
+        <p:txBody>
+          <a:bodyPr wrap="square" rtlCol="0">
+            <a:spAutoFit/>
+          </a:bodyPr>
+          <a:lstStyle/>
+          <a:p>
+            <a:pPr algn="r"/>
+            <a:r>
+              <a:rPr lang="en-US" dirty="0" smtClean="0"/>
+              <a:t>Data Access</a:t>
+            </a:r>
+            <a:endParaRPr lang="en-US" dirty="0"/>
+          </a:p>
+        </p:txBody>
+      </p:sp>
+      <p:sp>
+        <p:nvSpPr>
+          <p:cNvPr id="11" name="TextBox 10"/>
+          <p:cNvSpPr txBox="1"/>
+          <p:nvPr/>
+        </p:nvSpPr>
+        <p:spPr>
+          <a:xfrm>
+            <a:off x="3917950" y="3982133"/>
+            <a:ext cx="1308100" cy="646331"/>
+          </a:xfrm>
+          <a:prstGeom prst="rect">
+            <a:avLst/>
+          </a:prstGeom>
+          <a:noFill/>
+        </p:spPr>
+        <p:txBody>
+          <a:bodyPr wrap="square" rtlCol="0">
+            <a:spAutoFit/>
+          </a:bodyPr>
+          <a:lstStyle/>
+          <a:p>
+            <a:pPr algn="ctr"/>
+            <a:r>
+              <a:rPr lang="en-US" dirty="0" smtClean="0"/>
+              <a:t>Business Logic</a:t>
+            </a:r>
+            <a:endParaRPr lang="en-US" dirty="0"/>
+          </a:p>
+        </p:txBody>
+      </p:sp>
     </p:spTree>
     <p:extLst>
       <p:ext uri="{BB962C8B-B14F-4D97-AF65-F5344CB8AC3E}">
-        <p14:creationId xmlns:p14="http://schemas.microsoft.com/office/powerpoint/2010/main" val="3800992036"/>
+        <p14:creationId xmlns:p14="http://schemas.microsoft.com/office/powerpoint/2010/main" val="4199382336"/>
       </p:ext>
     </p:extLst>
   </p:cSld>
@@ -16819,7 +20191,7 @@
       </p:grpSpPr>
       <p:sp>
         <p:nvSpPr>
-          <p:cNvPr id="4" name="Title 3"/>
+          <p:cNvPr id="2" name="Title 1"/>
           <p:cNvSpPr>
             <a:spLocks noGrp="1"/>
           </p:cNvSpPr>
@@ -16834,7 +20206,7 @@
           <a:p>
             <a:r>
               <a:rPr lang="en-US" dirty="0" smtClean="0"/>
-              <a:t>What we are building …</a:t>
+              <a:t>Testing Approach</a:t>
             </a:r>
             <a:endParaRPr lang="en-US" dirty="0"/>
           </a:p>
@@ -16842,50 +20214,177 @@
       </p:sp>
       <p:sp>
         <p:nvSpPr>
-          <p:cNvPr id="5" name="Content Placeholder 4"/>
-          <p:cNvSpPr>
-            <a:spLocks noGrp="1"/>
-          </p:cNvSpPr>
-          <p:nvPr>
-            <p:ph idx="1"/>
-          </p:nvPr>
+          <p:cNvPr id="3" name="Rounded Rectangle 2"/>
+          <p:cNvSpPr/>
+          <p:nvPr/>
         </p:nvSpPr>
-        <p:spPr/>
+        <p:spPr>
+          <a:xfrm>
+            <a:off x="1066800" y="3352800"/>
+            <a:ext cx="7010400" cy="1905000"/>
+          </a:xfrm>
+          <a:prstGeom prst="roundRect">
+            <a:avLst/>
+          </a:prstGeom>
+        </p:spPr>
+        <p:style>
+          <a:lnRef idx="2">
+            <a:schemeClr val="accent3">
+              <a:shade val="50000"/>
+            </a:schemeClr>
+          </a:lnRef>
+          <a:fillRef idx="1">
+            <a:schemeClr val="accent3"/>
+          </a:fillRef>
+          <a:effectRef idx="0">
+            <a:schemeClr val="accent3"/>
+          </a:effectRef>
+          <a:fontRef idx="minor">
+            <a:schemeClr val="lt1"/>
+          </a:fontRef>
+        </p:style>
         <p:txBody>
-          <a:bodyPr/>
+          <a:bodyPr rtlCol="0" anchor="ctr"/>
+          <a:lstStyle/>
+          <a:p>
+            <a:pPr algn="ctr"/>
+            <a:endParaRPr lang="en-US" dirty="0"/>
+          </a:p>
+        </p:txBody>
+      </p:sp>
+      <p:sp>
+        <p:nvSpPr>
+          <p:cNvPr id="4" name="Rectangle 3"/>
+          <p:cNvSpPr/>
+          <p:nvPr/>
+        </p:nvSpPr>
+        <p:spPr>
+          <a:xfrm>
+            <a:off x="2209800" y="3352800"/>
+            <a:ext cx="4953000" cy="1905000"/>
+          </a:xfrm>
+          <a:prstGeom prst="rect">
+            <a:avLst/>
+          </a:prstGeom>
+        </p:spPr>
+        <p:style>
+          <a:lnRef idx="2">
+            <a:schemeClr val="accent1">
+              <a:shade val="50000"/>
+            </a:schemeClr>
+          </a:lnRef>
+          <a:fillRef idx="1">
+            <a:schemeClr val="accent1"/>
+          </a:fillRef>
+          <a:effectRef idx="0">
+            <a:schemeClr val="accent1"/>
+          </a:effectRef>
+          <a:fontRef idx="minor">
+            <a:schemeClr val="lt1"/>
+          </a:fontRef>
+        </p:style>
+        <p:txBody>
+          <a:bodyPr rtlCol="0" anchor="ctr"/>
+          <a:lstStyle/>
+          <a:p>
+            <a:pPr algn="ctr"/>
+            <a:endParaRPr lang="en-US"/>
+          </a:p>
+        </p:txBody>
+      </p:sp>
+      <p:sp>
+        <p:nvSpPr>
+          <p:cNvPr id="5" name="TextBox 4"/>
+          <p:cNvSpPr txBox="1"/>
+          <p:nvPr/>
+        </p:nvSpPr>
+        <p:spPr>
+          <a:xfrm>
+            <a:off x="1066800" y="3982132"/>
+            <a:ext cx="1308100" cy="646331"/>
+          </a:xfrm>
+          <a:prstGeom prst="rect">
+            <a:avLst/>
+          </a:prstGeom>
+          <a:noFill/>
+        </p:spPr>
+        <p:txBody>
+          <a:bodyPr wrap="square" rtlCol="0">
+            <a:spAutoFit/>
+          </a:bodyPr>
           <a:lstStyle/>
           <a:p>
             <a:r>
               <a:rPr lang="en-US" dirty="0" smtClean="0"/>
-              <a:t>Our client is a local medical clinic which needs new software to assist their marketing efforts.  For our piece we must:</a:t>
+              <a:t>User</a:t>
             </a:r>
           </a:p>
           <a:p>
-            <a:pPr lvl="1"/>
             <a:r>
               <a:rPr lang="en-US" dirty="0" smtClean="0"/>
-              <a:t>Accept as input a Patient record</a:t>
+              <a:t>Interface</a:t>
             </a:r>
-          </a:p>
-          <a:p>
-            <a:pPr lvl="1"/>
+            <a:endParaRPr lang="en-US" dirty="0"/>
+          </a:p>
+        </p:txBody>
+      </p:sp>
+      <p:sp>
+        <p:nvSpPr>
+          <p:cNvPr id="6" name="TextBox 5"/>
+          <p:cNvSpPr txBox="1"/>
+          <p:nvPr/>
+        </p:nvSpPr>
+        <p:spPr>
+          <a:xfrm>
+            <a:off x="6769100" y="3982134"/>
+            <a:ext cx="1308100" cy="646331"/>
+          </a:xfrm>
+          <a:prstGeom prst="rect">
+            <a:avLst/>
+          </a:prstGeom>
+          <a:noFill/>
+        </p:spPr>
+        <p:txBody>
+          <a:bodyPr wrap="square" rtlCol="0">
+            <a:spAutoFit/>
+          </a:bodyPr>
+          <a:lstStyle/>
+          <a:p>
+            <a:pPr algn="r"/>
             <a:r>
               <a:rPr lang="en-US" dirty="0" smtClean="0"/>
-              <a:t>Calculate the distance from the address to the clinic.</a:t>
+              <a:t>Data Access</a:t>
             </a:r>
-          </a:p>
-          <a:p>
-            <a:pPr lvl="1"/>
+            <a:endParaRPr lang="en-US" dirty="0"/>
+          </a:p>
+        </p:txBody>
+      </p:sp>
+      <p:sp>
+        <p:nvSpPr>
+          <p:cNvPr id="7" name="TextBox 6"/>
+          <p:cNvSpPr txBox="1"/>
+          <p:nvPr/>
+        </p:nvSpPr>
+        <p:spPr>
+          <a:xfrm>
+            <a:off x="3917950" y="3982133"/>
+            <a:ext cx="1308100" cy="646331"/>
+          </a:xfrm>
+          <a:prstGeom prst="rect">
+            <a:avLst/>
+          </a:prstGeom>
+          <a:noFill/>
+        </p:spPr>
+        <p:txBody>
+          <a:bodyPr wrap="square" rtlCol="0">
+            <a:spAutoFit/>
+          </a:bodyPr>
+          <a:lstStyle/>
+          <a:p>
+            <a:pPr algn="ctr"/>
             <a:r>
               <a:rPr lang="en-US" dirty="0" smtClean="0"/>
-              <a:t>Analyze the distance to determine inclusion in the marketing segment.</a:t>
-            </a:r>
-          </a:p>
-          <a:p>
-            <a:pPr lvl="1"/>
-            <a:r>
-              <a:rPr lang="en-US" dirty="0" smtClean="0"/>
-              <a:t>Output to the database those records.</a:t>
+              <a:t>Business Logic</a:t>
             </a:r>
             <a:endParaRPr lang="en-US" dirty="0"/>
           </a:p>
@@ -16894,7 +20393,7 @@
     </p:spTree>
     <p:extLst>
       <p:ext uri="{BB962C8B-B14F-4D97-AF65-F5344CB8AC3E}">
-        <p14:creationId xmlns:p14="http://schemas.microsoft.com/office/powerpoint/2010/main" val="1819478789"/>
+        <p14:creationId xmlns:p14="http://schemas.microsoft.com/office/powerpoint/2010/main" val="520799647"/>
       </p:ext>
     </p:extLst>
   </p:cSld>
@@ -16913,6 +20412,13 @@
       </p:transition>
     </mc:Fallback>
   </mc:AlternateContent>
+  <p:timing>
+    <p:tnLst>
+      <p:par>
+        <p:cTn id="1" dur="indefinite" restart="never" nodeType="tmRoot"/>
+      </p:par>
+    </p:tnLst>
+  </p:timing>
 </p:sld>
 </file>
 

--- a/Advanced Test Driven Development.pptx
+++ b/Advanced Test Driven Development.pptx
@@ -14176,6 +14176,329 @@
           <a:chExt cx="0" cy="0"/>
         </a:xfrm>
       </p:grpSpPr>
+      <p:grpSp>
+        <p:nvGrpSpPr>
+          <p:cNvPr id="16" name="Group 15"/>
+          <p:cNvGrpSpPr/>
+          <p:nvPr/>
+        </p:nvGrpSpPr>
+        <p:grpSpPr>
+          <a:xfrm>
+            <a:off x="1066800" y="3352797"/>
+            <a:ext cx="7010400" cy="1905003"/>
+            <a:chOff x="1066800" y="3352797"/>
+            <a:chExt cx="7010400" cy="1905003"/>
+          </a:xfrm>
+        </p:grpSpPr>
+        <p:sp>
+          <p:nvSpPr>
+            <p:cNvPr id="17" name="Rounded Rectangle 16"/>
+            <p:cNvSpPr/>
+            <p:nvPr/>
+          </p:nvSpPr>
+          <p:spPr>
+            <a:xfrm>
+              <a:off x="4511040" y="3352797"/>
+              <a:ext cx="3505200" cy="1905000"/>
+            </a:xfrm>
+            <a:prstGeom prst="roundRect">
+              <a:avLst/>
+            </a:prstGeom>
+          </p:spPr>
+          <p:style>
+            <a:lnRef idx="2">
+              <a:schemeClr val="accent4">
+                <a:shade val="50000"/>
+              </a:schemeClr>
+            </a:lnRef>
+            <a:fillRef idx="1">
+              <a:schemeClr val="accent4"/>
+            </a:fillRef>
+            <a:effectRef idx="0">
+              <a:schemeClr val="accent4"/>
+            </a:effectRef>
+            <a:fontRef idx="minor">
+              <a:schemeClr val="lt1"/>
+            </a:fontRef>
+          </p:style>
+          <p:txBody>
+            <a:bodyPr rtlCol="0" anchor="ctr"/>
+            <a:lstStyle/>
+            <a:p>
+              <a:pPr algn="ctr"/>
+              <a:endParaRPr lang="en-US" dirty="0"/>
+            </a:p>
+          </p:txBody>
+        </p:sp>
+        <p:sp>
+          <p:nvSpPr>
+            <p:cNvPr id="18" name="Rounded Rectangle 17"/>
+            <p:cNvSpPr/>
+            <p:nvPr/>
+          </p:nvSpPr>
+          <p:spPr>
+            <a:xfrm>
+              <a:off x="1066800" y="3352800"/>
+              <a:ext cx="3505200" cy="1905000"/>
+            </a:xfrm>
+            <a:prstGeom prst="roundRect">
+              <a:avLst/>
+            </a:prstGeom>
+          </p:spPr>
+          <p:style>
+            <a:lnRef idx="2">
+              <a:schemeClr val="accent3">
+                <a:shade val="50000"/>
+              </a:schemeClr>
+            </a:lnRef>
+            <a:fillRef idx="1">
+              <a:schemeClr val="accent3"/>
+            </a:fillRef>
+            <a:effectRef idx="0">
+              <a:schemeClr val="accent3"/>
+            </a:effectRef>
+            <a:fontRef idx="minor">
+              <a:schemeClr val="lt1"/>
+            </a:fontRef>
+          </p:style>
+          <p:txBody>
+            <a:bodyPr rtlCol="0" anchor="ctr"/>
+            <a:lstStyle/>
+            <a:p>
+              <a:pPr algn="ctr"/>
+              <a:endParaRPr lang="en-US" dirty="0"/>
+            </a:p>
+          </p:txBody>
+        </p:sp>
+        <p:sp>
+          <p:nvSpPr>
+            <p:cNvPr id="19" name="TextBox 18"/>
+            <p:cNvSpPr txBox="1"/>
+            <p:nvPr/>
+          </p:nvSpPr>
+          <p:spPr>
+            <a:xfrm>
+              <a:off x="1066800" y="3982132"/>
+              <a:ext cx="1308100" cy="369332"/>
+            </a:xfrm>
+            <a:prstGeom prst="rect">
+              <a:avLst/>
+            </a:prstGeom>
+            <a:noFill/>
+          </p:spPr>
+          <p:txBody>
+            <a:bodyPr wrap="square" rtlCol="0">
+              <a:spAutoFit/>
+            </a:bodyPr>
+            <a:lstStyle/>
+            <a:p>
+              <a:r>
+                <a:rPr lang="en-US" dirty="0" smtClean="0"/>
+                <a:t>UI</a:t>
+              </a:r>
+              <a:endParaRPr lang="en-US" dirty="0"/>
+            </a:p>
+          </p:txBody>
+        </p:sp>
+        <p:sp>
+          <p:nvSpPr>
+            <p:cNvPr id="20" name="TextBox 19"/>
+            <p:cNvSpPr txBox="1"/>
+            <p:nvPr/>
+          </p:nvSpPr>
+          <p:spPr>
+            <a:xfrm>
+              <a:off x="6769100" y="3982134"/>
+              <a:ext cx="1308100" cy="369332"/>
+            </a:xfrm>
+            <a:prstGeom prst="rect">
+              <a:avLst/>
+            </a:prstGeom>
+            <a:noFill/>
+          </p:spPr>
+          <p:txBody>
+            <a:bodyPr wrap="square" rtlCol="0">
+              <a:spAutoFit/>
+            </a:bodyPr>
+            <a:lstStyle/>
+            <a:p>
+              <a:pPr algn="r"/>
+              <a:r>
+                <a:rPr lang="en-US" dirty="0" smtClean="0"/>
+                <a:t>Data</a:t>
+              </a:r>
+              <a:endParaRPr lang="en-US" dirty="0"/>
+            </a:p>
+          </p:txBody>
+        </p:sp>
+        <p:sp>
+          <p:nvSpPr>
+            <p:cNvPr id="21" name="Rectangle 20"/>
+            <p:cNvSpPr/>
+            <p:nvPr/>
+          </p:nvSpPr>
+          <p:spPr>
+            <a:xfrm>
+              <a:off x="3581400" y="3352800"/>
+              <a:ext cx="1905000" cy="1905000"/>
+            </a:xfrm>
+            <a:prstGeom prst="rect">
+              <a:avLst/>
+            </a:prstGeom>
+          </p:spPr>
+          <p:style>
+            <a:lnRef idx="0">
+              <a:schemeClr val="accent1"/>
+            </a:lnRef>
+            <a:fillRef idx="3">
+              <a:schemeClr val="accent1"/>
+            </a:fillRef>
+            <a:effectRef idx="3">
+              <a:schemeClr val="accent1"/>
+            </a:effectRef>
+            <a:fontRef idx="minor">
+              <a:schemeClr val="lt1"/>
+            </a:fontRef>
+          </p:style>
+          <p:txBody>
+            <a:bodyPr rtlCol="0" anchor="ctr"/>
+            <a:lstStyle/>
+            <a:p>
+              <a:pPr algn="ctr"/>
+              <a:endParaRPr lang="en-US"/>
+            </a:p>
+          </p:txBody>
+        </p:sp>
+        <p:sp>
+          <p:nvSpPr>
+            <p:cNvPr id="22" name="TextBox 21"/>
+            <p:cNvSpPr txBox="1"/>
+            <p:nvPr/>
+          </p:nvSpPr>
+          <p:spPr>
+            <a:xfrm>
+              <a:off x="3917950" y="3982133"/>
+              <a:ext cx="1308100" cy="646331"/>
+            </a:xfrm>
+            <a:prstGeom prst="rect">
+              <a:avLst/>
+            </a:prstGeom>
+            <a:noFill/>
+          </p:spPr>
+          <p:txBody>
+            <a:bodyPr wrap="square" rtlCol="0">
+              <a:spAutoFit/>
+            </a:bodyPr>
+            <a:lstStyle/>
+            <a:p>
+              <a:pPr algn="ctr"/>
+              <a:r>
+                <a:rPr lang="en-US" dirty="0" smtClean="0"/>
+                <a:t>Business Logic</a:t>
+              </a:r>
+              <a:endParaRPr lang="en-US" dirty="0"/>
+            </a:p>
+          </p:txBody>
+        </p:sp>
+        <p:sp>
+          <p:nvSpPr>
+            <p:cNvPr id="23" name="Rectangle 22"/>
+            <p:cNvSpPr/>
+            <p:nvPr/>
+          </p:nvSpPr>
+          <p:spPr>
+            <a:xfrm>
+              <a:off x="2286000" y="3352800"/>
+              <a:ext cx="1295400" cy="1905000"/>
+            </a:xfrm>
+            <a:prstGeom prst="rect">
+              <a:avLst/>
+            </a:prstGeom>
+          </p:spPr>
+          <p:style>
+            <a:lnRef idx="0">
+              <a:schemeClr val="accent3"/>
+            </a:lnRef>
+            <a:fillRef idx="3">
+              <a:schemeClr val="accent3"/>
+            </a:fillRef>
+            <a:effectRef idx="3">
+              <a:schemeClr val="accent3"/>
+            </a:effectRef>
+            <a:fontRef idx="minor">
+              <a:schemeClr val="lt1"/>
+            </a:fontRef>
+          </p:style>
+          <p:txBody>
+            <a:bodyPr rtlCol="0" anchor="ctr"/>
+            <a:lstStyle/>
+            <a:p>
+              <a:pPr algn="ctr"/>
+              <a:r>
+                <a:rPr lang="en-US" dirty="0" smtClean="0"/>
+                <a:t>UI</a:t>
+              </a:r>
+            </a:p>
+            <a:p>
+              <a:pPr algn="ctr"/>
+              <a:r>
+                <a:rPr lang="en-US" dirty="0" smtClean="0"/>
+                <a:t>Logic</a:t>
+              </a:r>
+              <a:endParaRPr lang="en-US" dirty="0"/>
+            </a:p>
+          </p:txBody>
+        </p:sp>
+        <p:sp>
+          <p:nvSpPr>
+            <p:cNvPr id="24" name="Rectangle 23"/>
+            <p:cNvSpPr/>
+            <p:nvPr/>
+          </p:nvSpPr>
+          <p:spPr>
+            <a:xfrm>
+              <a:off x="5473700" y="3352800"/>
+              <a:ext cx="1295400" cy="1905000"/>
+            </a:xfrm>
+            <a:prstGeom prst="rect">
+              <a:avLst/>
+            </a:prstGeom>
+          </p:spPr>
+          <p:style>
+            <a:lnRef idx="0">
+              <a:schemeClr val="accent4"/>
+            </a:lnRef>
+            <a:fillRef idx="3">
+              <a:schemeClr val="accent4"/>
+            </a:fillRef>
+            <a:effectRef idx="3">
+              <a:schemeClr val="accent4"/>
+            </a:effectRef>
+            <a:fontRef idx="minor">
+              <a:schemeClr val="lt1"/>
+            </a:fontRef>
+          </p:style>
+          <p:txBody>
+            <a:bodyPr rtlCol="0" anchor="ctr"/>
+            <a:lstStyle/>
+            <a:p>
+              <a:pPr algn="ctr"/>
+              <a:r>
+                <a:rPr lang="en-US" dirty="0" smtClean="0"/>
+                <a:t>Data</a:t>
+              </a:r>
+            </a:p>
+            <a:p>
+              <a:pPr algn="ctr"/>
+              <a:r>
+                <a:rPr lang="en-US" dirty="0" smtClean="0"/>
+                <a:t>Logic</a:t>
+              </a:r>
+              <a:endParaRPr lang="en-US" dirty="0"/>
+            </a:p>
+          </p:txBody>
+        </p:sp>
+      </p:grpSp>
       <p:sp>
         <p:nvSpPr>
           <p:cNvPr id="2" name="Title 1"/>
@@ -14199,520 +14522,357 @@
           </a:p>
         </p:txBody>
       </p:sp>
-      <p:sp>
-        <p:nvSpPr>
-          <p:cNvPr id="3" name="Rounded Rectangle 2"/>
-          <p:cNvSpPr/>
+      <p:grpSp>
+        <p:nvGrpSpPr>
+          <p:cNvPr id="25" name="Group 24"/>
+          <p:cNvGrpSpPr/>
           <p:nvPr/>
-        </p:nvSpPr>
-        <p:spPr>
+        </p:nvGrpSpPr>
+        <p:grpSpPr>
           <a:xfrm>
-            <a:off x="1066800" y="3352800"/>
-            <a:ext cx="7010400" cy="1905000"/>
+            <a:off x="2374900" y="3428997"/>
+            <a:ext cx="4306570" cy="1752603"/>
+            <a:chOff x="2374900" y="3428997"/>
+            <a:chExt cx="4306570" cy="1752603"/>
           </a:xfrm>
-          <a:prstGeom prst="roundRect">
-            <a:avLst/>
-          </a:prstGeom>
-        </p:spPr>
-        <p:style>
-          <a:lnRef idx="2">
-            <a:schemeClr val="accent3">
-              <a:shade val="50000"/>
-            </a:schemeClr>
-          </a:lnRef>
-          <a:fillRef idx="1">
-            <a:schemeClr val="accent3"/>
-          </a:fillRef>
-          <a:effectRef idx="0">
-            <a:schemeClr val="accent3"/>
-          </a:effectRef>
-          <a:fontRef idx="minor">
-            <a:schemeClr val="lt1"/>
-          </a:fontRef>
-        </p:style>
-        <p:txBody>
-          <a:bodyPr rtlCol="0" anchor="ctr"/>
-          <a:lstStyle/>
-          <a:p>
-            <a:pPr algn="ctr"/>
-            <a:endParaRPr lang="en-US" dirty="0"/>
-          </a:p>
-        </p:txBody>
-      </p:sp>
-      <p:sp>
-        <p:nvSpPr>
-          <p:cNvPr id="4" name="Rectangle 3"/>
-          <p:cNvSpPr/>
-          <p:nvPr/>
-        </p:nvSpPr>
-        <p:spPr>
-          <a:xfrm>
-            <a:off x="2209800" y="3352800"/>
-            <a:ext cx="4953000" cy="1905000"/>
-          </a:xfrm>
-          <a:prstGeom prst="rect">
-            <a:avLst/>
-          </a:prstGeom>
-        </p:spPr>
-        <p:style>
-          <a:lnRef idx="2">
-            <a:schemeClr val="accent1">
-              <a:shade val="50000"/>
-            </a:schemeClr>
-          </a:lnRef>
-          <a:fillRef idx="1">
-            <a:schemeClr val="accent1"/>
-          </a:fillRef>
-          <a:effectRef idx="0">
-            <a:schemeClr val="accent1"/>
-          </a:effectRef>
-          <a:fontRef idx="minor">
-            <a:schemeClr val="lt1"/>
-          </a:fontRef>
-        </p:style>
-        <p:txBody>
-          <a:bodyPr rtlCol="0" anchor="ctr"/>
-          <a:lstStyle/>
-          <a:p>
-            <a:pPr algn="ctr"/>
-            <a:endParaRPr lang="en-US"/>
-          </a:p>
-        </p:txBody>
-      </p:sp>
-      <p:sp>
-        <p:nvSpPr>
-          <p:cNvPr id="5" name="TextBox 4"/>
-          <p:cNvSpPr txBox="1"/>
-          <p:nvPr/>
-        </p:nvSpPr>
-        <p:spPr>
-          <a:xfrm>
-            <a:off x="1066800" y="3982132"/>
-            <a:ext cx="1308100" cy="646331"/>
-          </a:xfrm>
-          <a:prstGeom prst="rect">
-            <a:avLst/>
-          </a:prstGeom>
-          <a:noFill/>
-        </p:spPr>
-        <p:txBody>
-          <a:bodyPr wrap="square" rtlCol="0">
-            <a:spAutoFit/>
-          </a:bodyPr>
-          <a:lstStyle/>
-          <a:p>
-            <a:r>
-              <a:rPr lang="en-US" dirty="0" smtClean="0"/>
-              <a:t>User</a:t>
-            </a:r>
-          </a:p>
-          <a:p>
-            <a:r>
-              <a:rPr lang="en-US" dirty="0" smtClean="0"/>
-              <a:t>Interface</a:t>
-            </a:r>
-            <a:endParaRPr lang="en-US" dirty="0"/>
-          </a:p>
-        </p:txBody>
-      </p:sp>
-      <p:sp>
-        <p:nvSpPr>
-          <p:cNvPr id="6" name="TextBox 5"/>
-          <p:cNvSpPr txBox="1"/>
-          <p:nvPr/>
-        </p:nvSpPr>
-        <p:spPr>
-          <a:xfrm>
-            <a:off x="6769100" y="3982134"/>
-            <a:ext cx="1308100" cy="646331"/>
-          </a:xfrm>
-          <a:prstGeom prst="rect">
-            <a:avLst/>
-          </a:prstGeom>
-          <a:noFill/>
-        </p:spPr>
-        <p:txBody>
-          <a:bodyPr wrap="square" rtlCol="0">
-            <a:spAutoFit/>
-          </a:bodyPr>
-          <a:lstStyle/>
-          <a:p>
-            <a:pPr algn="r"/>
-            <a:r>
-              <a:rPr lang="en-US" dirty="0" smtClean="0"/>
-              <a:t>Data Access</a:t>
-            </a:r>
-            <a:endParaRPr lang="en-US" dirty="0"/>
-          </a:p>
-        </p:txBody>
-      </p:sp>
-      <p:sp>
-        <p:nvSpPr>
-          <p:cNvPr id="7" name="TextBox 6"/>
-          <p:cNvSpPr txBox="1"/>
-          <p:nvPr/>
-        </p:nvSpPr>
-        <p:spPr>
-          <a:xfrm>
-            <a:off x="3917950" y="3982133"/>
-            <a:ext cx="1308100" cy="646331"/>
-          </a:xfrm>
-          <a:prstGeom prst="rect">
-            <a:avLst/>
-          </a:prstGeom>
-          <a:noFill/>
-        </p:spPr>
-        <p:txBody>
-          <a:bodyPr wrap="square" rtlCol="0">
-            <a:spAutoFit/>
-          </a:bodyPr>
-          <a:lstStyle/>
-          <a:p>
-            <a:pPr algn="ctr"/>
-            <a:r>
-              <a:rPr lang="en-US" dirty="0" smtClean="0"/>
-              <a:t>Business Logic</a:t>
-            </a:r>
-            <a:endParaRPr lang="en-US" dirty="0"/>
-          </a:p>
-        </p:txBody>
-      </p:sp>
-      <p:sp>
-        <p:nvSpPr>
-          <p:cNvPr id="8" name="Rectangle 7"/>
-          <p:cNvSpPr/>
-          <p:nvPr/>
-        </p:nvSpPr>
-        <p:spPr>
-          <a:xfrm>
-            <a:off x="2374900" y="3429000"/>
-            <a:ext cx="368300" cy="1752600"/>
-          </a:xfrm>
-          <a:prstGeom prst="rect">
-            <a:avLst/>
-          </a:prstGeom>
-        </p:spPr>
-        <p:style>
-          <a:lnRef idx="1">
-            <a:schemeClr val="accent2"/>
-          </a:lnRef>
-          <a:fillRef idx="2">
-            <a:schemeClr val="accent2"/>
-          </a:fillRef>
-          <a:effectRef idx="1">
-            <a:schemeClr val="accent2"/>
-          </a:effectRef>
-          <a:fontRef idx="minor">
-            <a:schemeClr val="dk1"/>
-          </a:fontRef>
-        </p:style>
-        <p:txBody>
-          <a:bodyPr rtlCol="0" anchor="ctr"/>
-          <a:lstStyle/>
-          <a:p>
-            <a:pPr algn="ctr"/>
-            <a:r>
-              <a:rPr lang="en-US" dirty="0" smtClean="0"/>
-              <a:t>A</a:t>
-            </a:r>
-            <a:endParaRPr lang="en-US" dirty="0"/>
-          </a:p>
-        </p:txBody>
-      </p:sp>
-      <p:sp>
-        <p:nvSpPr>
-          <p:cNvPr id="9" name="Rectangle 8"/>
-          <p:cNvSpPr/>
-          <p:nvPr/>
-        </p:nvSpPr>
-        <p:spPr>
-          <a:xfrm>
-            <a:off x="2819400" y="3429000"/>
-            <a:ext cx="368300" cy="838200"/>
-          </a:xfrm>
-          <a:prstGeom prst="rect">
-            <a:avLst/>
-          </a:prstGeom>
-        </p:spPr>
-        <p:style>
-          <a:lnRef idx="1">
-            <a:schemeClr val="accent2"/>
-          </a:lnRef>
-          <a:fillRef idx="2">
-            <a:schemeClr val="accent2"/>
-          </a:fillRef>
-          <a:effectRef idx="1">
-            <a:schemeClr val="accent2"/>
-          </a:effectRef>
-          <a:fontRef idx="minor">
-            <a:schemeClr val="dk1"/>
-          </a:fontRef>
-        </p:style>
-        <p:txBody>
-          <a:bodyPr rtlCol="0" anchor="ctr"/>
-          <a:lstStyle/>
-          <a:p>
-            <a:pPr algn="ctr"/>
-            <a:r>
-              <a:rPr lang="en-US" dirty="0" smtClean="0"/>
-              <a:t>B</a:t>
-            </a:r>
-            <a:endParaRPr lang="en-US" dirty="0"/>
-          </a:p>
-        </p:txBody>
-      </p:sp>
-      <p:sp>
-        <p:nvSpPr>
-          <p:cNvPr id="10" name="Rectangle 9"/>
-          <p:cNvSpPr/>
-          <p:nvPr/>
-        </p:nvSpPr>
-        <p:spPr>
-          <a:xfrm>
-            <a:off x="2819400" y="4343400"/>
-            <a:ext cx="368300" cy="838200"/>
-          </a:xfrm>
-          <a:prstGeom prst="rect">
-            <a:avLst/>
-          </a:prstGeom>
-        </p:spPr>
-        <p:style>
-          <a:lnRef idx="1">
-            <a:schemeClr val="accent2"/>
-          </a:lnRef>
-          <a:fillRef idx="2">
-            <a:schemeClr val="accent2"/>
-          </a:fillRef>
-          <a:effectRef idx="1">
-            <a:schemeClr val="accent2"/>
-          </a:effectRef>
-          <a:fontRef idx="minor">
-            <a:schemeClr val="dk1"/>
-          </a:fontRef>
-        </p:style>
-        <p:txBody>
-          <a:bodyPr rtlCol="0" anchor="ctr"/>
-          <a:lstStyle/>
-          <a:p>
-            <a:pPr algn="ctr"/>
-            <a:r>
-              <a:rPr lang="en-US" dirty="0" smtClean="0"/>
-              <a:t>C</a:t>
-            </a:r>
-            <a:endParaRPr lang="en-US" dirty="0"/>
-          </a:p>
-        </p:txBody>
-      </p:sp>
-      <p:sp>
-        <p:nvSpPr>
-          <p:cNvPr id="11" name="Rectangle 10"/>
-          <p:cNvSpPr/>
-          <p:nvPr/>
-        </p:nvSpPr>
-        <p:spPr>
-          <a:xfrm>
-            <a:off x="3276600" y="3429000"/>
-            <a:ext cx="368300" cy="1752600"/>
-          </a:xfrm>
-          <a:prstGeom prst="rect">
-            <a:avLst/>
-          </a:prstGeom>
-        </p:spPr>
-        <p:style>
-          <a:lnRef idx="1">
-            <a:schemeClr val="accent2"/>
-          </a:lnRef>
-          <a:fillRef idx="2">
-            <a:schemeClr val="accent2"/>
-          </a:fillRef>
-          <a:effectRef idx="1">
-            <a:schemeClr val="accent2"/>
-          </a:effectRef>
-          <a:fontRef idx="minor">
-            <a:schemeClr val="dk1"/>
-          </a:fontRef>
-        </p:style>
-        <p:txBody>
-          <a:bodyPr rtlCol="0" anchor="ctr"/>
-          <a:lstStyle/>
-          <a:p>
-            <a:pPr algn="ctr"/>
-            <a:r>
-              <a:rPr lang="en-US" dirty="0" smtClean="0"/>
-              <a:t>D</a:t>
-            </a:r>
-            <a:endParaRPr lang="en-US" dirty="0"/>
-          </a:p>
-        </p:txBody>
-      </p:sp>
-      <p:sp>
-        <p:nvSpPr>
-          <p:cNvPr id="12" name="Rectangle 11"/>
-          <p:cNvSpPr/>
-          <p:nvPr/>
-        </p:nvSpPr>
-        <p:spPr>
-          <a:xfrm>
-            <a:off x="5803900" y="3429000"/>
-            <a:ext cx="368300" cy="1752600"/>
-          </a:xfrm>
-          <a:prstGeom prst="rect">
-            <a:avLst/>
-          </a:prstGeom>
-        </p:spPr>
-        <p:style>
-          <a:lnRef idx="1">
-            <a:schemeClr val="accent2"/>
-          </a:lnRef>
-          <a:fillRef idx="2">
-            <a:schemeClr val="accent2"/>
-          </a:fillRef>
-          <a:effectRef idx="1">
-            <a:schemeClr val="accent2"/>
-          </a:effectRef>
-          <a:fontRef idx="minor">
-            <a:schemeClr val="dk1"/>
-          </a:fontRef>
-        </p:style>
-        <p:txBody>
-          <a:bodyPr rtlCol="0" anchor="ctr"/>
-          <a:lstStyle/>
-          <a:p>
-            <a:pPr algn="ctr"/>
-            <a:r>
-              <a:rPr lang="en-US" dirty="0" smtClean="0"/>
-              <a:t>W</a:t>
-            </a:r>
-            <a:endParaRPr lang="en-US" dirty="0"/>
-          </a:p>
-        </p:txBody>
-      </p:sp>
-      <p:sp>
-        <p:nvSpPr>
-          <p:cNvPr id="13" name="Rectangle 12"/>
-          <p:cNvSpPr/>
-          <p:nvPr/>
-        </p:nvSpPr>
-        <p:spPr>
-          <a:xfrm>
-            <a:off x="6248400" y="3429000"/>
-            <a:ext cx="368300" cy="838200"/>
-          </a:xfrm>
-          <a:prstGeom prst="rect">
-            <a:avLst/>
-          </a:prstGeom>
-        </p:spPr>
-        <p:style>
-          <a:lnRef idx="1">
-            <a:schemeClr val="accent2"/>
-          </a:lnRef>
-          <a:fillRef idx="2">
-            <a:schemeClr val="accent2"/>
-          </a:fillRef>
-          <a:effectRef idx="1">
-            <a:schemeClr val="accent2"/>
-          </a:effectRef>
-          <a:fontRef idx="minor">
-            <a:schemeClr val="dk1"/>
-          </a:fontRef>
-        </p:style>
-        <p:txBody>
-          <a:bodyPr rtlCol="0" anchor="ctr"/>
-          <a:lstStyle/>
-          <a:p>
-            <a:pPr algn="ctr"/>
-            <a:r>
-              <a:rPr lang="en-US" dirty="0" smtClean="0"/>
-              <a:t>X</a:t>
-            </a:r>
-            <a:endParaRPr lang="en-US" dirty="0"/>
-          </a:p>
-        </p:txBody>
-      </p:sp>
-      <p:sp>
-        <p:nvSpPr>
-          <p:cNvPr id="14" name="Rectangle 13"/>
-          <p:cNvSpPr/>
-          <p:nvPr/>
-        </p:nvSpPr>
-        <p:spPr>
-          <a:xfrm>
-            <a:off x="6248400" y="4343400"/>
-            <a:ext cx="368300" cy="838200"/>
-          </a:xfrm>
-          <a:prstGeom prst="rect">
-            <a:avLst/>
-          </a:prstGeom>
-        </p:spPr>
-        <p:style>
-          <a:lnRef idx="1">
-            <a:schemeClr val="accent2"/>
-          </a:lnRef>
-          <a:fillRef idx="2">
-            <a:schemeClr val="accent2"/>
-          </a:fillRef>
-          <a:effectRef idx="1">
-            <a:schemeClr val="accent2"/>
-          </a:effectRef>
-          <a:fontRef idx="minor">
-            <a:schemeClr val="dk1"/>
-          </a:fontRef>
-        </p:style>
-        <p:txBody>
-          <a:bodyPr rtlCol="0" anchor="ctr"/>
-          <a:lstStyle/>
-          <a:p>
-            <a:pPr algn="ctr"/>
-            <a:r>
-              <a:rPr lang="en-US" dirty="0" smtClean="0"/>
-              <a:t>Y</a:t>
-            </a:r>
-            <a:endParaRPr lang="en-US" dirty="0"/>
-          </a:p>
-        </p:txBody>
-      </p:sp>
-      <p:sp>
-        <p:nvSpPr>
-          <p:cNvPr id="15" name="Rectangle 14"/>
-          <p:cNvSpPr/>
-          <p:nvPr/>
-        </p:nvSpPr>
-        <p:spPr>
-          <a:xfrm>
-            <a:off x="6705600" y="3429000"/>
-            <a:ext cx="368300" cy="1752600"/>
-          </a:xfrm>
-          <a:prstGeom prst="rect">
-            <a:avLst/>
-          </a:prstGeom>
-        </p:spPr>
-        <p:style>
-          <a:lnRef idx="1">
-            <a:schemeClr val="accent2"/>
-          </a:lnRef>
-          <a:fillRef idx="2">
-            <a:schemeClr val="accent2"/>
-          </a:fillRef>
-          <a:effectRef idx="1">
-            <a:schemeClr val="accent2"/>
-          </a:effectRef>
-          <a:fontRef idx="minor">
-            <a:schemeClr val="dk1"/>
-          </a:fontRef>
-        </p:style>
-        <p:txBody>
-          <a:bodyPr rtlCol="0" anchor="ctr"/>
-          <a:lstStyle/>
-          <a:p>
-            <a:pPr algn="ctr"/>
-            <a:r>
-              <a:rPr lang="en-US" dirty="0" smtClean="0"/>
-              <a:t>Z</a:t>
-            </a:r>
-            <a:endParaRPr lang="en-US" dirty="0"/>
-          </a:p>
-        </p:txBody>
-      </p:sp>
+        </p:grpSpPr>
+        <p:sp>
+          <p:nvSpPr>
+            <p:cNvPr id="8" name="Rectangle 7"/>
+            <p:cNvSpPr/>
+            <p:nvPr/>
+          </p:nvSpPr>
+          <p:spPr>
+            <a:xfrm>
+              <a:off x="2374900" y="3429000"/>
+              <a:ext cx="368300" cy="1752600"/>
+            </a:xfrm>
+            <a:prstGeom prst="rect">
+              <a:avLst/>
+            </a:prstGeom>
+          </p:spPr>
+          <p:style>
+            <a:lnRef idx="1">
+              <a:schemeClr val="accent2"/>
+            </a:lnRef>
+            <a:fillRef idx="2">
+              <a:schemeClr val="accent2"/>
+            </a:fillRef>
+            <a:effectRef idx="1">
+              <a:schemeClr val="accent2"/>
+            </a:effectRef>
+            <a:fontRef idx="minor">
+              <a:schemeClr val="dk1"/>
+            </a:fontRef>
+          </p:style>
+          <p:txBody>
+            <a:bodyPr rtlCol="0" anchor="ctr"/>
+            <a:lstStyle/>
+            <a:p>
+              <a:pPr algn="ctr"/>
+              <a:r>
+                <a:rPr lang="en-US" dirty="0" smtClean="0"/>
+                <a:t>A</a:t>
+              </a:r>
+              <a:endParaRPr lang="en-US" dirty="0"/>
+            </a:p>
+          </p:txBody>
+        </p:sp>
+        <p:sp>
+          <p:nvSpPr>
+            <p:cNvPr id="9" name="Rectangle 8"/>
+            <p:cNvSpPr/>
+            <p:nvPr/>
+          </p:nvSpPr>
+          <p:spPr>
+            <a:xfrm>
+              <a:off x="2819400" y="3429000"/>
+              <a:ext cx="368300" cy="838200"/>
+            </a:xfrm>
+            <a:prstGeom prst="rect">
+              <a:avLst/>
+            </a:prstGeom>
+          </p:spPr>
+          <p:style>
+            <a:lnRef idx="1">
+              <a:schemeClr val="accent2"/>
+            </a:lnRef>
+            <a:fillRef idx="2">
+              <a:schemeClr val="accent2"/>
+            </a:fillRef>
+            <a:effectRef idx="1">
+              <a:schemeClr val="accent2"/>
+            </a:effectRef>
+            <a:fontRef idx="minor">
+              <a:schemeClr val="dk1"/>
+            </a:fontRef>
+          </p:style>
+          <p:txBody>
+            <a:bodyPr rtlCol="0" anchor="ctr"/>
+            <a:lstStyle/>
+            <a:p>
+              <a:pPr algn="ctr"/>
+              <a:r>
+                <a:rPr lang="en-US" dirty="0" smtClean="0"/>
+                <a:t>B</a:t>
+              </a:r>
+              <a:endParaRPr lang="en-US" dirty="0"/>
+            </a:p>
+          </p:txBody>
+        </p:sp>
+        <p:sp>
+          <p:nvSpPr>
+            <p:cNvPr id="10" name="Rectangle 9"/>
+            <p:cNvSpPr/>
+            <p:nvPr/>
+          </p:nvSpPr>
+          <p:spPr>
+            <a:xfrm>
+              <a:off x="2819400" y="4343400"/>
+              <a:ext cx="368300" cy="838200"/>
+            </a:xfrm>
+            <a:prstGeom prst="rect">
+              <a:avLst/>
+            </a:prstGeom>
+          </p:spPr>
+          <p:style>
+            <a:lnRef idx="1">
+              <a:schemeClr val="accent2"/>
+            </a:lnRef>
+            <a:fillRef idx="2">
+              <a:schemeClr val="accent2"/>
+            </a:fillRef>
+            <a:effectRef idx="1">
+              <a:schemeClr val="accent2"/>
+            </a:effectRef>
+            <a:fontRef idx="minor">
+              <a:schemeClr val="dk1"/>
+            </a:fontRef>
+          </p:style>
+          <p:txBody>
+            <a:bodyPr rtlCol="0" anchor="ctr"/>
+            <a:lstStyle/>
+            <a:p>
+              <a:pPr algn="ctr"/>
+              <a:r>
+                <a:rPr lang="en-US" dirty="0" smtClean="0"/>
+                <a:t>C</a:t>
+              </a:r>
+              <a:endParaRPr lang="en-US" dirty="0"/>
+            </a:p>
+          </p:txBody>
+        </p:sp>
+        <p:sp>
+          <p:nvSpPr>
+            <p:cNvPr id="11" name="Rectangle 10"/>
+            <p:cNvSpPr/>
+            <p:nvPr/>
+          </p:nvSpPr>
+          <p:spPr>
+            <a:xfrm>
+              <a:off x="3670300" y="3428997"/>
+              <a:ext cx="368300" cy="1752600"/>
+            </a:xfrm>
+            <a:prstGeom prst="rect">
+              <a:avLst/>
+            </a:prstGeom>
+          </p:spPr>
+          <p:style>
+            <a:lnRef idx="1">
+              <a:schemeClr val="accent2"/>
+            </a:lnRef>
+            <a:fillRef idx="2">
+              <a:schemeClr val="accent2"/>
+            </a:fillRef>
+            <a:effectRef idx="1">
+              <a:schemeClr val="accent2"/>
+            </a:effectRef>
+            <a:fontRef idx="minor">
+              <a:schemeClr val="dk1"/>
+            </a:fontRef>
+          </p:style>
+          <p:txBody>
+            <a:bodyPr rtlCol="0" anchor="ctr"/>
+            <a:lstStyle/>
+            <a:p>
+              <a:pPr algn="ctr"/>
+              <a:r>
+                <a:rPr lang="en-US" dirty="0" smtClean="0"/>
+                <a:t>D</a:t>
+              </a:r>
+              <a:endParaRPr lang="en-US" dirty="0"/>
+            </a:p>
+          </p:txBody>
+        </p:sp>
+        <p:sp>
+          <p:nvSpPr>
+            <p:cNvPr id="12" name="Rectangle 11"/>
+            <p:cNvSpPr/>
+            <p:nvPr/>
+          </p:nvSpPr>
+          <p:spPr>
+            <a:xfrm>
+              <a:off x="5041900" y="3429000"/>
+              <a:ext cx="368300" cy="1752600"/>
+            </a:xfrm>
+            <a:prstGeom prst="rect">
+              <a:avLst/>
+            </a:prstGeom>
+          </p:spPr>
+          <p:style>
+            <a:lnRef idx="1">
+              <a:schemeClr val="accent2"/>
+            </a:lnRef>
+            <a:fillRef idx="2">
+              <a:schemeClr val="accent2"/>
+            </a:fillRef>
+            <a:effectRef idx="1">
+              <a:schemeClr val="accent2"/>
+            </a:effectRef>
+            <a:fontRef idx="minor">
+              <a:schemeClr val="dk1"/>
+            </a:fontRef>
+          </p:style>
+          <p:txBody>
+            <a:bodyPr rtlCol="0" anchor="ctr"/>
+            <a:lstStyle/>
+            <a:p>
+              <a:pPr algn="ctr"/>
+              <a:r>
+                <a:rPr lang="en-US" dirty="0" smtClean="0"/>
+                <a:t>W</a:t>
+              </a:r>
+              <a:endParaRPr lang="en-US" dirty="0"/>
+            </a:p>
+          </p:txBody>
+        </p:sp>
+        <p:sp>
+          <p:nvSpPr>
+            <p:cNvPr id="13" name="Rectangle 12"/>
+            <p:cNvSpPr/>
+            <p:nvPr/>
+          </p:nvSpPr>
+          <p:spPr>
+            <a:xfrm>
+              <a:off x="5855970" y="3429000"/>
+              <a:ext cx="368300" cy="838200"/>
+            </a:xfrm>
+            <a:prstGeom prst="rect">
+              <a:avLst/>
+            </a:prstGeom>
+          </p:spPr>
+          <p:style>
+            <a:lnRef idx="1">
+              <a:schemeClr val="accent2"/>
+            </a:lnRef>
+            <a:fillRef idx="2">
+              <a:schemeClr val="accent2"/>
+            </a:fillRef>
+            <a:effectRef idx="1">
+              <a:schemeClr val="accent2"/>
+            </a:effectRef>
+            <a:fontRef idx="minor">
+              <a:schemeClr val="dk1"/>
+            </a:fontRef>
+          </p:style>
+          <p:txBody>
+            <a:bodyPr rtlCol="0" anchor="ctr"/>
+            <a:lstStyle/>
+            <a:p>
+              <a:pPr algn="ctr"/>
+              <a:r>
+                <a:rPr lang="en-US" dirty="0" smtClean="0"/>
+                <a:t>X</a:t>
+              </a:r>
+              <a:endParaRPr lang="en-US" dirty="0"/>
+            </a:p>
+          </p:txBody>
+        </p:sp>
+        <p:sp>
+          <p:nvSpPr>
+            <p:cNvPr id="14" name="Rectangle 13"/>
+            <p:cNvSpPr/>
+            <p:nvPr/>
+          </p:nvSpPr>
+          <p:spPr>
+            <a:xfrm>
+              <a:off x="5855970" y="4343400"/>
+              <a:ext cx="368300" cy="838200"/>
+            </a:xfrm>
+            <a:prstGeom prst="rect">
+              <a:avLst/>
+            </a:prstGeom>
+          </p:spPr>
+          <p:style>
+            <a:lnRef idx="1">
+              <a:schemeClr val="accent2"/>
+            </a:lnRef>
+            <a:fillRef idx="2">
+              <a:schemeClr val="accent2"/>
+            </a:fillRef>
+            <a:effectRef idx="1">
+              <a:schemeClr val="accent2"/>
+            </a:effectRef>
+            <a:fontRef idx="minor">
+              <a:schemeClr val="dk1"/>
+            </a:fontRef>
+          </p:style>
+          <p:txBody>
+            <a:bodyPr rtlCol="0" anchor="ctr"/>
+            <a:lstStyle/>
+            <a:p>
+              <a:pPr algn="ctr"/>
+              <a:r>
+                <a:rPr lang="en-US" dirty="0" smtClean="0"/>
+                <a:t>Y</a:t>
+              </a:r>
+              <a:endParaRPr lang="en-US" dirty="0"/>
+            </a:p>
+          </p:txBody>
+        </p:sp>
+        <p:sp>
+          <p:nvSpPr>
+            <p:cNvPr id="15" name="Rectangle 14"/>
+            <p:cNvSpPr/>
+            <p:nvPr/>
+          </p:nvSpPr>
+          <p:spPr>
+            <a:xfrm>
+              <a:off x="6313170" y="3429000"/>
+              <a:ext cx="368300" cy="1752600"/>
+            </a:xfrm>
+            <a:prstGeom prst="rect">
+              <a:avLst/>
+            </a:prstGeom>
+          </p:spPr>
+          <p:style>
+            <a:lnRef idx="1">
+              <a:schemeClr val="accent2"/>
+            </a:lnRef>
+            <a:fillRef idx="2">
+              <a:schemeClr val="accent2"/>
+            </a:fillRef>
+            <a:effectRef idx="1">
+              <a:schemeClr val="accent2"/>
+            </a:effectRef>
+            <a:fontRef idx="minor">
+              <a:schemeClr val="dk1"/>
+            </a:fontRef>
+          </p:style>
+          <p:txBody>
+            <a:bodyPr rtlCol="0" anchor="ctr"/>
+            <a:lstStyle/>
+            <a:p>
+              <a:pPr algn="ctr"/>
+              <a:r>
+                <a:rPr lang="en-US" dirty="0" smtClean="0"/>
+                <a:t>Z</a:t>
+              </a:r>
+              <a:endParaRPr lang="en-US" dirty="0"/>
+            </a:p>
+          </p:txBody>
+        </p:sp>
+      </p:grpSp>
     </p:spTree>
     <p:extLst>
       <p:ext uri="{BB962C8B-B14F-4D97-AF65-F5344CB8AC3E}">
@@ -14762,6 +14922,680 @@
           <a:chExt cx="0" cy="0"/>
         </a:xfrm>
       </p:grpSpPr>
+      <p:grpSp>
+        <p:nvGrpSpPr>
+          <p:cNvPr id="31" name="Group 30"/>
+          <p:cNvGrpSpPr/>
+          <p:nvPr/>
+        </p:nvGrpSpPr>
+        <p:grpSpPr>
+          <a:xfrm>
+            <a:off x="1066800" y="3352797"/>
+            <a:ext cx="7010400" cy="1905003"/>
+            <a:chOff x="1066800" y="3352797"/>
+            <a:chExt cx="7010400" cy="1905003"/>
+          </a:xfrm>
+        </p:grpSpPr>
+        <p:sp>
+          <p:nvSpPr>
+            <p:cNvPr id="32" name="Rounded Rectangle 31"/>
+            <p:cNvSpPr/>
+            <p:nvPr/>
+          </p:nvSpPr>
+          <p:spPr>
+            <a:xfrm>
+              <a:off x="4511040" y="3352797"/>
+              <a:ext cx="3505200" cy="1905000"/>
+            </a:xfrm>
+            <a:prstGeom prst="roundRect">
+              <a:avLst/>
+            </a:prstGeom>
+          </p:spPr>
+          <p:style>
+            <a:lnRef idx="2">
+              <a:schemeClr val="accent4">
+                <a:shade val="50000"/>
+              </a:schemeClr>
+            </a:lnRef>
+            <a:fillRef idx="1">
+              <a:schemeClr val="accent4"/>
+            </a:fillRef>
+            <a:effectRef idx="0">
+              <a:schemeClr val="accent4"/>
+            </a:effectRef>
+            <a:fontRef idx="minor">
+              <a:schemeClr val="lt1"/>
+            </a:fontRef>
+          </p:style>
+          <p:txBody>
+            <a:bodyPr rtlCol="0" anchor="ctr"/>
+            <a:lstStyle/>
+            <a:p>
+              <a:pPr algn="ctr"/>
+              <a:endParaRPr lang="en-US" dirty="0"/>
+            </a:p>
+          </p:txBody>
+        </p:sp>
+        <p:sp>
+          <p:nvSpPr>
+            <p:cNvPr id="33" name="Rounded Rectangle 32"/>
+            <p:cNvSpPr/>
+            <p:nvPr/>
+          </p:nvSpPr>
+          <p:spPr>
+            <a:xfrm>
+              <a:off x="1066800" y="3352800"/>
+              <a:ext cx="3505200" cy="1905000"/>
+            </a:xfrm>
+            <a:prstGeom prst="roundRect">
+              <a:avLst/>
+            </a:prstGeom>
+          </p:spPr>
+          <p:style>
+            <a:lnRef idx="2">
+              <a:schemeClr val="accent3">
+                <a:shade val="50000"/>
+              </a:schemeClr>
+            </a:lnRef>
+            <a:fillRef idx="1">
+              <a:schemeClr val="accent3"/>
+            </a:fillRef>
+            <a:effectRef idx="0">
+              <a:schemeClr val="accent3"/>
+            </a:effectRef>
+            <a:fontRef idx="minor">
+              <a:schemeClr val="lt1"/>
+            </a:fontRef>
+          </p:style>
+          <p:txBody>
+            <a:bodyPr rtlCol="0" anchor="ctr"/>
+            <a:lstStyle/>
+            <a:p>
+              <a:pPr algn="ctr"/>
+              <a:endParaRPr lang="en-US" dirty="0"/>
+            </a:p>
+          </p:txBody>
+        </p:sp>
+        <p:sp>
+          <p:nvSpPr>
+            <p:cNvPr id="34" name="TextBox 33"/>
+            <p:cNvSpPr txBox="1"/>
+            <p:nvPr/>
+          </p:nvSpPr>
+          <p:spPr>
+            <a:xfrm>
+              <a:off x="1066800" y="3982132"/>
+              <a:ext cx="1308100" cy="369332"/>
+            </a:xfrm>
+            <a:prstGeom prst="rect">
+              <a:avLst/>
+            </a:prstGeom>
+            <a:noFill/>
+          </p:spPr>
+          <p:txBody>
+            <a:bodyPr wrap="square" rtlCol="0">
+              <a:spAutoFit/>
+            </a:bodyPr>
+            <a:lstStyle/>
+            <a:p>
+              <a:r>
+                <a:rPr lang="en-US" dirty="0" smtClean="0"/>
+                <a:t>UI</a:t>
+              </a:r>
+              <a:endParaRPr lang="en-US" dirty="0"/>
+            </a:p>
+          </p:txBody>
+        </p:sp>
+        <p:sp>
+          <p:nvSpPr>
+            <p:cNvPr id="35" name="TextBox 34"/>
+            <p:cNvSpPr txBox="1"/>
+            <p:nvPr/>
+          </p:nvSpPr>
+          <p:spPr>
+            <a:xfrm>
+              <a:off x="6769100" y="3982134"/>
+              <a:ext cx="1308100" cy="369332"/>
+            </a:xfrm>
+            <a:prstGeom prst="rect">
+              <a:avLst/>
+            </a:prstGeom>
+            <a:noFill/>
+          </p:spPr>
+          <p:txBody>
+            <a:bodyPr wrap="square" rtlCol="0">
+              <a:spAutoFit/>
+            </a:bodyPr>
+            <a:lstStyle/>
+            <a:p>
+              <a:pPr algn="r"/>
+              <a:r>
+                <a:rPr lang="en-US" dirty="0" smtClean="0"/>
+                <a:t>Data</a:t>
+              </a:r>
+              <a:endParaRPr lang="en-US" dirty="0"/>
+            </a:p>
+          </p:txBody>
+        </p:sp>
+        <p:sp>
+          <p:nvSpPr>
+            <p:cNvPr id="36" name="Rectangle 35"/>
+            <p:cNvSpPr/>
+            <p:nvPr/>
+          </p:nvSpPr>
+          <p:spPr>
+            <a:xfrm>
+              <a:off x="3581400" y="3352800"/>
+              <a:ext cx="1905000" cy="1905000"/>
+            </a:xfrm>
+            <a:prstGeom prst="rect">
+              <a:avLst/>
+            </a:prstGeom>
+          </p:spPr>
+          <p:style>
+            <a:lnRef idx="0">
+              <a:schemeClr val="accent1"/>
+            </a:lnRef>
+            <a:fillRef idx="3">
+              <a:schemeClr val="accent1"/>
+            </a:fillRef>
+            <a:effectRef idx="3">
+              <a:schemeClr val="accent1"/>
+            </a:effectRef>
+            <a:fontRef idx="minor">
+              <a:schemeClr val="lt1"/>
+            </a:fontRef>
+          </p:style>
+          <p:txBody>
+            <a:bodyPr rtlCol="0" anchor="ctr"/>
+            <a:lstStyle/>
+            <a:p>
+              <a:pPr algn="ctr"/>
+              <a:endParaRPr lang="en-US"/>
+            </a:p>
+          </p:txBody>
+        </p:sp>
+        <p:sp>
+          <p:nvSpPr>
+            <p:cNvPr id="37" name="TextBox 36"/>
+            <p:cNvSpPr txBox="1"/>
+            <p:nvPr/>
+          </p:nvSpPr>
+          <p:spPr>
+            <a:xfrm>
+              <a:off x="3917950" y="3982133"/>
+              <a:ext cx="1308100" cy="646331"/>
+            </a:xfrm>
+            <a:prstGeom prst="rect">
+              <a:avLst/>
+            </a:prstGeom>
+            <a:noFill/>
+          </p:spPr>
+          <p:txBody>
+            <a:bodyPr wrap="square" rtlCol="0">
+              <a:spAutoFit/>
+            </a:bodyPr>
+            <a:lstStyle/>
+            <a:p>
+              <a:pPr algn="ctr"/>
+              <a:r>
+                <a:rPr lang="en-US" dirty="0" smtClean="0"/>
+                <a:t>Business Logic</a:t>
+              </a:r>
+              <a:endParaRPr lang="en-US" dirty="0"/>
+            </a:p>
+          </p:txBody>
+        </p:sp>
+        <p:sp>
+          <p:nvSpPr>
+            <p:cNvPr id="38" name="Rectangle 37"/>
+            <p:cNvSpPr/>
+            <p:nvPr/>
+          </p:nvSpPr>
+          <p:spPr>
+            <a:xfrm>
+              <a:off x="2286000" y="3352800"/>
+              <a:ext cx="1295400" cy="1905000"/>
+            </a:xfrm>
+            <a:prstGeom prst="rect">
+              <a:avLst/>
+            </a:prstGeom>
+          </p:spPr>
+          <p:style>
+            <a:lnRef idx="0">
+              <a:schemeClr val="accent3"/>
+            </a:lnRef>
+            <a:fillRef idx="3">
+              <a:schemeClr val="accent3"/>
+            </a:fillRef>
+            <a:effectRef idx="3">
+              <a:schemeClr val="accent3"/>
+            </a:effectRef>
+            <a:fontRef idx="minor">
+              <a:schemeClr val="lt1"/>
+            </a:fontRef>
+          </p:style>
+          <p:txBody>
+            <a:bodyPr rtlCol="0" anchor="ctr"/>
+            <a:lstStyle/>
+            <a:p>
+              <a:pPr algn="ctr"/>
+              <a:r>
+                <a:rPr lang="en-US" dirty="0" smtClean="0"/>
+                <a:t>UI</a:t>
+              </a:r>
+            </a:p>
+            <a:p>
+              <a:pPr algn="ctr"/>
+              <a:r>
+                <a:rPr lang="en-US" dirty="0" smtClean="0"/>
+                <a:t>Logic</a:t>
+              </a:r>
+              <a:endParaRPr lang="en-US" dirty="0"/>
+            </a:p>
+          </p:txBody>
+        </p:sp>
+        <p:sp>
+          <p:nvSpPr>
+            <p:cNvPr id="39" name="Rectangle 38"/>
+            <p:cNvSpPr/>
+            <p:nvPr/>
+          </p:nvSpPr>
+          <p:spPr>
+            <a:xfrm>
+              <a:off x="5473700" y="3352800"/>
+              <a:ext cx="1295400" cy="1905000"/>
+            </a:xfrm>
+            <a:prstGeom prst="rect">
+              <a:avLst/>
+            </a:prstGeom>
+          </p:spPr>
+          <p:style>
+            <a:lnRef idx="0">
+              <a:schemeClr val="accent4"/>
+            </a:lnRef>
+            <a:fillRef idx="3">
+              <a:schemeClr val="accent4"/>
+            </a:fillRef>
+            <a:effectRef idx="3">
+              <a:schemeClr val="accent4"/>
+            </a:effectRef>
+            <a:fontRef idx="minor">
+              <a:schemeClr val="lt1"/>
+            </a:fontRef>
+          </p:style>
+          <p:txBody>
+            <a:bodyPr rtlCol="0" anchor="ctr"/>
+            <a:lstStyle/>
+            <a:p>
+              <a:pPr algn="ctr"/>
+              <a:r>
+                <a:rPr lang="en-US" dirty="0" smtClean="0"/>
+                <a:t>Data</a:t>
+              </a:r>
+            </a:p>
+            <a:p>
+              <a:pPr algn="ctr"/>
+              <a:r>
+                <a:rPr lang="en-US" dirty="0" smtClean="0"/>
+                <a:t>Logic</a:t>
+              </a:r>
+              <a:endParaRPr lang="en-US" dirty="0"/>
+            </a:p>
+          </p:txBody>
+        </p:sp>
+      </p:grpSp>
+      <p:grpSp>
+        <p:nvGrpSpPr>
+          <p:cNvPr id="40" name="Group 39"/>
+          <p:cNvGrpSpPr/>
+          <p:nvPr/>
+        </p:nvGrpSpPr>
+        <p:grpSpPr>
+          <a:xfrm>
+            <a:off x="2374900" y="3428997"/>
+            <a:ext cx="4306570" cy="1752603"/>
+            <a:chOff x="2374900" y="3428997"/>
+            <a:chExt cx="4306570" cy="1752603"/>
+          </a:xfrm>
+        </p:grpSpPr>
+        <p:sp>
+          <p:nvSpPr>
+            <p:cNvPr id="41" name="Rectangle 40"/>
+            <p:cNvSpPr/>
+            <p:nvPr/>
+          </p:nvSpPr>
+          <p:spPr>
+            <a:xfrm>
+              <a:off x="2374900" y="3429000"/>
+              <a:ext cx="368300" cy="1752600"/>
+            </a:xfrm>
+            <a:prstGeom prst="rect">
+              <a:avLst/>
+            </a:prstGeom>
+          </p:spPr>
+          <p:style>
+            <a:lnRef idx="1">
+              <a:schemeClr val="accent2"/>
+            </a:lnRef>
+            <a:fillRef idx="2">
+              <a:schemeClr val="accent2"/>
+            </a:fillRef>
+            <a:effectRef idx="1">
+              <a:schemeClr val="accent2"/>
+            </a:effectRef>
+            <a:fontRef idx="minor">
+              <a:schemeClr val="dk1"/>
+            </a:fontRef>
+          </p:style>
+          <p:txBody>
+            <a:bodyPr rtlCol="0" anchor="ctr"/>
+            <a:lstStyle/>
+            <a:p>
+              <a:pPr algn="ctr"/>
+              <a:r>
+                <a:rPr lang="en-US" dirty="0" smtClean="0"/>
+                <a:t>A</a:t>
+              </a:r>
+              <a:endParaRPr lang="en-US" dirty="0"/>
+            </a:p>
+          </p:txBody>
+        </p:sp>
+        <p:sp>
+          <p:nvSpPr>
+            <p:cNvPr id="42" name="Rectangle 41"/>
+            <p:cNvSpPr/>
+            <p:nvPr/>
+          </p:nvSpPr>
+          <p:spPr>
+            <a:xfrm>
+              <a:off x="2819400" y="3429000"/>
+              <a:ext cx="368300" cy="838200"/>
+            </a:xfrm>
+            <a:prstGeom prst="rect">
+              <a:avLst/>
+            </a:prstGeom>
+          </p:spPr>
+          <p:style>
+            <a:lnRef idx="1">
+              <a:schemeClr val="accent2"/>
+            </a:lnRef>
+            <a:fillRef idx="2">
+              <a:schemeClr val="accent2"/>
+            </a:fillRef>
+            <a:effectRef idx="1">
+              <a:schemeClr val="accent2"/>
+            </a:effectRef>
+            <a:fontRef idx="minor">
+              <a:schemeClr val="dk1"/>
+            </a:fontRef>
+          </p:style>
+          <p:txBody>
+            <a:bodyPr rtlCol="0" anchor="ctr"/>
+            <a:lstStyle/>
+            <a:p>
+              <a:pPr algn="ctr"/>
+              <a:r>
+                <a:rPr lang="en-US" dirty="0" smtClean="0"/>
+                <a:t>B</a:t>
+              </a:r>
+              <a:endParaRPr lang="en-US" dirty="0"/>
+            </a:p>
+          </p:txBody>
+        </p:sp>
+        <p:sp>
+          <p:nvSpPr>
+            <p:cNvPr id="43" name="Rectangle 42"/>
+            <p:cNvSpPr/>
+            <p:nvPr/>
+          </p:nvSpPr>
+          <p:spPr>
+            <a:xfrm>
+              <a:off x="2819400" y="4343400"/>
+              <a:ext cx="368300" cy="838200"/>
+            </a:xfrm>
+            <a:prstGeom prst="rect">
+              <a:avLst/>
+            </a:prstGeom>
+          </p:spPr>
+          <p:style>
+            <a:lnRef idx="1">
+              <a:schemeClr val="accent2"/>
+            </a:lnRef>
+            <a:fillRef idx="2">
+              <a:schemeClr val="accent2"/>
+            </a:fillRef>
+            <a:effectRef idx="1">
+              <a:schemeClr val="accent2"/>
+            </a:effectRef>
+            <a:fontRef idx="minor">
+              <a:schemeClr val="dk1"/>
+            </a:fontRef>
+          </p:style>
+          <p:txBody>
+            <a:bodyPr rtlCol="0" anchor="ctr"/>
+            <a:lstStyle/>
+            <a:p>
+              <a:pPr algn="ctr"/>
+              <a:r>
+                <a:rPr lang="en-US" dirty="0" smtClean="0"/>
+                <a:t>C</a:t>
+              </a:r>
+              <a:endParaRPr lang="en-US" dirty="0"/>
+            </a:p>
+          </p:txBody>
+        </p:sp>
+        <p:sp>
+          <p:nvSpPr>
+            <p:cNvPr id="44" name="Rectangle 43"/>
+            <p:cNvSpPr/>
+            <p:nvPr/>
+          </p:nvSpPr>
+          <p:spPr>
+            <a:xfrm>
+              <a:off x="3670300" y="3428997"/>
+              <a:ext cx="368300" cy="1752600"/>
+            </a:xfrm>
+            <a:prstGeom prst="rect">
+              <a:avLst/>
+            </a:prstGeom>
+          </p:spPr>
+          <p:style>
+            <a:lnRef idx="1">
+              <a:schemeClr val="accent2"/>
+            </a:lnRef>
+            <a:fillRef idx="2">
+              <a:schemeClr val="accent2"/>
+            </a:fillRef>
+            <a:effectRef idx="1">
+              <a:schemeClr val="accent2"/>
+            </a:effectRef>
+            <a:fontRef idx="minor">
+              <a:schemeClr val="dk1"/>
+            </a:fontRef>
+          </p:style>
+          <p:txBody>
+            <a:bodyPr rtlCol="0" anchor="ctr"/>
+            <a:lstStyle/>
+            <a:p>
+              <a:pPr algn="ctr"/>
+              <a:r>
+                <a:rPr lang="en-US" dirty="0" smtClean="0"/>
+                <a:t>D</a:t>
+              </a:r>
+              <a:endParaRPr lang="en-US" dirty="0"/>
+            </a:p>
+          </p:txBody>
+        </p:sp>
+        <p:sp>
+          <p:nvSpPr>
+            <p:cNvPr id="45" name="Rectangle 44"/>
+            <p:cNvSpPr/>
+            <p:nvPr/>
+          </p:nvSpPr>
+          <p:spPr>
+            <a:xfrm>
+              <a:off x="5041900" y="3429000"/>
+              <a:ext cx="368300" cy="1752600"/>
+            </a:xfrm>
+            <a:prstGeom prst="rect">
+              <a:avLst/>
+            </a:prstGeom>
+          </p:spPr>
+          <p:style>
+            <a:lnRef idx="1">
+              <a:schemeClr val="accent2"/>
+            </a:lnRef>
+            <a:fillRef idx="2">
+              <a:schemeClr val="accent2"/>
+            </a:fillRef>
+            <a:effectRef idx="1">
+              <a:schemeClr val="accent2"/>
+            </a:effectRef>
+            <a:fontRef idx="minor">
+              <a:schemeClr val="dk1"/>
+            </a:fontRef>
+          </p:style>
+          <p:txBody>
+            <a:bodyPr rtlCol="0" anchor="ctr"/>
+            <a:lstStyle/>
+            <a:p>
+              <a:pPr algn="ctr"/>
+              <a:r>
+                <a:rPr lang="en-US" dirty="0" smtClean="0"/>
+                <a:t>W</a:t>
+              </a:r>
+              <a:endParaRPr lang="en-US" dirty="0"/>
+            </a:p>
+          </p:txBody>
+        </p:sp>
+        <p:sp>
+          <p:nvSpPr>
+            <p:cNvPr id="46" name="Rectangle 45"/>
+            <p:cNvSpPr/>
+            <p:nvPr/>
+          </p:nvSpPr>
+          <p:spPr>
+            <a:xfrm>
+              <a:off x="5855970" y="3429000"/>
+              <a:ext cx="368300" cy="838200"/>
+            </a:xfrm>
+            <a:prstGeom prst="rect">
+              <a:avLst/>
+            </a:prstGeom>
+          </p:spPr>
+          <p:style>
+            <a:lnRef idx="1">
+              <a:schemeClr val="accent2"/>
+            </a:lnRef>
+            <a:fillRef idx="2">
+              <a:schemeClr val="accent2"/>
+            </a:fillRef>
+            <a:effectRef idx="1">
+              <a:schemeClr val="accent2"/>
+            </a:effectRef>
+            <a:fontRef idx="minor">
+              <a:schemeClr val="dk1"/>
+            </a:fontRef>
+          </p:style>
+          <p:txBody>
+            <a:bodyPr rtlCol="0" anchor="ctr"/>
+            <a:lstStyle/>
+            <a:p>
+              <a:pPr algn="ctr"/>
+              <a:r>
+                <a:rPr lang="en-US" dirty="0" smtClean="0"/>
+                <a:t>X</a:t>
+              </a:r>
+              <a:endParaRPr lang="en-US" dirty="0"/>
+            </a:p>
+          </p:txBody>
+        </p:sp>
+        <p:sp>
+          <p:nvSpPr>
+            <p:cNvPr id="47" name="Rectangle 46"/>
+            <p:cNvSpPr/>
+            <p:nvPr/>
+          </p:nvSpPr>
+          <p:spPr>
+            <a:xfrm>
+              <a:off x="5855970" y="4343400"/>
+              <a:ext cx="368300" cy="838200"/>
+            </a:xfrm>
+            <a:prstGeom prst="rect">
+              <a:avLst/>
+            </a:prstGeom>
+          </p:spPr>
+          <p:style>
+            <a:lnRef idx="1">
+              <a:schemeClr val="accent2"/>
+            </a:lnRef>
+            <a:fillRef idx="2">
+              <a:schemeClr val="accent2"/>
+            </a:fillRef>
+            <a:effectRef idx="1">
+              <a:schemeClr val="accent2"/>
+            </a:effectRef>
+            <a:fontRef idx="minor">
+              <a:schemeClr val="dk1"/>
+            </a:fontRef>
+          </p:style>
+          <p:txBody>
+            <a:bodyPr rtlCol="0" anchor="ctr"/>
+            <a:lstStyle/>
+            <a:p>
+              <a:pPr algn="ctr"/>
+              <a:r>
+                <a:rPr lang="en-US" dirty="0" smtClean="0"/>
+                <a:t>Y</a:t>
+              </a:r>
+              <a:endParaRPr lang="en-US" dirty="0"/>
+            </a:p>
+          </p:txBody>
+        </p:sp>
+        <p:sp>
+          <p:nvSpPr>
+            <p:cNvPr id="48" name="Rectangle 47"/>
+            <p:cNvSpPr/>
+            <p:nvPr/>
+          </p:nvSpPr>
+          <p:spPr>
+            <a:xfrm>
+              <a:off x="6313170" y="3429000"/>
+              <a:ext cx="368300" cy="1752600"/>
+            </a:xfrm>
+            <a:prstGeom prst="rect">
+              <a:avLst/>
+            </a:prstGeom>
+          </p:spPr>
+          <p:style>
+            <a:lnRef idx="1">
+              <a:schemeClr val="accent2"/>
+            </a:lnRef>
+            <a:fillRef idx="2">
+              <a:schemeClr val="accent2"/>
+            </a:fillRef>
+            <a:effectRef idx="1">
+              <a:schemeClr val="accent2"/>
+            </a:effectRef>
+            <a:fontRef idx="minor">
+              <a:schemeClr val="dk1"/>
+            </a:fontRef>
+          </p:style>
+          <p:txBody>
+            <a:bodyPr rtlCol="0" anchor="ctr"/>
+            <a:lstStyle/>
+            <a:p>
+              <a:pPr algn="ctr"/>
+              <a:r>
+                <a:rPr lang="en-US" dirty="0" smtClean="0"/>
+                <a:t>Z</a:t>
+              </a:r>
+              <a:endParaRPr lang="en-US" dirty="0"/>
+            </a:p>
+          </p:txBody>
+        </p:sp>
+      </p:grpSp>
       <p:sp>
         <p:nvSpPr>
           <p:cNvPr id="2" name="Title 1"/>
@@ -14787,527 +15621,13 @@
       </p:sp>
       <p:sp>
         <p:nvSpPr>
-          <p:cNvPr id="3" name="Rounded Rectangle 2"/>
-          <p:cNvSpPr/>
-          <p:nvPr/>
-        </p:nvSpPr>
-        <p:spPr>
-          <a:xfrm>
-            <a:off x="1066800" y="3352800"/>
-            <a:ext cx="7010400" cy="1905000"/>
-          </a:xfrm>
-          <a:prstGeom prst="roundRect">
-            <a:avLst/>
-          </a:prstGeom>
-        </p:spPr>
-        <p:style>
-          <a:lnRef idx="2">
-            <a:schemeClr val="accent3">
-              <a:shade val="50000"/>
-            </a:schemeClr>
-          </a:lnRef>
-          <a:fillRef idx="1">
-            <a:schemeClr val="accent3"/>
-          </a:fillRef>
-          <a:effectRef idx="0">
-            <a:schemeClr val="accent3"/>
-          </a:effectRef>
-          <a:fontRef idx="minor">
-            <a:schemeClr val="lt1"/>
-          </a:fontRef>
-        </p:style>
-        <p:txBody>
-          <a:bodyPr rtlCol="0" anchor="ctr"/>
-          <a:lstStyle/>
-          <a:p>
-            <a:pPr algn="ctr"/>
-            <a:endParaRPr lang="en-US" dirty="0"/>
-          </a:p>
-        </p:txBody>
-      </p:sp>
-      <p:sp>
-        <p:nvSpPr>
-          <p:cNvPr id="4" name="Rectangle 3"/>
-          <p:cNvSpPr/>
-          <p:nvPr/>
-        </p:nvSpPr>
-        <p:spPr>
-          <a:xfrm>
-            <a:off x="2209800" y="3352800"/>
-            <a:ext cx="4953000" cy="1905000"/>
-          </a:xfrm>
-          <a:prstGeom prst="rect">
-            <a:avLst/>
-          </a:prstGeom>
-        </p:spPr>
-        <p:style>
-          <a:lnRef idx="2">
-            <a:schemeClr val="accent1">
-              <a:shade val="50000"/>
-            </a:schemeClr>
-          </a:lnRef>
-          <a:fillRef idx="1">
-            <a:schemeClr val="accent1"/>
-          </a:fillRef>
-          <a:effectRef idx="0">
-            <a:schemeClr val="accent1"/>
-          </a:effectRef>
-          <a:fontRef idx="minor">
-            <a:schemeClr val="lt1"/>
-          </a:fontRef>
-        </p:style>
-        <p:txBody>
-          <a:bodyPr rtlCol="0" anchor="ctr"/>
-          <a:lstStyle/>
-          <a:p>
-            <a:pPr algn="ctr"/>
-            <a:endParaRPr lang="en-US"/>
-          </a:p>
-        </p:txBody>
-      </p:sp>
-      <p:sp>
-        <p:nvSpPr>
-          <p:cNvPr id="5" name="TextBox 4"/>
-          <p:cNvSpPr txBox="1"/>
-          <p:nvPr/>
-        </p:nvSpPr>
-        <p:spPr>
-          <a:xfrm>
-            <a:off x="1066800" y="3982132"/>
-            <a:ext cx="1308100" cy="646331"/>
-          </a:xfrm>
-          <a:prstGeom prst="rect">
-            <a:avLst/>
-          </a:prstGeom>
-          <a:noFill/>
-        </p:spPr>
-        <p:txBody>
-          <a:bodyPr wrap="square" rtlCol="0">
-            <a:spAutoFit/>
-          </a:bodyPr>
-          <a:lstStyle/>
-          <a:p>
-            <a:r>
-              <a:rPr lang="en-US" dirty="0" smtClean="0"/>
-              <a:t>User</a:t>
-            </a:r>
-          </a:p>
-          <a:p>
-            <a:r>
-              <a:rPr lang="en-US" dirty="0" smtClean="0"/>
-              <a:t>Interface</a:t>
-            </a:r>
-            <a:endParaRPr lang="en-US" dirty="0"/>
-          </a:p>
-        </p:txBody>
-      </p:sp>
-      <p:sp>
-        <p:nvSpPr>
-          <p:cNvPr id="6" name="TextBox 5"/>
-          <p:cNvSpPr txBox="1"/>
-          <p:nvPr/>
-        </p:nvSpPr>
-        <p:spPr>
-          <a:xfrm>
-            <a:off x="6769100" y="3982134"/>
-            <a:ext cx="1308100" cy="646331"/>
-          </a:xfrm>
-          <a:prstGeom prst="rect">
-            <a:avLst/>
-          </a:prstGeom>
-          <a:noFill/>
-        </p:spPr>
-        <p:txBody>
-          <a:bodyPr wrap="square" rtlCol="0">
-            <a:spAutoFit/>
-          </a:bodyPr>
-          <a:lstStyle/>
-          <a:p>
-            <a:pPr algn="r"/>
-            <a:r>
-              <a:rPr lang="en-US" dirty="0" smtClean="0"/>
-              <a:t>Data Access</a:t>
-            </a:r>
-            <a:endParaRPr lang="en-US" dirty="0"/>
-          </a:p>
-        </p:txBody>
-      </p:sp>
-      <p:sp>
-        <p:nvSpPr>
-          <p:cNvPr id="7" name="TextBox 6"/>
-          <p:cNvSpPr txBox="1"/>
-          <p:nvPr/>
-        </p:nvSpPr>
-        <p:spPr>
-          <a:xfrm>
-            <a:off x="3917950" y="3982133"/>
-            <a:ext cx="1308100" cy="646331"/>
-          </a:xfrm>
-          <a:prstGeom prst="rect">
-            <a:avLst/>
-          </a:prstGeom>
-          <a:noFill/>
-        </p:spPr>
-        <p:txBody>
-          <a:bodyPr wrap="square" rtlCol="0">
-            <a:spAutoFit/>
-          </a:bodyPr>
-          <a:lstStyle/>
-          <a:p>
-            <a:pPr algn="ctr"/>
-            <a:r>
-              <a:rPr lang="en-US" dirty="0" smtClean="0"/>
-              <a:t>Business Logic</a:t>
-            </a:r>
-            <a:endParaRPr lang="en-US" dirty="0"/>
-          </a:p>
-        </p:txBody>
-      </p:sp>
-      <p:sp>
-        <p:nvSpPr>
-          <p:cNvPr id="8" name="Rectangle 7"/>
-          <p:cNvSpPr/>
-          <p:nvPr/>
-        </p:nvSpPr>
-        <p:spPr>
-          <a:xfrm>
-            <a:off x="2374900" y="3429000"/>
-            <a:ext cx="368300" cy="1752600"/>
-          </a:xfrm>
-          <a:prstGeom prst="rect">
-            <a:avLst/>
-          </a:prstGeom>
-        </p:spPr>
-        <p:style>
-          <a:lnRef idx="1">
-            <a:schemeClr val="accent2"/>
-          </a:lnRef>
-          <a:fillRef idx="2">
-            <a:schemeClr val="accent2"/>
-          </a:fillRef>
-          <a:effectRef idx="1">
-            <a:schemeClr val="accent2"/>
-          </a:effectRef>
-          <a:fontRef idx="minor">
-            <a:schemeClr val="dk1"/>
-          </a:fontRef>
-        </p:style>
-        <p:txBody>
-          <a:bodyPr rtlCol="0" anchor="ctr"/>
-          <a:lstStyle/>
-          <a:p>
-            <a:pPr algn="ctr"/>
-            <a:r>
-              <a:rPr lang="en-US" dirty="0" smtClean="0"/>
-              <a:t>A</a:t>
-            </a:r>
-            <a:endParaRPr lang="en-US" dirty="0"/>
-          </a:p>
-        </p:txBody>
-      </p:sp>
-      <p:sp>
-        <p:nvSpPr>
-          <p:cNvPr id="9" name="Rectangle 8"/>
-          <p:cNvSpPr/>
-          <p:nvPr/>
-        </p:nvSpPr>
-        <p:spPr>
-          <a:xfrm>
-            <a:off x="2819400" y="3429000"/>
-            <a:ext cx="368300" cy="838200"/>
-          </a:xfrm>
-          <a:prstGeom prst="rect">
-            <a:avLst/>
-          </a:prstGeom>
-        </p:spPr>
-        <p:style>
-          <a:lnRef idx="1">
-            <a:schemeClr val="accent2"/>
-          </a:lnRef>
-          <a:fillRef idx="2">
-            <a:schemeClr val="accent2"/>
-          </a:fillRef>
-          <a:effectRef idx="1">
-            <a:schemeClr val="accent2"/>
-          </a:effectRef>
-          <a:fontRef idx="minor">
-            <a:schemeClr val="dk1"/>
-          </a:fontRef>
-        </p:style>
-        <p:txBody>
-          <a:bodyPr rtlCol="0" anchor="ctr"/>
-          <a:lstStyle/>
-          <a:p>
-            <a:pPr algn="ctr"/>
-            <a:r>
-              <a:rPr lang="en-US" dirty="0" smtClean="0"/>
-              <a:t>B</a:t>
-            </a:r>
-            <a:endParaRPr lang="en-US" dirty="0"/>
-          </a:p>
-        </p:txBody>
-      </p:sp>
-      <p:sp>
-        <p:nvSpPr>
-          <p:cNvPr id="10" name="Rectangle 9"/>
-          <p:cNvSpPr/>
-          <p:nvPr/>
-        </p:nvSpPr>
-        <p:spPr>
-          <a:xfrm>
-            <a:off x="2819400" y="4343400"/>
-            <a:ext cx="368300" cy="838200"/>
-          </a:xfrm>
-          <a:prstGeom prst="rect">
-            <a:avLst/>
-          </a:prstGeom>
-        </p:spPr>
-        <p:style>
-          <a:lnRef idx="1">
-            <a:schemeClr val="accent2"/>
-          </a:lnRef>
-          <a:fillRef idx="2">
-            <a:schemeClr val="accent2"/>
-          </a:fillRef>
-          <a:effectRef idx="1">
-            <a:schemeClr val="accent2"/>
-          </a:effectRef>
-          <a:fontRef idx="minor">
-            <a:schemeClr val="dk1"/>
-          </a:fontRef>
-        </p:style>
-        <p:txBody>
-          <a:bodyPr rtlCol="0" anchor="ctr"/>
-          <a:lstStyle/>
-          <a:p>
-            <a:pPr algn="ctr"/>
-            <a:r>
-              <a:rPr lang="en-US" dirty="0" smtClean="0"/>
-              <a:t>C</a:t>
-            </a:r>
-            <a:endParaRPr lang="en-US" dirty="0"/>
-          </a:p>
-        </p:txBody>
-      </p:sp>
-      <p:sp>
-        <p:nvSpPr>
-          <p:cNvPr id="11" name="Rectangle 10"/>
-          <p:cNvSpPr/>
-          <p:nvPr/>
-        </p:nvSpPr>
-        <p:spPr>
-          <a:xfrm>
-            <a:off x="3276600" y="3429000"/>
-            <a:ext cx="368300" cy="1752600"/>
-          </a:xfrm>
-          <a:prstGeom prst="rect">
-            <a:avLst/>
-          </a:prstGeom>
-        </p:spPr>
-        <p:style>
-          <a:lnRef idx="1">
-            <a:schemeClr val="accent2"/>
-          </a:lnRef>
-          <a:fillRef idx="2">
-            <a:schemeClr val="accent2"/>
-          </a:fillRef>
-          <a:effectRef idx="1">
-            <a:schemeClr val="accent2"/>
-          </a:effectRef>
-          <a:fontRef idx="minor">
-            <a:schemeClr val="dk1"/>
-          </a:fontRef>
-        </p:style>
-        <p:txBody>
-          <a:bodyPr rtlCol="0" anchor="ctr"/>
-          <a:lstStyle/>
-          <a:p>
-            <a:pPr algn="ctr"/>
-            <a:r>
-              <a:rPr lang="en-US" dirty="0" smtClean="0"/>
-              <a:t>D</a:t>
-            </a:r>
-            <a:endParaRPr lang="en-US" dirty="0"/>
-          </a:p>
-        </p:txBody>
-      </p:sp>
-      <p:sp>
-        <p:nvSpPr>
-          <p:cNvPr id="12" name="Rectangle 11"/>
-          <p:cNvSpPr/>
-          <p:nvPr/>
-        </p:nvSpPr>
-        <p:spPr>
-          <a:xfrm>
-            <a:off x="5803900" y="3429000"/>
-            <a:ext cx="368300" cy="1752600"/>
-          </a:xfrm>
-          <a:prstGeom prst="rect">
-            <a:avLst/>
-          </a:prstGeom>
-        </p:spPr>
-        <p:style>
-          <a:lnRef idx="1">
-            <a:schemeClr val="accent2"/>
-          </a:lnRef>
-          <a:fillRef idx="2">
-            <a:schemeClr val="accent2"/>
-          </a:fillRef>
-          <a:effectRef idx="1">
-            <a:schemeClr val="accent2"/>
-          </a:effectRef>
-          <a:fontRef idx="minor">
-            <a:schemeClr val="dk1"/>
-          </a:fontRef>
-        </p:style>
-        <p:txBody>
-          <a:bodyPr rtlCol="0" anchor="ctr"/>
-          <a:lstStyle/>
-          <a:p>
-            <a:pPr algn="ctr"/>
-            <a:r>
-              <a:rPr lang="en-US" dirty="0" smtClean="0"/>
-              <a:t>W</a:t>
-            </a:r>
-            <a:endParaRPr lang="en-US" dirty="0"/>
-          </a:p>
-        </p:txBody>
-      </p:sp>
-      <p:sp>
-        <p:nvSpPr>
-          <p:cNvPr id="13" name="Rectangle 12"/>
-          <p:cNvSpPr/>
-          <p:nvPr/>
-        </p:nvSpPr>
-        <p:spPr>
-          <a:xfrm>
-            <a:off x="6248400" y="3429000"/>
-            <a:ext cx="368300" cy="838200"/>
-          </a:xfrm>
-          <a:prstGeom prst="rect">
-            <a:avLst/>
-          </a:prstGeom>
-        </p:spPr>
-        <p:style>
-          <a:lnRef idx="1">
-            <a:schemeClr val="accent2"/>
-          </a:lnRef>
-          <a:fillRef idx="2">
-            <a:schemeClr val="accent2"/>
-          </a:fillRef>
-          <a:effectRef idx="1">
-            <a:schemeClr val="accent2"/>
-          </a:effectRef>
-          <a:fontRef idx="minor">
-            <a:schemeClr val="dk1"/>
-          </a:fontRef>
-        </p:style>
-        <p:txBody>
-          <a:bodyPr rtlCol="0" anchor="ctr"/>
-          <a:lstStyle/>
-          <a:p>
-            <a:pPr algn="ctr"/>
-            <a:r>
-              <a:rPr lang="en-US" dirty="0" smtClean="0"/>
-              <a:t>X</a:t>
-            </a:r>
-            <a:endParaRPr lang="en-US" dirty="0"/>
-          </a:p>
-        </p:txBody>
-      </p:sp>
-      <p:sp>
-        <p:nvSpPr>
-          <p:cNvPr id="14" name="Rectangle 13"/>
-          <p:cNvSpPr/>
-          <p:nvPr/>
-        </p:nvSpPr>
-        <p:spPr>
-          <a:xfrm>
-            <a:off x="6248400" y="4343400"/>
-            <a:ext cx="368300" cy="838200"/>
-          </a:xfrm>
-          <a:prstGeom prst="rect">
-            <a:avLst/>
-          </a:prstGeom>
-        </p:spPr>
-        <p:style>
-          <a:lnRef idx="1">
-            <a:schemeClr val="accent2"/>
-          </a:lnRef>
-          <a:fillRef idx="2">
-            <a:schemeClr val="accent2"/>
-          </a:fillRef>
-          <a:effectRef idx="1">
-            <a:schemeClr val="accent2"/>
-          </a:effectRef>
-          <a:fontRef idx="minor">
-            <a:schemeClr val="dk1"/>
-          </a:fontRef>
-        </p:style>
-        <p:txBody>
-          <a:bodyPr rtlCol="0" anchor="ctr"/>
-          <a:lstStyle/>
-          <a:p>
-            <a:pPr algn="ctr"/>
-            <a:r>
-              <a:rPr lang="en-US" dirty="0" smtClean="0"/>
-              <a:t>Y</a:t>
-            </a:r>
-            <a:endParaRPr lang="en-US" dirty="0"/>
-          </a:p>
-        </p:txBody>
-      </p:sp>
-      <p:sp>
-        <p:nvSpPr>
-          <p:cNvPr id="15" name="Rectangle 14"/>
-          <p:cNvSpPr/>
-          <p:nvPr/>
-        </p:nvSpPr>
-        <p:spPr>
-          <a:xfrm>
-            <a:off x="6705600" y="3429000"/>
-            <a:ext cx="368300" cy="1752600"/>
-          </a:xfrm>
-          <a:prstGeom prst="rect">
-            <a:avLst/>
-          </a:prstGeom>
-        </p:spPr>
-        <p:style>
-          <a:lnRef idx="1">
-            <a:schemeClr val="accent2"/>
-          </a:lnRef>
-          <a:fillRef idx="2">
-            <a:schemeClr val="accent2"/>
-          </a:fillRef>
-          <a:effectRef idx="1">
-            <a:schemeClr val="accent2"/>
-          </a:effectRef>
-          <a:fontRef idx="minor">
-            <a:schemeClr val="dk1"/>
-          </a:fontRef>
-        </p:style>
-        <p:txBody>
-          <a:bodyPr rtlCol="0" anchor="ctr"/>
-          <a:lstStyle/>
-          <a:p>
-            <a:pPr algn="ctr"/>
-            <a:r>
-              <a:rPr lang="en-US" dirty="0" smtClean="0"/>
-              <a:t>Z</a:t>
-            </a:r>
-            <a:endParaRPr lang="en-US" dirty="0"/>
-          </a:p>
-        </p:txBody>
-      </p:sp>
-      <p:sp>
-        <p:nvSpPr>
           <p:cNvPr id="18" name="Bent Arrow 17"/>
           <p:cNvSpPr/>
           <p:nvPr/>
         </p:nvSpPr>
         <p:spPr>
           <a:xfrm rot="16200000" flipH="1">
-            <a:off x="3263900" y="2705100"/>
+            <a:off x="3644899" y="2705100"/>
             <a:ext cx="762000" cy="685800"/>
           </a:xfrm>
           <a:prstGeom prst="bentArrow">
@@ -15349,7 +15669,7 @@
         </p:nvSpPr>
         <p:spPr>
           <a:xfrm>
-            <a:off x="3987800" y="2590800"/>
+            <a:off x="4368799" y="2590800"/>
             <a:ext cx="675185" cy="369332"/>
           </a:xfrm>
           <a:prstGeom prst="rect">
@@ -15517,520 +15837,6 @@
       </p:sp>
       <p:sp>
         <p:nvSpPr>
-          <p:cNvPr id="3" name="Rounded Rectangle 2"/>
-          <p:cNvSpPr/>
-          <p:nvPr/>
-        </p:nvSpPr>
-        <p:spPr>
-          <a:xfrm>
-            <a:off x="1066800" y="3352800"/>
-            <a:ext cx="7010400" cy="1905000"/>
-          </a:xfrm>
-          <a:prstGeom prst="roundRect">
-            <a:avLst/>
-          </a:prstGeom>
-        </p:spPr>
-        <p:style>
-          <a:lnRef idx="2">
-            <a:schemeClr val="accent3">
-              <a:shade val="50000"/>
-            </a:schemeClr>
-          </a:lnRef>
-          <a:fillRef idx="1">
-            <a:schemeClr val="accent3"/>
-          </a:fillRef>
-          <a:effectRef idx="0">
-            <a:schemeClr val="accent3"/>
-          </a:effectRef>
-          <a:fontRef idx="minor">
-            <a:schemeClr val="lt1"/>
-          </a:fontRef>
-        </p:style>
-        <p:txBody>
-          <a:bodyPr rtlCol="0" anchor="ctr"/>
-          <a:lstStyle/>
-          <a:p>
-            <a:pPr algn="ctr"/>
-            <a:endParaRPr lang="en-US" dirty="0"/>
-          </a:p>
-        </p:txBody>
-      </p:sp>
-      <p:sp>
-        <p:nvSpPr>
-          <p:cNvPr id="4" name="Rectangle 3"/>
-          <p:cNvSpPr/>
-          <p:nvPr/>
-        </p:nvSpPr>
-        <p:spPr>
-          <a:xfrm>
-            <a:off x="2209800" y="3352800"/>
-            <a:ext cx="4953000" cy="1905000"/>
-          </a:xfrm>
-          <a:prstGeom prst="rect">
-            <a:avLst/>
-          </a:prstGeom>
-        </p:spPr>
-        <p:style>
-          <a:lnRef idx="2">
-            <a:schemeClr val="accent1">
-              <a:shade val="50000"/>
-            </a:schemeClr>
-          </a:lnRef>
-          <a:fillRef idx="1">
-            <a:schemeClr val="accent1"/>
-          </a:fillRef>
-          <a:effectRef idx="0">
-            <a:schemeClr val="accent1"/>
-          </a:effectRef>
-          <a:fontRef idx="minor">
-            <a:schemeClr val="lt1"/>
-          </a:fontRef>
-        </p:style>
-        <p:txBody>
-          <a:bodyPr rtlCol="0" anchor="ctr"/>
-          <a:lstStyle/>
-          <a:p>
-            <a:pPr algn="ctr"/>
-            <a:endParaRPr lang="en-US"/>
-          </a:p>
-        </p:txBody>
-      </p:sp>
-      <p:sp>
-        <p:nvSpPr>
-          <p:cNvPr id="5" name="TextBox 4"/>
-          <p:cNvSpPr txBox="1"/>
-          <p:nvPr/>
-        </p:nvSpPr>
-        <p:spPr>
-          <a:xfrm>
-            <a:off x="1066800" y="3982132"/>
-            <a:ext cx="1308100" cy="646331"/>
-          </a:xfrm>
-          <a:prstGeom prst="rect">
-            <a:avLst/>
-          </a:prstGeom>
-          <a:noFill/>
-        </p:spPr>
-        <p:txBody>
-          <a:bodyPr wrap="square" rtlCol="0">
-            <a:spAutoFit/>
-          </a:bodyPr>
-          <a:lstStyle/>
-          <a:p>
-            <a:r>
-              <a:rPr lang="en-US" dirty="0" smtClean="0"/>
-              <a:t>User</a:t>
-            </a:r>
-          </a:p>
-          <a:p>
-            <a:r>
-              <a:rPr lang="en-US" dirty="0" smtClean="0"/>
-              <a:t>Interface</a:t>
-            </a:r>
-            <a:endParaRPr lang="en-US" dirty="0"/>
-          </a:p>
-        </p:txBody>
-      </p:sp>
-      <p:sp>
-        <p:nvSpPr>
-          <p:cNvPr id="6" name="TextBox 5"/>
-          <p:cNvSpPr txBox="1"/>
-          <p:nvPr/>
-        </p:nvSpPr>
-        <p:spPr>
-          <a:xfrm>
-            <a:off x="6769100" y="3982134"/>
-            <a:ext cx="1308100" cy="646331"/>
-          </a:xfrm>
-          <a:prstGeom prst="rect">
-            <a:avLst/>
-          </a:prstGeom>
-          <a:noFill/>
-        </p:spPr>
-        <p:txBody>
-          <a:bodyPr wrap="square" rtlCol="0">
-            <a:spAutoFit/>
-          </a:bodyPr>
-          <a:lstStyle/>
-          <a:p>
-            <a:pPr algn="r"/>
-            <a:r>
-              <a:rPr lang="en-US" dirty="0" smtClean="0"/>
-              <a:t>Data Access</a:t>
-            </a:r>
-            <a:endParaRPr lang="en-US" dirty="0"/>
-          </a:p>
-        </p:txBody>
-      </p:sp>
-      <p:sp>
-        <p:nvSpPr>
-          <p:cNvPr id="7" name="TextBox 6"/>
-          <p:cNvSpPr txBox="1"/>
-          <p:nvPr/>
-        </p:nvSpPr>
-        <p:spPr>
-          <a:xfrm>
-            <a:off x="3917950" y="3982133"/>
-            <a:ext cx="1308100" cy="646331"/>
-          </a:xfrm>
-          <a:prstGeom prst="rect">
-            <a:avLst/>
-          </a:prstGeom>
-          <a:noFill/>
-        </p:spPr>
-        <p:txBody>
-          <a:bodyPr wrap="square" rtlCol="0">
-            <a:spAutoFit/>
-          </a:bodyPr>
-          <a:lstStyle/>
-          <a:p>
-            <a:pPr algn="ctr"/>
-            <a:r>
-              <a:rPr lang="en-US" dirty="0" smtClean="0"/>
-              <a:t>Business Logic</a:t>
-            </a:r>
-            <a:endParaRPr lang="en-US" dirty="0"/>
-          </a:p>
-        </p:txBody>
-      </p:sp>
-      <p:sp>
-        <p:nvSpPr>
-          <p:cNvPr id="8" name="Rectangle 7"/>
-          <p:cNvSpPr/>
-          <p:nvPr/>
-        </p:nvSpPr>
-        <p:spPr>
-          <a:xfrm>
-            <a:off x="2374900" y="3429000"/>
-            <a:ext cx="368300" cy="1752600"/>
-          </a:xfrm>
-          <a:prstGeom prst="rect">
-            <a:avLst/>
-          </a:prstGeom>
-        </p:spPr>
-        <p:style>
-          <a:lnRef idx="1">
-            <a:schemeClr val="accent2"/>
-          </a:lnRef>
-          <a:fillRef idx="2">
-            <a:schemeClr val="accent2"/>
-          </a:fillRef>
-          <a:effectRef idx="1">
-            <a:schemeClr val="accent2"/>
-          </a:effectRef>
-          <a:fontRef idx="minor">
-            <a:schemeClr val="dk1"/>
-          </a:fontRef>
-        </p:style>
-        <p:txBody>
-          <a:bodyPr rtlCol="0" anchor="ctr"/>
-          <a:lstStyle/>
-          <a:p>
-            <a:pPr algn="ctr"/>
-            <a:r>
-              <a:rPr lang="en-US" dirty="0" smtClean="0"/>
-              <a:t>A</a:t>
-            </a:r>
-            <a:endParaRPr lang="en-US" dirty="0"/>
-          </a:p>
-        </p:txBody>
-      </p:sp>
-      <p:sp>
-        <p:nvSpPr>
-          <p:cNvPr id="9" name="Rectangle 8"/>
-          <p:cNvSpPr/>
-          <p:nvPr/>
-        </p:nvSpPr>
-        <p:spPr>
-          <a:xfrm>
-            <a:off x="2819400" y="3429000"/>
-            <a:ext cx="368300" cy="838200"/>
-          </a:xfrm>
-          <a:prstGeom prst="rect">
-            <a:avLst/>
-          </a:prstGeom>
-        </p:spPr>
-        <p:style>
-          <a:lnRef idx="1">
-            <a:schemeClr val="accent2"/>
-          </a:lnRef>
-          <a:fillRef idx="2">
-            <a:schemeClr val="accent2"/>
-          </a:fillRef>
-          <a:effectRef idx="1">
-            <a:schemeClr val="accent2"/>
-          </a:effectRef>
-          <a:fontRef idx="minor">
-            <a:schemeClr val="dk1"/>
-          </a:fontRef>
-        </p:style>
-        <p:txBody>
-          <a:bodyPr rtlCol="0" anchor="ctr"/>
-          <a:lstStyle/>
-          <a:p>
-            <a:pPr algn="ctr"/>
-            <a:r>
-              <a:rPr lang="en-US" dirty="0" smtClean="0"/>
-              <a:t>B</a:t>
-            </a:r>
-            <a:endParaRPr lang="en-US" dirty="0"/>
-          </a:p>
-        </p:txBody>
-      </p:sp>
-      <p:sp>
-        <p:nvSpPr>
-          <p:cNvPr id="10" name="Rectangle 9"/>
-          <p:cNvSpPr/>
-          <p:nvPr/>
-        </p:nvSpPr>
-        <p:spPr>
-          <a:xfrm>
-            <a:off x="2819400" y="4343400"/>
-            <a:ext cx="368300" cy="838200"/>
-          </a:xfrm>
-          <a:prstGeom prst="rect">
-            <a:avLst/>
-          </a:prstGeom>
-        </p:spPr>
-        <p:style>
-          <a:lnRef idx="1">
-            <a:schemeClr val="accent2"/>
-          </a:lnRef>
-          <a:fillRef idx="2">
-            <a:schemeClr val="accent2"/>
-          </a:fillRef>
-          <a:effectRef idx="1">
-            <a:schemeClr val="accent2"/>
-          </a:effectRef>
-          <a:fontRef idx="minor">
-            <a:schemeClr val="dk1"/>
-          </a:fontRef>
-        </p:style>
-        <p:txBody>
-          <a:bodyPr rtlCol="0" anchor="ctr"/>
-          <a:lstStyle/>
-          <a:p>
-            <a:pPr algn="ctr"/>
-            <a:r>
-              <a:rPr lang="en-US" dirty="0" smtClean="0"/>
-              <a:t>C</a:t>
-            </a:r>
-            <a:endParaRPr lang="en-US" dirty="0"/>
-          </a:p>
-        </p:txBody>
-      </p:sp>
-      <p:sp>
-        <p:nvSpPr>
-          <p:cNvPr id="11" name="Rectangle 10"/>
-          <p:cNvSpPr/>
-          <p:nvPr/>
-        </p:nvSpPr>
-        <p:spPr>
-          <a:xfrm>
-            <a:off x="3276600" y="3429000"/>
-            <a:ext cx="368300" cy="1752600"/>
-          </a:xfrm>
-          <a:prstGeom prst="rect">
-            <a:avLst/>
-          </a:prstGeom>
-        </p:spPr>
-        <p:style>
-          <a:lnRef idx="1">
-            <a:schemeClr val="accent2"/>
-          </a:lnRef>
-          <a:fillRef idx="2">
-            <a:schemeClr val="accent2"/>
-          </a:fillRef>
-          <a:effectRef idx="1">
-            <a:schemeClr val="accent2"/>
-          </a:effectRef>
-          <a:fontRef idx="minor">
-            <a:schemeClr val="dk1"/>
-          </a:fontRef>
-        </p:style>
-        <p:txBody>
-          <a:bodyPr rtlCol="0" anchor="ctr"/>
-          <a:lstStyle/>
-          <a:p>
-            <a:pPr algn="ctr"/>
-            <a:r>
-              <a:rPr lang="en-US" dirty="0" smtClean="0"/>
-              <a:t>D</a:t>
-            </a:r>
-            <a:endParaRPr lang="en-US" dirty="0"/>
-          </a:p>
-        </p:txBody>
-      </p:sp>
-      <p:sp>
-        <p:nvSpPr>
-          <p:cNvPr id="12" name="Rectangle 11"/>
-          <p:cNvSpPr/>
-          <p:nvPr/>
-        </p:nvSpPr>
-        <p:spPr>
-          <a:xfrm>
-            <a:off x="5803900" y="3429000"/>
-            <a:ext cx="368300" cy="1752600"/>
-          </a:xfrm>
-          <a:prstGeom prst="rect">
-            <a:avLst/>
-          </a:prstGeom>
-        </p:spPr>
-        <p:style>
-          <a:lnRef idx="1">
-            <a:schemeClr val="accent2"/>
-          </a:lnRef>
-          <a:fillRef idx="2">
-            <a:schemeClr val="accent2"/>
-          </a:fillRef>
-          <a:effectRef idx="1">
-            <a:schemeClr val="accent2"/>
-          </a:effectRef>
-          <a:fontRef idx="minor">
-            <a:schemeClr val="dk1"/>
-          </a:fontRef>
-        </p:style>
-        <p:txBody>
-          <a:bodyPr rtlCol="0" anchor="ctr"/>
-          <a:lstStyle/>
-          <a:p>
-            <a:pPr algn="ctr"/>
-            <a:r>
-              <a:rPr lang="en-US" dirty="0" smtClean="0"/>
-              <a:t>W</a:t>
-            </a:r>
-            <a:endParaRPr lang="en-US" dirty="0"/>
-          </a:p>
-        </p:txBody>
-      </p:sp>
-      <p:sp>
-        <p:nvSpPr>
-          <p:cNvPr id="13" name="Rectangle 12"/>
-          <p:cNvSpPr/>
-          <p:nvPr/>
-        </p:nvSpPr>
-        <p:spPr>
-          <a:xfrm>
-            <a:off x="6248400" y="3429000"/>
-            <a:ext cx="368300" cy="838200"/>
-          </a:xfrm>
-          <a:prstGeom prst="rect">
-            <a:avLst/>
-          </a:prstGeom>
-        </p:spPr>
-        <p:style>
-          <a:lnRef idx="1">
-            <a:schemeClr val="accent2"/>
-          </a:lnRef>
-          <a:fillRef idx="2">
-            <a:schemeClr val="accent2"/>
-          </a:fillRef>
-          <a:effectRef idx="1">
-            <a:schemeClr val="accent2"/>
-          </a:effectRef>
-          <a:fontRef idx="minor">
-            <a:schemeClr val="dk1"/>
-          </a:fontRef>
-        </p:style>
-        <p:txBody>
-          <a:bodyPr rtlCol="0" anchor="ctr"/>
-          <a:lstStyle/>
-          <a:p>
-            <a:pPr algn="ctr"/>
-            <a:r>
-              <a:rPr lang="en-US" dirty="0" smtClean="0"/>
-              <a:t>X</a:t>
-            </a:r>
-            <a:endParaRPr lang="en-US" dirty="0"/>
-          </a:p>
-        </p:txBody>
-      </p:sp>
-      <p:sp>
-        <p:nvSpPr>
-          <p:cNvPr id="14" name="Rectangle 13"/>
-          <p:cNvSpPr/>
-          <p:nvPr/>
-        </p:nvSpPr>
-        <p:spPr>
-          <a:xfrm>
-            <a:off x="6248400" y="4343400"/>
-            <a:ext cx="368300" cy="838200"/>
-          </a:xfrm>
-          <a:prstGeom prst="rect">
-            <a:avLst/>
-          </a:prstGeom>
-        </p:spPr>
-        <p:style>
-          <a:lnRef idx="1">
-            <a:schemeClr val="accent2"/>
-          </a:lnRef>
-          <a:fillRef idx="2">
-            <a:schemeClr val="accent2"/>
-          </a:fillRef>
-          <a:effectRef idx="1">
-            <a:schemeClr val="accent2"/>
-          </a:effectRef>
-          <a:fontRef idx="minor">
-            <a:schemeClr val="dk1"/>
-          </a:fontRef>
-        </p:style>
-        <p:txBody>
-          <a:bodyPr rtlCol="0" anchor="ctr"/>
-          <a:lstStyle/>
-          <a:p>
-            <a:pPr algn="ctr"/>
-            <a:r>
-              <a:rPr lang="en-US" dirty="0" smtClean="0"/>
-              <a:t>Y</a:t>
-            </a:r>
-            <a:endParaRPr lang="en-US" dirty="0"/>
-          </a:p>
-        </p:txBody>
-      </p:sp>
-      <p:sp>
-        <p:nvSpPr>
-          <p:cNvPr id="15" name="Rectangle 14"/>
-          <p:cNvSpPr/>
-          <p:nvPr/>
-        </p:nvSpPr>
-        <p:spPr>
-          <a:xfrm>
-            <a:off x="6705600" y="3429000"/>
-            <a:ext cx="368300" cy="1752600"/>
-          </a:xfrm>
-          <a:prstGeom prst="rect">
-            <a:avLst/>
-          </a:prstGeom>
-        </p:spPr>
-        <p:style>
-          <a:lnRef idx="1">
-            <a:schemeClr val="accent2"/>
-          </a:lnRef>
-          <a:fillRef idx="2">
-            <a:schemeClr val="accent2"/>
-          </a:fillRef>
-          <a:effectRef idx="1">
-            <a:schemeClr val="accent2"/>
-          </a:effectRef>
-          <a:fontRef idx="minor">
-            <a:schemeClr val="dk1"/>
-          </a:fontRef>
-        </p:style>
-        <p:txBody>
-          <a:bodyPr rtlCol="0" anchor="ctr"/>
-          <a:lstStyle/>
-          <a:p>
-            <a:pPr algn="ctr"/>
-            <a:r>
-              <a:rPr lang="en-US" dirty="0" smtClean="0"/>
-              <a:t>Z</a:t>
-            </a:r>
-            <a:endParaRPr lang="en-US" dirty="0"/>
-          </a:p>
-        </p:txBody>
-      </p:sp>
-      <p:sp>
-        <p:nvSpPr>
           <p:cNvPr id="16" name="TextBox 15"/>
           <p:cNvSpPr txBox="1"/>
           <p:nvPr/>
@@ -16064,18 +15870,332 @@
               </a:rPr>
               <a:t>So how else can we do this?</a:t>
             </a:r>
-            <a:endParaRPr lang="en-US" b="1" dirty="0" smtClean="0">
-              <a:solidFill>
-                <a:schemeClr val="accent3">
-                  <a:lumMod val="50000"/>
-                </a:schemeClr>
-              </a:solidFill>
-              <a:latin typeface="MV Boli" pitchFamily="2" charset="0"/>
-              <a:cs typeface="MV Boli" pitchFamily="2" charset="0"/>
-            </a:endParaRPr>
           </a:p>
         </p:txBody>
       </p:sp>
+      <p:grpSp>
+        <p:nvGrpSpPr>
+          <p:cNvPr id="17" name="Group 16"/>
+          <p:cNvGrpSpPr/>
+          <p:nvPr/>
+        </p:nvGrpSpPr>
+        <p:grpSpPr>
+          <a:xfrm>
+            <a:off x="1066800" y="3352797"/>
+            <a:ext cx="7010400" cy="1905003"/>
+            <a:chOff x="1066800" y="3352797"/>
+            <a:chExt cx="7010400" cy="1905003"/>
+          </a:xfrm>
+        </p:grpSpPr>
+        <p:sp>
+          <p:nvSpPr>
+            <p:cNvPr id="18" name="Rounded Rectangle 17"/>
+            <p:cNvSpPr/>
+            <p:nvPr/>
+          </p:nvSpPr>
+          <p:spPr>
+            <a:xfrm>
+              <a:off x="4511040" y="3352797"/>
+              <a:ext cx="3505200" cy="1905000"/>
+            </a:xfrm>
+            <a:prstGeom prst="roundRect">
+              <a:avLst/>
+            </a:prstGeom>
+          </p:spPr>
+          <p:style>
+            <a:lnRef idx="2">
+              <a:schemeClr val="accent4">
+                <a:shade val="50000"/>
+              </a:schemeClr>
+            </a:lnRef>
+            <a:fillRef idx="1">
+              <a:schemeClr val="accent4"/>
+            </a:fillRef>
+            <a:effectRef idx="0">
+              <a:schemeClr val="accent4"/>
+            </a:effectRef>
+            <a:fontRef idx="minor">
+              <a:schemeClr val="lt1"/>
+            </a:fontRef>
+          </p:style>
+          <p:txBody>
+            <a:bodyPr rtlCol="0" anchor="ctr"/>
+            <a:lstStyle/>
+            <a:p>
+              <a:pPr algn="ctr"/>
+              <a:endParaRPr lang="en-US" dirty="0"/>
+            </a:p>
+          </p:txBody>
+        </p:sp>
+        <p:sp>
+          <p:nvSpPr>
+            <p:cNvPr id="19" name="Rounded Rectangle 18"/>
+            <p:cNvSpPr/>
+            <p:nvPr/>
+          </p:nvSpPr>
+          <p:spPr>
+            <a:xfrm>
+              <a:off x="1066800" y="3352800"/>
+              <a:ext cx="3505200" cy="1905000"/>
+            </a:xfrm>
+            <a:prstGeom prst="roundRect">
+              <a:avLst/>
+            </a:prstGeom>
+          </p:spPr>
+          <p:style>
+            <a:lnRef idx="2">
+              <a:schemeClr val="accent3">
+                <a:shade val="50000"/>
+              </a:schemeClr>
+            </a:lnRef>
+            <a:fillRef idx="1">
+              <a:schemeClr val="accent3"/>
+            </a:fillRef>
+            <a:effectRef idx="0">
+              <a:schemeClr val="accent3"/>
+            </a:effectRef>
+            <a:fontRef idx="minor">
+              <a:schemeClr val="lt1"/>
+            </a:fontRef>
+          </p:style>
+          <p:txBody>
+            <a:bodyPr rtlCol="0" anchor="ctr"/>
+            <a:lstStyle/>
+            <a:p>
+              <a:pPr algn="ctr"/>
+              <a:endParaRPr lang="en-US" dirty="0"/>
+            </a:p>
+          </p:txBody>
+        </p:sp>
+        <p:sp>
+          <p:nvSpPr>
+            <p:cNvPr id="20" name="TextBox 19"/>
+            <p:cNvSpPr txBox="1"/>
+            <p:nvPr/>
+          </p:nvSpPr>
+          <p:spPr>
+            <a:xfrm>
+              <a:off x="1066800" y="3982132"/>
+              <a:ext cx="1308100" cy="369332"/>
+            </a:xfrm>
+            <a:prstGeom prst="rect">
+              <a:avLst/>
+            </a:prstGeom>
+            <a:noFill/>
+          </p:spPr>
+          <p:txBody>
+            <a:bodyPr wrap="square" rtlCol="0">
+              <a:spAutoFit/>
+            </a:bodyPr>
+            <a:lstStyle/>
+            <a:p>
+              <a:r>
+                <a:rPr lang="en-US" dirty="0" smtClean="0"/>
+                <a:t>UI</a:t>
+              </a:r>
+              <a:endParaRPr lang="en-US" dirty="0"/>
+            </a:p>
+          </p:txBody>
+        </p:sp>
+        <p:sp>
+          <p:nvSpPr>
+            <p:cNvPr id="21" name="TextBox 20"/>
+            <p:cNvSpPr txBox="1"/>
+            <p:nvPr/>
+          </p:nvSpPr>
+          <p:spPr>
+            <a:xfrm>
+              <a:off x="6769100" y="3982134"/>
+              <a:ext cx="1308100" cy="369332"/>
+            </a:xfrm>
+            <a:prstGeom prst="rect">
+              <a:avLst/>
+            </a:prstGeom>
+            <a:noFill/>
+          </p:spPr>
+          <p:txBody>
+            <a:bodyPr wrap="square" rtlCol="0">
+              <a:spAutoFit/>
+            </a:bodyPr>
+            <a:lstStyle/>
+            <a:p>
+              <a:pPr algn="r"/>
+              <a:r>
+                <a:rPr lang="en-US" dirty="0" smtClean="0"/>
+                <a:t>Data</a:t>
+              </a:r>
+              <a:endParaRPr lang="en-US" dirty="0"/>
+            </a:p>
+          </p:txBody>
+        </p:sp>
+        <p:sp>
+          <p:nvSpPr>
+            <p:cNvPr id="22" name="Rectangle 21"/>
+            <p:cNvSpPr/>
+            <p:nvPr/>
+          </p:nvSpPr>
+          <p:spPr>
+            <a:xfrm>
+              <a:off x="3581400" y="3352800"/>
+              <a:ext cx="1905000" cy="1905000"/>
+            </a:xfrm>
+            <a:prstGeom prst="rect">
+              <a:avLst/>
+            </a:prstGeom>
+          </p:spPr>
+          <p:style>
+            <a:lnRef idx="0">
+              <a:schemeClr val="accent1"/>
+            </a:lnRef>
+            <a:fillRef idx="3">
+              <a:schemeClr val="accent1"/>
+            </a:fillRef>
+            <a:effectRef idx="3">
+              <a:schemeClr val="accent1"/>
+            </a:effectRef>
+            <a:fontRef idx="minor">
+              <a:schemeClr val="lt1"/>
+            </a:fontRef>
+          </p:style>
+          <p:txBody>
+            <a:bodyPr rtlCol="0" anchor="ctr"/>
+            <a:lstStyle/>
+            <a:p>
+              <a:pPr algn="ctr"/>
+              <a:endParaRPr lang="en-US"/>
+            </a:p>
+          </p:txBody>
+        </p:sp>
+        <p:sp>
+          <p:nvSpPr>
+            <p:cNvPr id="23" name="TextBox 22"/>
+            <p:cNvSpPr txBox="1"/>
+            <p:nvPr/>
+          </p:nvSpPr>
+          <p:spPr>
+            <a:xfrm>
+              <a:off x="3917950" y="3982133"/>
+              <a:ext cx="1308100" cy="646331"/>
+            </a:xfrm>
+            <a:prstGeom prst="rect">
+              <a:avLst/>
+            </a:prstGeom>
+            <a:noFill/>
+          </p:spPr>
+          <p:txBody>
+            <a:bodyPr wrap="square" rtlCol="0">
+              <a:spAutoFit/>
+            </a:bodyPr>
+            <a:lstStyle/>
+            <a:p>
+              <a:pPr algn="ctr"/>
+              <a:r>
+                <a:rPr lang="en-US" dirty="0" smtClean="0"/>
+                <a:t>Business Logic</a:t>
+              </a:r>
+              <a:endParaRPr lang="en-US" dirty="0"/>
+            </a:p>
+          </p:txBody>
+        </p:sp>
+        <p:sp>
+          <p:nvSpPr>
+            <p:cNvPr id="24" name="Rectangle 23"/>
+            <p:cNvSpPr/>
+            <p:nvPr/>
+          </p:nvSpPr>
+          <p:spPr>
+            <a:xfrm>
+              <a:off x="2286000" y="3352800"/>
+              <a:ext cx="1295400" cy="1905000"/>
+            </a:xfrm>
+            <a:prstGeom prst="rect">
+              <a:avLst/>
+            </a:prstGeom>
+          </p:spPr>
+          <p:style>
+            <a:lnRef idx="0">
+              <a:schemeClr val="accent3"/>
+            </a:lnRef>
+            <a:fillRef idx="3">
+              <a:schemeClr val="accent3"/>
+            </a:fillRef>
+            <a:effectRef idx="3">
+              <a:schemeClr val="accent3"/>
+            </a:effectRef>
+            <a:fontRef idx="minor">
+              <a:schemeClr val="lt1"/>
+            </a:fontRef>
+          </p:style>
+          <p:txBody>
+            <a:bodyPr rtlCol="0" anchor="ctr"/>
+            <a:lstStyle/>
+            <a:p>
+              <a:pPr algn="ctr"/>
+              <a:r>
+                <a:rPr lang="en-US" dirty="0" smtClean="0"/>
+                <a:t>UI</a:t>
+              </a:r>
+            </a:p>
+            <a:p>
+              <a:pPr algn="ctr"/>
+              <a:r>
+                <a:rPr lang="en-US" dirty="0" smtClean="0"/>
+                <a:t>Logic</a:t>
+              </a:r>
+              <a:endParaRPr lang="en-US" dirty="0"/>
+            </a:p>
+          </p:txBody>
+        </p:sp>
+        <p:sp>
+          <p:nvSpPr>
+            <p:cNvPr id="25" name="Rectangle 24"/>
+            <p:cNvSpPr/>
+            <p:nvPr/>
+          </p:nvSpPr>
+          <p:spPr>
+            <a:xfrm>
+              <a:off x="5473700" y="3352800"/>
+              <a:ext cx="1295400" cy="1905000"/>
+            </a:xfrm>
+            <a:prstGeom prst="rect">
+              <a:avLst/>
+            </a:prstGeom>
+          </p:spPr>
+          <p:style>
+            <a:lnRef idx="0">
+              <a:schemeClr val="accent4"/>
+            </a:lnRef>
+            <a:fillRef idx="3">
+              <a:schemeClr val="accent4"/>
+            </a:fillRef>
+            <a:effectRef idx="3">
+              <a:schemeClr val="accent4"/>
+            </a:effectRef>
+            <a:fontRef idx="minor">
+              <a:schemeClr val="lt1"/>
+            </a:fontRef>
+          </p:style>
+          <p:txBody>
+            <a:bodyPr rtlCol="0" anchor="ctr"/>
+            <a:lstStyle/>
+            <a:p>
+              <a:pPr algn="ctr"/>
+              <a:r>
+                <a:rPr lang="en-US" dirty="0" smtClean="0"/>
+                <a:t>Data</a:t>
+              </a:r>
+            </a:p>
+            <a:p>
+              <a:pPr algn="ctr"/>
+              <a:r>
+                <a:rPr lang="en-US" dirty="0" smtClean="0"/>
+                <a:t>Logic</a:t>
+              </a:r>
+              <a:endParaRPr lang="en-US" dirty="0"/>
+            </a:p>
+          </p:txBody>
+        </p:sp>
+      </p:grpSp>
     </p:spTree>
     <p:extLst>
       <p:ext uri="{BB962C8B-B14F-4D97-AF65-F5344CB8AC3E}">
@@ -16125,6 +16245,680 @@
           <a:chExt cx="0" cy="0"/>
         </a:xfrm>
       </p:grpSpPr>
+      <p:grpSp>
+        <p:nvGrpSpPr>
+          <p:cNvPr id="29" name="Group 28"/>
+          <p:cNvGrpSpPr/>
+          <p:nvPr/>
+        </p:nvGrpSpPr>
+        <p:grpSpPr>
+          <a:xfrm>
+            <a:off x="1066800" y="3352797"/>
+            <a:ext cx="7010400" cy="1905003"/>
+            <a:chOff x="1066800" y="3352797"/>
+            <a:chExt cx="7010400" cy="1905003"/>
+          </a:xfrm>
+        </p:grpSpPr>
+        <p:sp>
+          <p:nvSpPr>
+            <p:cNvPr id="30" name="Rounded Rectangle 29"/>
+            <p:cNvSpPr/>
+            <p:nvPr/>
+          </p:nvSpPr>
+          <p:spPr>
+            <a:xfrm>
+              <a:off x="4511040" y="3352797"/>
+              <a:ext cx="3505200" cy="1905000"/>
+            </a:xfrm>
+            <a:prstGeom prst="roundRect">
+              <a:avLst/>
+            </a:prstGeom>
+          </p:spPr>
+          <p:style>
+            <a:lnRef idx="2">
+              <a:schemeClr val="accent4">
+                <a:shade val="50000"/>
+              </a:schemeClr>
+            </a:lnRef>
+            <a:fillRef idx="1">
+              <a:schemeClr val="accent4"/>
+            </a:fillRef>
+            <a:effectRef idx="0">
+              <a:schemeClr val="accent4"/>
+            </a:effectRef>
+            <a:fontRef idx="minor">
+              <a:schemeClr val="lt1"/>
+            </a:fontRef>
+          </p:style>
+          <p:txBody>
+            <a:bodyPr rtlCol="0" anchor="ctr"/>
+            <a:lstStyle/>
+            <a:p>
+              <a:pPr algn="ctr"/>
+              <a:endParaRPr lang="en-US" dirty="0"/>
+            </a:p>
+          </p:txBody>
+        </p:sp>
+        <p:sp>
+          <p:nvSpPr>
+            <p:cNvPr id="31" name="Rounded Rectangle 30"/>
+            <p:cNvSpPr/>
+            <p:nvPr/>
+          </p:nvSpPr>
+          <p:spPr>
+            <a:xfrm>
+              <a:off x="1066800" y="3352800"/>
+              <a:ext cx="3505200" cy="1905000"/>
+            </a:xfrm>
+            <a:prstGeom prst="roundRect">
+              <a:avLst/>
+            </a:prstGeom>
+          </p:spPr>
+          <p:style>
+            <a:lnRef idx="2">
+              <a:schemeClr val="accent3">
+                <a:shade val="50000"/>
+              </a:schemeClr>
+            </a:lnRef>
+            <a:fillRef idx="1">
+              <a:schemeClr val="accent3"/>
+            </a:fillRef>
+            <a:effectRef idx="0">
+              <a:schemeClr val="accent3"/>
+            </a:effectRef>
+            <a:fontRef idx="minor">
+              <a:schemeClr val="lt1"/>
+            </a:fontRef>
+          </p:style>
+          <p:txBody>
+            <a:bodyPr rtlCol="0" anchor="ctr"/>
+            <a:lstStyle/>
+            <a:p>
+              <a:pPr algn="ctr"/>
+              <a:endParaRPr lang="en-US" dirty="0"/>
+            </a:p>
+          </p:txBody>
+        </p:sp>
+        <p:sp>
+          <p:nvSpPr>
+            <p:cNvPr id="33" name="TextBox 32"/>
+            <p:cNvSpPr txBox="1"/>
+            <p:nvPr/>
+          </p:nvSpPr>
+          <p:spPr>
+            <a:xfrm>
+              <a:off x="1066800" y="3982132"/>
+              <a:ext cx="1308100" cy="369332"/>
+            </a:xfrm>
+            <a:prstGeom prst="rect">
+              <a:avLst/>
+            </a:prstGeom>
+            <a:noFill/>
+          </p:spPr>
+          <p:txBody>
+            <a:bodyPr wrap="square" rtlCol="0">
+              <a:spAutoFit/>
+            </a:bodyPr>
+            <a:lstStyle/>
+            <a:p>
+              <a:r>
+                <a:rPr lang="en-US" dirty="0" smtClean="0"/>
+                <a:t>UI</a:t>
+              </a:r>
+              <a:endParaRPr lang="en-US" dirty="0"/>
+            </a:p>
+          </p:txBody>
+        </p:sp>
+        <p:sp>
+          <p:nvSpPr>
+            <p:cNvPr id="34" name="TextBox 33"/>
+            <p:cNvSpPr txBox="1"/>
+            <p:nvPr/>
+          </p:nvSpPr>
+          <p:spPr>
+            <a:xfrm>
+              <a:off x="6769100" y="3982134"/>
+              <a:ext cx="1308100" cy="369332"/>
+            </a:xfrm>
+            <a:prstGeom prst="rect">
+              <a:avLst/>
+            </a:prstGeom>
+            <a:noFill/>
+          </p:spPr>
+          <p:txBody>
+            <a:bodyPr wrap="square" rtlCol="0">
+              <a:spAutoFit/>
+            </a:bodyPr>
+            <a:lstStyle/>
+            <a:p>
+              <a:pPr algn="r"/>
+              <a:r>
+                <a:rPr lang="en-US" dirty="0" smtClean="0"/>
+                <a:t>Data</a:t>
+              </a:r>
+              <a:endParaRPr lang="en-US" dirty="0"/>
+            </a:p>
+          </p:txBody>
+        </p:sp>
+        <p:sp>
+          <p:nvSpPr>
+            <p:cNvPr id="36" name="Rectangle 35"/>
+            <p:cNvSpPr/>
+            <p:nvPr/>
+          </p:nvSpPr>
+          <p:spPr>
+            <a:xfrm>
+              <a:off x="3581400" y="3352800"/>
+              <a:ext cx="1905000" cy="1905000"/>
+            </a:xfrm>
+            <a:prstGeom prst="rect">
+              <a:avLst/>
+            </a:prstGeom>
+          </p:spPr>
+          <p:style>
+            <a:lnRef idx="0">
+              <a:schemeClr val="accent1"/>
+            </a:lnRef>
+            <a:fillRef idx="3">
+              <a:schemeClr val="accent1"/>
+            </a:fillRef>
+            <a:effectRef idx="3">
+              <a:schemeClr val="accent1"/>
+            </a:effectRef>
+            <a:fontRef idx="minor">
+              <a:schemeClr val="lt1"/>
+            </a:fontRef>
+          </p:style>
+          <p:txBody>
+            <a:bodyPr rtlCol="0" anchor="ctr"/>
+            <a:lstStyle/>
+            <a:p>
+              <a:pPr algn="ctr"/>
+              <a:endParaRPr lang="en-US"/>
+            </a:p>
+          </p:txBody>
+        </p:sp>
+        <p:sp>
+          <p:nvSpPr>
+            <p:cNvPr id="37" name="TextBox 36"/>
+            <p:cNvSpPr txBox="1"/>
+            <p:nvPr/>
+          </p:nvSpPr>
+          <p:spPr>
+            <a:xfrm>
+              <a:off x="3917950" y="3982133"/>
+              <a:ext cx="1308100" cy="646331"/>
+            </a:xfrm>
+            <a:prstGeom prst="rect">
+              <a:avLst/>
+            </a:prstGeom>
+            <a:noFill/>
+          </p:spPr>
+          <p:txBody>
+            <a:bodyPr wrap="square" rtlCol="0">
+              <a:spAutoFit/>
+            </a:bodyPr>
+            <a:lstStyle/>
+            <a:p>
+              <a:pPr algn="ctr"/>
+              <a:r>
+                <a:rPr lang="en-US" dirty="0" smtClean="0"/>
+                <a:t>Business Logic</a:t>
+              </a:r>
+              <a:endParaRPr lang="en-US" dirty="0"/>
+            </a:p>
+          </p:txBody>
+        </p:sp>
+        <p:sp>
+          <p:nvSpPr>
+            <p:cNvPr id="39" name="Rectangle 38"/>
+            <p:cNvSpPr/>
+            <p:nvPr/>
+          </p:nvSpPr>
+          <p:spPr>
+            <a:xfrm>
+              <a:off x="2286000" y="3352800"/>
+              <a:ext cx="1295400" cy="1905000"/>
+            </a:xfrm>
+            <a:prstGeom prst="rect">
+              <a:avLst/>
+            </a:prstGeom>
+          </p:spPr>
+          <p:style>
+            <a:lnRef idx="0">
+              <a:schemeClr val="accent3"/>
+            </a:lnRef>
+            <a:fillRef idx="3">
+              <a:schemeClr val="accent3"/>
+            </a:fillRef>
+            <a:effectRef idx="3">
+              <a:schemeClr val="accent3"/>
+            </a:effectRef>
+            <a:fontRef idx="minor">
+              <a:schemeClr val="lt1"/>
+            </a:fontRef>
+          </p:style>
+          <p:txBody>
+            <a:bodyPr rtlCol="0" anchor="ctr"/>
+            <a:lstStyle/>
+            <a:p>
+              <a:pPr algn="ctr"/>
+              <a:r>
+                <a:rPr lang="en-US" dirty="0" smtClean="0"/>
+                <a:t>UI</a:t>
+              </a:r>
+            </a:p>
+            <a:p>
+              <a:pPr algn="ctr"/>
+              <a:r>
+                <a:rPr lang="en-US" dirty="0" smtClean="0"/>
+                <a:t>Logic</a:t>
+              </a:r>
+              <a:endParaRPr lang="en-US" dirty="0"/>
+            </a:p>
+          </p:txBody>
+        </p:sp>
+        <p:sp>
+          <p:nvSpPr>
+            <p:cNvPr id="40" name="Rectangle 39"/>
+            <p:cNvSpPr/>
+            <p:nvPr/>
+          </p:nvSpPr>
+          <p:spPr>
+            <a:xfrm>
+              <a:off x="5473700" y="3352800"/>
+              <a:ext cx="1295400" cy="1905000"/>
+            </a:xfrm>
+            <a:prstGeom prst="rect">
+              <a:avLst/>
+            </a:prstGeom>
+          </p:spPr>
+          <p:style>
+            <a:lnRef idx="0">
+              <a:schemeClr val="accent4"/>
+            </a:lnRef>
+            <a:fillRef idx="3">
+              <a:schemeClr val="accent4"/>
+            </a:fillRef>
+            <a:effectRef idx="3">
+              <a:schemeClr val="accent4"/>
+            </a:effectRef>
+            <a:fontRef idx="minor">
+              <a:schemeClr val="lt1"/>
+            </a:fontRef>
+          </p:style>
+          <p:txBody>
+            <a:bodyPr rtlCol="0" anchor="ctr"/>
+            <a:lstStyle/>
+            <a:p>
+              <a:pPr algn="ctr"/>
+              <a:r>
+                <a:rPr lang="en-US" dirty="0" smtClean="0"/>
+                <a:t>Data</a:t>
+              </a:r>
+            </a:p>
+            <a:p>
+              <a:pPr algn="ctr"/>
+              <a:r>
+                <a:rPr lang="en-US" dirty="0" smtClean="0"/>
+                <a:t>Logic</a:t>
+              </a:r>
+              <a:endParaRPr lang="en-US" dirty="0"/>
+            </a:p>
+          </p:txBody>
+        </p:sp>
+      </p:grpSp>
+      <p:grpSp>
+        <p:nvGrpSpPr>
+          <p:cNvPr id="41" name="Group 40"/>
+          <p:cNvGrpSpPr/>
+          <p:nvPr/>
+        </p:nvGrpSpPr>
+        <p:grpSpPr>
+          <a:xfrm>
+            <a:off x="2374900" y="3428997"/>
+            <a:ext cx="4306570" cy="1752603"/>
+            <a:chOff x="2374900" y="3428997"/>
+            <a:chExt cx="4306570" cy="1752603"/>
+          </a:xfrm>
+        </p:grpSpPr>
+        <p:sp>
+          <p:nvSpPr>
+            <p:cNvPr id="42" name="Rectangle 41"/>
+            <p:cNvSpPr/>
+            <p:nvPr/>
+          </p:nvSpPr>
+          <p:spPr>
+            <a:xfrm>
+              <a:off x="2374900" y="3429000"/>
+              <a:ext cx="368300" cy="1752600"/>
+            </a:xfrm>
+            <a:prstGeom prst="rect">
+              <a:avLst/>
+            </a:prstGeom>
+          </p:spPr>
+          <p:style>
+            <a:lnRef idx="1">
+              <a:schemeClr val="accent2"/>
+            </a:lnRef>
+            <a:fillRef idx="2">
+              <a:schemeClr val="accent2"/>
+            </a:fillRef>
+            <a:effectRef idx="1">
+              <a:schemeClr val="accent2"/>
+            </a:effectRef>
+            <a:fontRef idx="minor">
+              <a:schemeClr val="dk1"/>
+            </a:fontRef>
+          </p:style>
+          <p:txBody>
+            <a:bodyPr rtlCol="0" anchor="ctr"/>
+            <a:lstStyle/>
+            <a:p>
+              <a:pPr algn="ctr"/>
+              <a:r>
+                <a:rPr lang="en-US" dirty="0" smtClean="0"/>
+                <a:t>A</a:t>
+              </a:r>
+              <a:endParaRPr lang="en-US" dirty="0"/>
+            </a:p>
+          </p:txBody>
+        </p:sp>
+        <p:sp>
+          <p:nvSpPr>
+            <p:cNvPr id="43" name="Rectangle 42"/>
+            <p:cNvSpPr/>
+            <p:nvPr/>
+          </p:nvSpPr>
+          <p:spPr>
+            <a:xfrm>
+              <a:off x="2819400" y="3429000"/>
+              <a:ext cx="368300" cy="838200"/>
+            </a:xfrm>
+            <a:prstGeom prst="rect">
+              <a:avLst/>
+            </a:prstGeom>
+          </p:spPr>
+          <p:style>
+            <a:lnRef idx="1">
+              <a:schemeClr val="accent2"/>
+            </a:lnRef>
+            <a:fillRef idx="2">
+              <a:schemeClr val="accent2"/>
+            </a:fillRef>
+            <a:effectRef idx="1">
+              <a:schemeClr val="accent2"/>
+            </a:effectRef>
+            <a:fontRef idx="minor">
+              <a:schemeClr val="dk1"/>
+            </a:fontRef>
+          </p:style>
+          <p:txBody>
+            <a:bodyPr rtlCol="0" anchor="ctr"/>
+            <a:lstStyle/>
+            <a:p>
+              <a:pPr algn="ctr"/>
+              <a:r>
+                <a:rPr lang="en-US" dirty="0" smtClean="0"/>
+                <a:t>B</a:t>
+              </a:r>
+              <a:endParaRPr lang="en-US" dirty="0"/>
+            </a:p>
+          </p:txBody>
+        </p:sp>
+        <p:sp>
+          <p:nvSpPr>
+            <p:cNvPr id="44" name="Rectangle 43"/>
+            <p:cNvSpPr/>
+            <p:nvPr/>
+          </p:nvSpPr>
+          <p:spPr>
+            <a:xfrm>
+              <a:off x="2819400" y="4343400"/>
+              <a:ext cx="368300" cy="838200"/>
+            </a:xfrm>
+            <a:prstGeom prst="rect">
+              <a:avLst/>
+            </a:prstGeom>
+          </p:spPr>
+          <p:style>
+            <a:lnRef idx="1">
+              <a:schemeClr val="accent2"/>
+            </a:lnRef>
+            <a:fillRef idx="2">
+              <a:schemeClr val="accent2"/>
+            </a:fillRef>
+            <a:effectRef idx="1">
+              <a:schemeClr val="accent2"/>
+            </a:effectRef>
+            <a:fontRef idx="minor">
+              <a:schemeClr val="dk1"/>
+            </a:fontRef>
+          </p:style>
+          <p:txBody>
+            <a:bodyPr rtlCol="0" anchor="ctr"/>
+            <a:lstStyle/>
+            <a:p>
+              <a:pPr algn="ctr"/>
+              <a:r>
+                <a:rPr lang="en-US" dirty="0" smtClean="0"/>
+                <a:t>C</a:t>
+              </a:r>
+              <a:endParaRPr lang="en-US" dirty="0"/>
+            </a:p>
+          </p:txBody>
+        </p:sp>
+        <p:sp>
+          <p:nvSpPr>
+            <p:cNvPr id="45" name="Rectangle 44"/>
+            <p:cNvSpPr/>
+            <p:nvPr/>
+          </p:nvSpPr>
+          <p:spPr>
+            <a:xfrm>
+              <a:off x="3670300" y="3428997"/>
+              <a:ext cx="368300" cy="1752600"/>
+            </a:xfrm>
+            <a:prstGeom prst="rect">
+              <a:avLst/>
+            </a:prstGeom>
+          </p:spPr>
+          <p:style>
+            <a:lnRef idx="1">
+              <a:schemeClr val="accent2"/>
+            </a:lnRef>
+            <a:fillRef idx="2">
+              <a:schemeClr val="accent2"/>
+            </a:fillRef>
+            <a:effectRef idx="1">
+              <a:schemeClr val="accent2"/>
+            </a:effectRef>
+            <a:fontRef idx="minor">
+              <a:schemeClr val="dk1"/>
+            </a:fontRef>
+          </p:style>
+          <p:txBody>
+            <a:bodyPr rtlCol="0" anchor="ctr"/>
+            <a:lstStyle/>
+            <a:p>
+              <a:pPr algn="ctr"/>
+              <a:r>
+                <a:rPr lang="en-US" dirty="0" smtClean="0"/>
+                <a:t>D</a:t>
+              </a:r>
+              <a:endParaRPr lang="en-US" dirty="0"/>
+            </a:p>
+          </p:txBody>
+        </p:sp>
+        <p:sp>
+          <p:nvSpPr>
+            <p:cNvPr id="46" name="Rectangle 45"/>
+            <p:cNvSpPr/>
+            <p:nvPr/>
+          </p:nvSpPr>
+          <p:spPr>
+            <a:xfrm>
+              <a:off x="5041900" y="3429000"/>
+              <a:ext cx="368300" cy="1752600"/>
+            </a:xfrm>
+            <a:prstGeom prst="rect">
+              <a:avLst/>
+            </a:prstGeom>
+          </p:spPr>
+          <p:style>
+            <a:lnRef idx="1">
+              <a:schemeClr val="accent2"/>
+            </a:lnRef>
+            <a:fillRef idx="2">
+              <a:schemeClr val="accent2"/>
+            </a:fillRef>
+            <a:effectRef idx="1">
+              <a:schemeClr val="accent2"/>
+            </a:effectRef>
+            <a:fontRef idx="minor">
+              <a:schemeClr val="dk1"/>
+            </a:fontRef>
+          </p:style>
+          <p:txBody>
+            <a:bodyPr rtlCol="0" anchor="ctr"/>
+            <a:lstStyle/>
+            <a:p>
+              <a:pPr algn="ctr"/>
+              <a:r>
+                <a:rPr lang="en-US" dirty="0" smtClean="0"/>
+                <a:t>W</a:t>
+              </a:r>
+              <a:endParaRPr lang="en-US" dirty="0"/>
+            </a:p>
+          </p:txBody>
+        </p:sp>
+        <p:sp>
+          <p:nvSpPr>
+            <p:cNvPr id="47" name="Rectangle 46"/>
+            <p:cNvSpPr/>
+            <p:nvPr/>
+          </p:nvSpPr>
+          <p:spPr>
+            <a:xfrm>
+              <a:off x="5855970" y="3429000"/>
+              <a:ext cx="368300" cy="838200"/>
+            </a:xfrm>
+            <a:prstGeom prst="rect">
+              <a:avLst/>
+            </a:prstGeom>
+          </p:spPr>
+          <p:style>
+            <a:lnRef idx="1">
+              <a:schemeClr val="accent2"/>
+            </a:lnRef>
+            <a:fillRef idx="2">
+              <a:schemeClr val="accent2"/>
+            </a:fillRef>
+            <a:effectRef idx="1">
+              <a:schemeClr val="accent2"/>
+            </a:effectRef>
+            <a:fontRef idx="minor">
+              <a:schemeClr val="dk1"/>
+            </a:fontRef>
+          </p:style>
+          <p:txBody>
+            <a:bodyPr rtlCol="0" anchor="ctr"/>
+            <a:lstStyle/>
+            <a:p>
+              <a:pPr algn="ctr"/>
+              <a:r>
+                <a:rPr lang="en-US" dirty="0" smtClean="0"/>
+                <a:t>X</a:t>
+              </a:r>
+              <a:endParaRPr lang="en-US" dirty="0"/>
+            </a:p>
+          </p:txBody>
+        </p:sp>
+        <p:sp>
+          <p:nvSpPr>
+            <p:cNvPr id="48" name="Rectangle 47"/>
+            <p:cNvSpPr/>
+            <p:nvPr/>
+          </p:nvSpPr>
+          <p:spPr>
+            <a:xfrm>
+              <a:off x="5855970" y="4343400"/>
+              <a:ext cx="368300" cy="838200"/>
+            </a:xfrm>
+            <a:prstGeom prst="rect">
+              <a:avLst/>
+            </a:prstGeom>
+          </p:spPr>
+          <p:style>
+            <a:lnRef idx="1">
+              <a:schemeClr val="accent2"/>
+            </a:lnRef>
+            <a:fillRef idx="2">
+              <a:schemeClr val="accent2"/>
+            </a:fillRef>
+            <a:effectRef idx="1">
+              <a:schemeClr val="accent2"/>
+            </a:effectRef>
+            <a:fontRef idx="minor">
+              <a:schemeClr val="dk1"/>
+            </a:fontRef>
+          </p:style>
+          <p:txBody>
+            <a:bodyPr rtlCol="0" anchor="ctr"/>
+            <a:lstStyle/>
+            <a:p>
+              <a:pPr algn="ctr"/>
+              <a:r>
+                <a:rPr lang="en-US" dirty="0" smtClean="0"/>
+                <a:t>Y</a:t>
+              </a:r>
+              <a:endParaRPr lang="en-US" dirty="0"/>
+            </a:p>
+          </p:txBody>
+        </p:sp>
+        <p:sp>
+          <p:nvSpPr>
+            <p:cNvPr id="49" name="Rectangle 48"/>
+            <p:cNvSpPr/>
+            <p:nvPr/>
+          </p:nvSpPr>
+          <p:spPr>
+            <a:xfrm>
+              <a:off x="6313170" y="3429000"/>
+              <a:ext cx="368300" cy="1752600"/>
+            </a:xfrm>
+            <a:prstGeom prst="rect">
+              <a:avLst/>
+            </a:prstGeom>
+          </p:spPr>
+          <p:style>
+            <a:lnRef idx="1">
+              <a:schemeClr val="accent2"/>
+            </a:lnRef>
+            <a:fillRef idx="2">
+              <a:schemeClr val="accent2"/>
+            </a:fillRef>
+            <a:effectRef idx="1">
+              <a:schemeClr val="accent2"/>
+            </a:effectRef>
+            <a:fontRef idx="minor">
+              <a:schemeClr val="dk1"/>
+            </a:fontRef>
+          </p:style>
+          <p:txBody>
+            <a:bodyPr rtlCol="0" anchor="ctr"/>
+            <a:lstStyle/>
+            <a:p>
+              <a:pPr algn="ctr"/>
+              <a:r>
+                <a:rPr lang="en-US" dirty="0" smtClean="0"/>
+                <a:t>Z</a:t>
+              </a:r>
+              <a:endParaRPr lang="en-US" dirty="0"/>
+            </a:p>
+          </p:txBody>
+        </p:sp>
+      </p:grpSp>
       <p:sp>
         <p:nvSpPr>
           <p:cNvPr id="2" name="Title 1"/>
@@ -16143,520 +16937,6 @@
             <a:r>
               <a:rPr lang="en-US" dirty="0" smtClean="0"/>
               <a:t>Testing Approach</a:t>
-            </a:r>
-            <a:endParaRPr lang="en-US" dirty="0"/>
-          </a:p>
-        </p:txBody>
-      </p:sp>
-      <p:sp>
-        <p:nvSpPr>
-          <p:cNvPr id="3" name="Rounded Rectangle 2"/>
-          <p:cNvSpPr/>
-          <p:nvPr/>
-        </p:nvSpPr>
-        <p:spPr>
-          <a:xfrm>
-            <a:off x="1066800" y="3352800"/>
-            <a:ext cx="7010400" cy="1905000"/>
-          </a:xfrm>
-          <a:prstGeom prst="roundRect">
-            <a:avLst/>
-          </a:prstGeom>
-        </p:spPr>
-        <p:style>
-          <a:lnRef idx="2">
-            <a:schemeClr val="accent3">
-              <a:shade val="50000"/>
-            </a:schemeClr>
-          </a:lnRef>
-          <a:fillRef idx="1">
-            <a:schemeClr val="accent3"/>
-          </a:fillRef>
-          <a:effectRef idx="0">
-            <a:schemeClr val="accent3"/>
-          </a:effectRef>
-          <a:fontRef idx="minor">
-            <a:schemeClr val="lt1"/>
-          </a:fontRef>
-        </p:style>
-        <p:txBody>
-          <a:bodyPr rtlCol="0" anchor="ctr"/>
-          <a:lstStyle/>
-          <a:p>
-            <a:pPr algn="ctr"/>
-            <a:endParaRPr lang="en-US" dirty="0"/>
-          </a:p>
-        </p:txBody>
-      </p:sp>
-      <p:sp>
-        <p:nvSpPr>
-          <p:cNvPr id="4" name="Rectangle 3"/>
-          <p:cNvSpPr/>
-          <p:nvPr/>
-        </p:nvSpPr>
-        <p:spPr>
-          <a:xfrm>
-            <a:off x="2209800" y="3352800"/>
-            <a:ext cx="4953000" cy="1905000"/>
-          </a:xfrm>
-          <a:prstGeom prst="rect">
-            <a:avLst/>
-          </a:prstGeom>
-        </p:spPr>
-        <p:style>
-          <a:lnRef idx="2">
-            <a:schemeClr val="accent1">
-              <a:shade val="50000"/>
-            </a:schemeClr>
-          </a:lnRef>
-          <a:fillRef idx="1">
-            <a:schemeClr val="accent1"/>
-          </a:fillRef>
-          <a:effectRef idx="0">
-            <a:schemeClr val="accent1"/>
-          </a:effectRef>
-          <a:fontRef idx="minor">
-            <a:schemeClr val="lt1"/>
-          </a:fontRef>
-        </p:style>
-        <p:txBody>
-          <a:bodyPr rtlCol="0" anchor="ctr"/>
-          <a:lstStyle/>
-          <a:p>
-            <a:pPr algn="ctr"/>
-            <a:endParaRPr lang="en-US"/>
-          </a:p>
-        </p:txBody>
-      </p:sp>
-      <p:sp>
-        <p:nvSpPr>
-          <p:cNvPr id="5" name="TextBox 4"/>
-          <p:cNvSpPr txBox="1"/>
-          <p:nvPr/>
-        </p:nvSpPr>
-        <p:spPr>
-          <a:xfrm>
-            <a:off x="1066800" y="3982132"/>
-            <a:ext cx="1308100" cy="646331"/>
-          </a:xfrm>
-          <a:prstGeom prst="rect">
-            <a:avLst/>
-          </a:prstGeom>
-          <a:noFill/>
-        </p:spPr>
-        <p:txBody>
-          <a:bodyPr wrap="square" rtlCol="0">
-            <a:spAutoFit/>
-          </a:bodyPr>
-          <a:lstStyle/>
-          <a:p>
-            <a:r>
-              <a:rPr lang="en-US" dirty="0" smtClean="0"/>
-              <a:t>User</a:t>
-            </a:r>
-          </a:p>
-          <a:p>
-            <a:r>
-              <a:rPr lang="en-US" dirty="0" smtClean="0"/>
-              <a:t>Interface</a:t>
-            </a:r>
-            <a:endParaRPr lang="en-US" dirty="0"/>
-          </a:p>
-        </p:txBody>
-      </p:sp>
-      <p:sp>
-        <p:nvSpPr>
-          <p:cNvPr id="6" name="TextBox 5"/>
-          <p:cNvSpPr txBox="1"/>
-          <p:nvPr/>
-        </p:nvSpPr>
-        <p:spPr>
-          <a:xfrm>
-            <a:off x="6769100" y="3982134"/>
-            <a:ext cx="1308100" cy="646331"/>
-          </a:xfrm>
-          <a:prstGeom prst="rect">
-            <a:avLst/>
-          </a:prstGeom>
-          <a:noFill/>
-        </p:spPr>
-        <p:txBody>
-          <a:bodyPr wrap="square" rtlCol="0">
-            <a:spAutoFit/>
-          </a:bodyPr>
-          <a:lstStyle/>
-          <a:p>
-            <a:pPr algn="r"/>
-            <a:r>
-              <a:rPr lang="en-US" dirty="0" smtClean="0"/>
-              <a:t>Data Access</a:t>
-            </a:r>
-            <a:endParaRPr lang="en-US" dirty="0"/>
-          </a:p>
-        </p:txBody>
-      </p:sp>
-      <p:sp>
-        <p:nvSpPr>
-          <p:cNvPr id="7" name="TextBox 6"/>
-          <p:cNvSpPr txBox="1"/>
-          <p:nvPr/>
-        </p:nvSpPr>
-        <p:spPr>
-          <a:xfrm>
-            <a:off x="3917950" y="3982133"/>
-            <a:ext cx="1308100" cy="646331"/>
-          </a:xfrm>
-          <a:prstGeom prst="rect">
-            <a:avLst/>
-          </a:prstGeom>
-          <a:noFill/>
-        </p:spPr>
-        <p:txBody>
-          <a:bodyPr wrap="square" rtlCol="0">
-            <a:spAutoFit/>
-          </a:bodyPr>
-          <a:lstStyle/>
-          <a:p>
-            <a:pPr algn="ctr"/>
-            <a:r>
-              <a:rPr lang="en-US" dirty="0" smtClean="0"/>
-              <a:t>Business Logic</a:t>
-            </a:r>
-            <a:endParaRPr lang="en-US" dirty="0"/>
-          </a:p>
-        </p:txBody>
-      </p:sp>
-      <p:sp>
-        <p:nvSpPr>
-          <p:cNvPr id="8" name="Rectangle 7"/>
-          <p:cNvSpPr/>
-          <p:nvPr/>
-        </p:nvSpPr>
-        <p:spPr>
-          <a:xfrm>
-            <a:off x="2374900" y="3429000"/>
-            <a:ext cx="368300" cy="1752600"/>
-          </a:xfrm>
-          <a:prstGeom prst="rect">
-            <a:avLst/>
-          </a:prstGeom>
-        </p:spPr>
-        <p:style>
-          <a:lnRef idx="1">
-            <a:schemeClr val="accent2"/>
-          </a:lnRef>
-          <a:fillRef idx="2">
-            <a:schemeClr val="accent2"/>
-          </a:fillRef>
-          <a:effectRef idx="1">
-            <a:schemeClr val="accent2"/>
-          </a:effectRef>
-          <a:fontRef idx="minor">
-            <a:schemeClr val="dk1"/>
-          </a:fontRef>
-        </p:style>
-        <p:txBody>
-          <a:bodyPr rtlCol="0" anchor="ctr"/>
-          <a:lstStyle/>
-          <a:p>
-            <a:pPr algn="ctr"/>
-            <a:r>
-              <a:rPr lang="en-US" dirty="0" smtClean="0"/>
-              <a:t>A</a:t>
-            </a:r>
-            <a:endParaRPr lang="en-US" dirty="0"/>
-          </a:p>
-        </p:txBody>
-      </p:sp>
-      <p:sp>
-        <p:nvSpPr>
-          <p:cNvPr id="9" name="Rectangle 8"/>
-          <p:cNvSpPr/>
-          <p:nvPr/>
-        </p:nvSpPr>
-        <p:spPr>
-          <a:xfrm>
-            <a:off x="2819400" y="3429000"/>
-            <a:ext cx="368300" cy="838200"/>
-          </a:xfrm>
-          <a:prstGeom prst="rect">
-            <a:avLst/>
-          </a:prstGeom>
-        </p:spPr>
-        <p:style>
-          <a:lnRef idx="1">
-            <a:schemeClr val="accent2"/>
-          </a:lnRef>
-          <a:fillRef idx="2">
-            <a:schemeClr val="accent2"/>
-          </a:fillRef>
-          <a:effectRef idx="1">
-            <a:schemeClr val="accent2"/>
-          </a:effectRef>
-          <a:fontRef idx="minor">
-            <a:schemeClr val="dk1"/>
-          </a:fontRef>
-        </p:style>
-        <p:txBody>
-          <a:bodyPr rtlCol="0" anchor="ctr"/>
-          <a:lstStyle/>
-          <a:p>
-            <a:pPr algn="ctr"/>
-            <a:r>
-              <a:rPr lang="en-US" dirty="0" smtClean="0"/>
-              <a:t>B</a:t>
-            </a:r>
-            <a:endParaRPr lang="en-US" dirty="0"/>
-          </a:p>
-        </p:txBody>
-      </p:sp>
-      <p:sp>
-        <p:nvSpPr>
-          <p:cNvPr id="10" name="Rectangle 9"/>
-          <p:cNvSpPr/>
-          <p:nvPr/>
-        </p:nvSpPr>
-        <p:spPr>
-          <a:xfrm>
-            <a:off x="2819400" y="4343400"/>
-            <a:ext cx="368300" cy="838200"/>
-          </a:xfrm>
-          <a:prstGeom prst="rect">
-            <a:avLst/>
-          </a:prstGeom>
-        </p:spPr>
-        <p:style>
-          <a:lnRef idx="1">
-            <a:schemeClr val="accent2"/>
-          </a:lnRef>
-          <a:fillRef idx="2">
-            <a:schemeClr val="accent2"/>
-          </a:fillRef>
-          <a:effectRef idx="1">
-            <a:schemeClr val="accent2"/>
-          </a:effectRef>
-          <a:fontRef idx="minor">
-            <a:schemeClr val="dk1"/>
-          </a:fontRef>
-        </p:style>
-        <p:txBody>
-          <a:bodyPr rtlCol="0" anchor="ctr"/>
-          <a:lstStyle/>
-          <a:p>
-            <a:pPr algn="ctr"/>
-            <a:r>
-              <a:rPr lang="en-US" dirty="0" smtClean="0"/>
-              <a:t>C</a:t>
-            </a:r>
-            <a:endParaRPr lang="en-US" dirty="0"/>
-          </a:p>
-        </p:txBody>
-      </p:sp>
-      <p:sp>
-        <p:nvSpPr>
-          <p:cNvPr id="11" name="Rectangle 10"/>
-          <p:cNvSpPr/>
-          <p:nvPr/>
-        </p:nvSpPr>
-        <p:spPr>
-          <a:xfrm>
-            <a:off x="3276600" y="3429000"/>
-            <a:ext cx="368300" cy="1752600"/>
-          </a:xfrm>
-          <a:prstGeom prst="rect">
-            <a:avLst/>
-          </a:prstGeom>
-        </p:spPr>
-        <p:style>
-          <a:lnRef idx="1">
-            <a:schemeClr val="accent2"/>
-          </a:lnRef>
-          <a:fillRef idx="2">
-            <a:schemeClr val="accent2"/>
-          </a:fillRef>
-          <a:effectRef idx="1">
-            <a:schemeClr val="accent2"/>
-          </a:effectRef>
-          <a:fontRef idx="minor">
-            <a:schemeClr val="dk1"/>
-          </a:fontRef>
-        </p:style>
-        <p:txBody>
-          <a:bodyPr rtlCol="0" anchor="ctr"/>
-          <a:lstStyle/>
-          <a:p>
-            <a:pPr algn="ctr"/>
-            <a:r>
-              <a:rPr lang="en-US" dirty="0" smtClean="0"/>
-              <a:t>D</a:t>
-            </a:r>
-            <a:endParaRPr lang="en-US" dirty="0"/>
-          </a:p>
-        </p:txBody>
-      </p:sp>
-      <p:sp>
-        <p:nvSpPr>
-          <p:cNvPr id="12" name="Rectangle 11"/>
-          <p:cNvSpPr/>
-          <p:nvPr/>
-        </p:nvSpPr>
-        <p:spPr>
-          <a:xfrm>
-            <a:off x="5803900" y="3429000"/>
-            <a:ext cx="368300" cy="1752600"/>
-          </a:xfrm>
-          <a:prstGeom prst="rect">
-            <a:avLst/>
-          </a:prstGeom>
-        </p:spPr>
-        <p:style>
-          <a:lnRef idx="1">
-            <a:schemeClr val="accent2"/>
-          </a:lnRef>
-          <a:fillRef idx="2">
-            <a:schemeClr val="accent2"/>
-          </a:fillRef>
-          <a:effectRef idx="1">
-            <a:schemeClr val="accent2"/>
-          </a:effectRef>
-          <a:fontRef idx="minor">
-            <a:schemeClr val="dk1"/>
-          </a:fontRef>
-        </p:style>
-        <p:txBody>
-          <a:bodyPr rtlCol="0" anchor="ctr"/>
-          <a:lstStyle/>
-          <a:p>
-            <a:pPr algn="ctr"/>
-            <a:r>
-              <a:rPr lang="en-US" dirty="0" smtClean="0"/>
-              <a:t>W</a:t>
-            </a:r>
-            <a:endParaRPr lang="en-US" dirty="0"/>
-          </a:p>
-        </p:txBody>
-      </p:sp>
-      <p:sp>
-        <p:nvSpPr>
-          <p:cNvPr id="13" name="Rectangle 12"/>
-          <p:cNvSpPr/>
-          <p:nvPr/>
-        </p:nvSpPr>
-        <p:spPr>
-          <a:xfrm>
-            <a:off x="6248400" y="3429000"/>
-            <a:ext cx="368300" cy="838200"/>
-          </a:xfrm>
-          <a:prstGeom prst="rect">
-            <a:avLst/>
-          </a:prstGeom>
-        </p:spPr>
-        <p:style>
-          <a:lnRef idx="1">
-            <a:schemeClr val="accent2"/>
-          </a:lnRef>
-          <a:fillRef idx="2">
-            <a:schemeClr val="accent2"/>
-          </a:fillRef>
-          <a:effectRef idx="1">
-            <a:schemeClr val="accent2"/>
-          </a:effectRef>
-          <a:fontRef idx="minor">
-            <a:schemeClr val="dk1"/>
-          </a:fontRef>
-        </p:style>
-        <p:txBody>
-          <a:bodyPr rtlCol="0" anchor="ctr"/>
-          <a:lstStyle/>
-          <a:p>
-            <a:pPr algn="ctr"/>
-            <a:r>
-              <a:rPr lang="en-US" dirty="0" smtClean="0"/>
-              <a:t>X</a:t>
-            </a:r>
-            <a:endParaRPr lang="en-US" dirty="0"/>
-          </a:p>
-        </p:txBody>
-      </p:sp>
-      <p:sp>
-        <p:nvSpPr>
-          <p:cNvPr id="14" name="Rectangle 13"/>
-          <p:cNvSpPr/>
-          <p:nvPr/>
-        </p:nvSpPr>
-        <p:spPr>
-          <a:xfrm>
-            <a:off x="6248400" y="4343400"/>
-            <a:ext cx="368300" cy="838200"/>
-          </a:xfrm>
-          <a:prstGeom prst="rect">
-            <a:avLst/>
-          </a:prstGeom>
-        </p:spPr>
-        <p:style>
-          <a:lnRef idx="1">
-            <a:schemeClr val="accent2"/>
-          </a:lnRef>
-          <a:fillRef idx="2">
-            <a:schemeClr val="accent2"/>
-          </a:fillRef>
-          <a:effectRef idx="1">
-            <a:schemeClr val="accent2"/>
-          </a:effectRef>
-          <a:fontRef idx="minor">
-            <a:schemeClr val="dk1"/>
-          </a:fontRef>
-        </p:style>
-        <p:txBody>
-          <a:bodyPr rtlCol="0" anchor="ctr"/>
-          <a:lstStyle/>
-          <a:p>
-            <a:pPr algn="ctr"/>
-            <a:r>
-              <a:rPr lang="en-US" dirty="0" smtClean="0"/>
-              <a:t>Y</a:t>
-            </a:r>
-            <a:endParaRPr lang="en-US" dirty="0"/>
-          </a:p>
-        </p:txBody>
-      </p:sp>
-      <p:sp>
-        <p:nvSpPr>
-          <p:cNvPr id="15" name="Rectangle 14"/>
-          <p:cNvSpPr/>
-          <p:nvPr/>
-        </p:nvSpPr>
-        <p:spPr>
-          <a:xfrm>
-            <a:off x="6705600" y="3429000"/>
-            <a:ext cx="368300" cy="1752600"/>
-          </a:xfrm>
-          <a:prstGeom prst="rect">
-            <a:avLst/>
-          </a:prstGeom>
-        </p:spPr>
-        <p:style>
-          <a:lnRef idx="1">
-            <a:schemeClr val="accent2"/>
-          </a:lnRef>
-          <a:fillRef idx="2">
-            <a:schemeClr val="accent2"/>
-          </a:fillRef>
-          <a:effectRef idx="1">
-            <a:schemeClr val="accent2"/>
-          </a:effectRef>
-          <a:fontRef idx="minor">
-            <a:schemeClr val="dk1"/>
-          </a:fontRef>
-        </p:style>
-        <p:txBody>
-          <a:bodyPr rtlCol="0" anchor="ctr"/>
-          <a:lstStyle/>
-          <a:p>
-            <a:pPr algn="ctr"/>
-            <a:r>
-              <a:rPr lang="en-US" dirty="0" smtClean="0"/>
-              <a:t>Z</a:t>
             </a:r>
             <a:endParaRPr lang="en-US" dirty="0"/>
           </a:p>
@@ -16746,7 +17026,7 @@
         </p:nvSpPr>
         <p:spPr>
           <a:xfrm>
-            <a:off x="3276600" y="4705350"/>
+            <a:off x="3670300" y="4705350"/>
             <a:ext cx="368300" cy="114300"/>
           </a:xfrm>
           <a:prstGeom prst="rect">
@@ -16784,7 +17064,7 @@
         </p:nvSpPr>
         <p:spPr>
           <a:xfrm>
-            <a:off x="5803900" y="4514165"/>
+            <a:off x="5039360" y="4494429"/>
             <a:ext cx="368300" cy="114300"/>
           </a:xfrm>
           <a:prstGeom prst="rect">
@@ -16822,7 +17102,7 @@
         </p:nvSpPr>
         <p:spPr>
           <a:xfrm>
-            <a:off x="6248400" y="4019550"/>
+            <a:off x="5855970" y="4084320"/>
             <a:ext cx="368300" cy="114300"/>
           </a:xfrm>
           <a:prstGeom prst="rect">
@@ -16860,7 +17140,7 @@
         </p:nvSpPr>
         <p:spPr>
           <a:xfrm>
-            <a:off x="6705600" y="4819650"/>
+            <a:off x="6313170" y="4819650"/>
             <a:ext cx="368300" cy="114300"/>
           </a:xfrm>
           <a:prstGeom prst="rect">
@@ -16944,7 +17224,7 @@
         <p:spPr>
           <a:xfrm flipV="1">
             <a:off x="3187700" y="4762500"/>
-            <a:ext cx="88900" cy="247650"/>
+            <a:ext cx="482600" cy="247650"/>
           </a:xfrm>
           <a:prstGeom prst="line">
             <a:avLst/>
@@ -16985,8 +17265,8 @@
         </p:nvCxnSpPr>
         <p:spPr>
           <a:xfrm flipV="1">
-            <a:off x="3644900" y="4571315"/>
-            <a:ext cx="2159000" cy="191185"/>
+            <a:off x="4038600" y="4551579"/>
+            <a:ext cx="1000760" cy="210921"/>
           </a:xfrm>
           <a:prstGeom prst="line">
             <a:avLst/>
@@ -17027,8 +17307,8 @@
         </p:nvCxnSpPr>
         <p:spPr>
           <a:xfrm flipV="1">
-            <a:off x="6172200" y="4076700"/>
-            <a:ext cx="76200" cy="494615"/>
+            <a:off x="5407660" y="4141470"/>
+            <a:ext cx="448310" cy="410109"/>
           </a:xfrm>
           <a:prstGeom prst="line">
             <a:avLst/>
@@ -17069,8 +17349,8 @@
         </p:nvCxnSpPr>
         <p:spPr>
           <a:xfrm>
-            <a:off x="6616700" y="4076700"/>
-            <a:ext cx="88900" cy="800100"/>
+            <a:off x="6224270" y="4141470"/>
+            <a:ext cx="88900" cy="735330"/>
           </a:xfrm>
           <a:prstGeom prst="line">
             <a:avLst/>
@@ -17504,13 +17784,8 @@
             <a:pPr lvl="1"/>
             <a:r>
               <a:rPr lang="en-US" dirty="0" smtClean="0"/>
-              <a:t>Analyze the distance to determine inclusion in the marketing segment</a:t>
+              <a:t>Analyze the distance to determine inclusion in the marketing segment.</a:t>
             </a:r>
-            <a:r>
-              <a:rPr lang="en-US" dirty="0" smtClean="0"/>
-              <a:t>.</a:t>
-            </a:r>
-            <a:endParaRPr lang="en-US" dirty="0" smtClean="0"/>
           </a:p>
           <a:p>
             <a:pPr lvl="1"/>
@@ -17544,6 +17819,13 @@
       </p:transition>
     </mc:Fallback>
   </mc:AlternateContent>
+  <p:timing>
+    <p:tnLst>
+      <p:par>
+        <p:cTn id="1" dur="indefinite" restart="never" nodeType="tmRoot"/>
+      </p:par>
+    </p:tnLst>
+  </p:timing>
 </p:sld>
 </file>
 
@@ -17631,21 +17913,8 @@
                   <a:srgbClr val="C00000"/>
                 </a:solidFill>
               </a:rPr>
-              <a:t>Analyze the distance to determine inclusion in the marketing segment</a:t>
+              <a:t>Analyze the distance to determine inclusion in the marketing segment. (Implemented by Dave)</a:t>
             </a:r>
-            <a:r>
-              <a:rPr lang="en-US" dirty="0" smtClean="0">
-                <a:solidFill>
-                  <a:srgbClr val="C00000"/>
-                </a:solidFill>
-              </a:rPr>
-              <a:t>. (Implemented by Dave)</a:t>
-            </a:r>
-            <a:endParaRPr lang="en-US" dirty="0" smtClean="0">
-              <a:solidFill>
-                <a:srgbClr val="C00000"/>
-              </a:solidFill>
-            </a:endParaRPr>
           </a:p>
           <a:p>
             <a:pPr lvl="1"/>
@@ -17679,6 +17948,13 @@
       </p:transition>
     </mc:Fallback>
   </mc:AlternateContent>
+  <p:timing>
+    <p:tnLst>
+      <p:par>
+        <p:cTn id="1" dur="indefinite" restart="never" nodeType="tmRoot"/>
+      </p:par>
+    </p:tnLst>
+  </p:timing>
 </p:sld>
 </file>
 
@@ -19041,6 +19317,13 @@
       </p:transition>
     </mc:Fallback>
   </mc:AlternateContent>
+  <p:timing>
+    <p:tnLst>
+      <p:par>
+        <p:cTn id="1" dur="indefinite" restart="never" nodeType="tmRoot"/>
+      </p:par>
+    </p:tnLst>
+  </p:timing>
 </p:sld>
 </file>
 
@@ -19172,6 +19455,13 @@
       </p:transition>
     </mc:Fallback>
   </mc:AlternateContent>
+  <p:timing>
+    <p:tnLst>
+      <p:par>
+        <p:cTn id="1" dur="indefinite" restart="never" nodeType="tmRoot"/>
+      </p:par>
+    </p:tnLst>
+  </p:timing>
 </p:sld>
 </file>
 
@@ -19260,6 +19550,13 @@
       </p:transition>
     </mc:Fallback>
   </mc:AlternateContent>
+  <p:timing>
+    <p:tnLst>
+      <p:par>
+        <p:cTn id="1" dur="indefinite" restart="never" nodeType="tmRoot"/>
+      </p:par>
+    </p:tnLst>
+  </p:timing>
 </p:sld>
 </file>
 
@@ -19320,6 +19617,13 @@
   <p:clrMapOvr>
     <a:masterClrMapping/>
   </p:clrMapOvr>
+  <p:timing>
+    <p:tnLst>
+      <p:par>
+        <p:cTn id="1" dur="indefinite" restart="never" nodeType="tmRoot"/>
+      </p:par>
+    </p:tnLst>
+  </p:timing>
 </p:sld>
 </file>
 
@@ -19576,15 +19880,6 @@
               </a:rPr>
               <a:t>In case you forget later…</a:t>
             </a:r>
-            <a:endParaRPr lang="en-US" b="1" dirty="0" smtClean="0">
-              <a:solidFill>
-                <a:schemeClr val="accent3">
-                  <a:lumMod val="50000"/>
-                </a:schemeClr>
-              </a:solidFill>
-              <a:latin typeface="MV Boli" pitchFamily="2" charset="0"/>
-              <a:cs typeface="MV Boli" pitchFamily="2" charset="0"/>
-            </a:endParaRPr>
           </a:p>
         </p:txBody>
       </p:sp>
@@ -19598,6 +19893,13 @@
   <p:clrMapOvr>
     <a:masterClrMapping/>
   </p:clrMapOvr>
+  <p:timing>
+    <p:tnLst>
+      <p:par>
+        <p:cTn id="1" dur="indefinite" restart="never" nodeType="tmRoot"/>
+      </p:par>
+    </p:tnLst>
+  </p:timing>
 </p:sld>
 </file>
 
@@ -20212,184 +20514,329 @@
           </a:p>
         </p:txBody>
       </p:sp>
-      <p:sp>
-        <p:nvSpPr>
-          <p:cNvPr id="3" name="Rounded Rectangle 2"/>
-          <p:cNvSpPr/>
+      <p:grpSp>
+        <p:nvGrpSpPr>
+          <p:cNvPr id="12" name="Group 11"/>
+          <p:cNvGrpSpPr/>
           <p:nvPr/>
-        </p:nvSpPr>
-        <p:spPr>
+        </p:nvGrpSpPr>
+        <p:grpSpPr>
           <a:xfrm>
-            <a:off x="1066800" y="3352800"/>
-            <a:ext cx="7010400" cy="1905000"/>
+            <a:off x="1066800" y="3352797"/>
+            <a:ext cx="7010400" cy="1905003"/>
+            <a:chOff x="1066800" y="3352797"/>
+            <a:chExt cx="7010400" cy="1905003"/>
           </a:xfrm>
-          <a:prstGeom prst="roundRect">
-            <a:avLst/>
-          </a:prstGeom>
-        </p:spPr>
-        <p:style>
-          <a:lnRef idx="2">
-            <a:schemeClr val="accent3">
-              <a:shade val="50000"/>
-            </a:schemeClr>
-          </a:lnRef>
-          <a:fillRef idx="1">
-            <a:schemeClr val="accent3"/>
-          </a:fillRef>
-          <a:effectRef idx="0">
-            <a:schemeClr val="accent3"/>
-          </a:effectRef>
-          <a:fontRef idx="minor">
-            <a:schemeClr val="lt1"/>
-          </a:fontRef>
-        </p:style>
-        <p:txBody>
-          <a:bodyPr rtlCol="0" anchor="ctr"/>
-          <a:lstStyle/>
-          <a:p>
-            <a:pPr algn="ctr"/>
-            <a:endParaRPr lang="en-US" dirty="0"/>
-          </a:p>
-        </p:txBody>
-      </p:sp>
-      <p:sp>
-        <p:nvSpPr>
-          <p:cNvPr id="4" name="Rectangle 3"/>
-          <p:cNvSpPr/>
-          <p:nvPr/>
-        </p:nvSpPr>
-        <p:spPr>
-          <a:xfrm>
-            <a:off x="2209800" y="3352800"/>
-            <a:ext cx="4953000" cy="1905000"/>
-          </a:xfrm>
-          <a:prstGeom prst="rect">
-            <a:avLst/>
-          </a:prstGeom>
-        </p:spPr>
-        <p:style>
-          <a:lnRef idx="2">
-            <a:schemeClr val="accent1">
-              <a:shade val="50000"/>
-            </a:schemeClr>
-          </a:lnRef>
-          <a:fillRef idx="1">
-            <a:schemeClr val="accent1"/>
-          </a:fillRef>
-          <a:effectRef idx="0">
-            <a:schemeClr val="accent1"/>
-          </a:effectRef>
-          <a:fontRef idx="minor">
-            <a:schemeClr val="lt1"/>
-          </a:fontRef>
-        </p:style>
-        <p:txBody>
-          <a:bodyPr rtlCol="0" anchor="ctr"/>
-          <a:lstStyle/>
-          <a:p>
-            <a:pPr algn="ctr"/>
-            <a:endParaRPr lang="en-US"/>
-          </a:p>
-        </p:txBody>
-      </p:sp>
-      <p:sp>
-        <p:nvSpPr>
-          <p:cNvPr id="5" name="TextBox 4"/>
-          <p:cNvSpPr txBox="1"/>
-          <p:nvPr/>
-        </p:nvSpPr>
-        <p:spPr>
-          <a:xfrm>
-            <a:off x="1066800" y="3982132"/>
-            <a:ext cx="1308100" cy="646331"/>
-          </a:xfrm>
-          <a:prstGeom prst="rect">
-            <a:avLst/>
-          </a:prstGeom>
-          <a:noFill/>
-        </p:spPr>
-        <p:txBody>
-          <a:bodyPr wrap="square" rtlCol="0">
-            <a:spAutoFit/>
-          </a:bodyPr>
-          <a:lstStyle/>
-          <a:p>
-            <a:r>
-              <a:rPr lang="en-US" dirty="0" smtClean="0"/>
-              <a:t>User</a:t>
-            </a:r>
-          </a:p>
-          <a:p>
-            <a:r>
-              <a:rPr lang="en-US" dirty="0" smtClean="0"/>
-              <a:t>Interface</a:t>
-            </a:r>
-            <a:endParaRPr lang="en-US" dirty="0"/>
-          </a:p>
-        </p:txBody>
-      </p:sp>
-      <p:sp>
-        <p:nvSpPr>
-          <p:cNvPr id="6" name="TextBox 5"/>
-          <p:cNvSpPr txBox="1"/>
-          <p:nvPr/>
-        </p:nvSpPr>
-        <p:spPr>
-          <a:xfrm>
-            <a:off x="6769100" y="3982134"/>
-            <a:ext cx="1308100" cy="646331"/>
-          </a:xfrm>
-          <a:prstGeom prst="rect">
-            <a:avLst/>
-          </a:prstGeom>
-          <a:noFill/>
-        </p:spPr>
-        <p:txBody>
-          <a:bodyPr wrap="square" rtlCol="0">
-            <a:spAutoFit/>
-          </a:bodyPr>
-          <a:lstStyle/>
-          <a:p>
-            <a:pPr algn="r"/>
-            <a:r>
-              <a:rPr lang="en-US" dirty="0" smtClean="0"/>
-              <a:t>Data Access</a:t>
-            </a:r>
-            <a:endParaRPr lang="en-US" dirty="0"/>
-          </a:p>
-        </p:txBody>
-      </p:sp>
-      <p:sp>
-        <p:nvSpPr>
-          <p:cNvPr id="7" name="TextBox 6"/>
-          <p:cNvSpPr txBox="1"/>
-          <p:nvPr/>
-        </p:nvSpPr>
-        <p:spPr>
-          <a:xfrm>
-            <a:off x="3917950" y="3982133"/>
-            <a:ext cx="1308100" cy="646331"/>
-          </a:xfrm>
-          <a:prstGeom prst="rect">
-            <a:avLst/>
-          </a:prstGeom>
-          <a:noFill/>
-        </p:spPr>
-        <p:txBody>
-          <a:bodyPr wrap="square" rtlCol="0">
-            <a:spAutoFit/>
-          </a:bodyPr>
-          <a:lstStyle/>
-          <a:p>
-            <a:pPr algn="ctr"/>
-            <a:r>
-              <a:rPr lang="en-US" dirty="0" smtClean="0"/>
-              <a:t>Business Logic</a:t>
-            </a:r>
-            <a:endParaRPr lang="en-US" dirty="0"/>
-          </a:p>
-        </p:txBody>
-      </p:sp>
+        </p:grpSpPr>
+        <p:sp>
+          <p:nvSpPr>
+            <p:cNvPr id="11" name="Rounded Rectangle 10"/>
+            <p:cNvSpPr/>
+            <p:nvPr/>
+          </p:nvSpPr>
+          <p:spPr>
+            <a:xfrm>
+              <a:off x="4511040" y="3352797"/>
+              <a:ext cx="3505200" cy="1905000"/>
+            </a:xfrm>
+            <a:prstGeom prst="roundRect">
+              <a:avLst/>
+            </a:prstGeom>
+          </p:spPr>
+          <p:style>
+            <a:lnRef idx="2">
+              <a:schemeClr val="accent4">
+                <a:shade val="50000"/>
+              </a:schemeClr>
+            </a:lnRef>
+            <a:fillRef idx="1">
+              <a:schemeClr val="accent4"/>
+            </a:fillRef>
+            <a:effectRef idx="0">
+              <a:schemeClr val="accent4"/>
+            </a:effectRef>
+            <a:fontRef idx="minor">
+              <a:schemeClr val="lt1"/>
+            </a:fontRef>
+          </p:style>
+          <p:txBody>
+            <a:bodyPr rtlCol="0" anchor="ctr"/>
+            <a:lstStyle/>
+            <a:p>
+              <a:pPr algn="ctr"/>
+              <a:endParaRPr lang="en-US" dirty="0"/>
+            </a:p>
+          </p:txBody>
+        </p:sp>
+        <p:sp>
+          <p:nvSpPr>
+            <p:cNvPr id="3" name="Rounded Rectangle 2"/>
+            <p:cNvSpPr/>
+            <p:nvPr/>
+          </p:nvSpPr>
+          <p:spPr>
+            <a:xfrm>
+              <a:off x="1066800" y="3352800"/>
+              <a:ext cx="3505200" cy="1905000"/>
+            </a:xfrm>
+            <a:prstGeom prst="roundRect">
+              <a:avLst/>
+            </a:prstGeom>
+          </p:spPr>
+          <p:style>
+            <a:lnRef idx="2">
+              <a:schemeClr val="accent3">
+                <a:shade val="50000"/>
+              </a:schemeClr>
+            </a:lnRef>
+            <a:fillRef idx="1">
+              <a:schemeClr val="accent3"/>
+            </a:fillRef>
+            <a:effectRef idx="0">
+              <a:schemeClr val="accent3"/>
+            </a:effectRef>
+            <a:fontRef idx="minor">
+              <a:schemeClr val="lt1"/>
+            </a:fontRef>
+          </p:style>
+          <p:txBody>
+            <a:bodyPr rtlCol="0" anchor="ctr"/>
+            <a:lstStyle/>
+            <a:p>
+              <a:pPr algn="ctr"/>
+              <a:endParaRPr lang="en-US" dirty="0"/>
+            </a:p>
+          </p:txBody>
+        </p:sp>
+        <p:sp>
+          <p:nvSpPr>
+            <p:cNvPr id="5" name="TextBox 4"/>
+            <p:cNvSpPr txBox="1"/>
+            <p:nvPr/>
+          </p:nvSpPr>
+          <p:spPr>
+            <a:xfrm>
+              <a:off x="1066800" y="3982132"/>
+              <a:ext cx="1308100" cy="369332"/>
+            </a:xfrm>
+            <a:prstGeom prst="rect">
+              <a:avLst/>
+            </a:prstGeom>
+            <a:noFill/>
+          </p:spPr>
+          <p:txBody>
+            <a:bodyPr wrap="square" rtlCol="0">
+              <a:spAutoFit/>
+            </a:bodyPr>
+            <a:lstStyle/>
+            <a:p>
+              <a:r>
+                <a:rPr lang="en-US" dirty="0" smtClean="0"/>
+                <a:t>UI</a:t>
+              </a:r>
+              <a:endParaRPr lang="en-US" dirty="0"/>
+            </a:p>
+          </p:txBody>
+        </p:sp>
+        <p:sp>
+          <p:nvSpPr>
+            <p:cNvPr id="6" name="TextBox 5"/>
+            <p:cNvSpPr txBox="1"/>
+            <p:nvPr/>
+          </p:nvSpPr>
+          <p:spPr>
+            <a:xfrm>
+              <a:off x="6769100" y="3982134"/>
+              <a:ext cx="1308100" cy="369332"/>
+            </a:xfrm>
+            <a:prstGeom prst="rect">
+              <a:avLst/>
+            </a:prstGeom>
+            <a:noFill/>
+          </p:spPr>
+          <p:txBody>
+            <a:bodyPr wrap="square" rtlCol="0">
+              <a:spAutoFit/>
+            </a:bodyPr>
+            <a:lstStyle/>
+            <a:p>
+              <a:pPr algn="r"/>
+              <a:r>
+                <a:rPr lang="en-US" dirty="0" smtClean="0"/>
+                <a:t>Data</a:t>
+              </a:r>
+              <a:endParaRPr lang="en-US" dirty="0"/>
+            </a:p>
+          </p:txBody>
+        </p:sp>
+        <p:sp>
+          <p:nvSpPr>
+            <p:cNvPr id="8" name="Rectangle 7"/>
+            <p:cNvSpPr/>
+            <p:nvPr/>
+          </p:nvSpPr>
+          <p:spPr>
+            <a:xfrm>
+              <a:off x="3581400" y="3352800"/>
+              <a:ext cx="1905000" cy="1905000"/>
+            </a:xfrm>
+            <a:prstGeom prst="rect">
+              <a:avLst/>
+            </a:prstGeom>
+          </p:spPr>
+          <p:style>
+            <a:lnRef idx="0">
+              <a:schemeClr val="accent1"/>
+            </a:lnRef>
+            <a:fillRef idx="3">
+              <a:schemeClr val="accent1"/>
+            </a:fillRef>
+            <a:effectRef idx="3">
+              <a:schemeClr val="accent1"/>
+            </a:effectRef>
+            <a:fontRef idx="minor">
+              <a:schemeClr val="lt1"/>
+            </a:fontRef>
+          </p:style>
+          <p:txBody>
+            <a:bodyPr rtlCol="0" anchor="ctr"/>
+            <a:lstStyle/>
+            <a:p>
+              <a:pPr algn="ctr"/>
+              <a:endParaRPr lang="en-US"/>
+            </a:p>
+          </p:txBody>
+        </p:sp>
+        <p:sp>
+          <p:nvSpPr>
+            <p:cNvPr id="7" name="TextBox 6"/>
+            <p:cNvSpPr txBox="1"/>
+            <p:nvPr/>
+          </p:nvSpPr>
+          <p:spPr>
+            <a:xfrm>
+              <a:off x="3917950" y="3982133"/>
+              <a:ext cx="1308100" cy="646331"/>
+            </a:xfrm>
+            <a:prstGeom prst="rect">
+              <a:avLst/>
+            </a:prstGeom>
+            <a:noFill/>
+          </p:spPr>
+          <p:txBody>
+            <a:bodyPr wrap="square" rtlCol="0">
+              <a:spAutoFit/>
+            </a:bodyPr>
+            <a:lstStyle/>
+            <a:p>
+              <a:pPr algn="ctr"/>
+              <a:r>
+                <a:rPr lang="en-US" dirty="0" smtClean="0"/>
+                <a:t>Business Logic</a:t>
+              </a:r>
+              <a:endParaRPr lang="en-US" dirty="0"/>
+            </a:p>
+          </p:txBody>
+        </p:sp>
+        <p:sp>
+          <p:nvSpPr>
+            <p:cNvPr id="9" name="Rectangle 8"/>
+            <p:cNvSpPr/>
+            <p:nvPr/>
+          </p:nvSpPr>
+          <p:spPr>
+            <a:xfrm>
+              <a:off x="2286000" y="3352800"/>
+              <a:ext cx="1295400" cy="1905000"/>
+            </a:xfrm>
+            <a:prstGeom prst="rect">
+              <a:avLst/>
+            </a:prstGeom>
+          </p:spPr>
+          <p:style>
+            <a:lnRef idx="0">
+              <a:schemeClr val="accent3"/>
+            </a:lnRef>
+            <a:fillRef idx="3">
+              <a:schemeClr val="accent3"/>
+            </a:fillRef>
+            <a:effectRef idx="3">
+              <a:schemeClr val="accent3"/>
+            </a:effectRef>
+            <a:fontRef idx="minor">
+              <a:schemeClr val="lt1"/>
+            </a:fontRef>
+          </p:style>
+          <p:txBody>
+            <a:bodyPr rtlCol="0" anchor="ctr"/>
+            <a:lstStyle/>
+            <a:p>
+              <a:pPr algn="ctr"/>
+              <a:r>
+                <a:rPr lang="en-US" dirty="0" smtClean="0"/>
+                <a:t>UI</a:t>
+              </a:r>
+            </a:p>
+            <a:p>
+              <a:pPr algn="ctr"/>
+              <a:r>
+                <a:rPr lang="en-US" dirty="0" smtClean="0"/>
+                <a:t>Logic</a:t>
+              </a:r>
+              <a:endParaRPr lang="en-US" dirty="0"/>
+            </a:p>
+          </p:txBody>
+        </p:sp>
+        <p:sp>
+          <p:nvSpPr>
+            <p:cNvPr id="10" name="Rectangle 9"/>
+            <p:cNvSpPr/>
+            <p:nvPr/>
+          </p:nvSpPr>
+          <p:spPr>
+            <a:xfrm>
+              <a:off x="5473700" y="3352800"/>
+              <a:ext cx="1295400" cy="1905000"/>
+            </a:xfrm>
+            <a:prstGeom prst="rect">
+              <a:avLst/>
+            </a:prstGeom>
+          </p:spPr>
+          <p:style>
+            <a:lnRef idx="0">
+              <a:schemeClr val="accent4"/>
+            </a:lnRef>
+            <a:fillRef idx="3">
+              <a:schemeClr val="accent4"/>
+            </a:fillRef>
+            <a:effectRef idx="3">
+              <a:schemeClr val="accent4"/>
+            </a:effectRef>
+            <a:fontRef idx="minor">
+              <a:schemeClr val="lt1"/>
+            </a:fontRef>
+          </p:style>
+          <p:txBody>
+            <a:bodyPr rtlCol="0" anchor="ctr"/>
+            <a:lstStyle/>
+            <a:p>
+              <a:pPr algn="ctr"/>
+              <a:r>
+                <a:rPr lang="en-US" dirty="0" smtClean="0"/>
+                <a:t>Data</a:t>
+              </a:r>
+            </a:p>
+            <a:p>
+              <a:pPr algn="ctr"/>
+              <a:r>
+                <a:rPr lang="en-US" dirty="0" smtClean="0"/>
+                <a:t>Logic</a:t>
+              </a:r>
+              <a:endParaRPr lang="en-US" dirty="0"/>
+            </a:p>
+          </p:txBody>
+        </p:sp>
+      </p:grpSp>
     </p:spTree>
     <p:extLst>
       <p:ext uri="{BB962C8B-B14F-4D97-AF65-F5344CB8AC3E}">
